--- a/presentation/DSII_INITERMEDIATE.pptx
+++ b/presentation/DSII_INITERMEDIATE.pptx
@@ -5,22 +5,30 @@
     <p:sldMasterId id="2147483752" r:id="rId1"/>
   </p:sldMasterIdLst>
   <p:notesMasterIdLst>
-    <p:notesMasterId r:id="rId15"/>
+    <p:notesMasterId r:id="rId23"/>
   </p:notesMasterIdLst>
   <p:sldIdLst>
     <p:sldId id="256" r:id="rId2"/>
     <p:sldId id="260" r:id="rId3"/>
     <p:sldId id="264" r:id="rId4"/>
-    <p:sldId id="267" r:id="rId5"/>
-    <p:sldId id="266" r:id="rId6"/>
-    <p:sldId id="263" r:id="rId7"/>
-    <p:sldId id="271" r:id="rId8"/>
-    <p:sldId id="269" r:id="rId9"/>
-    <p:sldId id="270" r:id="rId10"/>
-    <p:sldId id="268" r:id="rId11"/>
-    <p:sldId id="261" r:id="rId12"/>
-    <p:sldId id="262" r:id="rId13"/>
-    <p:sldId id="265" r:id="rId14"/>
+    <p:sldId id="266" r:id="rId5"/>
+    <p:sldId id="263" r:id="rId6"/>
+    <p:sldId id="271" r:id="rId7"/>
+    <p:sldId id="272" r:id="rId8"/>
+    <p:sldId id="274" r:id="rId9"/>
+    <p:sldId id="273" r:id="rId10"/>
+    <p:sldId id="269" r:id="rId11"/>
+    <p:sldId id="270" r:id="rId12"/>
+    <p:sldId id="276" r:id="rId13"/>
+    <p:sldId id="277" r:id="rId14"/>
+    <p:sldId id="283" r:id="rId15"/>
+    <p:sldId id="278" r:id="rId16"/>
+    <p:sldId id="281" r:id="rId17"/>
+    <p:sldId id="279" r:id="rId18"/>
+    <p:sldId id="280" r:id="rId19"/>
+    <p:sldId id="275" r:id="rId20"/>
+    <p:sldId id="282" r:id="rId21"/>
+    <p:sldId id="265" r:id="rId22"/>
   </p:sldIdLst>
   <p:sldSz cx="12192000" cy="6858000"/>
   <p:notesSz cx="6858000" cy="9144000"/>
@@ -209,7 +217,7 @@
           <a:p>
             <a:fld id="{FEB0165A-C1AA-4349-A93D-A4C6DB843D3A}" type="datetimeFigureOut">
               <a:rPr lang="de-DE" smtClean="0"/>
-              <a:t>01.12.21</a:t>
+              <a:t>06.12.21</a:t>
             </a:fld>
             <a:endParaRPr lang="de-DE"/>
           </a:p>
@@ -634,7 +642,7 @@
     </p:spTree>
     <p:extLst>
       <p:ext uri="{BB962C8B-B14F-4D97-AF65-F5344CB8AC3E}">
-        <p14:creationId xmlns:p14="http://schemas.microsoft.com/office/powerpoint/2010/main" val="1521731620"/>
+        <p14:creationId xmlns:p14="http://schemas.microsoft.com/office/powerpoint/2010/main" val="537900203"/>
       </p:ext>
     </p:extLst>
   </p:cSld>
@@ -718,7 +726,7 @@
     </p:spTree>
     <p:extLst>
       <p:ext uri="{BB962C8B-B14F-4D97-AF65-F5344CB8AC3E}">
-        <p14:creationId xmlns:p14="http://schemas.microsoft.com/office/powerpoint/2010/main" val="134234979"/>
+        <p14:creationId xmlns:p14="http://schemas.microsoft.com/office/powerpoint/2010/main" val="3054513519"/>
       </p:ext>
     </p:extLst>
   </p:cSld>
@@ -802,7 +810,7 @@
     </p:spTree>
     <p:extLst>
       <p:ext uri="{BB962C8B-B14F-4D97-AF65-F5344CB8AC3E}">
-        <p14:creationId xmlns:p14="http://schemas.microsoft.com/office/powerpoint/2010/main" val="671530887"/>
+        <p14:creationId xmlns:p14="http://schemas.microsoft.com/office/powerpoint/2010/main" val="1192007372"/>
       </p:ext>
     </p:extLst>
   </p:cSld>
@@ -886,7 +894,511 @@
     </p:spTree>
     <p:extLst>
       <p:ext uri="{BB962C8B-B14F-4D97-AF65-F5344CB8AC3E}">
-        <p14:creationId xmlns:p14="http://schemas.microsoft.com/office/powerpoint/2010/main" val="416218577"/>
+        <p14:creationId xmlns:p14="http://schemas.microsoft.com/office/powerpoint/2010/main" val="434997071"/>
+      </p:ext>
+    </p:extLst>
+  </p:cSld>
+  <p:clrMapOvr>
+    <a:masterClrMapping/>
+  </p:clrMapOvr>
+</p:notes>
+</file>
+
+<file path=ppt/notesSlides/notesSlide14.xml><?xml version="1.0" encoding="utf-8"?>
+<p:notes xmlns:a="http://schemas.openxmlformats.org/drawingml/2006/main" xmlns:r="http://schemas.openxmlformats.org/officeDocument/2006/relationships" xmlns:p="http://schemas.openxmlformats.org/presentationml/2006/main">
+  <p:cSld>
+    <p:spTree>
+      <p:nvGrpSpPr>
+        <p:cNvPr id="1" name=""/>
+        <p:cNvGrpSpPr/>
+        <p:nvPr/>
+      </p:nvGrpSpPr>
+      <p:grpSpPr>
+        <a:xfrm>
+          <a:off x="0" y="0"/>
+          <a:ext cx="0" cy="0"/>
+          <a:chOff x="0" y="0"/>
+          <a:chExt cx="0" cy="0"/>
+        </a:xfrm>
+      </p:grpSpPr>
+      <p:sp>
+        <p:nvSpPr>
+          <p:cNvPr id="2" name="Folienbildplatzhalter 1"/>
+          <p:cNvSpPr>
+            <a:spLocks noGrp="1" noRot="1" noChangeAspect="1"/>
+          </p:cNvSpPr>
+          <p:nvPr>
+            <p:ph type="sldImg"/>
+          </p:nvPr>
+        </p:nvSpPr>
+        <p:spPr/>
+      </p:sp>
+      <p:sp>
+        <p:nvSpPr>
+          <p:cNvPr id="3" name="Notizenplatzhalter 2"/>
+          <p:cNvSpPr>
+            <a:spLocks noGrp="1"/>
+          </p:cNvSpPr>
+          <p:nvPr>
+            <p:ph type="body" idx="1"/>
+          </p:nvPr>
+        </p:nvSpPr>
+        <p:spPr/>
+        <p:txBody>
+          <a:bodyPr/>
+          <a:lstStyle/>
+          <a:p>
+            <a:endParaRPr lang="de-DE" dirty="0"/>
+          </a:p>
+        </p:txBody>
+      </p:sp>
+      <p:sp>
+        <p:nvSpPr>
+          <p:cNvPr id="4" name="Foliennummernplatzhalter 3"/>
+          <p:cNvSpPr>
+            <a:spLocks noGrp="1"/>
+          </p:cNvSpPr>
+          <p:nvPr>
+            <p:ph type="sldNum" sz="quarter" idx="5"/>
+          </p:nvPr>
+        </p:nvSpPr>
+        <p:spPr/>
+        <p:txBody>
+          <a:bodyPr/>
+          <a:lstStyle/>
+          <a:p>
+            <a:fld id="{791B883B-0934-3349-947A-4E734B544C9A}" type="slidenum">
+              <a:rPr lang="de-DE" smtClean="0"/>
+              <a:t>14</a:t>
+            </a:fld>
+            <a:endParaRPr lang="de-DE"/>
+          </a:p>
+        </p:txBody>
+      </p:sp>
+    </p:spTree>
+    <p:extLst>
+      <p:ext uri="{BB962C8B-B14F-4D97-AF65-F5344CB8AC3E}">
+        <p14:creationId xmlns:p14="http://schemas.microsoft.com/office/powerpoint/2010/main" val="2209668505"/>
+      </p:ext>
+    </p:extLst>
+  </p:cSld>
+  <p:clrMapOvr>
+    <a:masterClrMapping/>
+  </p:clrMapOvr>
+</p:notes>
+</file>
+
+<file path=ppt/notesSlides/notesSlide15.xml><?xml version="1.0" encoding="utf-8"?>
+<p:notes xmlns:a="http://schemas.openxmlformats.org/drawingml/2006/main" xmlns:r="http://schemas.openxmlformats.org/officeDocument/2006/relationships" xmlns:p="http://schemas.openxmlformats.org/presentationml/2006/main">
+  <p:cSld>
+    <p:spTree>
+      <p:nvGrpSpPr>
+        <p:cNvPr id="1" name=""/>
+        <p:cNvGrpSpPr/>
+        <p:nvPr/>
+      </p:nvGrpSpPr>
+      <p:grpSpPr>
+        <a:xfrm>
+          <a:off x="0" y="0"/>
+          <a:ext cx="0" cy="0"/>
+          <a:chOff x="0" y="0"/>
+          <a:chExt cx="0" cy="0"/>
+        </a:xfrm>
+      </p:grpSpPr>
+      <p:sp>
+        <p:nvSpPr>
+          <p:cNvPr id="2" name="Folienbildplatzhalter 1"/>
+          <p:cNvSpPr>
+            <a:spLocks noGrp="1" noRot="1" noChangeAspect="1"/>
+          </p:cNvSpPr>
+          <p:nvPr>
+            <p:ph type="sldImg"/>
+          </p:nvPr>
+        </p:nvSpPr>
+        <p:spPr/>
+      </p:sp>
+      <p:sp>
+        <p:nvSpPr>
+          <p:cNvPr id="3" name="Notizenplatzhalter 2"/>
+          <p:cNvSpPr>
+            <a:spLocks noGrp="1"/>
+          </p:cNvSpPr>
+          <p:nvPr>
+            <p:ph type="body" idx="1"/>
+          </p:nvPr>
+        </p:nvSpPr>
+        <p:spPr/>
+        <p:txBody>
+          <a:bodyPr/>
+          <a:lstStyle/>
+          <a:p>
+            <a:endParaRPr lang="de-DE" dirty="0"/>
+          </a:p>
+        </p:txBody>
+      </p:sp>
+      <p:sp>
+        <p:nvSpPr>
+          <p:cNvPr id="4" name="Foliennummernplatzhalter 3"/>
+          <p:cNvSpPr>
+            <a:spLocks noGrp="1"/>
+          </p:cNvSpPr>
+          <p:nvPr>
+            <p:ph type="sldNum" sz="quarter" idx="5"/>
+          </p:nvPr>
+        </p:nvSpPr>
+        <p:spPr/>
+        <p:txBody>
+          <a:bodyPr/>
+          <a:lstStyle/>
+          <a:p>
+            <a:fld id="{791B883B-0934-3349-947A-4E734B544C9A}" type="slidenum">
+              <a:rPr lang="de-DE" smtClean="0"/>
+              <a:t>15</a:t>
+            </a:fld>
+            <a:endParaRPr lang="de-DE"/>
+          </a:p>
+        </p:txBody>
+      </p:sp>
+    </p:spTree>
+    <p:extLst>
+      <p:ext uri="{BB962C8B-B14F-4D97-AF65-F5344CB8AC3E}">
+        <p14:creationId xmlns:p14="http://schemas.microsoft.com/office/powerpoint/2010/main" val="3095603901"/>
+      </p:ext>
+    </p:extLst>
+  </p:cSld>
+  <p:clrMapOvr>
+    <a:masterClrMapping/>
+  </p:clrMapOvr>
+</p:notes>
+</file>
+
+<file path=ppt/notesSlides/notesSlide16.xml><?xml version="1.0" encoding="utf-8"?>
+<p:notes xmlns:a="http://schemas.openxmlformats.org/drawingml/2006/main" xmlns:r="http://schemas.openxmlformats.org/officeDocument/2006/relationships" xmlns:p="http://schemas.openxmlformats.org/presentationml/2006/main">
+  <p:cSld>
+    <p:spTree>
+      <p:nvGrpSpPr>
+        <p:cNvPr id="1" name=""/>
+        <p:cNvGrpSpPr/>
+        <p:nvPr/>
+      </p:nvGrpSpPr>
+      <p:grpSpPr>
+        <a:xfrm>
+          <a:off x="0" y="0"/>
+          <a:ext cx="0" cy="0"/>
+          <a:chOff x="0" y="0"/>
+          <a:chExt cx="0" cy="0"/>
+        </a:xfrm>
+      </p:grpSpPr>
+      <p:sp>
+        <p:nvSpPr>
+          <p:cNvPr id="2" name="Folienbildplatzhalter 1"/>
+          <p:cNvSpPr>
+            <a:spLocks noGrp="1" noRot="1" noChangeAspect="1"/>
+          </p:cNvSpPr>
+          <p:nvPr>
+            <p:ph type="sldImg"/>
+          </p:nvPr>
+        </p:nvSpPr>
+        <p:spPr/>
+      </p:sp>
+      <p:sp>
+        <p:nvSpPr>
+          <p:cNvPr id="3" name="Notizenplatzhalter 2"/>
+          <p:cNvSpPr>
+            <a:spLocks noGrp="1"/>
+          </p:cNvSpPr>
+          <p:nvPr>
+            <p:ph type="body" idx="1"/>
+          </p:nvPr>
+        </p:nvSpPr>
+        <p:spPr/>
+        <p:txBody>
+          <a:bodyPr/>
+          <a:lstStyle/>
+          <a:p>
+            <a:endParaRPr lang="de-DE" dirty="0"/>
+          </a:p>
+        </p:txBody>
+      </p:sp>
+      <p:sp>
+        <p:nvSpPr>
+          <p:cNvPr id="4" name="Foliennummernplatzhalter 3"/>
+          <p:cNvSpPr>
+            <a:spLocks noGrp="1"/>
+          </p:cNvSpPr>
+          <p:nvPr>
+            <p:ph type="sldNum" sz="quarter" idx="5"/>
+          </p:nvPr>
+        </p:nvSpPr>
+        <p:spPr/>
+        <p:txBody>
+          <a:bodyPr/>
+          <a:lstStyle/>
+          <a:p>
+            <a:fld id="{791B883B-0934-3349-947A-4E734B544C9A}" type="slidenum">
+              <a:rPr lang="de-DE" smtClean="0"/>
+              <a:t>16</a:t>
+            </a:fld>
+            <a:endParaRPr lang="de-DE"/>
+          </a:p>
+        </p:txBody>
+      </p:sp>
+    </p:spTree>
+    <p:extLst>
+      <p:ext uri="{BB962C8B-B14F-4D97-AF65-F5344CB8AC3E}">
+        <p14:creationId xmlns:p14="http://schemas.microsoft.com/office/powerpoint/2010/main" val="36534193"/>
+      </p:ext>
+    </p:extLst>
+  </p:cSld>
+  <p:clrMapOvr>
+    <a:masterClrMapping/>
+  </p:clrMapOvr>
+</p:notes>
+</file>
+
+<file path=ppt/notesSlides/notesSlide17.xml><?xml version="1.0" encoding="utf-8"?>
+<p:notes xmlns:a="http://schemas.openxmlformats.org/drawingml/2006/main" xmlns:r="http://schemas.openxmlformats.org/officeDocument/2006/relationships" xmlns:p="http://schemas.openxmlformats.org/presentationml/2006/main">
+  <p:cSld>
+    <p:spTree>
+      <p:nvGrpSpPr>
+        <p:cNvPr id="1" name=""/>
+        <p:cNvGrpSpPr/>
+        <p:nvPr/>
+      </p:nvGrpSpPr>
+      <p:grpSpPr>
+        <a:xfrm>
+          <a:off x="0" y="0"/>
+          <a:ext cx="0" cy="0"/>
+          <a:chOff x="0" y="0"/>
+          <a:chExt cx="0" cy="0"/>
+        </a:xfrm>
+      </p:grpSpPr>
+      <p:sp>
+        <p:nvSpPr>
+          <p:cNvPr id="2" name="Folienbildplatzhalter 1"/>
+          <p:cNvSpPr>
+            <a:spLocks noGrp="1" noRot="1" noChangeAspect="1"/>
+          </p:cNvSpPr>
+          <p:nvPr>
+            <p:ph type="sldImg"/>
+          </p:nvPr>
+        </p:nvSpPr>
+        <p:spPr/>
+      </p:sp>
+      <p:sp>
+        <p:nvSpPr>
+          <p:cNvPr id="3" name="Notizenplatzhalter 2"/>
+          <p:cNvSpPr>
+            <a:spLocks noGrp="1"/>
+          </p:cNvSpPr>
+          <p:nvPr>
+            <p:ph type="body" idx="1"/>
+          </p:nvPr>
+        </p:nvSpPr>
+        <p:spPr/>
+        <p:txBody>
+          <a:bodyPr/>
+          <a:lstStyle/>
+          <a:p>
+            <a:endParaRPr lang="de-DE" dirty="0"/>
+          </a:p>
+        </p:txBody>
+      </p:sp>
+      <p:sp>
+        <p:nvSpPr>
+          <p:cNvPr id="4" name="Foliennummernplatzhalter 3"/>
+          <p:cNvSpPr>
+            <a:spLocks noGrp="1"/>
+          </p:cNvSpPr>
+          <p:nvPr>
+            <p:ph type="sldNum" sz="quarter" idx="5"/>
+          </p:nvPr>
+        </p:nvSpPr>
+        <p:spPr/>
+        <p:txBody>
+          <a:bodyPr/>
+          <a:lstStyle/>
+          <a:p>
+            <a:fld id="{791B883B-0934-3349-947A-4E734B544C9A}" type="slidenum">
+              <a:rPr lang="de-DE" smtClean="0"/>
+              <a:t>17</a:t>
+            </a:fld>
+            <a:endParaRPr lang="de-DE"/>
+          </a:p>
+        </p:txBody>
+      </p:sp>
+    </p:spTree>
+    <p:extLst>
+      <p:ext uri="{BB962C8B-B14F-4D97-AF65-F5344CB8AC3E}">
+        <p14:creationId xmlns:p14="http://schemas.microsoft.com/office/powerpoint/2010/main" val="593387597"/>
+      </p:ext>
+    </p:extLst>
+  </p:cSld>
+  <p:clrMapOvr>
+    <a:masterClrMapping/>
+  </p:clrMapOvr>
+</p:notes>
+</file>
+
+<file path=ppt/notesSlides/notesSlide18.xml><?xml version="1.0" encoding="utf-8"?>
+<p:notes xmlns:a="http://schemas.openxmlformats.org/drawingml/2006/main" xmlns:r="http://schemas.openxmlformats.org/officeDocument/2006/relationships" xmlns:p="http://schemas.openxmlformats.org/presentationml/2006/main">
+  <p:cSld>
+    <p:spTree>
+      <p:nvGrpSpPr>
+        <p:cNvPr id="1" name=""/>
+        <p:cNvGrpSpPr/>
+        <p:nvPr/>
+      </p:nvGrpSpPr>
+      <p:grpSpPr>
+        <a:xfrm>
+          <a:off x="0" y="0"/>
+          <a:ext cx="0" cy="0"/>
+          <a:chOff x="0" y="0"/>
+          <a:chExt cx="0" cy="0"/>
+        </a:xfrm>
+      </p:grpSpPr>
+      <p:sp>
+        <p:nvSpPr>
+          <p:cNvPr id="2" name="Folienbildplatzhalter 1"/>
+          <p:cNvSpPr>
+            <a:spLocks noGrp="1" noRot="1" noChangeAspect="1"/>
+          </p:cNvSpPr>
+          <p:nvPr>
+            <p:ph type="sldImg"/>
+          </p:nvPr>
+        </p:nvSpPr>
+        <p:spPr/>
+      </p:sp>
+      <p:sp>
+        <p:nvSpPr>
+          <p:cNvPr id="3" name="Notizenplatzhalter 2"/>
+          <p:cNvSpPr>
+            <a:spLocks noGrp="1"/>
+          </p:cNvSpPr>
+          <p:nvPr>
+            <p:ph type="body" idx="1"/>
+          </p:nvPr>
+        </p:nvSpPr>
+        <p:spPr/>
+        <p:txBody>
+          <a:bodyPr/>
+          <a:lstStyle/>
+          <a:p>
+            <a:endParaRPr lang="de-DE" dirty="0"/>
+          </a:p>
+        </p:txBody>
+      </p:sp>
+      <p:sp>
+        <p:nvSpPr>
+          <p:cNvPr id="4" name="Foliennummernplatzhalter 3"/>
+          <p:cNvSpPr>
+            <a:spLocks noGrp="1"/>
+          </p:cNvSpPr>
+          <p:nvPr>
+            <p:ph type="sldNum" sz="quarter" idx="5"/>
+          </p:nvPr>
+        </p:nvSpPr>
+        <p:spPr/>
+        <p:txBody>
+          <a:bodyPr/>
+          <a:lstStyle/>
+          <a:p>
+            <a:fld id="{791B883B-0934-3349-947A-4E734B544C9A}" type="slidenum">
+              <a:rPr lang="de-DE" smtClean="0"/>
+              <a:t>18</a:t>
+            </a:fld>
+            <a:endParaRPr lang="de-DE"/>
+          </a:p>
+        </p:txBody>
+      </p:sp>
+    </p:spTree>
+    <p:extLst>
+      <p:ext uri="{BB962C8B-B14F-4D97-AF65-F5344CB8AC3E}">
+        <p14:creationId xmlns:p14="http://schemas.microsoft.com/office/powerpoint/2010/main" val="4174343505"/>
+      </p:ext>
+    </p:extLst>
+  </p:cSld>
+  <p:clrMapOvr>
+    <a:masterClrMapping/>
+  </p:clrMapOvr>
+</p:notes>
+</file>
+
+<file path=ppt/notesSlides/notesSlide19.xml><?xml version="1.0" encoding="utf-8"?>
+<p:notes xmlns:a="http://schemas.openxmlformats.org/drawingml/2006/main" xmlns:r="http://schemas.openxmlformats.org/officeDocument/2006/relationships" xmlns:p="http://schemas.openxmlformats.org/presentationml/2006/main">
+  <p:cSld>
+    <p:spTree>
+      <p:nvGrpSpPr>
+        <p:cNvPr id="1" name=""/>
+        <p:cNvGrpSpPr/>
+        <p:nvPr/>
+      </p:nvGrpSpPr>
+      <p:grpSpPr>
+        <a:xfrm>
+          <a:off x="0" y="0"/>
+          <a:ext cx="0" cy="0"/>
+          <a:chOff x="0" y="0"/>
+          <a:chExt cx="0" cy="0"/>
+        </a:xfrm>
+      </p:grpSpPr>
+      <p:sp>
+        <p:nvSpPr>
+          <p:cNvPr id="2" name="Folienbildplatzhalter 1"/>
+          <p:cNvSpPr>
+            <a:spLocks noGrp="1" noRot="1" noChangeAspect="1"/>
+          </p:cNvSpPr>
+          <p:nvPr>
+            <p:ph type="sldImg"/>
+          </p:nvPr>
+        </p:nvSpPr>
+        <p:spPr/>
+      </p:sp>
+      <p:sp>
+        <p:nvSpPr>
+          <p:cNvPr id="3" name="Notizenplatzhalter 2"/>
+          <p:cNvSpPr>
+            <a:spLocks noGrp="1"/>
+          </p:cNvSpPr>
+          <p:nvPr>
+            <p:ph type="body" idx="1"/>
+          </p:nvPr>
+        </p:nvSpPr>
+        <p:spPr/>
+        <p:txBody>
+          <a:bodyPr/>
+          <a:lstStyle/>
+          <a:p>
+            <a:endParaRPr lang="de-DE" dirty="0"/>
+          </a:p>
+        </p:txBody>
+      </p:sp>
+      <p:sp>
+        <p:nvSpPr>
+          <p:cNvPr id="4" name="Foliennummernplatzhalter 3"/>
+          <p:cNvSpPr>
+            <a:spLocks noGrp="1"/>
+          </p:cNvSpPr>
+          <p:nvPr>
+            <p:ph type="sldNum" sz="quarter" idx="5"/>
+          </p:nvPr>
+        </p:nvSpPr>
+        <p:spPr/>
+        <p:txBody>
+          <a:bodyPr/>
+          <a:lstStyle/>
+          <a:p>
+            <a:fld id="{791B883B-0934-3349-947A-4E734B544C9A}" type="slidenum">
+              <a:rPr lang="de-DE" smtClean="0"/>
+              <a:t>19</a:t>
+            </a:fld>
+            <a:endParaRPr lang="de-DE"/>
+          </a:p>
+        </p:txBody>
+      </p:sp>
+    </p:spTree>
+    <p:extLst>
+      <p:ext uri="{BB962C8B-B14F-4D97-AF65-F5344CB8AC3E}">
+        <p14:creationId xmlns:p14="http://schemas.microsoft.com/office/powerpoint/2010/main" val="2410171467"/>
       </p:ext>
     </p:extLst>
   </p:cSld>
@@ -971,6 +1483,174 @@
     <p:extLst>
       <p:ext uri="{BB962C8B-B14F-4D97-AF65-F5344CB8AC3E}">
         <p14:creationId xmlns:p14="http://schemas.microsoft.com/office/powerpoint/2010/main" val="969477473"/>
+      </p:ext>
+    </p:extLst>
+  </p:cSld>
+  <p:clrMapOvr>
+    <a:masterClrMapping/>
+  </p:clrMapOvr>
+</p:notes>
+</file>
+
+<file path=ppt/notesSlides/notesSlide20.xml><?xml version="1.0" encoding="utf-8"?>
+<p:notes xmlns:a="http://schemas.openxmlformats.org/drawingml/2006/main" xmlns:r="http://schemas.openxmlformats.org/officeDocument/2006/relationships" xmlns:p="http://schemas.openxmlformats.org/presentationml/2006/main">
+  <p:cSld>
+    <p:spTree>
+      <p:nvGrpSpPr>
+        <p:cNvPr id="1" name=""/>
+        <p:cNvGrpSpPr/>
+        <p:nvPr/>
+      </p:nvGrpSpPr>
+      <p:grpSpPr>
+        <a:xfrm>
+          <a:off x="0" y="0"/>
+          <a:ext cx="0" cy="0"/>
+          <a:chOff x="0" y="0"/>
+          <a:chExt cx="0" cy="0"/>
+        </a:xfrm>
+      </p:grpSpPr>
+      <p:sp>
+        <p:nvSpPr>
+          <p:cNvPr id="2" name="Folienbildplatzhalter 1"/>
+          <p:cNvSpPr>
+            <a:spLocks noGrp="1" noRot="1" noChangeAspect="1"/>
+          </p:cNvSpPr>
+          <p:nvPr>
+            <p:ph type="sldImg"/>
+          </p:nvPr>
+        </p:nvSpPr>
+        <p:spPr/>
+      </p:sp>
+      <p:sp>
+        <p:nvSpPr>
+          <p:cNvPr id="3" name="Notizenplatzhalter 2"/>
+          <p:cNvSpPr>
+            <a:spLocks noGrp="1"/>
+          </p:cNvSpPr>
+          <p:nvPr>
+            <p:ph type="body" idx="1"/>
+          </p:nvPr>
+        </p:nvSpPr>
+        <p:spPr/>
+        <p:txBody>
+          <a:bodyPr/>
+          <a:lstStyle/>
+          <a:p>
+            <a:endParaRPr lang="de-DE" dirty="0"/>
+          </a:p>
+        </p:txBody>
+      </p:sp>
+      <p:sp>
+        <p:nvSpPr>
+          <p:cNvPr id="4" name="Foliennummernplatzhalter 3"/>
+          <p:cNvSpPr>
+            <a:spLocks noGrp="1"/>
+          </p:cNvSpPr>
+          <p:nvPr>
+            <p:ph type="sldNum" sz="quarter" idx="5"/>
+          </p:nvPr>
+        </p:nvSpPr>
+        <p:spPr/>
+        <p:txBody>
+          <a:bodyPr/>
+          <a:lstStyle/>
+          <a:p>
+            <a:fld id="{791B883B-0934-3349-947A-4E734B544C9A}" type="slidenum">
+              <a:rPr lang="de-DE" smtClean="0"/>
+              <a:t>20</a:t>
+            </a:fld>
+            <a:endParaRPr lang="de-DE"/>
+          </a:p>
+        </p:txBody>
+      </p:sp>
+    </p:spTree>
+    <p:extLst>
+      <p:ext uri="{BB962C8B-B14F-4D97-AF65-F5344CB8AC3E}">
+        <p14:creationId xmlns:p14="http://schemas.microsoft.com/office/powerpoint/2010/main" val="1608565807"/>
+      </p:ext>
+    </p:extLst>
+  </p:cSld>
+  <p:clrMapOvr>
+    <a:masterClrMapping/>
+  </p:clrMapOvr>
+</p:notes>
+</file>
+
+<file path=ppt/notesSlides/notesSlide21.xml><?xml version="1.0" encoding="utf-8"?>
+<p:notes xmlns:a="http://schemas.openxmlformats.org/drawingml/2006/main" xmlns:r="http://schemas.openxmlformats.org/officeDocument/2006/relationships" xmlns:p="http://schemas.openxmlformats.org/presentationml/2006/main">
+  <p:cSld>
+    <p:spTree>
+      <p:nvGrpSpPr>
+        <p:cNvPr id="1" name=""/>
+        <p:cNvGrpSpPr/>
+        <p:nvPr/>
+      </p:nvGrpSpPr>
+      <p:grpSpPr>
+        <a:xfrm>
+          <a:off x="0" y="0"/>
+          <a:ext cx="0" cy="0"/>
+          <a:chOff x="0" y="0"/>
+          <a:chExt cx="0" cy="0"/>
+        </a:xfrm>
+      </p:grpSpPr>
+      <p:sp>
+        <p:nvSpPr>
+          <p:cNvPr id="2" name="Folienbildplatzhalter 1"/>
+          <p:cNvSpPr>
+            <a:spLocks noGrp="1" noRot="1" noChangeAspect="1"/>
+          </p:cNvSpPr>
+          <p:nvPr>
+            <p:ph type="sldImg"/>
+          </p:nvPr>
+        </p:nvSpPr>
+        <p:spPr/>
+      </p:sp>
+      <p:sp>
+        <p:nvSpPr>
+          <p:cNvPr id="3" name="Notizenplatzhalter 2"/>
+          <p:cNvSpPr>
+            <a:spLocks noGrp="1"/>
+          </p:cNvSpPr>
+          <p:nvPr>
+            <p:ph type="body" idx="1"/>
+          </p:nvPr>
+        </p:nvSpPr>
+        <p:spPr/>
+        <p:txBody>
+          <a:bodyPr/>
+          <a:lstStyle/>
+          <a:p>
+            <a:endParaRPr lang="de-DE" dirty="0"/>
+          </a:p>
+        </p:txBody>
+      </p:sp>
+      <p:sp>
+        <p:nvSpPr>
+          <p:cNvPr id="4" name="Foliennummernplatzhalter 3"/>
+          <p:cNvSpPr>
+            <a:spLocks noGrp="1"/>
+          </p:cNvSpPr>
+          <p:nvPr>
+            <p:ph type="sldNum" sz="quarter" idx="5"/>
+          </p:nvPr>
+        </p:nvSpPr>
+        <p:spPr/>
+        <p:txBody>
+          <a:bodyPr/>
+          <a:lstStyle/>
+          <a:p>
+            <a:fld id="{791B883B-0934-3349-947A-4E734B544C9A}" type="slidenum">
+              <a:rPr lang="de-DE" smtClean="0"/>
+              <a:t>21</a:t>
+            </a:fld>
+            <a:endParaRPr lang="de-DE"/>
+          </a:p>
+        </p:txBody>
+      </p:sp>
+    </p:spTree>
+    <p:extLst>
+      <p:ext uri="{BB962C8B-B14F-4D97-AF65-F5344CB8AC3E}">
+        <p14:creationId xmlns:p14="http://schemas.microsoft.com/office/powerpoint/2010/main" val="416218577"/>
       </p:ext>
     </p:extLst>
   </p:cSld>
@@ -1138,7 +1818,7 @@
     </p:spTree>
     <p:extLst>
       <p:ext uri="{BB962C8B-B14F-4D97-AF65-F5344CB8AC3E}">
-        <p14:creationId xmlns:p14="http://schemas.microsoft.com/office/powerpoint/2010/main" val="997573467"/>
+        <p14:creationId xmlns:p14="http://schemas.microsoft.com/office/powerpoint/2010/main" val="4163077341"/>
       </p:ext>
     </p:extLst>
   </p:cSld>
@@ -1222,7 +1902,7 @@
     </p:spTree>
     <p:extLst>
       <p:ext uri="{BB962C8B-B14F-4D97-AF65-F5344CB8AC3E}">
-        <p14:creationId xmlns:p14="http://schemas.microsoft.com/office/powerpoint/2010/main" val="4163077341"/>
+        <p14:creationId xmlns:p14="http://schemas.microsoft.com/office/powerpoint/2010/main" val="257395559"/>
       </p:ext>
     </p:extLst>
   </p:cSld>
@@ -1306,7 +1986,7 @@
     </p:spTree>
     <p:extLst>
       <p:ext uri="{BB962C8B-B14F-4D97-AF65-F5344CB8AC3E}">
-        <p14:creationId xmlns:p14="http://schemas.microsoft.com/office/powerpoint/2010/main" val="257395559"/>
+        <p14:creationId xmlns:p14="http://schemas.microsoft.com/office/powerpoint/2010/main" val="3448153989"/>
       </p:ext>
     </p:extLst>
   </p:cSld>
@@ -1390,7 +2070,7 @@
     </p:spTree>
     <p:extLst>
       <p:ext uri="{BB962C8B-B14F-4D97-AF65-F5344CB8AC3E}">
-        <p14:creationId xmlns:p14="http://schemas.microsoft.com/office/powerpoint/2010/main" val="3448153989"/>
+        <p14:creationId xmlns:p14="http://schemas.microsoft.com/office/powerpoint/2010/main" val="3605773536"/>
       </p:ext>
     </p:extLst>
   </p:cSld>
@@ -1474,7 +2154,7 @@
     </p:spTree>
     <p:extLst>
       <p:ext uri="{BB962C8B-B14F-4D97-AF65-F5344CB8AC3E}">
-        <p14:creationId xmlns:p14="http://schemas.microsoft.com/office/powerpoint/2010/main" val="537900203"/>
+        <p14:creationId xmlns:p14="http://schemas.microsoft.com/office/powerpoint/2010/main" val="1776650049"/>
       </p:ext>
     </p:extLst>
   </p:cSld>
@@ -1558,7 +2238,7 @@
     </p:spTree>
     <p:extLst>
       <p:ext uri="{BB962C8B-B14F-4D97-AF65-F5344CB8AC3E}">
-        <p14:creationId xmlns:p14="http://schemas.microsoft.com/office/powerpoint/2010/main" val="3054513519"/>
+        <p14:creationId xmlns:p14="http://schemas.microsoft.com/office/powerpoint/2010/main" val="1197580500"/>
       </p:ext>
     </p:extLst>
   </p:cSld>
@@ -2132,7 +2812,7 @@
           <a:p>
             <a:fld id="{D6D0F569-AC90-44EB-9EF4-4E5C2F5D823C}" type="datetime1">
               <a:rPr lang="en-US" smtClean="0"/>
-              <a:t>12/1/21</a:t>
+              <a:t>12/6/21</a:t>
             </a:fld>
             <a:endParaRPr lang="en-US" dirty="0"/>
           </a:p>
@@ -2809,7 +3489,7 @@
           <a:p>
             <a:fld id="{46BA7D41-E8B7-4A0B-B861-3EC4AE88917D}" type="datetime1">
               <a:rPr lang="en-US" smtClean="0"/>
-              <a:t>12/1/21</a:t>
+              <a:t>12/6/21</a:t>
             </a:fld>
             <a:endParaRPr lang="en-US" dirty="0"/>
           </a:p>
@@ -3496,7 +4176,7 @@
           <a:p>
             <a:fld id="{A7C34823-0B19-4B4E-A643-7A3B0A3D24D6}" type="datetime1">
               <a:rPr lang="en-US" smtClean="0"/>
-              <a:t>12/1/21</a:t>
+              <a:t>12/6/21</a:t>
             </a:fld>
             <a:endParaRPr lang="en-US" dirty="0"/>
           </a:p>
@@ -4176,7 +4856,7 @@
           <a:p>
             <a:fld id="{8C2D79EF-17C8-45D8-9866-DAF5723FC604}" type="datetime1">
               <a:rPr lang="en-US" smtClean="0"/>
-              <a:t>12/1/21</a:t>
+              <a:t>12/6/21</a:t>
             </a:fld>
             <a:endParaRPr lang="en-US" dirty="0"/>
           </a:p>
@@ -4930,7 +5610,7 @@
           <a:p>
             <a:fld id="{DFFC2ADC-3680-4013-A757-E4663495DB98}" type="datetime1">
               <a:rPr lang="en-US" smtClean="0"/>
-              <a:t>12/1/21</a:t>
+              <a:t>12/6/21</a:t>
             </a:fld>
             <a:endParaRPr lang="en-US" dirty="0"/>
           </a:p>
@@ -5674,7 +6354,7 @@
           <a:p>
             <a:fld id="{4751BA94-5DCA-4F19-960F-0FB2BD5EE85A}" type="datetime1">
               <a:rPr lang="en-US" smtClean="0"/>
-              <a:t>12/1/21</a:t>
+              <a:t>12/6/21</a:t>
             </a:fld>
             <a:endParaRPr lang="en-US" dirty="0"/>
           </a:p>
@@ -6565,7 +7245,7 @@
           <a:p>
             <a:fld id="{01BED947-38D9-44AC-8B89-E79758333B77}" type="datetime1">
               <a:rPr lang="en-US" smtClean="0"/>
-              <a:t>12/1/21</a:t>
+              <a:t>12/6/21</a:t>
             </a:fld>
             <a:endParaRPr lang="en-US" dirty="0"/>
           </a:p>
@@ -7185,7 +7865,7 @@
           <a:p>
             <a:fld id="{3781E23F-BD3C-4F23-B116-2B758120C8AC}" type="datetime1">
               <a:rPr lang="en-US" smtClean="0"/>
-              <a:t>12/1/21</a:t>
+              <a:t>12/6/21</a:t>
             </a:fld>
             <a:endParaRPr lang="en-US" dirty="0"/>
           </a:p>
@@ -7777,7 +8457,7 @@
           <a:p>
             <a:fld id="{473CFAA9-6D59-4D98-869E-ACBDB83B2CA4}" type="datetime1">
               <a:rPr lang="en-US" smtClean="0"/>
-              <a:t>12/1/21</a:t>
+              <a:t>12/6/21</a:t>
             </a:fld>
             <a:endParaRPr lang="en-US"/>
           </a:p>
@@ -8567,7 +9247,7 @@
           <a:p>
             <a:fld id="{DC410804-27E3-430A-BB42-B831260DE39A}" type="datetime1">
               <a:rPr lang="en-US" smtClean="0"/>
-              <a:t>12/1/21</a:t>
+              <a:t>12/6/21</a:t>
             </a:fld>
             <a:endParaRPr lang="en-US" dirty="0"/>
           </a:p>
@@ -9337,7 +10017,7 @@
           <a:p>
             <a:fld id="{60E22DE3-3D1A-4D53-B9A6-6C7463B8C992}" type="datetime1">
               <a:rPr lang="en-US" smtClean="0"/>
-              <a:t>12/1/21</a:t>
+              <a:t>12/6/21</a:t>
             </a:fld>
             <a:endParaRPr lang="en-US" dirty="0"/>
           </a:p>
@@ -9646,7 +10326,7 @@
             <a:fld id="{5ECD8B30-1B71-45A1-8314-D59C86F581E1}" type="datetime1">
               <a:rPr lang="en-US" smtClean="0"/>
               <a:pPr/>
-              <a:t>12/1/21</a:t>
+              <a:t>12/6/21</a:t>
             </a:fld>
             <a:endParaRPr lang="en-US" b="1" dirty="0"/>
           </a:p>
@@ -10222,7 +10902,7 @@
             <a:pPr algn="r"/>
             <a:r>
               <a:rPr lang="de-DE" dirty="0"/>
-              <a:t>INTERME PRESENTATION</a:t>
+              <a:t>INTERMEDIATE PRESENTATION</a:t>
             </a:r>
           </a:p>
           <a:p>
@@ -12051,7 +12731,7 @@
             <a:pPr algn="l"/>
             <a:r>
               <a:rPr lang="de-DE" sz="4000" dirty="0"/>
-              <a:t>TRAIN DATA</a:t>
+              <a:t>TRAIN CAPACITY DATA</a:t>
             </a:r>
           </a:p>
         </p:txBody>
@@ -12305,50 +12985,14 @@
               <a:t>[</a:t>
             </a:r>
             <a:r>
-              <a:rPr lang="de-DE" sz="1800" dirty="0">
+              <a:rPr lang="de-DE" sz="1800" b="1" dirty="0">
                 <a:solidFill>
                   <a:schemeClr val="tx2">
                     <a:lumMod val="50000"/>
                   </a:schemeClr>
                 </a:solidFill>
               </a:rPr>
-              <a:t>RAILWAY CONNECTIONS</a:t>
-            </a:r>
-            <a:r>
-              <a:rPr lang="de-DE" sz="1800" dirty="0"/>
-              <a:t>, </a:t>
-            </a:r>
-            <a:r>
-              <a:rPr lang="de-DE" sz="1800" strike="sngStrike" dirty="0">
-                <a:solidFill>
-                  <a:srgbClr val="FF0000"/>
-                </a:solidFill>
-              </a:rPr>
               <a:t>CAPACITY</a:t>
-            </a:r>
-            <a:r>
-              <a:rPr lang="de-DE" sz="1800" dirty="0"/>
-              <a:t>, </a:t>
-            </a:r>
-            <a:r>
-              <a:rPr lang="de-DE" sz="1800" strike="sngStrike" dirty="0">
-                <a:solidFill>
-                  <a:srgbClr val="FF0000"/>
-                </a:solidFill>
-              </a:rPr>
-              <a:t>FILL RATE</a:t>
-            </a:r>
-            <a:r>
-              <a:rPr lang="de-DE" sz="1800" dirty="0"/>
-              <a:t>, </a:t>
-            </a:r>
-            <a:r>
-              <a:rPr lang="de-DE" sz="1800" dirty="0">
-                <a:solidFill>
-                  <a:srgbClr val="FF0000"/>
-                </a:solidFill>
-              </a:rPr>
-              <a:t>DEPARTURE TABLE</a:t>
             </a:r>
             <a:r>
               <a:rPr lang="de-DE" sz="1800" dirty="0"/>
@@ -12367,10 +13011,10 @@
       </p:sp>
       <p:pic>
         <p:nvPicPr>
-          <p:cNvPr id="9" name="Grafik 8">
+          <p:cNvPr id="3" name="Grafik 2" descr="Ein Bild, das Text enthält.&#10;&#10;Automatisch generierte Beschreibung">
             <a:extLst>
               <a:ext uri="{FF2B5EF4-FFF2-40B4-BE49-F238E27FC236}">
-                <a16:creationId xmlns:a16="http://schemas.microsoft.com/office/drawing/2014/main" id="{46A5FD7A-AD22-D74E-B43B-3C2E6B01FB44}"/>
+                <a16:creationId xmlns:a16="http://schemas.microsoft.com/office/drawing/2014/main" id="{1C002AE3-1A7A-9449-8EA9-CD99A2099BF0}"/>
               </a:ext>
             </a:extLst>
           </p:cNvPr>
@@ -12387,8 +13031,8 @@
         </p:blipFill>
         <p:spPr>
           <a:xfrm>
-            <a:off x="300176" y="4924955"/>
-            <a:ext cx="9105900" cy="1511300"/>
+            <a:off x="612869" y="2370444"/>
+            <a:ext cx="4449377" cy="1210082"/>
           </a:xfrm>
           <a:prstGeom prst="rect">
             <a:avLst/>
@@ -12397,10 +13041,10 @@
       </p:pic>
       <p:pic>
         <p:nvPicPr>
-          <p:cNvPr id="10" name="Grafik 9" descr="Ein Bild, das Text enthält.&#10;&#10;Automatisch generierte Beschreibung">
+          <p:cNvPr id="5" name="Grafik 4" descr="Ein Bild, das Tisch enthält.&#10;&#10;Automatisch generierte Beschreibung">
             <a:extLst>
               <a:ext uri="{FF2B5EF4-FFF2-40B4-BE49-F238E27FC236}">
-                <a16:creationId xmlns:a16="http://schemas.microsoft.com/office/drawing/2014/main" id="{4BAE721F-DE58-4041-92FF-ADA501E3989C}"/>
+                <a16:creationId xmlns:a16="http://schemas.microsoft.com/office/drawing/2014/main" id="{8B35E996-DCCF-B847-8A56-20DDACA3C5C5}"/>
               </a:ext>
             </a:extLst>
           </p:cNvPr>
@@ -12417,8 +13061,8 @@
         </p:blipFill>
         <p:spPr>
           <a:xfrm>
-            <a:off x="2785924" y="3863096"/>
-            <a:ext cx="9105900" cy="1511300"/>
+            <a:off x="5450889" y="2370444"/>
+            <a:ext cx="4832100" cy="4311502"/>
           </a:xfrm>
           <a:prstGeom prst="rect">
             <a:avLst/>
@@ -12428,7 +13072,7 @@
     </p:spTree>
     <p:extLst>
       <p:ext uri="{BB962C8B-B14F-4D97-AF65-F5344CB8AC3E}">
-        <p14:creationId xmlns:p14="http://schemas.microsoft.com/office/powerpoint/2010/main" val="227573681"/>
+        <p14:creationId xmlns:p14="http://schemas.microsoft.com/office/powerpoint/2010/main" val="1001802093"/>
       </p:ext>
     </p:extLst>
   </p:cSld>
@@ -12457,89 +13101,65 @@
       </p:grpSpPr>
       <p:sp>
         <p:nvSpPr>
-          <p:cNvPr id="2" name="Titel 1">
+          <p:cNvPr id="17" name="Titel 1">
             <a:extLst>
               <a:ext uri="{FF2B5EF4-FFF2-40B4-BE49-F238E27FC236}">
-                <a16:creationId xmlns:a16="http://schemas.microsoft.com/office/drawing/2014/main" id="{9B4A42E7-80B5-8244-B416-6C045A621A32}"/>
+                <a16:creationId xmlns:a16="http://schemas.microsoft.com/office/drawing/2014/main" id="{C097338E-B699-5A4C-B7CB-0BC815BB9BAE}"/>
               </a:ext>
             </a:extLst>
           </p:cNvPr>
-          <p:cNvSpPr>
-            <a:spLocks noGrp="1"/>
+          <p:cNvSpPr txBox="1">
+            <a:spLocks/>
           </p:cNvSpPr>
-          <p:nvPr>
-            <p:ph type="ctrTitle"/>
-          </p:nvPr>
+          <p:nvPr/>
         </p:nvSpPr>
         <p:spPr>
           <a:xfrm>
-            <a:off x="-1100216" y="-416737"/>
-            <a:ext cx="10626988" cy="1552968"/>
-          </a:xfrm>
-        </p:spPr>
-        <p:txBody>
-          <a:bodyPr>
-            <a:normAutofit/>
-          </a:bodyPr>
-          <a:lstStyle/>
-          <a:p>
-            <a:pPr algn="r"/>
-            <a:r>
-              <a:rPr lang="de-DE" sz="4000" dirty="0"/>
-              <a:t>THEORETICAL</a:t>
-            </a:r>
-            <a:r>
-              <a:rPr lang="de-DE" sz="4000" dirty="0">
-                <a:solidFill>
-                  <a:srgbClr val="65BCAA"/>
-                </a:solidFill>
-              </a:rPr>
-              <a:t>EXAMPLE</a:t>
-            </a:r>
-          </a:p>
-        </p:txBody>
-      </p:sp>
-      <p:pic>
-        <p:nvPicPr>
-          <p:cNvPr id="24" name="Grafik 23">
-            <a:extLst>
-              <a:ext uri="{FF2B5EF4-FFF2-40B4-BE49-F238E27FC236}">
-                <a16:creationId xmlns:a16="http://schemas.microsoft.com/office/drawing/2014/main" id="{9CC6FA83-9BCF-674F-B03D-2C8F41AF03E5}"/>
-              </a:ext>
-            </a:extLst>
-          </p:cNvPr>
-          <p:cNvPicPr>
-            <a:picLocks noChangeAspect="1"/>
-          </p:cNvPicPr>
-          <p:nvPr/>
-        </p:nvPicPr>
-        <p:blipFill rotWithShape="1">
-          <a:blip r:embed="rId3">
-            <a:extLst>
-              <a:ext uri="{96DAC541-7B7A-43D3-8B79-37D633B846F1}">
-                <asvg:svgBlip xmlns:asvg="http://schemas.microsoft.com/office/drawing/2016/SVG/main" r:embed="rId4"/>
-              </a:ext>
-            </a:extLst>
-          </a:blip>
-          <a:srcRect t="29360" b="36381"/>
-          <a:stretch/>
-        </p:blipFill>
-        <p:spPr>
-          <a:xfrm>
-            <a:off x="5308458" y="2756903"/>
-            <a:ext cx="1643459" cy="563035"/>
+            <a:off x="701646" y="421745"/>
+            <a:ext cx="10404319" cy="755650"/>
           </a:xfrm>
           <a:prstGeom prst="rect">
             <a:avLst/>
           </a:prstGeom>
         </p:spPr>
-      </p:pic>
+        <p:txBody>
+          <a:bodyPr vert="horz" lIns="91440" tIns="45720" rIns="91440" bIns="45720" rtlCol="0" anchor="b">
+            <a:normAutofit/>
+          </a:bodyPr>
+          <a:lstStyle>
+            <a:lvl1pPr algn="ctr" defTabSz="914400" rtl="0" eaLnBrk="1" latinLnBrk="0" hangingPunct="1">
+              <a:lnSpc>
+                <a:spcPct val="90000"/>
+              </a:lnSpc>
+              <a:spcBef>
+                <a:spcPct val="0"/>
+              </a:spcBef>
+              <a:buNone/>
+              <a:defRPr sz="6000" b="1" kern="1200" cap="all" spc="1500" baseline="0">
+                <a:solidFill>
+                  <a:schemeClr val="tx1"/>
+                </a:solidFill>
+                <a:latin typeface="+mj-lt"/>
+                <a:ea typeface="Source Sans Pro SemiBold" panose="020B0603030403020204" pitchFamily="34" charset="0"/>
+                <a:cs typeface="+mj-cs"/>
+              </a:defRPr>
+            </a:lvl1pPr>
+          </a:lstStyle>
+          <a:p>
+            <a:pPr algn="l"/>
+            <a:r>
+              <a:rPr lang="de-DE" sz="4000" dirty="0"/>
+              <a:t>TRAIN CAPACITY DATA</a:t>
+            </a:r>
+          </a:p>
+        </p:txBody>
+      </p:sp>
       <p:pic>
         <p:nvPicPr>
-          <p:cNvPr id="7" name="Grafik 6">
+          <p:cNvPr id="19" name="Grafik 18">
             <a:extLst>
               <a:ext uri="{FF2B5EF4-FFF2-40B4-BE49-F238E27FC236}">
-                <a16:creationId xmlns:a16="http://schemas.microsoft.com/office/drawing/2014/main" id="{062FAAFD-F38D-DF43-82BA-B7CB5E15FFC4}"/>
+                <a16:creationId xmlns:a16="http://schemas.microsoft.com/office/drawing/2014/main" id="{E4134132-07F4-CE4E-8CFB-481DD6B7858E}"/>
               </a:ext>
             </a:extLst>
           </p:cNvPr>
@@ -12549,10 +13169,10 @@
           <p:nvPr/>
         </p:nvPicPr>
         <p:blipFill>
-          <a:blip r:embed="rId5">
+          <a:blip r:embed="rId3">
             <a:extLst>
               <a:ext uri="{96DAC541-7B7A-43D3-8B79-37D633B846F1}">
-                <asvg:svgBlip xmlns:asvg="http://schemas.microsoft.com/office/drawing/2016/SVG/main" r:embed="rId6"/>
+                <asvg:svgBlip xmlns:asvg="http://schemas.microsoft.com/office/drawing/2016/SVG/main" r:embed="rId4"/>
               </a:ext>
             </a:extLst>
           </a:blip>
@@ -12562,116 +13182,8 @@
         </p:blipFill>
         <p:spPr>
           <a:xfrm>
-            <a:off x="8246166" y="871982"/>
-            <a:ext cx="3082469" cy="3082469"/>
-          </a:xfrm>
-          <a:prstGeom prst="rect">
-            <a:avLst/>
-          </a:prstGeom>
-        </p:spPr>
-      </p:pic>
-      <p:pic>
-        <p:nvPicPr>
-          <p:cNvPr id="14" name="Grafik 13">
-            <a:extLst>
-              <a:ext uri="{FF2B5EF4-FFF2-40B4-BE49-F238E27FC236}">
-                <a16:creationId xmlns:a16="http://schemas.microsoft.com/office/drawing/2014/main" id="{E16CB119-B845-714A-9685-41310B80480E}"/>
-              </a:ext>
-            </a:extLst>
-          </p:cNvPr>
-          <p:cNvPicPr>
-            <a:picLocks noChangeAspect="1"/>
-          </p:cNvPicPr>
-          <p:nvPr/>
-        </p:nvPicPr>
-        <p:blipFill>
-          <a:blip r:embed="rId7">
-            <a:extLst>
-              <a:ext uri="{96DAC541-7B7A-43D3-8B79-37D633B846F1}">
-                <asvg:svgBlip xmlns:asvg="http://schemas.microsoft.com/office/drawing/2016/SVG/main" r:embed="rId8"/>
-              </a:ext>
-            </a:extLst>
-          </a:blip>
-          <a:stretch>
-            <a:fillRect/>
-          </a:stretch>
-        </p:blipFill>
-        <p:spPr>
-          <a:xfrm>
-            <a:off x="1102392" y="1136231"/>
-            <a:ext cx="2911818" cy="2911818"/>
-          </a:xfrm>
-          <a:prstGeom prst="rect">
-            <a:avLst/>
-          </a:prstGeom>
-        </p:spPr>
-      </p:pic>
-      <p:pic>
-        <p:nvPicPr>
-          <p:cNvPr id="30" name="Grafik 29">
-            <a:extLst>
-              <a:ext uri="{FF2B5EF4-FFF2-40B4-BE49-F238E27FC236}">
-                <a16:creationId xmlns:a16="http://schemas.microsoft.com/office/drawing/2014/main" id="{268882D7-3DD6-A74D-BB8D-110A5D472315}"/>
-              </a:ext>
-            </a:extLst>
-          </p:cNvPr>
-          <p:cNvPicPr>
-            <a:picLocks noChangeAspect="1"/>
-          </p:cNvPicPr>
-          <p:nvPr/>
-        </p:nvPicPr>
-        <p:blipFill>
-          <a:blip r:embed="rId9">
-            <a:extLst>
-              <a:ext uri="{96DAC541-7B7A-43D3-8B79-37D633B846F1}">
-                <asvg:svgBlip xmlns:asvg="http://schemas.microsoft.com/office/drawing/2016/SVG/main" r:embed="rId10"/>
-              </a:ext>
-            </a:extLst>
-          </a:blip>
-          <a:stretch>
-            <a:fillRect/>
-          </a:stretch>
-        </p:blipFill>
-        <p:spPr>
-          <a:xfrm flipV="1">
-            <a:off x="3597037" y="2964277"/>
-            <a:ext cx="5685185" cy="782837"/>
-          </a:xfrm>
-          <a:prstGeom prst="rect">
-            <a:avLst/>
-          </a:prstGeom>
-        </p:spPr>
-      </p:pic>
-      <p:pic>
-        <p:nvPicPr>
-          <p:cNvPr id="32" name="Grafik 31">
-            <a:extLst>
-              <a:ext uri="{FF2B5EF4-FFF2-40B4-BE49-F238E27FC236}">
-                <a16:creationId xmlns:a16="http://schemas.microsoft.com/office/drawing/2014/main" id="{31262E57-C01C-884C-810F-92FA84C26D2F}"/>
-              </a:ext>
-            </a:extLst>
-          </p:cNvPr>
-          <p:cNvPicPr>
-            <a:picLocks noChangeAspect="1"/>
-          </p:cNvPicPr>
-          <p:nvPr/>
-        </p:nvPicPr>
-        <p:blipFill>
-          <a:blip r:embed="rId11">
-            <a:extLst>
-              <a:ext uri="{96DAC541-7B7A-43D3-8B79-37D633B846F1}">
-                <asvg:svgBlip xmlns:asvg="http://schemas.microsoft.com/office/drawing/2016/SVG/main" r:embed="rId12"/>
-              </a:ext>
-            </a:extLst>
-          </a:blip>
-          <a:stretch>
-            <a:fillRect/>
-          </a:stretch>
-        </p:blipFill>
-        <p:spPr>
-          <a:xfrm>
-            <a:off x="7478077" y="2500847"/>
-            <a:ext cx="926860" cy="926860"/>
+            <a:off x="701647" y="1177395"/>
+            <a:ext cx="1318439" cy="1318439"/>
           </a:xfrm>
           <a:prstGeom prst="rect">
             <a:avLst/>
@@ -12680,54 +13192,10 @@
       </p:pic>
       <p:sp>
         <p:nvSpPr>
-          <p:cNvPr id="33" name="Untertitel 2">
+          <p:cNvPr id="20" name="Untertitel 2">
             <a:extLst>
               <a:ext uri="{FF2B5EF4-FFF2-40B4-BE49-F238E27FC236}">
-                <a16:creationId xmlns:a16="http://schemas.microsoft.com/office/drawing/2014/main" id="{3DADC29B-CF6B-FB49-AEF3-75906DF77F03}"/>
-              </a:ext>
-            </a:extLst>
-          </p:cNvPr>
-          <p:cNvSpPr>
-            <a:spLocks noGrp="1"/>
-          </p:cNvSpPr>
-          <p:nvPr>
-            <p:ph type="subTitle" idx="1"/>
-          </p:nvPr>
-        </p:nvSpPr>
-        <p:spPr>
-          <a:xfrm>
-            <a:off x="1468241" y="3427707"/>
-            <a:ext cx="2054985" cy="347392"/>
-          </a:xfrm>
-        </p:spPr>
-        <p:txBody>
-          <a:bodyPr>
-            <a:normAutofit fontScale="92500" lnSpcReduction="20000"/>
-          </a:bodyPr>
-          <a:lstStyle/>
-          <a:p>
-            <a:pPr algn="r"/>
-            <a:r>
-              <a:rPr lang="de-DE" dirty="0">
-                <a:solidFill>
-                  <a:srgbClr val="65BCAA"/>
-                </a:solidFill>
-              </a:rPr>
-              <a:t>Nürnberg</a:t>
-            </a:r>
-          </a:p>
-          <a:p>
-            <a:pPr algn="r"/>
-            <a:endParaRPr lang="de-DE" dirty="0"/>
-          </a:p>
-        </p:txBody>
-      </p:sp>
-      <p:sp>
-        <p:nvSpPr>
-          <p:cNvPr id="34" name="Untertitel 2">
-            <a:extLst>
-              <a:ext uri="{FF2B5EF4-FFF2-40B4-BE49-F238E27FC236}">
-                <a16:creationId xmlns:a16="http://schemas.microsoft.com/office/drawing/2014/main" id="{22D47E42-0FDA-C243-96CE-A65F02B9A645}"/>
+                <a16:creationId xmlns:a16="http://schemas.microsoft.com/office/drawing/2014/main" id="{4932DBFA-E34D-C143-A7FC-61D0021E9B92}"/>
               </a:ext>
             </a:extLst>
           </p:cNvPr>
@@ -12738,8 +13206,8 @@
         </p:nvSpPr>
         <p:spPr>
           <a:xfrm>
-            <a:off x="8759907" y="3399722"/>
-            <a:ext cx="2054985" cy="347392"/>
+            <a:off x="2020085" y="1550725"/>
+            <a:ext cx="10078619" cy="638900"/>
           </a:xfrm>
           <a:prstGeom prst="rect">
             <a:avLst/>
@@ -12914,15 +13382,44 @@
             </a:lvl9pPr>
           </a:lstStyle>
           <a:p>
-            <a:pPr algn="r"/>
-            <a:r>
-              <a:rPr lang="de-DE" dirty="0">
+            <a:pPr algn="l"/>
+            <a:r>
+              <a:rPr lang="de-DE" sz="3100" dirty="0">
                 <a:solidFill>
                   <a:srgbClr val="65BCAA"/>
                 </a:solidFill>
               </a:rPr>
-              <a:t>EMSKIRCHEN</a:t>
-            </a:r>
+              <a:t>DB </a:t>
+            </a:r>
+            <a:r>
+              <a:rPr lang="de-DE" sz="3100" dirty="0"/>
+              <a:t>API</a:t>
+            </a:r>
+          </a:p>
+          <a:p>
+            <a:pPr algn="l"/>
+            <a:r>
+              <a:rPr lang="de-DE" sz="1800" dirty="0"/>
+              <a:t>[</a:t>
+            </a:r>
+            <a:r>
+              <a:rPr lang="de-DE" sz="1800" b="1" dirty="0">
+                <a:solidFill>
+                  <a:schemeClr val="tx2">
+                    <a:lumMod val="50000"/>
+                  </a:schemeClr>
+                </a:solidFill>
+              </a:rPr>
+              <a:t>CAPACITY</a:t>
+            </a:r>
+            <a:r>
+              <a:rPr lang="de-DE" sz="1800" dirty="0"/>
+              <a:t>]</a:t>
+            </a:r>
+          </a:p>
+          <a:p>
+            <a:pPr algn="l"/>
+            <a:endParaRPr lang="de-DE" sz="3100" dirty="0"/>
           </a:p>
           <a:p>
             <a:pPr algn="r"/>
@@ -12930,845 +13427,40 @@
           </a:p>
         </p:txBody>
       </p:sp>
-      <p:sp>
-        <p:nvSpPr>
-          <p:cNvPr id="35" name="Untertitel 2">
+      <p:pic>
+        <p:nvPicPr>
+          <p:cNvPr id="4" name="Grafik 3" descr="Ein Bild, das Tisch enthält.&#10;&#10;Automatisch generierte Beschreibung">
             <a:extLst>
               <a:ext uri="{FF2B5EF4-FFF2-40B4-BE49-F238E27FC236}">
-                <a16:creationId xmlns:a16="http://schemas.microsoft.com/office/drawing/2014/main" id="{E986F383-025E-9744-A3AE-239FD517BF00}"/>
+                <a16:creationId xmlns:a16="http://schemas.microsoft.com/office/drawing/2014/main" id="{D337A2DD-5F1F-8C45-B576-92E0D70DBEBC}"/>
               </a:ext>
             </a:extLst>
           </p:cNvPr>
-          <p:cNvSpPr txBox="1">
-            <a:spLocks/>
-          </p:cNvSpPr>
+          <p:cNvPicPr>
+            <a:picLocks noChangeAspect="1"/>
+          </p:cNvPicPr>
           <p:nvPr/>
-        </p:nvSpPr>
+        </p:nvPicPr>
+        <p:blipFill>
+          <a:blip r:embed="rId5"/>
+          <a:stretch>
+            <a:fillRect/>
+          </a:stretch>
+        </p:blipFill>
         <p:spPr>
           <a:xfrm>
-            <a:off x="4649259" y="3461348"/>
-            <a:ext cx="2863325" cy="643570"/>
+            <a:off x="488272" y="2435034"/>
+            <a:ext cx="6676748" cy="4012318"/>
           </a:xfrm>
           <a:prstGeom prst="rect">
             <a:avLst/>
           </a:prstGeom>
         </p:spPr>
-        <p:txBody>
-          <a:bodyPr vert="horz" lIns="91440" tIns="45720" rIns="91440" bIns="45720" rtlCol="0">
-            <a:normAutofit fontScale="55000" lnSpcReduction="20000"/>
-          </a:bodyPr>
-          <a:lstStyle>
-            <a:lvl1pPr marL="0" indent="0" algn="ctr" defTabSz="914400" rtl="0" eaLnBrk="1" latinLnBrk="0" hangingPunct="1">
-              <a:lnSpc>
-                <a:spcPct val="90000"/>
-              </a:lnSpc>
-              <a:spcBef>
-                <a:spcPts val="1000"/>
-              </a:spcBef>
-              <a:buFont typeface="Arial" panose="020B0604020202020204" pitchFamily="34" charset="0"/>
-              <a:buNone/>
-              <a:defRPr sz="2400" kern="1200" cap="all" spc="400" baseline="0">
-                <a:solidFill>
-                  <a:schemeClr val="tx1"/>
-                </a:solidFill>
-                <a:latin typeface="+mn-lt"/>
-                <a:ea typeface="+mn-ea"/>
-                <a:cs typeface="+mn-cs"/>
-              </a:defRPr>
-            </a:lvl1pPr>
-            <a:lvl2pPr marL="457200" indent="0" algn="ctr" defTabSz="914400" rtl="0" eaLnBrk="1" latinLnBrk="0" hangingPunct="1">
-              <a:lnSpc>
-                <a:spcPct val="90000"/>
-              </a:lnSpc>
-              <a:spcBef>
-                <a:spcPts val="500"/>
-              </a:spcBef>
-              <a:buFont typeface="Arial" panose="020B0604020202020204" pitchFamily="34" charset="0"/>
-              <a:buNone/>
-              <a:defRPr sz="2000" kern="1200">
-                <a:solidFill>
-                  <a:schemeClr val="tx1"/>
-                </a:solidFill>
-                <a:latin typeface="+mn-lt"/>
-                <a:ea typeface="+mn-ea"/>
-                <a:cs typeface="+mn-cs"/>
-              </a:defRPr>
-            </a:lvl2pPr>
-            <a:lvl3pPr marL="914400" indent="0" algn="ctr" defTabSz="914400" rtl="0" eaLnBrk="1" latinLnBrk="0" hangingPunct="1">
-              <a:lnSpc>
-                <a:spcPct val="90000"/>
-              </a:lnSpc>
-              <a:spcBef>
-                <a:spcPts val="500"/>
-              </a:spcBef>
-              <a:buFont typeface="Arial" panose="020B0604020202020204" pitchFamily="34" charset="0"/>
-              <a:buNone/>
-              <a:defRPr sz="1800" kern="1200">
-                <a:solidFill>
-                  <a:schemeClr val="tx1"/>
-                </a:solidFill>
-                <a:latin typeface="+mn-lt"/>
-                <a:ea typeface="+mn-ea"/>
-                <a:cs typeface="+mn-cs"/>
-              </a:defRPr>
-            </a:lvl3pPr>
-            <a:lvl4pPr marL="1371600" indent="0" algn="ctr" defTabSz="914400" rtl="0" eaLnBrk="1" latinLnBrk="0" hangingPunct="1">
-              <a:lnSpc>
-                <a:spcPct val="90000"/>
-              </a:lnSpc>
-              <a:spcBef>
-                <a:spcPts val="500"/>
-              </a:spcBef>
-              <a:buFont typeface="Arial" panose="020B0604020202020204" pitchFamily="34" charset="0"/>
-              <a:buNone/>
-              <a:defRPr sz="1600" kern="1200">
-                <a:solidFill>
-                  <a:schemeClr val="tx1"/>
-                </a:solidFill>
-                <a:latin typeface="+mn-lt"/>
-                <a:ea typeface="+mn-ea"/>
-                <a:cs typeface="+mn-cs"/>
-              </a:defRPr>
-            </a:lvl4pPr>
-            <a:lvl5pPr marL="1828800" indent="0" algn="ctr" defTabSz="914400" rtl="0" eaLnBrk="1" latinLnBrk="0" hangingPunct="1">
-              <a:lnSpc>
-                <a:spcPct val="90000"/>
-              </a:lnSpc>
-              <a:spcBef>
-                <a:spcPts val="500"/>
-              </a:spcBef>
-              <a:buFont typeface="Arial" panose="020B0604020202020204" pitchFamily="34" charset="0"/>
-              <a:buNone/>
-              <a:defRPr sz="1600" kern="1200">
-                <a:solidFill>
-                  <a:schemeClr val="tx1"/>
-                </a:solidFill>
-                <a:latin typeface="+mn-lt"/>
-                <a:ea typeface="+mn-ea"/>
-                <a:cs typeface="+mn-cs"/>
-              </a:defRPr>
-            </a:lvl5pPr>
-            <a:lvl6pPr marL="2286000" indent="0" algn="ctr" defTabSz="914400" rtl="0" eaLnBrk="1" latinLnBrk="0" hangingPunct="1">
-              <a:lnSpc>
-                <a:spcPct val="90000"/>
-              </a:lnSpc>
-              <a:spcBef>
-                <a:spcPts val="500"/>
-              </a:spcBef>
-              <a:buFont typeface="Arial" panose="020B0604020202020204" pitchFamily="34" charset="0"/>
-              <a:buNone/>
-              <a:defRPr sz="1600" kern="1200">
-                <a:solidFill>
-                  <a:schemeClr val="tx1"/>
-                </a:solidFill>
-                <a:latin typeface="+mn-lt"/>
-                <a:ea typeface="+mn-ea"/>
-                <a:cs typeface="+mn-cs"/>
-              </a:defRPr>
-            </a:lvl6pPr>
-            <a:lvl7pPr marL="2743200" indent="0" algn="ctr" defTabSz="914400" rtl="0" eaLnBrk="1" latinLnBrk="0" hangingPunct="1">
-              <a:lnSpc>
-                <a:spcPct val="90000"/>
-              </a:lnSpc>
-              <a:spcBef>
-                <a:spcPts val="500"/>
-              </a:spcBef>
-              <a:buFont typeface="Arial" panose="020B0604020202020204" pitchFamily="34" charset="0"/>
-              <a:buNone/>
-              <a:defRPr sz="1600" kern="1200">
-                <a:solidFill>
-                  <a:schemeClr val="tx1"/>
-                </a:solidFill>
-                <a:latin typeface="+mn-lt"/>
-                <a:ea typeface="+mn-ea"/>
-                <a:cs typeface="+mn-cs"/>
-              </a:defRPr>
-            </a:lvl7pPr>
-            <a:lvl8pPr marL="3200400" indent="0" algn="ctr" defTabSz="914400" rtl="0" eaLnBrk="1" latinLnBrk="0" hangingPunct="1">
-              <a:lnSpc>
-                <a:spcPct val="90000"/>
-              </a:lnSpc>
-              <a:spcBef>
-                <a:spcPts val="500"/>
-              </a:spcBef>
-              <a:buFont typeface="Arial" panose="020B0604020202020204" pitchFamily="34" charset="0"/>
-              <a:buNone/>
-              <a:defRPr sz="1600" kern="1200">
-                <a:solidFill>
-                  <a:schemeClr val="tx1"/>
-                </a:solidFill>
-                <a:latin typeface="+mn-lt"/>
-                <a:ea typeface="+mn-ea"/>
-                <a:cs typeface="+mn-cs"/>
-              </a:defRPr>
-            </a:lvl8pPr>
-            <a:lvl9pPr marL="3657600" indent="0" algn="ctr" defTabSz="914400" rtl="0" eaLnBrk="1" latinLnBrk="0" hangingPunct="1">
-              <a:lnSpc>
-                <a:spcPct val="90000"/>
-              </a:lnSpc>
-              <a:spcBef>
-                <a:spcPts val="500"/>
-              </a:spcBef>
-              <a:buFont typeface="Arial" panose="020B0604020202020204" pitchFamily="34" charset="0"/>
-              <a:buNone/>
-              <a:defRPr sz="1600" kern="1200">
-                <a:solidFill>
-                  <a:schemeClr val="tx1"/>
-                </a:solidFill>
-                <a:latin typeface="+mn-lt"/>
-                <a:ea typeface="+mn-ea"/>
-                <a:cs typeface="+mn-cs"/>
-              </a:defRPr>
-            </a:lvl9pPr>
-          </a:lstStyle>
-          <a:p>
-            <a:pPr algn="r"/>
-            <a:r>
-              <a:rPr lang="de-DE" dirty="0">
-                <a:solidFill>
-                  <a:srgbClr val="65BCAA"/>
-                </a:solidFill>
-              </a:rPr>
-              <a:t>RE10 &lt;=&gt;24times/Day</a:t>
-            </a:r>
-          </a:p>
-          <a:p>
-            <a:pPr algn="r"/>
-            <a:r>
-              <a:rPr lang="de-DE" dirty="0">
-                <a:solidFill>
-                  <a:srgbClr val="65BCAA"/>
-                </a:solidFill>
-              </a:rPr>
-              <a:t>APPROX 30 PASSENGERS/RIDE</a:t>
-            </a:r>
-          </a:p>
-          <a:p>
-            <a:pPr algn="r"/>
-            <a:endParaRPr lang="de-DE" dirty="0"/>
-          </a:p>
-        </p:txBody>
-      </p:sp>
-      <p:sp>
-        <p:nvSpPr>
-          <p:cNvPr id="36" name="Untertitel 2">
-            <a:extLst>
-              <a:ext uri="{FF2B5EF4-FFF2-40B4-BE49-F238E27FC236}">
-                <a16:creationId xmlns:a16="http://schemas.microsoft.com/office/drawing/2014/main" id="{3231A6A4-C01B-954F-B0BA-703AEB2A9B7F}"/>
-              </a:ext>
-            </a:extLst>
-          </p:cNvPr>
-          <p:cNvSpPr txBox="1">
-            <a:spLocks/>
-          </p:cNvSpPr>
-          <p:nvPr/>
-        </p:nvSpPr>
-        <p:spPr>
-          <a:xfrm>
-            <a:off x="863365" y="3775099"/>
-            <a:ext cx="2987748" cy="330253"/>
-          </a:xfrm>
-          <a:prstGeom prst="rect">
-            <a:avLst/>
-          </a:prstGeom>
-        </p:spPr>
-        <p:txBody>
-          <a:bodyPr vert="horz" lIns="91440" tIns="45720" rIns="91440" bIns="45720" rtlCol="0">
-            <a:normAutofit fontScale="70000" lnSpcReduction="20000"/>
-          </a:bodyPr>
-          <a:lstStyle>
-            <a:lvl1pPr marL="0" indent="0" algn="ctr" defTabSz="914400" rtl="0" eaLnBrk="1" latinLnBrk="0" hangingPunct="1">
-              <a:lnSpc>
-                <a:spcPct val="90000"/>
-              </a:lnSpc>
-              <a:spcBef>
-                <a:spcPts val="1000"/>
-              </a:spcBef>
-              <a:buFont typeface="Arial" panose="020B0604020202020204" pitchFamily="34" charset="0"/>
-              <a:buNone/>
-              <a:defRPr sz="2400" kern="1200" cap="all" spc="400" baseline="0">
-                <a:solidFill>
-                  <a:schemeClr val="tx1"/>
-                </a:solidFill>
-                <a:latin typeface="+mn-lt"/>
-                <a:ea typeface="+mn-ea"/>
-                <a:cs typeface="+mn-cs"/>
-              </a:defRPr>
-            </a:lvl1pPr>
-            <a:lvl2pPr marL="457200" indent="0" algn="ctr" defTabSz="914400" rtl="0" eaLnBrk="1" latinLnBrk="0" hangingPunct="1">
-              <a:lnSpc>
-                <a:spcPct val="90000"/>
-              </a:lnSpc>
-              <a:spcBef>
-                <a:spcPts val="500"/>
-              </a:spcBef>
-              <a:buFont typeface="Arial" panose="020B0604020202020204" pitchFamily="34" charset="0"/>
-              <a:buNone/>
-              <a:defRPr sz="2000" kern="1200">
-                <a:solidFill>
-                  <a:schemeClr val="tx1"/>
-                </a:solidFill>
-                <a:latin typeface="+mn-lt"/>
-                <a:ea typeface="+mn-ea"/>
-                <a:cs typeface="+mn-cs"/>
-              </a:defRPr>
-            </a:lvl2pPr>
-            <a:lvl3pPr marL="914400" indent="0" algn="ctr" defTabSz="914400" rtl="0" eaLnBrk="1" latinLnBrk="0" hangingPunct="1">
-              <a:lnSpc>
-                <a:spcPct val="90000"/>
-              </a:lnSpc>
-              <a:spcBef>
-                <a:spcPts val="500"/>
-              </a:spcBef>
-              <a:buFont typeface="Arial" panose="020B0604020202020204" pitchFamily="34" charset="0"/>
-              <a:buNone/>
-              <a:defRPr sz="1800" kern="1200">
-                <a:solidFill>
-                  <a:schemeClr val="tx1"/>
-                </a:solidFill>
-                <a:latin typeface="+mn-lt"/>
-                <a:ea typeface="+mn-ea"/>
-                <a:cs typeface="+mn-cs"/>
-              </a:defRPr>
-            </a:lvl3pPr>
-            <a:lvl4pPr marL="1371600" indent="0" algn="ctr" defTabSz="914400" rtl="0" eaLnBrk="1" latinLnBrk="0" hangingPunct="1">
-              <a:lnSpc>
-                <a:spcPct val="90000"/>
-              </a:lnSpc>
-              <a:spcBef>
-                <a:spcPts val="500"/>
-              </a:spcBef>
-              <a:buFont typeface="Arial" panose="020B0604020202020204" pitchFamily="34" charset="0"/>
-              <a:buNone/>
-              <a:defRPr sz="1600" kern="1200">
-                <a:solidFill>
-                  <a:schemeClr val="tx1"/>
-                </a:solidFill>
-                <a:latin typeface="+mn-lt"/>
-                <a:ea typeface="+mn-ea"/>
-                <a:cs typeface="+mn-cs"/>
-              </a:defRPr>
-            </a:lvl4pPr>
-            <a:lvl5pPr marL="1828800" indent="0" algn="ctr" defTabSz="914400" rtl="0" eaLnBrk="1" latinLnBrk="0" hangingPunct="1">
-              <a:lnSpc>
-                <a:spcPct val="90000"/>
-              </a:lnSpc>
-              <a:spcBef>
-                <a:spcPts val="500"/>
-              </a:spcBef>
-              <a:buFont typeface="Arial" panose="020B0604020202020204" pitchFamily="34" charset="0"/>
-              <a:buNone/>
-              <a:defRPr sz="1600" kern="1200">
-                <a:solidFill>
-                  <a:schemeClr val="tx1"/>
-                </a:solidFill>
-                <a:latin typeface="+mn-lt"/>
-                <a:ea typeface="+mn-ea"/>
-                <a:cs typeface="+mn-cs"/>
-              </a:defRPr>
-            </a:lvl5pPr>
-            <a:lvl6pPr marL="2286000" indent="0" algn="ctr" defTabSz="914400" rtl="0" eaLnBrk="1" latinLnBrk="0" hangingPunct="1">
-              <a:lnSpc>
-                <a:spcPct val="90000"/>
-              </a:lnSpc>
-              <a:spcBef>
-                <a:spcPts val="500"/>
-              </a:spcBef>
-              <a:buFont typeface="Arial" panose="020B0604020202020204" pitchFamily="34" charset="0"/>
-              <a:buNone/>
-              <a:defRPr sz="1600" kern="1200">
-                <a:solidFill>
-                  <a:schemeClr val="tx1"/>
-                </a:solidFill>
-                <a:latin typeface="+mn-lt"/>
-                <a:ea typeface="+mn-ea"/>
-                <a:cs typeface="+mn-cs"/>
-              </a:defRPr>
-            </a:lvl6pPr>
-            <a:lvl7pPr marL="2743200" indent="0" algn="ctr" defTabSz="914400" rtl="0" eaLnBrk="1" latinLnBrk="0" hangingPunct="1">
-              <a:lnSpc>
-                <a:spcPct val="90000"/>
-              </a:lnSpc>
-              <a:spcBef>
-                <a:spcPts val="500"/>
-              </a:spcBef>
-              <a:buFont typeface="Arial" panose="020B0604020202020204" pitchFamily="34" charset="0"/>
-              <a:buNone/>
-              <a:defRPr sz="1600" kern="1200">
-                <a:solidFill>
-                  <a:schemeClr val="tx1"/>
-                </a:solidFill>
-                <a:latin typeface="+mn-lt"/>
-                <a:ea typeface="+mn-ea"/>
-                <a:cs typeface="+mn-cs"/>
-              </a:defRPr>
-            </a:lvl7pPr>
-            <a:lvl8pPr marL="3200400" indent="0" algn="ctr" defTabSz="914400" rtl="0" eaLnBrk="1" latinLnBrk="0" hangingPunct="1">
-              <a:lnSpc>
-                <a:spcPct val="90000"/>
-              </a:lnSpc>
-              <a:spcBef>
-                <a:spcPts val="500"/>
-              </a:spcBef>
-              <a:buFont typeface="Arial" panose="020B0604020202020204" pitchFamily="34" charset="0"/>
-              <a:buNone/>
-              <a:defRPr sz="1600" kern="1200">
-                <a:solidFill>
-                  <a:schemeClr val="tx1"/>
-                </a:solidFill>
-                <a:latin typeface="+mn-lt"/>
-                <a:ea typeface="+mn-ea"/>
-                <a:cs typeface="+mn-cs"/>
-              </a:defRPr>
-            </a:lvl8pPr>
-            <a:lvl9pPr marL="3657600" indent="0" algn="ctr" defTabSz="914400" rtl="0" eaLnBrk="1" latinLnBrk="0" hangingPunct="1">
-              <a:lnSpc>
-                <a:spcPct val="90000"/>
-              </a:lnSpc>
-              <a:spcBef>
-                <a:spcPts val="500"/>
-              </a:spcBef>
-              <a:buFont typeface="Arial" panose="020B0604020202020204" pitchFamily="34" charset="0"/>
-              <a:buNone/>
-              <a:defRPr sz="1600" kern="1200">
-                <a:solidFill>
-                  <a:schemeClr val="tx1"/>
-                </a:solidFill>
-                <a:latin typeface="+mn-lt"/>
-                <a:ea typeface="+mn-ea"/>
-                <a:cs typeface="+mn-cs"/>
-              </a:defRPr>
-            </a:lvl9pPr>
-          </a:lstStyle>
-          <a:p>
-            <a:pPr algn="r"/>
-            <a:r>
-              <a:rPr lang="de-DE" dirty="0">
-                <a:solidFill>
-                  <a:srgbClr val="65BCAA"/>
-                </a:solidFill>
-              </a:rPr>
-              <a:t>111 CORONA CASES</a:t>
-            </a:r>
-          </a:p>
-          <a:p>
-            <a:pPr algn="r"/>
-            <a:endParaRPr lang="de-DE" dirty="0"/>
-          </a:p>
-        </p:txBody>
-      </p:sp>
-      <p:sp>
-        <p:nvSpPr>
-          <p:cNvPr id="37" name="Untertitel 2">
-            <a:extLst>
-              <a:ext uri="{FF2B5EF4-FFF2-40B4-BE49-F238E27FC236}">
-                <a16:creationId xmlns:a16="http://schemas.microsoft.com/office/drawing/2014/main" id="{E75AD387-2EDF-FE4E-AB41-466DD920323E}"/>
-              </a:ext>
-            </a:extLst>
-          </p:cNvPr>
-          <p:cNvSpPr txBox="1">
-            <a:spLocks/>
-          </p:cNvSpPr>
-          <p:nvPr/>
-        </p:nvSpPr>
-        <p:spPr>
-          <a:xfrm>
-            <a:off x="8246166" y="3774665"/>
-            <a:ext cx="2987748" cy="330253"/>
-          </a:xfrm>
-          <a:prstGeom prst="rect">
-            <a:avLst/>
-          </a:prstGeom>
-        </p:spPr>
-        <p:txBody>
-          <a:bodyPr vert="horz" lIns="91440" tIns="45720" rIns="91440" bIns="45720" rtlCol="0">
-            <a:normAutofit fontScale="85000" lnSpcReduction="20000"/>
-          </a:bodyPr>
-          <a:lstStyle>
-            <a:lvl1pPr marL="0" indent="0" algn="ctr" defTabSz="914400" rtl="0" eaLnBrk="1" latinLnBrk="0" hangingPunct="1">
-              <a:lnSpc>
-                <a:spcPct val="90000"/>
-              </a:lnSpc>
-              <a:spcBef>
-                <a:spcPts val="1000"/>
-              </a:spcBef>
-              <a:buFont typeface="Arial" panose="020B0604020202020204" pitchFamily="34" charset="0"/>
-              <a:buNone/>
-              <a:defRPr sz="2400" kern="1200" cap="all" spc="400" baseline="0">
-                <a:solidFill>
-                  <a:schemeClr val="tx1"/>
-                </a:solidFill>
-                <a:latin typeface="+mn-lt"/>
-                <a:ea typeface="+mn-ea"/>
-                <a:cs typeface="+mn-cs"/>
-              </a:defRPr>
-            </a:lvl1pPr>
-            <a:lvl2pPr marL="457200" indent="0" algn="ctr" defTabSz="914400" rtl="0" eaLnBrk="1" latinLnBrk="0" hangingPunct="1">
-              <a:lnSpc>
-                <a:spcPct val="90000"/>
-              </a:lnSpc>
-              <a:spcBef>
-                <a:spcPts val="500"/>
-              </a:spcBef>
-              <a:buFont typeface="Arial" panose="020B0604020202020204" pitchFamily="34" charset="0"/>
-              <a:buNone/>
-              <a:defRPr sz="2000" kern="1200">
-                <a:solidFill>
-                  <a:schemeClr val="tx1"/>
-                </a:solidFill>
-                <a:latin typeface="+mn-lt"/>
-                <a:ea typeface="+mn-ea"/>
-                <a:cs typeface="+mn-cs"/>
-              </a:defRPr>
-            </a:lvl2pPr>
-            <a:lvl3pPr marL="914400" indent="0" algn="ctr" defTabSz="914400" rtl="0" eaLnBrk="1" latinLnBrk="0" hangingPunct="1">
-              <a:lnSpc>
-                <a:spcPct val="90000"/>
-              </a:lnSpc>
-              <a:spcBef>
-                <a:spcPts val="500"/>
-              </a:spcBef>
-              <a:buFont typeface="Arial" panose="020B0604020202020204" pitchFamily="34" charset="0"/>
-              <a:buNone/>
-              <a:defRPr sz="1800" kern="1200">
-                <a:solidFill>
-                  <a:schemeClr val="tx1"/>
-                </a:solidFill>
-                <a:latin typeface="+mn-lt"/>
-                <a:ea typeface="+mn-ea"/>
-                <a:cs typeface="+mn-cs"/>
-              </a:defRPr>
-            </a:lvl3pPr>
-            <a:lvl4pPr marL="1371600" indent="0" algn="ctr" defTabSz="914400" rtl="0" eaLnBrk="1" latinLnBrk="0" hangingPunct="1">
-              <a:lnSpc>
-                <a:spcPct val="90000"/>
-              </a:lnSpc>
-              <a:spcBef>
-                <a:spcPts val="500"/>
-              </a:spcBef>
-              <a:buFont typeface="Arial" panose="020B0604020202020204" pitchFamily="34" charset="0"/>
-              <a:buNone/>
-              <a:defRPr sz="1600" kern="1200">
-                <a:solidFill>
-                  <a:schemeClr val="tx1"/>
-                </a:solidFill>
-                <a:latin typeface="+mn-lt"/>
-                <a:ea typeface="+mn-ea"/>
-                <a:cs typeface="+mn-cs"/>
-              </a:defRPr>
-            </a:lvl4pPr>
-            <a:lvl5pPr marL="1828800" indent="0" algn="ctr" defTabSz="914400" rtl="0" eaLnBrk="1" latinLnBrk="0" hangingPunct="1">
-              <a:lnSpc>
-                <a:spcPct val="90000"/>
-              </a:lnSpc>
-              <a:spcBef>
-                <a:spcPts val="500"/>
-              </a:spcBef>
-              <a:buFont typeface="Arial" panose="020B0604020202020204" pitchFamily="34" charset="0"/>
-              <a:buNone/>
-              <a:defRPr sz="1600" kern="1200">
-                <a:solidFill>
-                  <a:schemeClr val="tx1"/>
-                </a:solidFill>
-                <a:latin typeface="+mn-lt"/>
-                <a:ea typeface="+mn-ea"/>
-                <a:cs typeface="+mn-cs"/>
-              </a:defRPr>
-            </a:lvl5pPr>
-            <a:lvl6pPr marL="2286000" indent="0" algn="ctr" defTabSz="914400" rtl="0" eaLnBrk="1" latinLnBrk="0" hangingPunct="1">
-              <a:lnSpc>
-                <a:spcPct val="90000"/>
-              </a:lnSpc>
-              <a:spcBef>
-                <a:spcPts val="500"/>
-              </a:spcBef>
-              <a:buFont typeface="Arial" panose="020B0604020202020204" pitchFamily="34" charset="0"/>
-              <a:buNone/>
-              <a:defRPr sz="1600" kern="1200">
-                <a:solidFill>
-                  <a:schemeClr val="tx1"/>
-                </a:solidFill>
-                <a:latin typeface="+mn-lt"/>
-                <a:ea typeface="+mn-ea"/>
-                <a:cs typeface="+mn-cs"/>
-              </a:defRPr>
-            </a:lvl6pPr>
-            <a:lvl7pPr marL="2743200" indent="0" algn="ctr" defTabSz="914400" rtl="0" eaLnBrk="1" latinLnBrk="0" hangingPunct="1">
-              <a:lnSpc>
-                <a:spcPct val="90000"/>
-              </a:lnSpc>
-              <a:spcBef>
-                <a:spcPts val="500"/>
-              </a:spcBef>
-              <a:buFont typeface="Arial" panose="020B0604020202020204" pitchFamily="34" charset="0"/>
-              <a:buNone/>
-              <a:defRPr sz="1600" kern="1200">
-                <a:solidFill>
-                  <a:schemeClr val="tx1"/>
-                </a:solidFill>
-                <a:latin typeface="+mn-lt"/>
-                <a:ea typeface="+mn-ea"/>
-                <a:cs typeface="+mn-cs"/>
-              </a:defRPr>
-            </a:lvl7pPr>
-            <a:lvl8pPr marL="3200400" indent="0" algn="ctr" defTabSz="914400" rtl="0" eaLnBrk="1" latinLnBrk="0" hangingPunct="1">
-              <a:lnSpc>
-                <a:spcPct val="90000"/>
-              </a:lnSpc>
-              <a:spcBef>
-                <a:spcPts val="500"/>
-              </a:spcBef>
-              <a:buFont typeface="Arial" panose="020B0604020202020204" pitchFamily="34" charset="0"/>
-              <a:buNone/>
-              <a:defRPr sz="1600" kern="1200">
-                <a:solidFill>
-                  <a:schemeClr val="tx1"/>
-                </a:solidFill>
-                <a:latin typeface="+mn-lt"/>
-                <a:ea typeface="+mn-ea"/>
-                <a:cs typeface="+mn-cs"/>
-              </a:defRPr>
-            </a:lvl8pPr>
-            <a:lvl9pPr marL="3657600" indent="0" algn="ctr" defTabSz="914400" rtl="0" eaLnBrk="1" latinLnBrk="0" hangingPunct="1">
-              <a:lnSpc>
-                <a:spcPct val="90000"/>
-              </a:lnSpc>
-              <a:spcBef>
-                <a:spcPts val="500"/>
-              </a:spcBef>
-              <a:buFont typeface="Arial" panose="020B0604020202020204" pitchFamily="34" charset="0"/>
-              <a:buNone/>
-              <a:defRPr sz="1600" kern="1200">
-                <a:solidFill>
-                  <a:schemeClr val="tx1"/>
-                </a:solidFill>
-                <a:latin typeface="+mn-lt"/>
-                <a:ea typeface="+mn-ea"/>
-                <a:cs typeface="+mn-cs"/>
-              </a:defRPr>
-            </a:lvl9pPr>
-          </a:lstStyle>
-          <a:p>
-            <a:pPr algn="r"/>
-            <a:r>
-              <a:rPr lang="de-DE" dirty="0">
-                <a:solidFill>
-                  <a:srgbClr val="65BCAA"/>
-                </a:solidFill>
-              </a:rPr>
-              <a:t>7 CORONA CASES</a:t>
-            </a:r>
-          </a:p>
-          <a:p>
-            <a:pPr algn="r"/>
-            <a:endParaRPr lang="de-DE" dirty="0"/>
-          </a:p>
-        </p:txBody>
-      </p:sp>
-      <p:sp>
-        <p:nvSpPr>
-          <p:cNvPr id="38" name="Untertitel 2">
-            <a:extLst>
-              <a:ext uri="{FF2B5EF4-FFF2-40B4-BE49-F238E27FC236}">
-                <a16:creationId xmlns:a16="http://schemas.microsoft.com/office/drawing/2014/main" id="{A539F036-6E68-9B44-A3E6-1EB2EC0CFF7A}"/>
-              </a:ext>
-            </a:extLst>
-          </p:cNvPr>
-          <p:cNvSpPr txBox="1">
-            <a:spLocks/>
-          </p:cNvSpPr>
-          <p:nvPr/>
-        </p:nvSpPr>
-        <p:spPr>
-          <a:xfrm>
-            <a:off x="-182633" y="1136231"/>
-            <a:ext cx="2987748" cy="330253"/>
-          </a:xfrm>
-          <a:prstGeom prst="rect">
-            <a:avLst/>
-          </a:prstGeom>
-        </p:spPr>
-        <p:txBody>
-          <a:bodyPr vert="horz" lIns="91440" tIns="45720" rIns="91440" bIns="45720" rtlCol="0">
-            <a:normAutofit fontScale="85000" lnSpcReduction="20000"/>
-          </a:bodyPr>
-          <a:lstStyle>
-            <a:lvl1pPr marL="0" indent="0" algn="ctr" defTabSz="914400" rtl="0" eaLnBrk="1" latinLnBrk="0" hangingPunct="1">
-              <a:lnSpc>
-                <a:spcPct val="90000"/>
-              </a:lnSpc>
-              <a:spcBef>
-                <a:spcPts val="1000"/>
-              </a:spcBef>
-              <a:buFont typeface="Arial" panose="020B0604020202020204" pitchFamily="34" charset="0"/>
-              <a:buNone/>
-              <a:defRPr sz="2400" kern="1200" cap="all" spc="400" baseline="0">
-                <a:solidFill>
-                  <a:schemeClr val="tx1"/>
-                </a:solidFill>
-                <a:latin typeface="+mn-lt"/>
-                <a:ea typeface="+mn-ea"/>
-                <a:cs typeface="+mn-cs"/>
-              </a:defRPr>
-            </a:lvl1pPr>
-            <a:lvl2pPr marL="457200" indent="0" algn="ctr" defTabSz="914400" rtl="0" eaLnBrk="1" latinLnBrk="0" hangingPunct="1">
-              <a:lnSpc>
-                <a:spcPct val="90000"/>
-              </a:lnSpc>
-              <a:spcBef>
-                <a:spcPts val="500"/>
-              </a:spcBef>
-              <a:buFont typeface="Arial" panose="020B0604020202020204" pitchFamily="34" charset="0"/>
-              <a:buNone/>
-              <a:defRPr sz="2000" kern="1200">
-                <a:solidFill>
-                  <a:schemeClr val="tx1"/>
-                </a:solidFill>
-                <a:latin typeface="+mn-lt"/>
-                <a:ea typeface="+mn-ea"/>
-                <a:cs typeface="+mn-cs"/>
-              </a:defRPr>
-            </a:lvl2pPr>
-            <a:lvl3pPr marL="914400" indent="0" algn="ctr" defTabSz="914400" rtl="0" eaLnBrk="1" latinLnBrk="0" hangingPunct="1">
-              <a:lnSpc>
-                <a:spcPct val="90000"/>
-              </a:lnSpc>
-              <a:spcBef>
-                <a:spcPts val="500"/>
-              </a:spcBef>
-              <a:buFont typeface="Arial" panose="020B0604020202020204" pitchFamily="34" charset="0"/>
-              <a:buNone/>
-              <a:defRPr sz="1800" kern="1200">
-                <a:solidFill>
-                  <a:schemeClr val="tx1"/>
-                </a:solidFill>
-                <a:latin typeface="+mn-lt"/>
-                <a:ea typeface="+mn-ea"/>
-                <a:cs typeface="+mn-cs"/>
-              </a:defRPr>
-            </a:lvl3pPr>
-            <a:lvl4pPr marL="1371600" indent="0" algn="ctr" defTabSz="914400" rtl="0" eaLnBrk="1" latinLnBrk="0" hangingPunct="1">
-              <a:lnSpc>
-                <a:spcPct val="90000"/>
-              </a:lnSpc>
-              <a:spcBef>
-                <a:spcPts val="500"/>
-              </a:spcBef>
-              <a:buFont typeface="Arial" panose="020B0604020202020204" pitchFamily="34" charset="0"/>
-              <a:buNone/>
-              <a:defRPr sz="1600" kern="1200">
-                <a:solidFill>
-                  <a:schemeClr val="tx1"/>
-                </a:solidFill>
-                <a:latin typeface="+mn-lt"/>
-                <a:ea typeface="+mn-ea"/>
-                <a:cs typeface="+mn-cs"/>
-              </a:defRPr>
-            </a:lvl4pPr>
-            <a:lvl5pPr marL="1828800" indent="0" algn="ctr" defTabSz="914400" rtl="0" eaLnBrk="1" latinLnBrk="0" hangingPunct="1">
-              <a:lnSpc>
-                <a:spcPct val="90000"/>
-              </a:lnSpc>
-              <a:spcBef>
-                <a:spcPts val="500"/>
-              </a:spcBef>
-              <a:buFont typeface="Arial" panose="020B0604020202020204" pitchFamily="34" charset="0"/>
-              <a:buNone/>
-              <a:defRPr sz="1600" kern="1200">
-                <a:solidFill>
-                  <a:schemeClr val="tx1"/>
-                </a:solidFill>
-                <a:latin typeface="+mn-lt"/>
-                <a:ea typeface="+mn-ea"/>
-                <a:cs typeface="+mn-cs"/>
-              </a:defRPr>
-            </a:lvl5pPr>
-            <a:lvl6pPr marL="2286000" indent="0" algn="ctr" defTabSz="914400" rtl="0" eaLnBrk="1" latinLnBrk="0" hangingPunct="1">
-              <a:lnSpc>
-                <a:spcPct val="90000"/>
-              </a:lnSpc>
-              <a:spcBef>
-                <a:spcPts val="500"/>
-              </a:spcBef>
-              <a:buFont typeface="Arial" panose="020B0604020202020204" pitchFamily="34" charset="0"/>
-              <a:buNone/>
-              <a:defRPr sz="1600" kern="1200">
-                <a:solidFill>
-                  <a:schemeClr val="tx1"/>
-                </a:solidFill>
-                <a:latin typeface="+mn-lt"/>
-                <a:ea typeface="+mn-ea"/>
-                <a:cs typeface="+mn-cs"/>
-              </a:defRPr>
-            </a:lvl6pPr>
-            <a:lvl7pPr marL="2743200" indent="0" algn="ctr" defTabSz="914400" rtl="0" eaLnBrk="1" latinLnBrk="0" hangingPunct="1">
-              <a:lnSpc>
-                <a:spcPct val="90000"/>
-              </a:lnSpc>
-              <a:spcBef>
-                <a:spcPts val="500"/>
-              </a:spcBef>
-              <a:buFont typeface="Arial" panose="020B0604020202020204" pitchFamily="34" charset="0"/>
-              <a:buNone/>
-              <a:defRPr sz="1600" kern="1200">
-                <a:solidFill>
-                  <a:schemeClr val="tx1"/>
-                </a:solidFill>
-                <a:latin typeface="+mn-lt"/>
-                <a:ea typeface="+mn-ea"/>
-                <a:cs typeface="+mn-cs"/>
-              </a:defRPr>
-            </a:lvl7pPr>
-            <a:lvl8pPr marL="3200400" indent="0" algn="ctr" defTabSz="914400" rtl="0" eaLnBrk="1" latinLnBrk="0" hangingPunct="1">
-              <a:lnSpc>
-                <a:spcPct val="90000"/>
-              </a:lnSpc>
-              <a:spcBef>
-                <a:spcPts val="500"/>
-              </a:spcBef>
-              <a:buFont typeface="Arial" panose="020B0604020202020204" pitchFamily="34" charset="0"/>
-              <a:buNone/>
-              <a:defRPr sz="1600" kern="1200">
-                <a:solidFill>
-                  <a:schemeClr val="tx1"/>
-                </a:solidFill>
-                <a:latin typeface="+mn-lt"/>
-                <a:ea typeface="+mn-ea"/>
-                <a:cs typeface="+mn-cs"/>
-              </a:defRPr>
-            </a:lvl8pPr>
-            <a:lvl9pPr marL="3657600" indent="0" algn="ctr" defTabSz="914400" rtl="0" eaLnBrk="1" latinLnBrk="0" hangingPunct="1">
-              <a:lnSpc>
-                <a:spcPct val="90000"/>
-              </a:lnSpc>
-              <a:spcBef>
-                <a:spcPts val="500"/>
-              </a:spcBef>
-              <a:buFont typeface="Arial" panose="020B0604020202020204" pitchFamily="34" charset="0"/>
-              <a:buNone/>
-              <a:defRPr sz="1600" kern="1200">
-                <a:solidFill>
-                  <a:schemeClr val="tx1"/>
-                </a:solidFill>
-                <a:latin typeface="+mn-lt"/>
-                <a:ea typeface="+mn-ea"/>
-                <a:cs typeface="+mn-cs"/>
-              </a:defRPr>
-            </a:lvl9pPr>
-          </a:lstStyle>
-          <a:p>
-            <a:pPr algn="r"/>
-            <a:r>
-              <a:rPr lang="de-DE" dirty="0"/>
-              <a:t>MARCH 2020</a:t>
-            </a:r>
-          </a:p>
-        </p:txBody>
-      </p:sp>
+      </p:pic>
     </p:spTree>
     <p:extLst>
       <p:ext uri="{BB962C8B-B14F-4D97-AF65-F5344CB8AC3E}">
-        <p14:creationId xmlns:p14="http://schemas.microsoft.com/office/powerpoint/2010/main" val="1562038019"/>
+        <p14:creationId xmlns:p14="http://schemas.microsoft.com/office/powerpoint/2010/main" val="2791273983"/>
       </p:ext>
     </p:extLst>
   </p:cSld>
@@ -13795,47 +13487,67 @@
           <a:chExt cx="0" cy="0"/>
         </a:xfrm>
       </p:grpSpPr>
-      <p:pic>
-        <p:nvPicPr>
-          <p:cNvPr id="24" name="Grafik 23">
+      <p:sp>
+        <p:nvSpPr>
+          <p:cNvPr id="17" name="Titel 1">
             <a:extLst>
               <a:ext uri="{FF2B5EF4-FFF2-40B4-BE49-F238E27FC236}">
-                <a16:creationId xmlns:a16="http://schemas.microsoft.com/office/drawing/2014/main" id="{9CC6FA83-9BCF-674F-B03D-2C8F41AF03E5}"/>
+                <a16:creationId xmlns:a16="http://schemas.microsoft.com/office/drawing/2014/main" id="{C097338E-B699-5A4C-B7CB-0BC815BB9BAE}"/>
               </a:ext>
             </a:extLst>
           </p:cNvPr>
-          <p:cNvPicPr>
-            <a:picLocks noChangeAspect="1"/>
-          </p:cNvPicPr>
+          <p:cNvSpPr txBox="1">
+            <a:spLocks/>
+          </p:cNvSpPr>
           <p:nvPr/>
-        </p:nvPicPr>
-        <p:blipFill rotWithShape="1">
-          <a:blip r:embed="rId3">
-            <a:extLst>
-              <a:ext uri="{96DAC541-7B7A-43D3-8B79-37D633B846F1}">
-                <asvg:svgBlip xmlns:asvg="http://schemas.microsoft.com/office/drawing/2016/SVG/main" r:embed="rId4"/>
-              </a:ext>
-            </a:extLst>
-          </a:blip>
-          <a:srcRect t="29360" b="36381"/>
-          <a:stretch/>
-        </p:blipFill>
+        </p:nvSpPr>
         <p:spPr>
           <a:xfrm>
-            <a:off x="5308458" y="2756903"/>
-            <a:ext cx="1643459" cy="563035"/>
+            <a:off x="701646" y="421745"/>
+            <a:ext cx="10404319" cy="755650"/>
           </a:xfrm>
           <a:prstGeom prst="rect">
             <a:avLst/>
           </a:prstGeom>
         </p:spPr>
-      </p:pic>
+        <p:txBody>
+          <a:bodyPr vert="horz" lIns="91440" tIns="45720" rIns="91440" bIns="45720" rtlCol="0" anchor="b">
+            <a:normAutofit/>
+          </a:bodyPr>
+          <a:lstStyle>
+            <a:lvl1pPr algn="ctr" defTabSz="914400" rtl="0" eaLnBrk="1" latinLnBrk="0" hangingPunct="1">
+              <a:lnSpc>
+                <a:spcPct val="90000"/>
+              </a:lnSpc>
+              <a:spcBef>
+                <a:spcPct val="0"/>
+              </a:spcBef>
+              <a:buNone/>
+              <a:defRPr sz="6000" b="1" kern="1200" cap="all" spc="1500" baseline="0">
+                <a:solidFill>
+                  <a:schemeClr val="tx1"/>
+                </a:solidFill>
+                <a:latin typeface="+mj-lt"/>
+                <a:ea typeface="Source Sans Pro SemiBold" panose="020B0603030403020204" pitchFamily="34" charset="0"/>
+                <a:cs typeface="+mj-cs"/>
+              </a:defRPr>
+            </a:lvl1pPr>
+          </a:lstStyle>
+          <a:p>
+            <a:pPr algn="l"/>
+            <a:r>
+              <a:rPr lang="de-DE" sz="4000" dirty="0"/>
+              <a:t>TRAIN DATA</a:t>
+            </a:r>
+          </a:p>
+        </p:txBody>
+      </p:sp>
       <p:pic>
         <p:nvPicPr>
-          <p:cNvPr id="7" name="Grafik 6">
+          <p:cNvPr id="19" name="Grafik 18">
             <a:extLst>
               <a:ext uri="{FF2B5EF4-FFF2-40B4-BE49-F238E27FC236}">
-                <a16:creationId xmlns:a16="http://schemas.microsoft.com/office/drawing/2014/main" id="{062FAAFD-F38D-DF43-82BA-B7CB5E15FFC4}"/>
+                <a16:creationId xmlns:a16="http://schemas.microsoft.com/office/drawing/2014/main" id="{E4134132-07F4-CE4E-8CFB-481DD6B7858E}"/>
               </a:ext>
             </a:extLst>
           </p:cNvPr>
@@ -13845,10 +13557,10 @@
           <p:nvPr/>
         </p:nvPicPr>
         <p:blipFill>
-          <a:blip r:embed="rId5">
+          <a:blip r:embed="rId3">
             <a:extLst>
               <a:ext uri="{96DAC541-7B7A-43D3-8B79-37D633B846F1}">
-                <asvg:svgBlip xmlns:asvg="http://schemas.microsoft.com/office/drawing/2016/SVG/main" r:embed="rId6"/>
+                <asvg:svgBlip xmlns:asvg="http://schemas.microsoft.com/office/drawing/2016/SVG/main" r:embed="rId4"/>
               </a:ext>
             </a:extLst>
           </a:blip>
@@ -13858,116 +13570,8 @@
         </p:blipFill>
         <p:spPr>
           <a:xfrm>
-            <a:off x="8246166" y="871982"/>
-            <a:ext cx="3082469" cy="3082469"/>
-          </a:xfrm>
-          <a:prstGeom prst="rect">
-            <a:avLst/>
-          </a:prstGeom>
-        </p:spPr>
-      </p:pic>
-      <p:pic>
-        <p:nvPicPr>
-          <p:cNvPr id="14" name="Grafik 13">
-            <a:extLst>
-              <a:ext uri="{FF2B5EF4-FFF2-40B4-BE49-F238E27FC236}">
-                <a16:creationId xmlns:a16="http://schemas.microsoft.com/office/drawing/2014/main" id="{E16CB119-B845-714A-9685-41310B80480E}"/>
-              </a:ext>
-            </a:extLst>
-          </p:cNvPr>
-          <p:cNvPicPr>
-            <a:picLocks noChangeAspect="1"/>
-          </p:cNvPicPr>
-          <p:nvPr/>
-        </p:nvPicPr>
-        <p:blipFill>
-          <a:blip r:embed="rId7">
-            <a:extLst>
-              <a:ext uri="{96DAC541-7B7A-43D3-8B79-37D633B846F1}">
-                <asvg:svgBlip xmlns:asvg="http://schemas.microsoft.com/office/drawing/2016/SVG/main" r:embed="rId8"/>
-              </a:ext>
-            </a:extLst>
-          </a:blip>
-          <a:stretch>
-            <a:fillRect/>
-          </a:stretch>
-        </p:blipFill>
-        <p:spPr>
-          <a:xfrm>
-            <a:off x="1102392" y="1136231"/>
-            <a:ext cx="2911818" cy="2911818"/>
-          </a:xfrm>
-          <a:prstGeom prst="rect">
-            <a:avLst/>
-          </a:prstGeom>
-        </p:spPr>
-      </p:pic>
-      <p:pic>
-        <p:nvPicPr>
-          <p:cNvPr id="30" name="Grafik 29">
-            <a:extLst>
-              <a:ext uri="{FF2B5EF4-FFF2-40B4-BE49-F238E27FC236}">
-                <a16:creationId xmlns:a16="http://schemas.microsoft.com/office/drawing/2014/main" id="{268882D7-3DD6-A74D-BB8D-110A5D472315}"/>
-              </a:ext>
-            </a:extLst>
-          </p:cNvPr>
-          <p:cNvPicPr>
-            <a:picLocks noChangeAspect="1"/>
-          </p:cNvPicPr>
-          <p:nvPr/>
-        </p:nvPicPr>
-        <p:blipFill>
-          <a:blip r:embed="rId9">
-            <a:extLst>
-              <a:ext uri="{96DAC541-7B7A-43D3-8B79-37D633B846F1}">
-                <asvg:svgBlip xmlns:asvg="http://schemas.microsoft.com/office/drawing/2016/SVG/main" r:embed="rId10"/>
-              </a:ext>
-            </a:extLst>
-          </a:blip>
-          <a:stretch>
-            <a:fillRect/>
-          </a:stretch>
-        </p:blipFill>
-        <p:spPr>
-          <a:xfrm flipV="1">
-            <a:off x="3597037" y="2964277"/>
-            <a:ext cx="5685185" cy="782837"/>
-          </a:xfrm>
-          <a:prstGeom prst="rect">
-            <a:avLst/>
-          </a:prstGeom>
-        </p:spPr>
-      </p:pic>
-      <p:pic>
-        <p:nvPicPr>
-          <p:cNvPr id="32" name="Grafik 31">
-            <a:extLst>
-              <a:ext uri="{FF2B5EF4-FFF2-40B4-BE49-F238E27FC236}">
-                <a16:creationId xmlns:a16="http://schemas.microsoft.com/office/drawing/2014/main" id="{31262E57-C01C-884C-810F-92FA84C26D2F}"/>
-              </a:ext>
-            </a:extLst>
-          </p:cNvPr>
-          <p:cNvPicPr>
-            <a:picLocks noChangeAspect="1"/>
-          </p:cNvPicPr>
-          <p:nvPr/>
-        </p:nvPicPr>
-        <p:blipFill>
-          <a:blip r:embed="rId11">
-            <a:extLst>
-              <a:ext uri="{96DAC541-7B7A-43D3-8B79-37D633B846F1}">
-                <asvg:svgBlip xmlns:asvg="http://schemas.microsoft.com/office/drawing/2016/SVG/main" r:embed="rId12"/>
-              </a:ext>
-            </a:extLst>
-          </a:blip>
-          <a:stretch>
-            <a:fillRect/>
-          </a:stretch>
-        </p:blipFill>
-        <p:spPr>
-          <a:xfrm>
-            <a:off x="7478077" y="2500847"/>
-            <a:ext cx="926860" cy="926860"/>
+            <a:off x="701647" y="1177395"/>
+            <a:ext cx="1318439" cy="1318439"/>
           </a:xfrm>
           <a:prstGeom prst="rect">
             <a:avLst/>
@@ -13976,54 +13580,10 @@
       </p:pic>
       <p:sp>
         <p:nvSpPr>
-          <p:cNvPr id="33" name="Untertitel 2">
+          <p:cNvPr id="20" name="Untertitel 2">
             <a:extLst>
               <a:ext uri="{FF2B5EF4-FFF2-40B4-BE49-F238E27FC236}">
-                <a16:creationId xmlns:a16="http://schemas.microsoft.com/office/drawing/2014/main" id="{3DADC29B-CF6B-FB49-AEF3-75906DF77F03}"/>
-              </a:ext>
-            </a:extLst>
-          </p:cNvPr>
-          <p:cNvSpPr>
-            <a:spLocks noGrp="1"/>
-          </p:cNvSpPr>
-          <p:nvPr>
-            <p:ph type="subTitle" idx="1"/>
-          </p:nvPr>
-        </p:nvSpPr>
-        <p:spPr>
-          <a:xfrm>
-            <a:off x="1468241" y="3427707"/>
-            <a:ext cx="2054985" cy="347392"/>
-          </a:xfrm>
-        </p:spPr>
-        <p:txBody>
-          <a:bodyPr>
-            <a:normAutofit fontScale="92500" lnSpcReduction="20000"/>
-          </a:bodyPr>
-          <a:lstStyle/>
-          <a:p>
-            <a:pPr algn="r"/>
-            <a:r>
-              <a:rPr lang="de-DE" dirty="0">
-                <a:solidFill>
-                  <a:srgbClr val="65BCAA"/>
-                </a:solidFill>
-              </a:rPr>
-              <a:t>Nürnberg</a:t>
-            </a:r>
-          </a:p>
-          <a:p>
-            <a:pPr algn="r"/>
-            <a:endParaRPr lang="de-DE" dirty="0"/>
-          </a:p>
-        </p:txBody>
-      </p:sp>
-      <p:sp>
-        <p:nvSpPr>
-          <p:cNvPr id="34" name="Untertitel 2">
-            <a:extLst>
-              <a:ext uri="{FF2B5EF4-FFF2-40B4-BE49-F238E27FC236}">
-                <a16:creationId xmlns:a16="http://schemas.microsoft.com/office/drawing/2014/main" id="{22D47E42-0FDA-C243-96CE-A65F02B9A645}"/>
+                <a16:creationId xmlns:a16="http://schemas.microsoft.com/office/drawing/2014/main" id="{4932DBFA-E34D-C143-A7FC-61D0021E9B92}"/>
               </a:ext>
             </a:extLst>
           </p:cNvPr>
@@ -14034,8 +13594,8 @@
         </p:nvSpPr>
         <p:spPr>
           <a:xfrm>
-            <a:off x="8759907" y="3399722"/>
-            <a:ext cx="2054985" cy="347392"/>
+            <a:off x="2020085" y="1550725"/>
+            <a:ext cx="10078619" cy="638900"/>
           </a:xfrm>
           <a:prstGeom prst="rect">
             <a:avLst/>
@@ -14210,15 +13770,44 @@
             </a:lvl9pPr>
           </a:lstStyle>
           <a:p>
-            <a:pPr algn="r"/>
-            <a:r>
-              <a:rPr lang="de-DE" dirty="0">
+            <a:pPr algn="l"/>
+            <a:r>
+              <a:rPr lang="de-DE" sz="3100" dirty="0">
                 <a:solidFill>
                   <a:srgbClr val="65BCAA"/>
                 </a:solidFill>
               </a:rPr>
-              <a:t>EMSKIRCHEN</a:t>
-            </a:r>
+              <a:t>HAVAS | DB </a:t>
+            </a:r>
+            <a:r>
+              <a:rPr lang="de-DE" sz="3100" dirty="0"/>
+              <a:t>API</a:t>
+            </a:r>
+          </a:p>
+          <a:p>
+            <a:pPr algn="l"/>
+            <a:r>
+              <a:rPr lang="de-DE" sz="1800" dirty="0"/>
+              <a:t>[</a:t>
+            </a:r>
+            <a:r>
+              <a:rPr lang="de-DE" sz="1800" b="1" dirty="0">
+                <a:solidFill>
+                  <a:schemeClr val="tx2">
+                    <a:lumMod val="50000"/>
+                  </a:schemeClr>
+                </a:solidFill>
+              </a:rPr>
+              <a:t>DEPARTURE TABLE</a:t>
+            </a:r>
+            <a:r>
+              <a:rPr lang="de-DE" sz="1800" dirty="0"/>
+              <a:t>]</a:t>
+            </a:r>
+          </a:p>
+          <a:p>
+            <a:pPr algn="l"/>
+            <a:endParaRPr lang="de-DE" sz="3100" dirty="0"/>
           </a:p>
           <a:p>
             <a:pPr algn="r"/>
@@ -14228,10 +13817,10 @@
       </p:sp>
       <p:sp>
         <p:nvSpPr>
-          <p:cNvPr id="35" name="Untertitel 2">
+          <p:cNvPr id="7" name="Untertitel 2">
             <a:extLst>
               <a:ext uri="{FF2B5EF4-FFF2-40B4-BE49-F238E27FC236}">
-                <a16:creationId xmlns:a16="http://schemas.microsoft.com/office/drawing/2014/main" id="{E986F383-025E-9744-A3AE-239FD517BF00}"/>
+                <a16:creationId xmlns:a16="http://schemas.microsoft.com/office/drawing/2014/main" id="{65D448E1-D204-A34F-8A14-6F2C8B297084}"/>
               </a:ext>
             </a:extLst>
           </p:cNvPr>
@@ -14242,8 +13831,8 @@
         </p:nvSpPr>
         <p:spPr>
           <a:xfrm>
-            <a:off x="4649259" y="3461348"/>
-            <a:ext cx="2863325" cy="347392"/>
+            <a:off x="701646" y="2790099"/>
+            <a:ext cx="10078619" cy="2517175"/>
           </a:xfrm>
           <a:prstGeom prst="rect">
             <a:avLst/>
@@ -14251,7 +13840,7 @@
         </p:spPr>
         <p:txBody>
           <a:bodyPr vert="horz" lIns="91440" tIns="45720" rIns="91440" bIns="45720" rtlCol="0">
-            <a:normAutofit fontScale="55000" lnSpcReduction="20000"/>
+            <a:normAutofit fontScale="92500" lnSpcReduction="10000"/>
           </a:bodyPr>
           <a:lstStyle>
             <a:lvl1pPr marL="0" indent="0" algn="ctr" defTabSz="914400" rtl="0" eaLnBrk="1" latinLnBrk="0" hangingPunct="1">
@@ -14418,28 +14007,262 @@
             </a:lvl9pPr>
           </a:lstStyle>
           <a:p>
-            <a:pPr algn="r"/>
-            <a:r>
-              <a:rPr lang="de-DE" dirty="0">
-                <a:solidFill>
-                  <a:srgbClr val="65BCAA"/>
-                </a:solidFill>
-              </a:rPr>
-              <a:t>RE10 &lt;=&gt;24times/Day</a:t>
-            </a:r>
-          </a:p>
-          <a:p>
-            <a:pPr algn="r"/>
-            <a:endParaRPr lang="de-DE" dirty="0"/>
+            <a:pPr marL="457200" indent="-457200" algn="l">
+              <a:buFont typeface="Arial" panose="020B0604020202020204" pitchFamily="34" charset="0"/>
+              <a:buChar char="•"/>
+            </a:pPr>
+            <a:r>
+              <a:rPr lang="de-DE" sz="3100" dirty="0" err="1"/>
+              <a:t>official</a:t>
+            </a:r>
+            <a:r>
+              <a:rPr lang="de-DE" sz="3100" dirty="0"/>
+              <a:t> </a:t>
+            </a:r>
+            <a:r>
+              <a:rPr lang="de-DE" sz="3100" dirty="0" err="1"/>
+              <a:t>data</a:t>
+            </a:r>
+            <a:r>
+              <a:rPr lang="de-DE" sz="3100" dirty="0"/>
+              <a:t> </a:t>
+            </a:r>
+            <a:r>
+              <a:rPr lang="de-DE" sz="3100" dirty="0" err="1"/>
+              <a:t>providers</a:t>
+            </a:r>
+            <a:r>
+              <a:rPr lang="de-DE" sz="3100" dirty="0"/>
+              <a:t> do not </a:t>
+            </a:r>
+            <a:r>
+              <a:rPr lang="de-DE" sz="3100" dirty="0" err="1"/>
+              <a:t>offer</a:t>
+            </a:r>
+            <a:r>
+              <a:rPr lang="de-DE" sz="3100" dirty="0"/>
+              <a:t> </a:t>
+            </a:r>
+            <a:r>
+              <a:rPr lang="de-DE" sz="3100" dirty="0" err="1"/>
+              <a:t>historical</a:t>
+            </a:r>
+            <a:r>
+              <a:rPr lang="de-DE" sz="3100" dirty="0"/>
+              <a:t> </a:t>
+            </a:r>
+            <a:r>
+              <a:rPr lang="de-DE" sz="3100" dirty="0" err="1"/>
+              <a:t>data</a:t>
+            </a:r>
+            <a:r>
+              <a:rPr lang="de-DE" sz="3100" dirty="0"/>
+              <a:t> on </a:t>
+            </a:r>
+            <a:r>
+              <a:rPr lang="de-DE" sz="3100" dirty="0" err="1"/>
+              <a:t>train</a:t>
+            </a:r>
+            <a:r>
+              <a:rPr lang="de-DE" sz="3100" dirty="0"/>
+              <a:t> </a:t>
+            </a:r>
+            <a:r>
+              <a:rPr lang="de-DE" sz="3100" dirty="0" err="1"/>
+              <a:t>departures</a:t>
+            </a:r>
+            <a:r>
+              <a:rPr lang="de-DE" sz="3100" dirty="0"/>
+              <a:t> </a:t>
+            </a:r>
+            <a:r>
+              <a:rPr lang="de-DE" sz="3100" dirty="0" err="1"/>
+              <a:t>that</a:t>
+            </a:r>
+            <a:r>
+              <a:rPr lang="de-DE" sz="3100" dirty="0"/>
+              <a:t> </a:t>
+            </a:r>
+            <a:r>
+              <a:rPr lang="de-DE" sz="3100" dirty="0" err="1"/>
+              <a:t>goes</a:t>
+            </a:r>
+            <a:r>
+              <a:rPr lang="de-DE" sz="3100" dirty="0"/>
+              <a:t> back </a:t>
+            </a:r>
+            <a:r>
+              <a:rPr lang="de-DE" sz="3100" dirty="0" err="1"/>
+              <a:t>more</a:t>
+            </a:r>
+            <a:r>
+              <a:rPr lang="de-DE" sz="3100" dirty="0"/>
+              <a:t> </a:t>
+            </a:r>
+            <a:r>
+              <a:rPr lang="de-DE" sz="3100" dirty="0" err="1"/>
+              <a:t>than</a:t>
+            </a:r>
+            <a:r>
+              <a:rPr lang="de-DE" sz="3100" dirty="0"/>
+              <a:t> </a:t>
+            </a:r>
+            <a:r>
+              <a:rPr lang="de-DE" sz="3100" dirty="0" err="1"/>
+              <a:t>one</a:t>
+            </a:r>
+            <a:r>
+              <a:rPr lang="de-DE" sz="3100" dirty="0"/>
+              <a:t> </a:t>
+            </a:r>
+            <a:r>
+              <a:rPr lang="de-DE" sz="3100" dirty="0" err="1"/>
+              <a:t>day</a:t>
+            </a:r>
+            <a:r>
+              <a:rPr lang="de-DE" sz="3100" dirty="0"/>
+              <a:t>.</a:t>
+            </a:r>
+          </a:p>
+          <a:p>
+            <a:pPr marL="457200" indent="-457200" algn="l">
+              <a:buFont typeface="Arial" panose="020B0604020202020204" pitchFamily="34" charset="0"/>
+              <a:buChar char="•"/>
+            </a:pPr>
+            <a:endParaRPr lang="de-DE" sz="3100" dirty="0"/>
+          </a:p>
+          <a:p>
+            <a:pPr marL="457200" indent="-457200" algn="l">
+              <a:buFont typeface="Arial" panose="020B0604020202020204" pitchFamily="34" charset="0"/>
+              <a:buChar char="•"/>
+            </a:pPr>
+            <a:r>
+              <a:rPr lang="de-DE" sz="3100" dirty="0" err="1"/>
+              <a:t>And</a:t>
+            </a:r>
+            <a:r>
+              <a:rPr lang="de-DE" sz="3100" dirty="0"/>
+              <a:t> </a:t>
+            </a:r>
+            <a:r>
+              <a:rPr lang="de-DE" sz="3100" dirty="0" err="1"/>
+              <a:t>it</a:t>
+            </a:r>
+            <a:r>
+              <a:rPr lang="de-DE" sz="3100" dirty="0"/>
+              <a:t> </a:t>
+            </a:r>
+            <a:r>
+              <a:rPr lang="de-DE" sz="3100" dirty="0" err="1"/>
+              <a:t>is</a:t>
+            </a:r>
+            <a:r>
+              <a:rPr lang="de-DE" sz="3100" dirty="0"/>
+              <a:t> </a:t>
+            </a:r>
+            <a:r>
+              <a:rPr lang="de-DE" sz="3100" dirty="0" err="1"/>
+              <a:t>possible</a:t>
+            </a:r>
+            <a:r>
+              <a:rPr lang="de-DE" sz="3100" dirty="0"/>
+              <a:t> </a:t>
+            </a:r>
+            <a:r>
+              <a:rPr lang="de-DE" sz="3100" dirty="0" err="1"/>
+              <a:t>to</a:t>
+            </a:r>
+            <a:r>
+              <a:rPr lang="de-DE" sz="3100" dirty="0"/>
+              <a:t> </a:t>
+            </a:r>
+            <a:r>
+              <a:rPr lang="de-DE" sz="3100" dirty="0" err="1"/>
+              <a:t>get</a:t>
+            </a:r>
+            <a:r>
+              <a:rPr lang="de-DE" sz="3100" dirty="0"/>
+              <a:t> an IP </a:t>
+            </a:r>
+            <a:r>
+              <a:rPr lang="de-DE" sz="3100" dirty="0" err="1"/>
+              <a:t>ban</a:t>
+            </a:r>
+            <a:r>
+              <a:rPr lang="de-DE" sz="3100" dirty="0"/>
+              <a:t> </a:t>
+            </a:r>
+            <a:r>
+              <a:rPr lang="de-DE" sz="3100" dirty="0" err="1"/>
+              <a:t>already</a:t>
+            </a:r>
+            <a:r>
+              <a:rPr lang="de-DE" sz="3100" dirty="0"/>
+              <a:t> after a </a:t>
+            </a:r>
+            <a:r>
+              <a:rPr lang="de-DE" sz="3100" dirty="0" err="1"/>
+              <a:t>few</a:t>
+            </a:r>
+            <a:r>
+              <a:rPr lang="de-DE" sz="3100" dirty="0"/>
+              <a:t> </a:t>
+            </a:r>
+            <a:r>
+              <a:rPr lang="de-DE" sz="3100" dirty="0" err="1"/>
+              <a:t>requests</a:t>
+            </a:r>
+            <a:r>
+              <a:rPr lang="de-DE" sz="3100" dirty="0"/>
+              <a:t> per </a:t>
+            </a:r>
+            <a:r>
+              <a:rPr lang="de-DE" sz="3100" dirty="0" err="1"/>
+              <a:t>minute</a:t>
+            </a:r>
+            <a:r>
+              <a:rPr lang="de-DE" sz="3100" dirty="0"/>
+              <a:t>.</a:t>
+            </a:r>
           </a:p>
         </p:txBody>
       </p:sp>
+    </p:spTree>
+    <p:extLst>
+      <p:ext uri="{BB962C8B-B14F-4D97-AF65-F5344CB8AC3E}">
+        <p14:creationId xmlns:p14="http://schemas.microsoft.com/office/powerpoint/2010/main" val="1658445581"/>
+      </p:ext>
+    </p:extLst>
+  </p:cSld>
+  <p:clrMapOvr>
+    <a:masterClrMapping/>
+  </p:clrMapOvr>
+</p:sld>
+</file>
+
+<file path=ppt/slides/slide13.xml><?xml version="1.0" encoding="utf-8"?>
+<p:sld xmlns:a="http://schemas.openxmlformats.org/drawingml/2006/main" xmlns:r="http://schemas.openxmlformats.org/officeDocument/2006/relationships" xmlns:p="http://schemas.openxmlformats.org/presentationml/2006/main">
+  <p:cSld>
+    <p:spTree>
+      <p:nvGrpSpPr>
+        <p:cNvPr id="1" name=""/>
+        <p:cNvGrpSpPr/>
+        <p:nvPr/>
+      </p:nvGrpSpPr>
+      <p:grpSpPr>
+        <a:xfrm>
+          <a:off x="0" y="0"/>
+          <a:ext cx="0" cy="0"/>
+          <a:chOff x="0" y="0"/>
+          <a:chExt cx="0" cy="0"/>
+        </a:xfrm>
+      </p:grpSpPr>
       <p:sp>
         <p:nvSpPr>
-          <p:cNvPr id="36" name="Untertitel 2">
+          <p:cNvPr id="17" name="Titel 1">
             <a:extLst>
               <a:ext uri="{FF2B5EF4-FFF2-40B4-BE49-F238E27FC236}">
-                <a16:creationId xmlns:a16="http://schemas.microsoft.com/office/drawing/2014/main" id="{3231A6A4-C01B-954F-B0BA-703AEB2A9B7F}"/>
+                <a16:creationId xmlns:a16="http://schemas.microsoft.com/office/drawing/2014/main" id="{C097338E-B699-5A4C-B7CB-0BC815BB9BAE}"/>
               </a:ext>
             </a:extLst>
           </p:cNvPr>
@@ -14450,204 +14273,87 @@
         </p:nvSpPr>
         <p:spPr>
           <a:xfrm>
-            <a:off x="863365" y="3775099"/>
-            <a:ext cx="2987748" cy="330253"/>
+            <a:off x="701646" y="421745"/>
+            <a:ext cx="10404319" cy="755650"/>
           </a:xfrm>
           <a:prstGeom prst="rect">
             <a:avLst/>
           </a:prstGeom>
         </p:spPr>
         <p:txBody>
-          <a:bodyPr vert="horz" lIns="91440" tIns="45720" rIns="91440" bIns="45720" rtlCol="0">
-            <a:normAutofit fontScale="70000" lnSpcReduction="20000"/>
+          <a:bodyPr vert="horz" lIns="91440" tIns="45720" rIns="91440" bIns="45720" rtlCol="0" anchor="b">
+            <a:normAutofit/>
           </a:bodyPr>
           <a:lstStyle>
-            <a:lvl1pPr marL="0" indent="0" algn="ctr" defTabSz="914400" rtl="0" eaLnBrk="1" latinLnBrk="0" hangingPunct="1">
-              <a:lnSpc>
-                <a:spcPct val="90000"/>
-              </a:lnSpc>
-              <a:spcBef>
-                <a:spcPts val="1000"/>
-              </a:spcBef>
-              <a:buFont typeface="Arial" panose="020B0604020202020204" pitchFamily="34" charset="0"/>
-              <a:buNone/>
-              <a:defRPr sz="2400" kern="1200" cap="all" spc="400" baseline="0">
-                <a:solidFill>
-                  <a:schemeClr val="tx1"/>
-                </a:solidFill>
-                <a:latin typeface="+mn-lt"/>
-                <a:ea typeface="+mn-ea"/>
-                <a:cs typeface="+mn-cs"/>
+            <a:lvl1pPr algn="ctr" defTabSz="914400" rtl="0" eaLnBrk="1" latinLnBrk="0" hangingPunct="1">
+              <a:lnSpc>
+                <a:spcPct val="90000"/>
+              </a:lnSpc>
+              <a:spcBef>
+                <a:spcPct val="0"/>
+              </a:spcBef>
+              <a:buNone/>
+              <a:defRPr sz="6000" b="1" kern="1200" cap="all" spc="1500" baseline="0">
+                <a:solidFill>
+                  <a:schemeClr val="tx1"/>
+                </a:solidFill>
+                <a:latin typeface="+mj-lt"/>
+                <a:ea typeface="Source Sans Pro SemiBold" panose="020B0603030403020204" pitchFamily="34" charset="0"/>
+                <a:cs typeface="+mj-cs"/>
               </a:defRPr>
             </a:lvl1pPr>
-            <a:lvl2pPr marL="457200" indent="0" algn="ctr" defTabSz="914400" rtl="0" eaLnBrk="1" latinLnBrk="0" hangingPunct="1">
-              <a:lnSpc>
-                <a:spcPct val="90000"/>
-              </a:lnSpc>
-              <a:spcBef>
-                <a:spcPts val="500"/>
-              </a:spcBef>
-              <a:buFont typeface="Arial" panose="020B0604020202020204" pitchFamily="34" charset="0"/>
-              <a:buNone/>
-              <a:defRPr sz="2000" kern="1200">
-                <a:solidFill>
-                  <a:schemeClr val="tx1"/>
-                </a:solidFill>
-                <a:latin typeface="+mn-lt"/>
-                <a:ea typeface="+mn-ea"/>
-                <a:cs typeface="+mn-cs"/>
-              </a:defRPr>
-            </a:lvl2pPr>
-            <a:lvl3pPr marL="914400" indent="0" algn="ctr" defTabSz="914400" rtl="0" eaLnBrk="1" latinLnBrk="0" hangingPunct="1">
-              <a:lnSpc>
-                <a:spcPct val="90000"/>
-              </a:lnSpc>
-              <a:spcBef>
-                <a:spcPts val="500"/>
-              </a:spcBef>
-              <a:buFont typeface="Arial" panose="020B0604020202020204" pitchFamily="34" charset="0"/>
-              <a:buNone/>
-              <a:defRPr sz="1800" kern="1200">
-                <a:solidFill>
-                  <a:schemeClr val="tx1"/>
-                </a:solidFill>
-                <a:latin typeface="+mn-lt"/>
-                <a:ea typeface="+mn-ea"/>
-                <a:cs typeface="+mn-cs"/>
-              </a:defRPr>
-            </a:lvl3pPr>
-            <a:lvl4pPr marL="1371600" indent="0" algn="ctr" defTabSz="914400" rtl="0" eaLnBrk="1" latinLnBrk="0" hangingPunct="1">
-              <a:lnSpc>
-                <a:spcPct val="90000"/>
-              </a:lnSpc>
-              <a:spcBef>
-                <a:spcPts val="500"/>
-              </a:spcBef>
-              <a:buFont typeface="Arial" panose="020B0604020202020204" pitchFamily="34" charset="0"/>
-              <a:buNone/>
-              <a:defRPr sz="1600" kern="1200">
-                <a:solidFill>
-                  <a:schemeClr val="tx1"/>
-                </a:solidFill>
-                <a:latin typeface="+mn-lt"/>
-                <a:ea typeface="+mn-ea"/>
-                <a:cs typeface="+mn-cs"/>
-              </a:defRPr>
-            </a:lvl4pPr>
-            <a:lvl5pPr marL="1828800" indent="0" algn="ctr" defTabSz="914400" rtl="0" eaLnBrk="1" latinLnBrk="0" hangingPunct="1">
-              <a:lnSpc>
-                <a:spcPct val="90000"/>
-              </a:lnSpc>
-              <a:spcBef>
-                <a:spcPts val="500"/>
-              </a:spcBef>
-              <a:buFont typeface="Arial" panose="020B0604020202020204" pitchFamily="34" charset="0"/>
-              <a:buNone/>
-              <a:defRPr sz="1600" kern="1200">
-                <a:solidFill>
-                  <a:schemeClr val="tx1"/>
-                </a:solidFill>
-                <a:latin typeface="+mn-lt"/>
-                <a:ea typeface="+mn-ea"/>
-                <a:cs typeface="+mn-cs"/>
-              </a:defRPr>
-            </a:lvl5pPr>
-            <a:lvl6pPr marL="2286000" indent="0" algn="ctr" defTabSz="914400" rtl="0" eaLnBrk="1" latinLnBrk="0" hangingPunct="1">
-              <a:lnSpc>
-                <a:spcPct val="90000"/>
-              </a:lnSpc>
-              <a:spcBef>
-                <a:spcPts val="500"/>
-              </a:spcBef>
-              <a:buFont typeface="Arial" panose="020B0604020202020204" pitchFamily="34" charset="0"/>
-              <a:buNone/>
-              <a:defRPr sz="1600" kern="1200">
-                <a:solidFill>
-                  <a:schemeClr val="tx1"/>
-                </a:solidFill>
-                <a:latin typeface="+mn-lt"/>
-                <a:ea typeface="+mn-ea"/>
-                <a:cs typeface="+mn-cs"/>
-              </a:defRPr>
-            </a:lvl6pPr>
-            <a:lvl7pPr marL="2743200" indent="0" algn="ctr" defTabSz="914400" rtl="0" eaLnBrk="1" latinLnBrk="0" hangingPunct="1">
-              <a:lnSpc>
-                <a:spcPct val="90000"/>
-              </a:lnSpc>
-              <a:spcBef>
-                <a:spcPts val="500"/>
-              </a:spcBef>
-              <a:buFont typeface="Arial" panose="020B0604020202020204" pitchFamily="34" charset="0"/>
-              <a:buNone/>
-              <a:defRPr sz="1600" kern="1200">
-                <a:solidFill>
-                  <a:schemeClr val="tx1"/>
-                </a:solidFill>
-                <a:latin typeface="+mn-lt"/>
-                <a:ea typeface="+mn-ea"/>
-                <a:cs typeface="+mn-cs"/>
-              </a:defRPr>
-            </a:lvl7pPr>
-            <a:lvl8pPr marL="3200400" indent="0" algn="ctr" defTabSz="914400" rtl="0" eaLnBrk="1" latinLnBrk="0" hangingPunct="1">
-              <a:lnSpc>
-                <a:spcPct val="90000"/>
-              </a:lnSpc>
-              <a:spcBef>
-                <a:spcPts val="500"/>
-              </a:spcBef>
-              <a:buFont typeface="Arial" panose="020B0604020202020204" pitchFamily="34" charset="0"/>
-              <a:buNone/>
-              <a:defRPr sz="1600" kern="1200">
-                <a:solidFill>
-                  <a:schemeClr val="tx1"/>
-                </a:solidFill>
-                <a:latin typeface="+mn-lt"/>
-                <a:ea typeface="+mn-ea"/>
-                <a:cs typeface="+mn-cs"/>
-              </a:defRPr>
-            </a:lvl8pPr>
-            <a:lvl9pPr marL="3657600" indent="0" algn="ctr" defTabSz="914400" rtl="0" eaLnBrk="1" latinLnBrk="0" hangingPunct="1">
-              <a:lnSpc>
-                <a:spcPct val="90000"/>
-              </a:lnSpc>
-              <a:spcBef>
-                <a:spcPts val="500"/>
-              </a:spcBef>
-              <a:buFont typeface="Arial" panose="020B0604020202020204" pitchFamily="34" charset="0"/>
-              <a:buNone/>
-              <a:defRPr sz="1600" kern="1200">
-                <a:solidFill>
-                  <a:schemeClr val="tx1"/>
-                </a:solidFill>
-                <a:latin typeface="+mn-lt"/>
-                <a:ea typeface="+mn-ea"/>
-                <a:cs typeface="+mn-cs"/>
-              </a:defRPr>
-            </a:lvl9pPr>
           </a:lstStyle>
           <a:p>
-            <a:pPr algn="r"/>
-            <a:r>
-              <a:rPr lang="de-DE" dirty="0">
-                <a:solidFill>
-                  <a:srgbClr val="65BCAA"/>
-                </a:solidFill>
-              </a:rPr>
-              <a:t>768 CORONA CASES</a:t>
-            </a:r>
-          </a:p>
-          <a:p>
-            <a:pPr algn="r"/>
-            <a:endParaRPr lang="de-DE" dirty="0"/>
+            <a:pPr algn="l"/>
+            <a:r>
+              <a:rPr lang="de-DE" sz="4000" dirty="0"/>
+              <a:t>TRAIN DATA</a:t>
+            </a:r>
           </a:p>
         </p:txBody>
       </p:sp>
+      <p:pic>
+        <p:nvPicPr>
+          <p:cNvPr id="19" name="Grafik 18">
+            <a:extLst>
+              <a:ext uri="{FF2B5EF4-FFF2-40B4-BE49-F238E27FC236}">
+                <a16:creationId xmlns:a16="http://schemas.microsoft.com/office/drawing/2014/main" id="{E4134132-07F4-CE4E-8CFB-481DD6B7858E}"/>
+              </a:ext>
+            </a:extLst>
+          </p:cNvPr>
+          <p:cNvPicPr>
+            <a:picLocks noChangeAspect="1"/>
+          </p:cNvPicPr>
+          <p:nvPr/>
+        </p:nvPicPr>
+        <p:blipFill>
+          <a:blip r:embed="rId3">
+            <a:extLst>
+              <a:ext uri="{96DAC541-7B7A-43D3-8B79-37D633B846F1}">
+                <asvg:svgBlip xmlns:asvg="http://schemas.microsoft.com/office/drawing/2016/SVG/main" r:embed="rId4"/>
+              </a:ext>
+            </a:extLst>
+          </a:blip>
+          <a:stretch>
+            <a:fillRect/>
+          </a:stretch>
+        </p:blipFill>
+        <p:spPr>
+          <a:xfrm>
+            <a:off x="701647" y="1177395"/>
+            <a:ext cx="1318439" cy="1318439"/>
+          </a:xfrm>
+          <a:prstGeom prst="rect">
+            <a:avLst/>
+          </a:prstGeom>
+        </p:spPr>
+      </p:pic>
       <p:sp>
         <p:nvSpPr>
-          <p:cNvPr id="37" name="Untertitel 2">
+          <p:cNvPr id="20" name="Untertitel 2">
             <a:extLst>
               <a:ext uri="{FF2B5EF4-FFF2-40B4-BE49-F238E27FC236}">
-                <a16:creationId xmlns:a16="http://schemas.microsoft.com/office/drawing/2014/main" id="{E75AD387-2EDF-FE4E-AB41-466DD920323E}"/>
+                <a16:creationId xmlns:a16="http://schemas.microsoft.com/office/drawing/2014/main" id="{4932DBFA-E34D-C143-A7FC-61D0021E9B92}"/>
               </a:ext>
             </a:extLst>
           </p:cNvPr>
@@ -14658,8 +14364,8 @@
         </p:nvSpPr>
         <p:spPr>
           <a:xfrm>
-            <a:off x="8246166" y="3774665"/>
-            <a:ext cx="2987748" cy="330253"/>
+            <a:off x="2020085" y="1550725"/>
+            <a:ext cx="10078619" cy="638900"/>
           </a:xfrm>
           <a:prstGeom prst="rect">
             <a:avLst/>
@@ -14667,7 +14373,7 @@
         </p:spPr>
         <p:txBody>
           <a:bodyPr vert="horz" lIns="91440" tIns="45720" rIns="91440" bIns="45720" rtlCol="0">
-            <a:normAutofit fontScale="85000" lnSpcReduction="20000"/>
+            <a:normAutofit fontScale="77500" lnSpcReduction="20000"/>
           </a:bodyPr>
           <a:lstStyle>
             <a:lvl1pPr marL="0" indent="0" algn="ctr" defTabSz="914400" rtl="0" eaLnBrk="1" latinLnBrk="0" hangingPunct="1">
@@ -14834,15 +14540,44 @@
             </a:lvl9pPr>
           </a:lstStyle>
           <a:p>
-            <a:pPr algn="r"/>
-            <a:r>
-              <a:rPr lang="de-DE" dirty="0">
+            <a:pPr algn="l"/>
+            <a:r>
+              <a:rPr lang="de-DE" sz="3100" dirty="0">
                 <a:solidFill>
                   <a:srgbClr val="65BCAA"/>
                 </a:solidFill>
               </a:rPr>
-              <a:t>20 CORONA CASES</a:t>
-            </a:r>
+              <a:t>DB </a:t>
+            </a:r>
+            <a:r>
+              <a:rPr lang="de-DE" sz="3100" dirty="0"/>
+              <a:t>API</a:t>
+            </a:r>
+          </a:p>
+          <a:p>
+            <a:pPr algn="l"/>
+            <a:r>
+              <a:rPr lang="de-DE" sz="1800" dirty="0"/>
+              <a:t>[</a:t>
+            </a:r>
+            <a:r>
+              <a:rPr lang="de-DE" sz="1800" b="1" dirty="0">
+                <a:solidFill>
+                  <a:schemeClr val="tx2">
+                    <a:lumMod val="50000"/>
+                  </a:schemeClr>
+                </a:solidFill>
+              </a:rPr>
+              <a:t>DEPARTURE TABLE</a:t>
+            </a:r>
+            <a:r>
+              <a:rPr lang="de-DE" sz="1800" dirty="0"/>
+              <a:t>]</a:t>
+            </a:r>
+          </a:p>
+          <a:p>
+            <a:pPr algn="l"/>
+            <a:endParaRPr lang="de-DE" sz="3100" dirty="0"/>
           </a:p>
           <a:p>
             <a:pPr algn="r"/>
@@ -14852,10 +14587,10 @@
       </p:sp>
       <p:sp>
         <p:nvSpPr>
-          <p:cNvPr id="38" name="Untertitel 2">
+          <p:cNvPr id="7" name="Untertitel 2">
             <a:extLst>
               <a:ext uri="{FF2B5EF4-FFF2-40B4-BE49-F238E27FC236}">
-                <a16:creationId xmlns:a16="http://schemas.microsoft.com/office/drawing/2014/main" id="{A539F036-6E68-9B44-A3E6-1EB2EC0CFF7A}"/>
+                <a16:creationId xmlns:a16="http://schemas.microsoft.com/office/drawing/2014/main" id="{65D448E1-D204-A34F-8A14-6F2C8B297084}"/>
               </a:ext>
             </a:extLst>
           </p:cNvPr>
@@ -14866,8 +14601,8 @@
         </p:nvSpPr>
         <p:spPr>
           <a:xfrm>
-            <a:off x="467343" y="1164216"/>
-            <a:ext cx="2987748" cy="330253"/>
+            <a:off x="701646" y="2562955"/>
+            <a:ext cx="10078619" cy="2517175"/>
           </a:xfrm>
           <a:prstGeom prst="rect">
             <a:avLst/>
@@ -14875,7 +14610,7 @@
         </p:spPr>
         <p:txBody>
           <a:bodyPr vert="horz" lIns="91440" tIns="45720" rIns="91440" bIns="45720" rtlCol="0">
-            <a:normAutofit fontScale="85000" lnSpcReduction="20000"/>
+            <a:normAutofit fontScale="92500" lnSpcReduction="10000"/>
           </a:bodyPr>
           <a:lstStyle>
             <a:lvl1pPr marL="0" indent="0" algn="ctr" defTabSz="914400" rtl="0" eaLnBrk="1" latinLnBrk="0" hangingPunct="1">
@@ -15042,20 +14777,227 @@
             </a:lvl9pPr>
           </a:lstStyle>
           <a:p>
-            <a:pPr algn="r"/>
-            <a:r>
-              <a:rPr lang="de-DE" dirty="0"/>
-              <a:t>NOVEMBER 2020</a:t>
-            </a:r>
+            <a:pPr marL="457200" indent="-457200" algn="l">
+              <a:buFont typeface="Arial" panose="020B0604020202020204" pitchFamily="34" charset="0"/>
+              <a:buChar char="•"/>
+            </a:pPr>
+            <a:r>
+              <a:rPr lang="de-DE" sz="3100" dirty="0"/>
+              <a:t>The </a:t>
+            </a:r>
+            <a:r>
+              <a:rPr lang="de-DE" sz="3100" dirty="0" err="1"/>
+              <a:t>goal</a:t>
+            </a:r>
+            <a:r>
+              <a:rPr lang="de-DE" sz="3100" dirty="0"/>
+              <a:t> </a:t>
+            </a:r>
+            <a:r>
+              <a:rPr lang="de-DE" sz="3100" dirty="0" err="1"/>
+              <a:t>is</a:t>
+            </a:r>
+            <a:r>
+              <a:rPr lang="de-DE" sz="3100" dirty="0"/>
+              <a:t> </a:t>
+            </a:r>
+            <a:r>
+              <a:rPr lang="de-DE" sz="3100" dirty="0" err="1"/>
+              <a:t>to</a:t>
+            </a:r>
+            <a:r>
+              <a:rPr lang="de-DE" sz="3100" dirty="0"/>
+              <a:t> </a:t>
+            </a:r>
+            <a:r>
+              <a:rPr lang="de-DE" sz="3100" dirty="0" err="1"/>
+              <a:t>automatically</a:t>
+            </a:r>
+            <a:r>
+              <a:rPr lang="de-DE" sz="3100" dirty="0"/>
+              <a:t> </a:t>
+            </a:r>
+            <a:r>
+              <a:rPr lang="de-DE" sz="3100" dirty="0" err="1"/>
+              <a:t>store</a:t>
+            </a:r>
+            <a:r>
+              <a:rPr lang="de-DE" sz="3100" dirty="0"/>
+              <a:t> all </a:t>
+            </a:r>
+            <a:r>
+              <a:rPr lang="de-DE" sz="3100" dirty="0" err="1"/>
+              <a:t>required</a:t>
+            </a:r>
+            <a:r>
+              <a:rPr lang="de-DE" sz="3100" dirty="0"/>
+              <a:t> </a:t>
+            </a:r>
+            <a:r>
+              <a:rPr lang="de-DE" sz="3100" dirty="0" err="1"/>
+              <a:t>stations</a:t>
+            </a:r>
+            <a:r>
+              <a:rPr lang="de-DE" sz="3100" dirty="0"/>
+              <a:t> </a:t>
+            </a:r>
+            <a:r>
+              <a:rPr lang="de-DE" sz="3100" dirty="0" err="1"/>
+              <a:t>and</a:t>
+            </a:r>
+            <a:r>
+              <a:rPr lang="de-DE" sz="3100" dirty="0"/>
+              <a:t> </a:t>
+            </a:r>
+            <a:r>
+              <a:rPr lang="de-DE" sz="3100" dirty="0" err="1"/>
+              <a:t>their</a:t>
+            </a:r>
+            <a:r>
+              <a:rPr lang="de-DE" sz="3100" dirty="0"/>
+              <a:t> </a:t>
+            </a:r>
+            <a:r>
+              <a:rPr lang="de-DE" sz="3100" dirty="0" err="1"/>
+              <a:t>departure</a:t>
+            </a:r>
+            <a:r>
+              <a:rPr lang="de-DE" sz="3100" dirty="0"/>
+              <a:t> </a:t>
+            </a:r>
+            <a:r>
+              <a:rPr lang="de-DE" sz="3100" dirty="0" err="1"/>
+              <a:t>boards</a:t>
+            </a:r>
+            <a:r>
+              <a:rPr lang="de-DE" sz="3100" dirty="0"/>
+              <a:t> </a:t>
+            </a:r>
+            <a:r>
+              <a:rPr lang="de-DE" sz="3100" dirty="0" err="1"/>
+              <a:t>by</a:t>
+            </a:r>
+            <a:r>
+              <a:rPr lang="de-DE" sz="3100" dirty="0"/>
+              <a:t> USING </a:t>
+            </a:r>
+            <a:r>
+              <a:rPr lang="de-DE" sz="3100" dirty="0" err="1"/>
+              <a:t>of</a:t>
+            </a:r>
+            <a:r>
+              <a:rPr lang="de-DE" sz="3100" dirty="0"/>
+              <a:t> </a:t>
+            </a:r>
+            <a:r>
+              <a:rPr lang="de-DE" sz="3100" dirty="0" err="1"/>
+              <a:t>several</a:t>
+            </a:r>
+            <a:r>
+              <a:rPr lang="de-DE" sz="3100" dirty="0"/>
+              <a:t> separate OUTBOUND IP </a:t>
+            </a:r>
+            <a:r>
+              <a:rPr lang="de-DE" sz="3100" dirty="0" err="1"/>
+              <a:t>addresses</a:t>
+            </a:r>
+            <a:r>
+              <a:rPr lang="de-DE" sz="3100" dirty="0"/>
+              <a:t>.</a:t>
+            </a:r>
+          </a:p>
+          <a:p>
+            <a:pPr marL="457200" indent="-457200" algn="l">
+              <a:buFont typeface="Arial" panose="020B0604020202020204" pitchFamily="34" charset="0"/>
+              <a:buChar char="•"/>
+            </a:pPr>
+            <a:endParaRPr lang="de-DE" sz="3100" dirty="0"/>
+          </a:p>
+          <a:p>
+            <a:pPr marL="457200" indent="-457200" algn="l">
+              <a:buFont typeface="Arial" panose="020B0604020202020204" pitchFamily="34" charset="0"/>
+              <a:buChar char="•"/>
+            </a:pPr>
+            <a:r>
+              <a:rPr lang="de-DE" sz="3100" dirty="0"/>
+              <a:t>AWS INSTANZ WITH 10 DIFFERENT ADRESSES</a:t>
+            </a:r>
+          </a:p>
+          <a:p>
+            <a:pPr marL="457200" indent="-457200" algn="l">
+              <a:buFont typeface="Arial" panose="020B0604020202020204" pitchFamily="34" charset="0"/>
+              <a:buChar char="•"/>
+            </a:pPr>
+            <a:endParaRPr lang="de-DE" sz="3100" dirty="0"/>
           </a:p>
         </p:txBody>
       </p:sp>
+      <p:pic>
+        <p:nvPicPr>
+          <p:cNvPr id="3" name="Grafik 2">
+            <a:extLst>
+              <a:ext uri="{FF2B5EF4-FFF2-40B4-BE49-F238E27FC236}">
+                <a16:creationId xmlns:a16="http://schemas.microsoft.com/office/drawing/2014/main" id="{1ED1093C-A7CC-2245-90FF-4572963503CA}"/>
+              </a:ext>
+            </a:extLst>
+          </p:cNvPr>
+          <p:cNvPicPr>
+            <a:picLocks noChangeAspect="1"/>
+          </p:cNvPicPr>
+          <p:nvPr/>
+        </p:nvPicPr>
+        <p:blipFill>
+          <a:blip r:embed="rId5"/>
+          <a:stretch>
+            <a:fillRect/>
+          </a:stretch>
+        </p:blipFill>
+        <p:spPr>
+          <a:xfrm>
+            <a:off x="480565" y="5147251"/>
+            <a:ext cx="10299700" cy="774700"/>
+          </a:xfrm>
+          <a:prstGeom prst="rect">
+            <a:avLst/>
+          </a:prstGeom>
+        </p:spPr>
+      </p:pic>
+    </p:spTree>
+    <p:extLst>
+      <p:ext uri="{BB962C8B-B14F-4D97-AF65-F5344CB8AC3E}">
+        <p14:creationId xmlns:p14="http://schemas.microsoft.com/office/powerpoint/2010/main" val="2215682172"/>
+      </p:ext>
+    </p:extLst>
+  </p:cSld>
+  <p:clrMapOvr>
+    <a:masterClrMapping/>
+  </p:clrMapOvr>
+</p:sld>
+</file>
+
+<file path=ppt/slides/slide14.xml><?xml version="1.0" encoding="utf-8"?>
+<p:sld xmlns:a="http://schemas.openxmlformats.org/drawingml/2006/main" xmlns:r="http://schemas.openxmlformats.org/officeDocument/2006/relationships" xmlns:p="http://schemas.openxmlformats.org/presentationml/2006/main">
+  <p:cSld>
+    <p:spTree>
+      <p:nvGrpSpPr>
+        <p:cNvPr id="1" name=""/>
+        <p:cNvGrpSpPr/>
+        <p:nvPr/>
+      </p:nvGrpSpPr>
+      <p:grpSpPr>
+        <a:xfrm>
+          <a:off x="0" y="0"/>
+          <a:ext cx="0" cy="0"/>
+          <a:chOff x="0" y="0"/>
+          <a:chExt cx="0" cy="0"/>
+        </a:xfrm>
+      </p:grpSpPr>
       <p:sp>
         <p:nvSpPr>
-          <p:cNvPr id="15" name="Untertitel 2">
+          <p:cNvPr id="17" name="Titel 1">
             <a:extLst>
               <a:ext uri="{FF2B5EF4-FFF2-40B4-BE49-F238E27FC236}">
-                <a16:creationId xmlns:a16="http://schemas.microsoft.com/office/drawing/2014/main" id="{8C611322-0472-5F4E-A6CA-690BC5F5A6D2}"/>
+                <a16:creationId xmlns:a16="http://schemas.microsoft.com/office/drawing/2014/main" id="{C097338E-B699-5A4C-B7CB-0BC815BB9BAE}"/>
               </a:ext>
             </a:extLst>
           </p:cNvPr>
@@ -15066,8 +15008,754 @@
         </p:nvSpPr>
         <p:spPr>
           <a:xfrm>
-            <a:off x="863365" y="5425092"/>
-            <a:ext cx="10866475" cy="3669908"/>
+            <a:off x="701646" y="421745"/>
+            <a:ext cx="10404319" cy="755650"/>
+          </a:xfrm>
+          <a:prstGeom prst="rect">
+            <a:avLst/>
+          </a:prstGeom>
+        </p:spPr>
+        <p:txBody>
+          <a:bodyPr vert="horz" lIns="91440" tIns="45720" rIns="91440" bIns="45720" rtlCol="0" anchor="b">
+            <a:normAutofit/>
+          </a:bodyPr>
+          <a:lstStyle>
+            <a:lvl1pPr algn="ctr" defTabSz="914400" rtl="0" eaLnBrk="1" latinLnBrk="0" hangingPunct="1">
+              <a:lnSpc>
+                <a:spcPct val="90000"/>
+              </a:lnSpc>
+              <a:spcBef>
+                <a:spcPct val="0"/>
+              </a:spcBef>
+              <a:buNone/>
+              <a:defRPr sz="6000" b="1" kern="1200" cap="all" spc="1500" baseline="0">
+                <a:solidFill>
+                  <a:schemeClr val="tx1"/>
+                </a:solidFill>
+                <a:latin typeface="+mj-lt"/>
+                <a:ea typeface="Source Sans Pro SemiBold" panose="020B0603030403020204" pitchFamily="34" charset="0"/>
+                <a:cs typeface="+mj-cs"/>
+              </a:defRPr>
+            </a:lvl1pPr>
+          </a:lstStyle>
+          <a:p>
+            <a:pPr algn="l"/>
+            <a:r>
+              <a:rPr lang="de-DE" sz="4000" dirty="0"/>
+              <a:t>TRAIN DATA</a:t>
+            </a:r>
+          </a:p>
+        </p:txBody>
+      </p:sp>
+      <p:pic>
+        <p:nvPicPr>
+          <p:cNvPr id="19" name="Grafik 18">
+            <a:extLst>
+              <a:ext uri="{FF2B5EF4-FFF2-40B4-BE49-F238E27FC236}">
+                <a16:creationId xmlns:a16="http://schemas.microsoft.com/office/drawing/2014/main" id="{E4134132-07F4-CE4E-8CFB-481DD6B7858E}"/>
+              </a:ext>
+            </a:extLst>
+          </p:cNvPr>
+          <p:cNvPicPr>
+            <a:picLocks noChangeAspect="1"/>
+          </p:cNvPicPr>
+          <p:nvPr/>
+        </p:nvPicPr>
+        <p:blipFill>
+          <a:blip r:embed="rId3">
+            <a:extLst>
+              <a:ext uri="{96DAC541-7B7A-43D3-8B79-37D633B846F1}">
+                <asvg:svgBlip xmlns:asvg="http://schemas.microsoft.com/office/drawing/2016/SVG/main" r:embed="rId4"/>
+              </a:ext>
+            </a:extLst>
+          </a:blip>
+          <a:stretch>
+            <a:fillRect/>
+          </a:stretch>
+        </p:blipFill>
+        <p:spPr>
+          <a:xfrm>
+            <a:off x="701647" y="1177395"/>
+            <a:ext cx="1318439" cy="1318439"/>
+          </a:xfrm>
+          <a:prstGeom prst="rect">
+            <a:avLst/>
+          </a:prstGeom>
+        </p:spPr>
+      </p:pic>
+      <p:sp>
+        <p:nvSpPr>
+          <p:cNvPr id="20" name="Untertitel 2">
+            <a:extLst>
+              <a:ext uri="{FF2B5EF4-FFF2-40B4-BE49-F238E27FC236}">
+                <a16:creationId xmlns:a16="http://schemas.microsoft.com/office/drawing/2014/main" id="{4932DBFA-E34D-C143-A7FC-61D0021E9B92}"/>
+              </a:ext>
+            </a:extLst>
+          </p:cNvPr>
+          <p:cNvSpPr txBox="1">
+            <a:spLocks/>
+          </p:cNvSpPr>
+          <p:nvPr/>
+        </p:nvSpPr>
+        <p:spPr>
+          <a:xfrm>
+            <a:off x="2020085" y="1550725"/>
+            <a:ext cx="10078619" cy="638900"/>
+          </a:xfrm>
+          <a:prstGeom prst="rect">
+            <a:avLst/>
+          </a:prstGeom>
+        </p:spPr>
+        <p:txBody>
+          <a:bodyPr vert="horz" lIns="91440" tIns="45720" rIns="91440" bIns="45720" rtlCol="0">
+            <a:normAutofit fontScale="77500" lnSpcReduction="20000"/>
+          </a:bodyPr>
+          <a:lstStyle>
+            <a:lvl1pPr marL="0" indent="0" algn="ctr" defTabSz="914400" rtl="0" eaLnBrk="1" latinLnBrk="0" hangingPunct="1">
+              <a:lnSpc>
+                <a:spcPct val="90000"/>
+              </a:lnSpc>
+              <a:spcBef>
+                <a:spcPts val="1000"/>
+              </a:spcBef>
+              <a:buFont typeface="Arial" panose="020B0604020202020204" pitchFamily="34" charset="0"/>
+              <a:buNone/>
+              <a:defRPr sz="2400" kern="1200" cap="all" spc="400" baseline="0">
+                <a:solidFill>
+                  <a:schemeClr val="tx1"/>
+                </a:solidFill>
+                <a:latin typeface="+mn-lt"/>
+                <a:ea typeface="+mn-ea"/>
+                <a:cs typeface="+mn-cs"/>
+              </a:defRPr>
+            </a:lvl1pPr>
+            <a:lvl2pPr marL="457200" indent="0" algn="ctr" defTabSz="914400" rtl="0" eaLnBrk="1" latinLnBrk="0" hangingPunct="1">
+              <a:lnSpc>
+                <a:spcPct val="90000"/>
+              </a:lnSpc>
+              <a:spcBef>
+                <a:spcPts val="500"/>
+              </a:spcBef>
+              <a:buFont typeface="Arial" panose="020B0604020202020204" pitchFamily="34" charset="0"/>
+              <a:buNone/>
+              <a:defRPr sz="2000" kern="1200">
+                <a:solidFill>
+                  <a:schemeClr val="tx1"/>
+                </a:solidFill>
+                <a:latin typeface="+mn-lt"/>
+                <a:ea typeface="+mn-ea"/>
+                <a:cs typeface="+mn-cs"/>
+              </a:defRPr>
+            </a:lvl2pPr>
+            <a:lvl3pPr marL="914400" indent="0" algn="ctr" defTabSz="914400" rtl="0" eaLnBrk="1" latinLnBrk="0" hangingPunct="1">
+              <a:lnSpc>
+                <a:spcPct val="90000"/>
+              </a:lnSpc>
+              <a:spcBef>
+                <a:spcPts val="500"/>
+              </a:spcBef>
+              <a:buFont typeface="Arial" panose="020B0604020202020204" pitchFamily="34" charset="0"/>
+              <a:buNone/>
+              <a:defRPr sz="1800" kern="1200">
+                <a:solidFill>
+                  <a:schemeClr val="tx1"/>
+                </a:solidFill>
+                <a:latin typeface="+mn-lt"/>
+                <a:ea typeface="+mn-ea"/>
+                <a:cs typeface="+mn-cs"/>
+              </a:defRPr>
+            </a:lvl3pPr>
+            <a:lvl4pPr marL="1371600" indent="0" algn="ctr" defTabSz="914400" rtl="0" eaLnBrk="1" latinLnBrk="0" hangingPunct="1">
+              <a:lnSpc>
+                <a:spcPct val="90000"/>
+              </a:lnSpc>
+              <a:spcBef>
+                <a:spcPts val="500"/>
+              </a:spcBef>
+              <a:buFont typeface="Arial" panose="020B0604020202020204" pitchFamily="34" charset="0"/>
+              <a:buNone/>
+              <a:defRPr sz="1600" kern="1200">
+                <a:solidFill>
+                  <a:schemeClr val="tx1"/>
+                </a:solidFill>
+                <a:latin typeface="+mn-lt"/>
+                <a:ea typeface="+mn-ea"/>
+                <a:cs typeface="+mn-cs"/>
+              </a:defRPr>
+            </a:lvl4pPr>
+            <a:lvl5pPr marL="1828800" indent="0" algn="ctr" defTabSz="914400" rtl="0" eaLnBrk="1" latinLnBrk="0" hangingPunct="1">
+              <a:lnSpc>
+                <a:spcPct val="90000"/>
+              </a:lnSpc>
+              <a:spcBef>
+                <a:spcPts val="500"/>
+              </a:spcBef>
+              <a:buFont typeface="Arial" panose="020B0604020202020204" pitchFamily="34" charset="0"/>
+              <a:buNone/>
+              <a:defRPr sz="1600" kern="1200">
+                <a:solidFill>
+                  <a:schemeClr val="tx1"/>
+                </a:solidFill>
+                <a:latin typeface="+mn-lt"/>
+                <a:ea typeface="+mn-ea"/>
+                <a:cs typeface="+mn-cs"/>
+              </a:defRPr>
+            </a:lvl5pPr>
+            <a:lvl6pPr marL="2286000" indent="0" algn="ctr" defTabSz="914400" rtl="0" eaLnBrk="1" latinLnBrk="0" hangingPunct="1">
+              <a:lnSpc>
+                <a:spcPct val="90000"/>
+              </a:lnSpc>
+              <a:spcBef>
+                <a:spcPts val="500"/>
+              </a:spcBef>
+              <a:buFont typeface="Arial" panose="020B0604020202020204" pitchFamily="34" charset="0"/>
+              <a:buNone/>
+              <a:defRPr sz="1600" kern="1200">
+                <a:solidFill>
+                  <a:schemeClr val="tx1"/>
+                </a:solidFill>
+                <a:latin typeface="+mn-lt"/>
+                <a:ea typeface="+mn-ea"/>
+                <a:cs typeface="+mn-cs"/>
+              </a:defRPr>
+            </a:lvl6pPr>
+            <a:lvl7pPr marL="2743200" indent="0" algn="ctr" defTabSz="914400" rtl="0" eaLnBrk="1" latinLnBrk="0" hangingPunct="1">
+              <a:lnSpc>
+                <a:spcPct val="90000"/>
+              </a:lnSpc>
+              <a:spcBef>
+                <a:spcPts val="500"/>
+              </a:spcBef>
+              <a:buFont typeface="Arial" panose="020B0604020202020204" pitchFamily="34" charset="0"/>
+              <a:buNone/>
+              <a:defRPr sz="1600" kern="1200">
+                <a:solidFill>
+                  <a:schemeClr val="tx1"/>
+                </a:solidFill>
+                <a:latin typeface="+mn-lt"/>
+                <a:ea typeface="+mn-ea"/>
+                <a:cs typeface="+mn-cs"/>
+              </a:defRPr>
+            </a:lvl7pPr>
+            <a:lvl8pPr marL="3200400" indent="0" algn="ctr" defTabSz="914400" rtl="0" eaLnBrk="1" latinLnBrk="0" hangingPunct="1">
+              <a:lnSpc>
+                <a:spcPct val="90000"/>
+              </a:lnSpc>
+              <a:spcBef>
+                <a:spcPts val="500"/>
+              </a:spcBef>
+              <a:buFont typeface="Arial" panose="020B0604020202020204" pitchFamily="34" charset="0"/>
+              <a:buNone/>
+              <a:defRPr sz="1600" kern="1200">
+                <a:solidFill>
+                  <a:schemeClr val="tx1"/>
+                </a:solidFill>
+                <a:latin typeface="+mn-lt"/>
+                <a:ea typeface="+mn-ea"/>
+                <a:cs typeface="+mn-cs"/>
+              </a:defRPr>
+            </a:lvl8pPr>
+            <a:lvl9pPr marL="3657600" indent="0" algn="ctr" defTabSz="914400" rtl="0" eaLnBrk="1" latinLnBrk="0" hangingPunct="1">
+              <a:lnSpc>
+                <a:spcPct val="90000"/>
+              </a:lnSpc>
+              <a:spcBef>
+                <a:spcPts val="500"/>
+              </a:spcBef>
+              <a:buFont typeface="Arial" panose="020B0604020202020204" pitchFamily="34" charset="0"/>
+              <a:buNone/>
+              <a:defRPr sz="1600" kern="1200">
+                <a:solidFill>
+                  <a:schemeClr val="tx1"/>
+                </a:solidFill>
+                <a:latin typeface="+mn-lt"/>
+                <a:ea typeface="+mn-ea"/>
+                <a:cs typeface="+mn-cs"/>
+              </a:defRPr>
+            </a:lvl9pPr>
+          </a:lstStyle>
+          <a:p>
+            <a:pPr algn="l"/>
+            <a:r>
+              <a:rPr lang="de-DE" sz="3100" dirty="0">
+                <a:solidFill>
+                  <a:srgbClr val="65BCAA"/>
+                </a:solidFill>
+              </a:rPr>
+              <a:t>DB </a:t>
+            </a:r>
+            <a:r>
+              <a:rPr lang="de-DE" sz="3100" dirty="0"/>
+              <a:t>API</a:t>
+            </a:r>
+          </a:p>
+          <a:p>
+            <a:pPr algn="l"/>
+            <a:r>
+              <a:rPr lang="de-DE" sz="1800" dirty="0"/>
+              <a:t>[</a:t>
+            </a:r>
+            <a:r>
+              <a:rPr lang="de-DE" sz="1800" b="1" dirty="0">
+                <a:solidFill>
+                  <a:schemeClr val="tx2">
+                    <a:lumMod val="50000"/>
+                  </a:schemeClr>
+                </a:solidFill>
+              </a:rPr>
+              <a:t>DEPARTURE TABLE</a:t>
+            </a:r>
+            <a:r>
+              <a:rPr lang="de-DE" sz="1800" dirty="0"/>
+              <a:t>]</a:t>
+            </a:r>
+          </a:p>
+          <a:p>
+            <a:pPr algn="l"/>
+            <a:endParaRPr lang="de-DE" sz="3100" dirty="0"/>
+          </a:p>
+          <a:p>
+            <a:pPr algn="r"/>
+            <a:endParaRPr lang="de-DE" dirty="0"/>
+          </a:p>
+        </p:txBody>
+      </p:sp>
+      <p:pic>
+        <p:nvPicPr>
+          <p:cNvPr id="4" name="Grafik 3" descr="Ein Bild, das Text enthält.&#10;&#10;Automatisch generierte Beschreibung">
+            <a:extLst>
+              <a:ext uri="{FF2B5EF4-FFF2-40B4-BE49-F238E27FC236}">
+                <a16:creationId xmlns:a16="http://schemas.microsoft.com/office/drawing/2014/main" id="{FA207EF4-4883-954E-9E5F-6700BED6392C}"/>
+              </a:ext>
+            </a:extLst>
+          </p:cNvPr>
+          <p:cNvPicPr>
+            <a:picLocks noChangeAspect="1"/>
+          </p:cNvPicPr>
+          <p:nvPr/>
+        </p:nvPicPr>
+        <p:blipFill>
+          <a:blip r:embed="rId5"/>
+          <a:stretch>
+            <a:fillRect/>
+          </a:stretch>
+        </p:blipFill>
+        <p:spPr>
+          <a:xfrm>
+            <a:off x="2747855" y="2562955"/>
+            <a:ext cx="6311900" cy="3111500"/>
+          </a:xfrm>
+          <a:prstGeom prst="rect">
+            <a:avLst/>
+          </a:prstGeom>
+        </p:spPr>
+      </p:pic>
+    </p:spTree>
+    <p:extLst>
+      <p:ext uri="{BB962C8B-B14F-4D97-AF65-F5344CB8AC3E}">
+        <p14:creationId xmlns:p14="http://schemas.microsoft.com/office/powerpoint/2010/main" val="2578731348"/>
+      </p:ext>
+    </p:extLst>
+  </p:cSld>
+  <p:clrMapOvr>
+    <a:masterClrMapping/>
+  </p:clrMapOvr>
+</p:sld>
+</file>
+
+<file path=ppt/slides/slide15.xml><?xml version="1.0" encoding="utf-8"?>
+<p:sld xmlns:a="http://schemas.openxmlformats.org/drawingml/2006/main" xmlns:r="http://schemas.openxmlformats.org/officeDocument/2006/relationships" xmlns:p="http://schemas.openxmlformats.org/presentationml/2006/main">
+  <p:cSld>
+    <p:spTree>
+      <p:nvGrpSpPr>
+        <p:cNvPr id="1" name=""/>
+        <p:cNvGrpSpPr/>
+        <p:nvPr/>
+      </p:nvGrpSpPr>
+      <p:grpSpPr>
+        <a:xfrm>
+          <a:off x="0" y="0"/>
+          <a:ext cx="0" cy="0"/>
+          <a:chOff x="0" y="0"/>
+          <a:chExt cx="0" cy="0"/>
+        </a:xfrm>
+      </p:grpSpPr>
+      <p:sp>
+        <p:nvSpPr>
+          <p:cNvPr id="17" name="Titel 1">
+            <a:extLst>
+              <a:ext uri="{FF2B5EF4-FFF2-40B4-BE49-F238E27FC236}">
+                <a16:creationId xmlns:a16="http://schemas.microsoft.com/office/drawing/2014/main" id="{C097338E-B699-5A4C-B7CB-0BC815BB9BAE}"/>
+              </a:ext>
+            </a:extLst>
+          </p:cNvPr>
+          <p:cNvSpPr txBox="1">
+            <a:spLocks/>
+          </p:cNvSpPr>
+          <p:nvPr/>
+        </p:nvSpPr>
+        <p:spPr>
+          <a:xfrm>
+            <a:off x="701646" y="421745"/>
+            <a:ext cx="10404319" cy="755650"/>
+          </a:xfrm>
+          <a:prstGeom prst="rect">
+            <a:avLst/>
+          </a:prstGeom>
+        </p:spPr>
+        <p:txBody>
+          <a:bodyPr vert="horz" lIns="91440" tIns="45720" rIns="91440" bIns="45720" rtlCol="0" anchor="b">
+            <a:normAutofit/>
+          </a:bodyPr>
+          <a:lstStyle>
+            <a:lvl1pPr algn="ctr" defTabSz="914400" rtl="0" eaLnBrk="1" latinLnBrk="0" hangingPunct="1">
+              <a:lnSpc>
+                <a:spcPct val="90000"/>
+              </a:lnSpc>
+              <a:spcBef>
+                <a:spcPct val="0"/>
+              </a:spcBef>
+              <a:buNone/>
+              <a:defRPr sz="6000" b="1" kern="1200" cap="all" spc="1500" baseline="0">
+                <a:solidFill>
+                  <a:schemeClr val="tx1"/>
+                </a:solidFill>
+                <a:latin typeface="+mj-lt"/>
+                <a:ea typeface="Source Sans Pro SemiBold" panose="020B0603030403020204" pitchFamily="34" charset="0"/>
+                <a:cs typeface="+mj-cs"/>
+              </a:defRPr>
+            </a:lvl1pPr>
+          </a:lstStyle>
+          <a:p>
+            <a:pPr algn="l"/>
+            <a:r>
+              <a:rPr lang="de-DE" sz="4000" dirty="0"/>
+              <a:t>TRAIN DATA</a:t>
+            </a:r>
+          </a:p>
+        </p:txBody>
+      </p:sp>
+      <p:pic>
+        <p:nvPicPr>
+          <p:cNvPr id="19" name="Grafik 18">
+            <a:extLst>
+              <a:ext uri="{FF2B5EF4-FFF2-40B4-BE49-F238E27FC236}">
+                <a16:creationId xmlns:a16="http://schemas.microsoft.com/office/drawing/2014/main" id="{E4134132-07F4-CE4E-8CFB-481DD6B7858E}"/>
+              </a:ext>
+            </a:extLst>
+          </p:cNvPr>
+          <p:cNvPicPr>
+            <a:picLocks noChangeAspect="1"/>
+          </p:cNvPicPr>
+          <p:nvPr/>
+        </p:nvPicPr>
+        <p:blipFill>
+          <a:blip r:embed="rId3">
+            <a:extLst>
+              <a:ext uri="{96DAC541-7B7A-43D3-8B79-37D633B846F1}">
+                <asvg:svgBlip xmlns:asvg="http://schemas.microsoft.com/office/drawing/2016/SVG/main" r:embed="rId4"/>
+              </a:ext>
+            </a:extLst>
+          </a:blip>
+          <a:stretch>
+            <a:fillRect/>
+          </a:stretch>
+        </p:blipFill>
+        <p:spPr>
+          <a:xfrm>
+            <a:off x="701647" y="1177395"/>
+            <a:ext cx="1318439" cy="1318439"/>
+          </a:xfrm>
+          <a:prstGeom prst="rect">
+            <a:avLst/>
+          </a:prstGeom>
+        </p:spPr>
+      </p:pic>
+      <p:sp>
+        <p:nvSpPr>
+          <p:cNvPr id="20" name="Untertitel 2">
+            <a:extLst>
+              <a:ext uri="{FF2B5EF4-FFF2-40B4-BE49-F238E27FC236}">
+                <a16:creationId xmlns:a16="http://schemas.microsoft.com/office/drawing/2014/main" id="{4932DBFA-E34D-C143-A7FC-61D0021E9B92}"/>
+              </a:ext>
+            </a:extLst>
+          </p:cNvPr>
+          <p:cNvSpPr txBox="1">
+            <a:spLocks/>
+          </p:cNvSpPr>
+          <p:nvPr/>
+        </p:nvSpPr>
+        <p:spPr>
+          <a:xfrm>
+            <a:off x="2020085" y="1550725"/>
+            <a:ext cx="10078619" cy="638900"/>
+          </a:xfrm>
+          <a:prstGeom prst="rect">
+            <a:avLst/>
+          </a:prstGeom>
+        </p:spPr>
+        <p:txBody>
+          <a:bodyPr vert="horz" lIns="91440" tIns="45720" rIns="91440" bIns="45720" rtlCol="0">
+            <a:normAutofit fontScale="77500" lnSpcReduction="20000"/>
+          </a:bodyPr>
+          <a:lstStyle>
+            <a:lvl1pPr marL="0" indent="0" algn="ctr" defTabSz="914400" rtl="0" eaLnBrk="1" latinLnBrk="0" hangingPunct="1">
+              <a:lnSpc>
+                <a:spcPct val="90000"/>
+              </a:lnSpc>
+              <a:spcBef>
+                <a:spcPts val="1000"/>
+              </a:spcBef>
+              <a:buFont typeface="Arial" panose="020B0604020202020204" pitchFamily="34" charset="0"/>
+              <a:buNone/>
+              <a:defRPr sz="2400" kern="1200" cap="all" spc="400" baseline="0">
+                <a:solidFill>
+                  <a:schemeClr val="tx1"/>
+                </a:solidFill>
+                <a:latin typeface="+mn-lt"/>
+                <a:ea typeface="+mn-ea"/>
+                <a:cs typeface="+mn-cs"/>
+              </a:defRPr>
+            </a:lvl1pPr>
+            <a:lvl2pPr marL="457200" indent="0" algn="ctr" defTabSz="914400" rtl="0" eaLnBrk="1" latinLnBrk="0" hangingPunct="1">
+              <a:lnSpc>
+                <a:spcPct val="90000"/>
+              </a:lnSpc>
+              <a:spcBef>
+                <a:spcPts val="500"/>
+              </a:spcBef>
+              <a:buFont typeface="Arial" panose="020B0604020202020204" pitchFamily="34" charset="0"/>
+              <a:buNone/>
+              <a:defRPr sz="2000" kern="1200">
+                <a:solidFill>
+                  <a:schemeClr val="tx1"/>
+                </a:solidFill>
+                <a:latin typeface="+mn-lt"/>
+                <a:ea typeface="+mn-ea"/>
+                <a:cs typeface="+mn-cs"/>
+              </a:defRPr>
+            </a:lvl2pPr>
+            <a:lvl3pPr marL="914400" indent="0" algn="ctr" defTabSz="914400" rtl="0" eaLnBrk="1" latinLnBrk="0" hangingPunct="1">
+              <a:lnSpc>
+                <a:spcPct val="90000"/>
+              </a:lnSpc>
+              <a:spcBef>
+                <a:spcPts val="500"/>
+              </a:spcBef>
+              <a:buFont typeface="Arial" panose="020B0604020202020204" pitchFamily="34" charset="0"/>
+              <a:buNone/>
+              <a:defRPr sz="1800" kern="1200">
+                <a:solidFill>
+                  <a:schemeClr val="tx1"/>
+                </a:solidFill>
+                <a:latin typeface="+mn-lt"/>
+                <a:ea typeface="+mn-ea"/>
+                <a:cs typeface="+mn-cs"/>
+              </a:defRPr>
+            </a:lvl3pPr>
+            <a:lvl4pPr marL="1371600" indent="0" algn="ctr" defTabSz="914400" rtl="0" eaLnBrk="1" latinLnBrk="0" hangingPunct="1">
+              <a:lnSpc>
+                <a:spcPct val="90000"/>
+              </a:lnSpc>
+              <a:spcBef>
+                <a:spcPts val="500"/>
+              </a:spcBef>
+              <a:buFont typeface="Arial" panose="020B0604020202020204" pitchFamily="34" charset="0"/>
+              <a:buNone/>
+              <a:defRPr sz="1600" kern="1200">
+                <a:solidFill>
+                  <a:schemeClr val="tx1"/>
+                </a:solidFill>
+                <a:latin typeface="+mn-lt"/>
+                <a:ea typeface="+mn-ea"/>
+                <a:cs typeface="+mn-cs"/>
+              </a:defRPr>
+            </a:lvl4pPr>
+            <a:lvl5pPr marL="1828800" indent="0" algn="ctr" defTabSz="914400" rtl="0" eaLnBrk="1" latinLnBrk="0" hangingPunct="1">
+              <a:lnSpc>
+                <a:spcPct val="90000"/>
+              </a:lnSpc>
+              <a:spcBef>
+                <a:spcPts val="500"/>
+              </a:spcBef>
+              <a:buFont typeface="Arial" panose="020B0604020202020204" pitchFamily="34" charset="0"/>
+              <a:buNone/>
+              <a:defRPr sz="1600" kern="1200">
+                <a:solidFill>
+                  <a:schemeClr val="tx1"/>
+                </a:solidFill>
+                <a:latin typeface="+mn-lt"/>
+                <a:ea typeface="+mn-ea"/>
+                <a:cs typeface="+mn-cs"/>
+              </a:defRPr>
+            </a:lvl5pPr>
+            <a:lvl6pPr marL="2286000" indent="0" algn="ctr" defTabSz="914400" rtl="0" eaLnBrk="1" latinLnBrk="0" hangingPunct="1">
+              <a:lnSpc>
+                <a:spcPct val="90000"/>
+              </a:lnSpc>
+              <a:spcBef>
+                <a:spcPts val="500"/>
+              </a:spcBef>
+              <a:buFont typeface="Arial" panose="020B0604020202020204" pitchFamily="34" charset="0"/>
+              <a:buNone/>
+              <a:defRPr sz="1600" kern="1200">
+                <a:solidFill>
+                  <a:schemeClr val="tx1"/>
+                </a:solidFill>
+                <a:latin typeface="+mn-lt"/>
+                <a:ea typeface="+mn-ea"/>
+                <a:cs typeface="+mn-cs"/>
+              </a:defRPr>
+            </a:lvl6pPr>
+            <a:lvl7pPr marL="2743200" indent="0" algn="ctr" defTabSz="914400" rtl="0" eaLnBrk="1" latinLnBrk="0" hangingPunct="1">
+              <a:lnSpc>
+                <a:spcPct val="90000"/>
+              </a:lnSpc>
+              <a:spcBef>
+                <a:spcPts val="500"/>
+              </a:spcBef>
+              <a:buFont typeface="Arial" panose="020B0604020202020204" pitchFamily="34" charset="0"/>
+              <a:buNone/>
+              <a:defRPr sz="1600" kern="1200">
+                <a:solidFill>
+                  <a:schemeClr val="tx1"/>
+                </a:solidFill>
+                <a:latin typeface="+mn-lt"/>
+                <a:ea typeface="+mn-ea"/>
+                <a:cs typeface="+mn-cs"/>
+              </a:defRPr>
+            </a:lvl7pPr>
+            <a:lvl8pPr marL="3200400" indent="0" algn="ctr" defTabSz="914400" rtl="0" eaLnBrk="1" latinLnBrk="0" hangingPunct="1">
+              <a:lnSpc>
+                <a:spcPct val="90000"/>
+              </a:lnSpc>
+              <a:spcBef>
+                <a:spcPts val="500"/>
+              </a:spcBef>
+              <a:buFont typeface="Arial" panose="020B0604020202020204" pitchFamily="34" charset="0"/>
+              <a:buNone/>
+              <a:defRPr sz="1600" kern="1200">
+                <a:solidFill>
+                  <a:schemeClr val="tx1"/>
+                </a:solidFill>
+                <a:latin typeface="+mn-lt"/>
+                <a:ea typeface="+mn-ea"/>
+                <a:cs typeface="+mn-cs"/>
+              </a:defRPr>
+            </a:lvl8pPr>
+            <a:lvl9pPr marL="3657600" indent="0" algn="ctr" defTabSz="914400" rtl="0" eaLnBrk="1" latinLnBrk="0" hangingPunct="1">
+              <a:lnSpc>
+                <a:spcPct val="90000"/>
+              </a:lnSpc>
+              <a:spcBef>
+                <a:spcPts val="500"/>
+              </a:spcBef>
+              <a:buFont typeface="Arial" panose="020B0604020202020204" pitchFamily="34" charset="0"/>
+              <a:buNone/>
+              <a:defRPr sz="1600" kern="1200">
+                <a:solidFill>
+                  <a:schemeClr val="tx1"/>
+                </a:solidFill>
+                <a:latin typeface="+mn-lt"/>
+                <a:ea typeface="+mn-ea"/>
+                <a:cs typeface="+mn-cs"/>
+              </a:defRPr>
+            </a:lvl9pPr>
+          </a:lstStyle>
+          <a:p>
+            <a:pPr algn="l"/>
+            <a:r>
+              <a:rPr lang="de-DE" sz="3100" dirty="0">
+                <a:solidFill>
+                  <a:srgbClr val="65BCAA"/>
+                </a:solidFill>
+              </a:rPr>
+              <a:t>DB </a:t>
+            </a:r>
+            <a:r>
+              <a:rPr lang="de-DE" sz="3100" dirty="0"/>
+              <a:t>API</a:t>
+            </a:r>
+          </a:p>
+          <a:p>
+            <a:pPr algn="l"/>
+            <a:r>
+              <a:rPr lang="de-DE" sz="1800" dirty="0"/>
+              <a:t>[</a:t>
+            </a:r>
+            <a:r>
+              <a:rPr lang="de-DE" sz="1800" b="1" dirty="0">
+                <a:solidFill>
+                  <a:schemeClr val="tx2">
+                    <a:lumMod val="50000"/>
+                  </a:schemeClr>
+                </a:solidFill>
+              </a:rPr>
+              <a:t>DEPARTURE TABLE</a:t>
+            </a:r>
+            <a:r>
+              <a:rPr lang="de-DE" sz="1800" dirty="0"/>
+              <a:t>]</a:t>
+            </a:r>
+          </a:p>
+          <a:p>
+            <a:pPr algn="l"/>
+            <a:endParaRPr lang="de-DE" sz="3100" dirty="0"/>
+          </a:p>
+          <a:p>
+            <a:pPr algn="r"/>
+            <a:endParaRPr lang="de-DE" dirty="0"/>
+          </a:p>
+        </p:txBody>
+      </p:sp>
+      <p:pic>
+        <p:nvPicPr>
+          <p:cNvPr id="3" name="Grafik 2">
+            <a:extLst>
+              <a:ext uri="{FF2B5EF4-FFF2-40B4-BE49-F238E27FC236}">
+                <a16:creationId xmlns:a16="http://schemas.microsoft.com/office/drawing/2014/main" id="{0953B174-A216-BF42-9E5C-E0D3A27F5BAC}"/>
+              </a:ext>
+            </a:extLst>
+          </p:cNvPr>
+          <p:cNvPicPr>
+            <a:picLocks noChangeAspect="1"/>
+          </p:cNvPicPr>
+          <p:nvPr/>
+        </p:nvPicPr>
+        <p:blipFill>
+          <a:blip r:embed="rId5"/>
+          <a:stretch>
+            <a:fillRect/>
+          </a:stretch>
+        </p:blipFill>
+        <p:spPr>
+          <a:xfrm>
+            <a:off x="1589956" y="4287491"/>
+            <a:ext cx="8627697" cy="2039568"/>
+          </a:xfrm>
+          <a:prstGeom prst="rect">
+            <a:avLst/>
+          </a:prstGeom>
+        </p:spPr>
+      </p:pic>
+      <p:sp>
+        <p:nvSpPr>
+          <p:cNvPr id="8" name="Untertitel 2">
+            <a:extLst>
+              <a:ext uri="{FF2B5EF4-FFF2-40B4-BE49-F238E27FC236}">
+                <a16:creationId xmlns:a16="http://schemas.microsoft.com/office/drawing/2014/main" id="{95B2070A-903C-B24C-9E37-FB561DB58EC4}"/>
+              </a:ext>
+            </a:extLst>
+          </p:cNvPr>
+          <p:cNvSpPr txBox="1">
+            <a:spLocks/>
+          </p:cNvSpPr>
+          <p:nvPr/>
+        </p:nvSpPr>
+        <p:spPr>
+          <a:xfrm>
+            <a:off x="701646" y="2562955"/>
+            <a:ext cx="10078619" cy="2517175"/>
           </a:xfrm>
           <a:prstGeom prst="rect">
             <a:avLst/>
@@ -15242,118 +15930,89 @@
             </a:lvl9pPr>
           </a:lstStyle>
           <a:p>
-            <a:pPr algn="l"/>
-            <a:r>
-              <a:rPr lang="de-DE" sz="3200" dirty="0" err="1"/>
-              <a:t>is</a:t>
-            </a:r>
-            <a:r>
-              <a:rPr lang="de-DE" sz="3200" dirty="0"/>
-              <a:t> </a:t>
-            </a:r>
-            <a:r>
-              <a:rPr lang="de-DE" sz="3200" dirty="0" err="1"/>
-              <a:t>it</a:t>
-            </a:r>
-            <a:r>
-              <a:rPr lang="de-DE" sz="3200" dirty="0"/>
-              <a:t> </a:t>
-            </a:r>
-            <a:r>
-              <a:rPr lang="de-DE" sz="3200" dirty="0" err="1"/>
-              <a:t>possible</a:t>
-            </a:r>
-            <a:r>
-              <a:rPr lang="de-DE" sz="3200" dirty="0"/>
-              <a:t> </a:t>
-            </a:r>
-            <a:r>
-              <a:rPr lang="de-DE" sz="3200" dirty="0" err="1"/>
-              <a:t>to</a:t>
-            </a:r>
-            <a:r>
-              <a:rPr lang="de-DE" sz="3200" dirty="0"/>
-              <a:t> find out </a:t>
-            </a:r>
-            <a:r>
-              <a:rPr lang="de-DE" sz="3200" dirty="0" err="1">
-                <a:solidFill>
-                  <a:srgbClr val="65BCAA"/>
-                </a:solidFill>
-              </a:rPr>
-              <a:t>railroad</a:t>
-            </a:r>
-            <a:r>
-              <a:rPr lang="de-DE" sz="3200" dirty="0">
-                <a:solidFill>
-                  <a:srgbClr val="65BCAA"/>
-                </a:solidFill>
-              </a:rPr>
-              <a:t> </a:t>
-            </a:r>
-            <a:r>
-              <a:rPr lang="de-DE" sz="3200" dirty="0" err="1">
-                <a:solidFill>
-                  <a:srgbClr val="65BCAA"/>
-                </a:solidFill>
-              </a:rPr>
-              <a:t>connections</a:t>
-            </a:r>
-            <a:r>
-              <a:rPr lang="de-DE" sz="3200" dirty="0">
-                <a:solidFill>
-                  <a:srgbClr val="65BCAA"/>
-                </a:solidFill>
-              </a:rPr>
-              <a:t> </a:t>
-            </a:r>
-            <a:r>
-              <a:rPr lang="de-DE" sz="3200" dirty="0" err="1"/>
-              <a:t>through</a:t>
-            </a:r>
-            <a:r>
-              <a:rPr lang="de-DE" sz="3200" dirty="0"/>
-              <a:t> </a:t>
-            </a:r>
-            <a:r>
-              <a:rPr lang="de-DE" sz="3200" dirty="0" err="1"/>
-              <a:t>which</a:t>
-            </a:r>
-            <a:r>
-              <a:rPr lang="de-DE" sz="3200" dirty="0"/>
-              <a:t> </a:t>
-            </a:r>
-            <a:r>
-              <a:rPr lang="de-DE" sz="3200" dirty="0" err="1"/>
-              <a:t>the</a:t>
-            </a:r>
-            <a:r>
-              <a:rPr lang="de-DE" sz="3200" dirty="0"/>
-              <a:t> Corona </a:t>
-            </a:r>
-            <a:r>
-              <a:rPr lang="de-DE" sz="3200" dirty="0" err="1"/>
-              <a:t>virus</a:t>
-            </a:r>
-            <a:r>
-              <a:rPr lang="de-DE" sz="3200" dirty="0"/>
-              <a:t> </a:t>
-            </a:r>
-            <a:r>
-              <a:rPr lang="de-DE" sz="3200" dirty="0" err="1">
-                <a:solidFill>
-                  <a:srgbClr val="65BCAA"/>
-                </a:solidFill>
-              </a:rPr>
-              <a:t>spread</a:t>
-            </a:r>
-            <a:r>
-              <a:rPr lang="de-DE" sz="3200" dirty="0"/>
-              <a:t>?</a:t>
-            </a:r>
+            <a:pPr marL="457200" indent="-457200" algn="l">
+              <a:buFont typeface="Arial" panose="020B0604020202020204" pitchFamily="34" charset="0"/>
+              <a:buChar char="•"/>
+            </a:pPr>
+            <a:r>
+              <a:rPr lang="de-DE" sz="3100" dirty="0"/>
+              <a:t>Custom Dataset </a:t>
+            </a:r>
+            <a:r>
+              <a:rPr lang="de-DE" sz="3100" dirty="0" err="1"/>
+              <a:t>for</a:t>
+            </a:r>
+            <a:r>
+              <a:rPr lang="de-DE" sz="3100" dirty="0"/>
+              <a:t> All DB TRAINS</a:t>
+            </a:r>
+          </a:p>
+          <a:p>
+            <a:pPr marL="457200" indent="-457200" algn="l">
+              <a:buFont typeface="Arial" panose="020B0604020202020204" pitchFamily="34" charset="0"/>
+              <a:buChar char="•"/>
+            </a:pPr>
+            <a:r>
+              <a:rPr lang="de-DE" sz="3100" dirty="0"/>
+              <a:t>10 Minute SNAPSHOT INTERVAL</a:t>
+            </a:r>
+          </a:p>
+          <a:p>
+            <a:pPr marL="457200" indent="-457200" algn="l">
+              <a:buFont typeface="Arial" panose="020B0604020202020204" pitchFamily="34" charset="0"/>
+              <a:buChar char="•"/>
+            </a:pPr>
+            <a:r>
+              <a:rPr lang="de-DE" sz="3100" dirty="0"/>
+              <a:t>INCLUDING ARRIVAL | DEPARTURE DELAYS</a:t>
+            </a:r>
+          </a:p>
+          <a:p>
+            <a:pPr marL="457200" indent="-457200" algn="l">
+              <a:buFont typeface="Arial" panose="020B0604020202020204" pitchFamily="34" charset="0"/>
+              <a:buChar char="•"/>
+            </a:pPr>
+            <a:endParaRPr lang="de-DE" sz="3100" dirty="0"/>
+          </a:p>
+          <a:p>
+            <a:pPr marL="457200" indent="-457200" algn="l">
+              <a:buFont typeface="Arial" panose="020B0604020202020204" pitchFamily="34" charset="0"/>
+              <a:buChar char="•"/>
+            </a:pPr>
+            <a:endParaRPr lang="de-DE" sz="3100" dirty="0"/>
           </a:p>
         </p:txBody>
       </p:sp>
+    </p:spTree>
+    <p:extLst>
+      <p:ext uri="{BB962C8B-B14F-4D97-AF65-F5344CB8AC3E}">
+        <p14:creationId xmlns:p14="http://schemas.microsoft.com/office/powerpoint/2010/main" val="2957709667"/>
+      </p:ext>
+    </p:extLst>
+  </p:cSld>
+  <p:clrMapOvr>
+    <a:masterClrMapping/>
+  </p:clrMapOvr>
+</p:sld>
+</file>
+
+<file path=ppt/slides/slide16.xml><?xml version="1.0" encoding="utf-8"?>
+<p:sld xmlns:a="http://schemas.openxmlformats.org/drawingml/2006/main" xmlns:r="http://schemas.openxmlformats.org/officeDocument/2006/relationships" xmlns:p="http://schemas.openxmlformats.org/presentationml/2006/main">
+  <p:cSld>
+    <p:spTree>
+      <p:nvGrpSpPr>
+        <p:cNvPr id="1" name=""/>
+        <p:cNvGrpSpPr/>
+        <p:nvPr/>
+      </p:nvGrpSpPr>
+      <p:grpSpPr>
+        <a:xfrm>
+          <a:off x="0" y="0"/>
+          <a:ext cx="0" cy="0"/>
+          <a:chOff x="0" y="0"/>
+          <a:chExt cx="0" cy="0"/>
+        </a:xfrm>
+      </p:grpSpPr>
       <p:sp>
         <p:nvSpPr>
           <p:cNvPr id="17" name="Titel 1">
@@ -15370,8 +16029,8 @@
         </p:nvSpPr>
         <p:spPr>
           <a:xfrm>
-            <a:off x="-1100216" y="-416737"/>
-            <a:ext cx="10626988" cy="1552968"/>
+            <a:off x="701646" y="421745"/>
+            <a:ext cx="10404319" cy="755650"/>
           </a:xfrm>
           <a:prstGeom prst="rect">
             <a:avLst/>
@@ -15401,33 +16060,56 @@
             </a:lvl1pPr>
           </a:lstStyle>
           <a:p>
-            <a:pPr algn="r"/>
-            <a:r>
-              <a:rPr lang="de-DE" sz="4000"/>
-              <a:t>THEORETICAL</a:t>
-            </a:r>
-            <a:r>
-              <a:rPr lang="de-DE" sz="4000">
-                <a:solidFill>
-                  <a:srgbClr val="65BCAA"/>
-                </a:solidFill>
-              </a:rPr>
-              <a:t>EXAMPLE</a:t>
-            </a:r>
-            <a:endParaRPr lang="de-DE" sz="4000" dirty="0">
-              <a:solidFill>
-                <a:srgbClr val="65BCAA"/>
-              </a:solidFill>
-            </a:endParaRPr>
+            <a:pPr algn="l"/>
+            <a:r>
+              <a:rPr lang="de-DE" sz="4000" dirty="0"/>
+              <a:t>TRAIN DATA</a:t>
+            </a:r>
           </a:p>
         </p:txBody>
       </p:sp>
+      <p:pic>
+        <p:nvPicPr>
+          <p:cNvPr id="19" name="Grafik 18">
+            <a:extLst>
+              <a:ext uri="{FF2B5EF4-FFF2-40B4-BE49-F238E27FC236}">
+                <a16:creationId xmlns:a16="http://schemas.microsoft.com/office/drawing/2014/main" id="{E4134132-07F4-CE4E-8CFB-481DD6B7858E}"/>
+              </a:ext>
+            </a:extLst>
+          </p:cNvPr>
+          <p:cNvPicPr>
+            <a:picLocks noChangeAspect="1"/>
+          </p:cNvPicPr>
+          <p:nvPr/>
+        </p:nvPicPr>
+        <p:blipFill>
+          <a:blip r:embed="rId3">
+            <a:extLst>
+              <a:ext uri="{96DAC541-7B7A-43D3-8B79-37D633B846F1}">
+                <asvg:svgBlip xmlns:asvg="http://schemas.microsoft.com/office/drawing/2016/SVG/main" r:embed="rId4"/>
+              </a:ext>
+            </a:extLst>
+          </a:blip>
+          <a:stretch>
+            <a:fillRect/>
+          </a:stretch>
+        </p:blipFill>
+        <p:spPr>
+          <a:xfrm>
+            <a:off x="701647" y="1177395"/>
+            <a:ext cx="1318439" cy="1318439"/>
+          </a:xfrm>
+          <a:prstGeom prst="rect">
+            <a:avLst/>
+          </a:prstGeom>
+        </p:spPr>
+      </p:pic>
       <p:sp>
         <p:nvSpPr>
-          <p:cNvPr id="18" name="Untertitel 2">
+          <p:cNvPr id="20" name="Untertitel 2">
             <a:extLst>
               <a:ext uri="{FF2B5EF4-FFF2-40B4-BE49-F238E27FC236}">
-                <a16:creationId xmlns:a16="http://schemas.microsoft.com/office/drawing/2014/main" id="{67E7D327-687F-BC44-A3F7-28CC8A9964AB}"/>
+                <a16:creationId xmlns:a16="http://schemas.microsoft.com/office/drawing/2014/main" id="{4932DBFA-E34D-C143-A7FC-61D0021E9B92}"/>
               </a:ext>
             </a:extLst>
           </p:cNvPr>
@@ -15438,8 +16120,8 @@
         </p:nvSpPr>
         <p:spPr>
           <a:xfrm>
-            <a:off x="863365" y="4133337"/>
-            <a:ext cx="2987748" cy="330253"/>
+            <a:off x="2020085" y="1550725"/>
+            <a:ext cx="10078619" cy="638900"/>
           </a:xfrm>
           <a:prstGeom prst="rect">
             <a:avLst/>
@@ -15447,7 +16129,7 @@
         </p:spPr>
         <p:txBody>
           <a:bodyPr vert="horz" lIns="91440" tIns="45720" rIns="91440" bIns="45720" rtlCol="0">
-            <a:normAutofit fontScale="55000" lnSpcReduction="20000"/>
+            <a:normAutofit fontScale="77500" lnSpcReduction="20000"/>
           </a:bodyPr>
           <a:lstStyle>
             <a:lvl1pPr marL="0" indent="0" algn="ctr" defTabSz="914400" rtl="0" eaLnBrk="1" latinLnBrk="0" hangingPunct="1">
@@ -15614,11 +16296,44 @@
             </a:lvl9pPr>
           </a:lstStyle>
           <a:p>
-            <a:pPr algn="r"/>
-            <a:r>
-              <a:rPr lang="de-DE" dirty="0"/>
-              <a:t>SPREAD_FACTOR = 20%</a:t>
-            </a:r>
+            <a:pPr algn="l"/>
+            <a:r>
+              <a:rPr lang="de-DE" sz="3100" dirty="0">
+                <a:solidFill>
+                  <a:srgbClr val="65BCAA"/>
+                </a:solidFill>
+              </a:rPr>
+              <a:t>DB </a:t>
+            </a:r>
+            <a:r>
+              <a:rPr lang="de-DE" sz="3100" dirty="0"/>
+              <a:t>API</a:t>
+            </a:r>
+          </a:p>
+          <a:p>
+            <a:pPr algn="l"/>
+            <a:r>
+              <a:rPr lang="de-DE" sz="1800" dirty="0"/>
+              <a:t>[</a:t>
+            </a:r>
+            <a:r>
+              <a:rPr lang="de-DE" sz="1800" b="1" dirty="0">
+                <a:solidFill>
+                  <a:schemeClr val="tx2">
+                    <a:lumMod val="50000"/>
+                  </a:schemeClr>
+                </a:solidFill>
+              </a:rPr>
+              <a:t>DEPARTURE TABLE</a:t>
+            </a:r>
+            <a:r>
+              <a:rPr lang="de-DE" sz="1800" dirty="0"/>
+              <a:t>]</a:t>
+            </a:r>
+          </a:p>
+          <a:p>
+            <a:pPr algn="l"/>
+            <a:endParaRPr lang="de-DE" sz="3100" dirty="0"/>
           </a:p>
           <a:p>
             <a:pPr algn="r"/>
@@ -15626,12 +16341,72 @@
           </a:p>
         </p:txBody>
       </p:sp>
+      <p:pic>
+        <p:nvPicPr>
+          <p:cNvPr id="3" name="Grafik 2" descr="Ein Bild, das Tisch enthält.&#10;&#10;Automatisch generierte Beschreibung">
+            <a:extLst>
+              <a:ext uri="{FF2B5EF4-FFF2-40B4-BE49-F238E27FC236}">
+                <a16:creationId xmlns:a16="http://schemas.microsoft.com/office/drawing/2014/main" id="{4172DDC2-91B2-FB4F-A259-81218C6C7708}"/>
+              </a:ext>
+            </a:extLst>
+          </p:cNvPr>
+          <p:cNvPicPr>
+            <a:picLocks noChangeAspect="1"/>
+          </p:cNvPicPr>
+          <p:nvPr/>
+        </p:nvPicPr>
+        <p:blipFill>
+          <a:blip r:embed="rId5"/>
+          <a:stretch>
+            <a:fillRect/>
+          </a:stretch>
+        </p:blipFill>
+        <p:spPr>
+          <a:xfrm>
+            <a:off x="2476500" y="2864854"/>
+            <a:ext cx="7239000" cy="2755900"/>
+          </a:xfrm>
+          <a:prstGeom prst="rect">
+            <a:avLst/>
+          </a:prstGeom>
+        </p:spPr>
+      </p:pic>
+    </p:spTree>
+    <p:extLst>
+      <p:ext uri="{BB962C8B-B14F-4D97-AF65-F5344CB8AC3E}">
+        <p14:creationId xmlns:p14="http://schemas.microsoft.com/office/powerpoint/2010/main" val="797912037"/>
+      </p:ext>
+    </p:extLst>
+  </p:cSld>
+  <p:clrMapOvr>
+    <a:masterClrMapping/>
+  </p:clrMapOvr>
+</p:sld>
+</file>
+
+<file path=ppt/slides/slide17.xml><?xml version="1.0" encoding="utf-8"?>
+<p:sld xmlns:a="http://schemas.openxmlformats.org/drawingml/2006/main" xmlns:r="http://schemas.openxmlformats.org/officeDocument/2006/relationships" xmlns:p="http://schemas.openxmlformats.org/presentationml/2006/main">
+  <p:cSld>
+    <p:spTree>
+      <p:nvGrpSpPr>
+        <p:cNvPr id="1" name=""/>
+        <p:cNvGrpSpPr/>
+        <p:nvPr/>
+      </p:nvGrpSpPr>
+      <p:grpSpPr>
+        <a:xfrm>
+          <a:off x="0" y="0"/>
+          <a:ext cx="0" cy="0"/>
+          <a:chOff x="0" y="0"/>
+          <a:chExt cx="0" cy="0"/>
+        </a:xfrm>
+      </p:grpSpPr>
       <p:sp>
         <p:nvSpPr>
-          <p:cNvPr id="19" name="Untertitel 2">
+          <p:cNvPr id="17" name="Titel 1">
             <a:extLst>
               <a:ext uri="{FF2B5EF4-FFF2-40B4-BE49-F238E27FC236}">
-                <a16:creationId xmlns:a16="http://schemas.microsoft.com/office/drawing/2014/main" id="{9D85317F-113E-AB4C-B9F5-A36CFC3D3EA5}"/>
+                <a16:creationId xmlns:a16="http://schemas.microsoft.com/office/drawing/2014/main" id="{C097338E-B699-5A4C-B7CB-0BC815BB9BAE}"/>
               </a:ext>
             </a:extLst>
           </p:cNvPr>
@@ -15642,8 +16417,869 @@
         </p:nvSpPr>
         <p:spPr>
           <a:xfrm>
-            <a:off x="4473217" y="3685656"/>
-            <a:ext cx="2987748" cy="330253"/>
+            <a:off x="701646" y="421745"/>
+            <a:ext cx="10404319" cy="755650"/>
+          </a:xfrm>
+          <a:prstGeom prst="rect">
+            <a:avLst/>
+          </a:prstGeom>
+        </p:spPr>
+        <p:txBody>
+          <a:bodyPr vert="horz" lIns="91440" tIns="45720" rIns="91440" bIns="45720" rtlCol="0" anchor="b">
+            <a:normAutofit/>
+          </a:bodyPr>
+          <a:lstStyle>
+            <a:lvl1pPr algn="ctr" defTabSz="914400" rtl="0" eaLnBrk="1" latinLnBrk="0" hangingPunct="1">
+              <a:lnSpc>
+                <a:spcPct val="90000"/>
+              </a:lnSpc>
+              <a:spcBef>
+                <a:spcPct val="0"/>
+              </a:spcBef>
+              <a:buNone/>
+              <a:defRPr sz="6000" b="1" kern="1200" cap="all" spc="1500" baseline="0">
+                <a:solidFill>
+                  <a:schemeClr val="tx1"/>
+                </a:solidFill>
+                <a:latin typeface="+mj-lt"/>
+                <a:ea typeface="Source Sans Pro SemiBold" panose="020B0603030403020204" pitchFamily="34" charset="0"/>
+                <a:cs typeface="+mj-cs"/>
+              </a:defRPr>
+            </a:lvl1pPr>
+          </a:lstStyle>
+          <a:p>
+            <a:pPr algn="l"/>
+            <a:r>
+              <a:rPr lang="de-DE" sz="4000" dirty="0"/>
+              <a:t>TRAIN DATA</a:t>
+            </a:r>
+          </a:p>
+        </p:txBody>
+      </p:sp>
+      <p:pic>
+        <p:nvPicPr>
+          <p:cNvPr id="19" name="Grafik 18">
+            <a:extLst>
+              <a:ext uri="{FF2B5EF4-FFF2-40B4-BE49-F238E27FC236}">
+                <a16:creationId xmlns:a16="http://schemas.microsoft.com/office/drawing/2014/main" id="{E4134132-07F4-CE4E-8CFB-481DD6B7858E}"/>
+              </a:ext>
+            </a:extLst>
+          </p:cNvPr>
+          <p:cNvPicPr>
+            <a:picLocks noChangeAspect="1"/>
+          </p:cNvPicPr>
+          <p:nvPr/>
+        </p:nvPicPr>
+        <p:blipFill>
+          <a:blip r:embed="rId3">
+            <a:extLst>
+              <a:ext uri="{96DAC541-7B7A-43D3-8B79-37D633B846F1}">
+                <asvg:svgBlip xmlns:asvg="http://schemas.microsoft.com/office/drawing/2016/SVG/main" r:embed="rId4"/>
+              </a:ext>
+            </a:extLst>
+          </a:blip>
+          <a:stretch>
+            <a:fillRect/>
+          </a:stretch>
+        </p:blipFill>
+        <p:spPr>
+          <a:xfrm>
+            <a:off x="701647" y="1177395"/>
+            <a:ext cx="1318439" cy="1318439"/>
+          </a:xfrm>
+          <a:prstGeom prst="rect">
+            <a:avLst/>
+          </a:prstGeom>
+        </p:spPr>
+      </p:pic>
+      <p:sp>
+        <p:nvSpPr>
+          <p:cNvPr id="20" name="Untertitel 2">
+            <a:extLst>
+              <a:ext uri="{FF2B5EF4-FFF2-40B4-BE49-F238E27FC236}">
+                <a16:creationId xmlns:a16="http://schemas.microsoft.com/office/drawing/2014/main" id="{4932DBFA-E34D-C143-A7FC-61D0021E9B92}"/>
+              </a:ext>
+            </a:extLst>
+          </p:cNvPr>
+          <p:cNvSpPr txBox="1">
+            <a:spLocks/>
+          </p:cNvSpPr>
+          <p:nvPr/>
+        </p:nvSpPr>
+        <p:spPr>
+          <a:xfrm>
+            <a:off x="2020085" y="1550725"/>
+            <a:ext cx="10078619" cy="638900"/>
+          </a:xfrm>
+          <a:prstGeom prst="rect">
+            <a:avLst/>
+          </a:prstGeom>
+        </p:spPr>
+        <p:txBody>
+          <a:bodyPr vert="horz" lIns="91440" tIns="45720" rIns="91440" bIns="45720" rtlCol="0">
+            <a:normAutofit fontScale="77500" lnSpcReduction="20000"/>
+          </a:bodyPr>
+          <a:lstStyle>
+            <a:lvl1pPr marL="0" indent="0" algn="ctr" defTabSz="914400" rtl="0" eaLnBrk="1" latinLnBrk="0" hangingPunct="1">
+              <a:lnSpc>
+                <a:spcPct val="90000"/>
+              </a:lnSpc>
+              <a:spcBef>
+                <a:spcPts val="1000"/>
+              </a:spcBef>
+              <a:buFont typeface="Arial" panose="020B0604020202020204" pitchFamily="34" charset="0"/>
+              <a:buNone/>
+              <a:defRPr sz="2400" kern="1200" cap="all" spc="400" baseline="0">
+                <a:solidFill>
+                  <a:schemeClr val="tx1"/>
+                </a:solidFill>
+                <a:latin typeface="+mn-lt"/>
+                <a:ea typeface="+mn-ea"/>
+                <a:cs typeface="+mn-cs"/>
+              </a:defRPr>
+            </a:lvl1pPr>
+            <a:lvl2pPr marL="457200" indent="0" algn="ctr" defTabSz="914400" rtl="0" eaLnBrk="1" latinLnBrk="0" hangingPunct="1">
+              <a:lnSpc>
+                <a:spcPct val="90000"/>
+              </a:lnSpc>
+              <a:spcBef>
+                <a:spcPts val="500"/>
+              </a:spcBef>
+              <a:buFont typeface="Arial" panose="020B0604020202020204" pitchFamily="34" charset="0"/>
+              <a:buNone/>
+              <a:defRPr sz="2000" kern="1200">
+                <a:solidFill>
+                  <a:schemeClr val="tx1"/>
+                </a:solidFill>
+                <a:latin typeface="+mn-lt"/>
+                <a:ea typeface="+mn-ea"/>
+                <a:cs typeface="+mn-cs"/>
+              </a:defRPr>
+            </a:lvl2pPr>
+            <a:lvl3pPr marL="914400" indent="0" algn="ctr" defTabSz="914400" rtl="0" eaLnBrk="1" latinLnBrk="0" hangingPunct="1">
+              <a:lnSpc>
+                <a:spcPct val="90000"/>
+              </a:lnSpc>
+              <a:spcBef>
+                <a:spcPts val="500"/>
+              </a:spcBef>
+              <a:buFont typeface="Arial" panose="020B0604020202020204" pitchFamily="34" charset="0"/>
+              <a:buNone/>
+              <a:defRPr sz="1800" kern="1200">
+                <a:solidFill>
+                  <a:schemeClr val="tx1"/>
+                </a:solidFill>
+                <a:latin typeface="+mn-lt"/>
+                <a:ea typeface="+mn-ea"/>
+                <a:cs typeface="+mn-cs"/>
+              </a:defRPr>
+            </a:lvl3pPr>
+            <a:lvl4pPr marL="1371600" indent="0" algn="ctr" defTabSz="914400" rtl="0" eaLnBrk="1" latinLnBrk="0" hangingPunct="1">
+              <a:lnSpc>
+                <a:spcPct val="90000"/>
+              </a:lnSpc>
+              <a:spcBef>
+                <a:spcPts val="500"/>
+              </a:spcBef>
+              <a:buFont typeface="Arial" panose="020B0604020202020204" pitchFamily="34" charset="0"/>
+              <a:buNone/>
+              <a:defRPr sz="1600" kern="1200">
+                <a:solidFill>
+                  <a:schemeClr val="tx1"/>
+                </a:solidFill>
+                <a:latin typeface="+mn-lt"/>
+                <a:ea typeface="+mn-ea"/>
+                <a:cs typeface="+mn-cs"/>
+              </a:defRPr>
+            </a:lvl4pPr>
+            <a:lvl5pPr marL="1828800" indent="0" algn="ctr" defTabSz="914400" rtl="0" eaLnBrk="1" latinLnBrk="0" hangingPunct="1">
+              <a:lnSpc>
+                <a:spcPct val="90000"/>
+              </a:lnSpc>
+              <a:spcBef>
+                <a:spcPts val="500"/>
+              </a:spcBef>
+              <a:buFont typeface="Arial" panose="020B0604020202020204" pitchFamily="34" charset="0"/>
+              <a:buNone/>
+              <a:defRPr sz="1600" kern="1200">
+                <a:solidFill>
+                  <a:schemeClr val="tx1"/>
+                </a:solidFill>
+                <a:latin typeface="+mn-lt"/>
+                <a:ea typeface="+mn-ea"/>
+                <a:cs typeface="+mn-cs"/>
+              </a:defRPr>
+            </a:lvl5pPr>
+            <a:lvl6pPr marL="2286000" indent="0" algn="ctr" defTabSz="914400" rtl="0" eaLnBrk="1" latinLnBrk="0" hangingPunct="1">
+              <a:lnSpc>
+                <a:spcPct val="90000"/>
+              </a:lnSpc>
+              <a:spcBef>
+                <a:spcPts val="500"/>
+              </a:spcBef>
+              <a:buFont typeface="Arial" panose="020B0604020202020204" pitchFamily="34" charset="0"/>
+              <a:buNone/>
+              <a:defRPr sz="1600" kern="1200">
+                <a:solidFill>
+                  <a:schemeClr val="tx1"/>
+                </a:solidFill>
+                <a:latin typeface="+mn-lt"/>
+                <a:ea typeface="+mn-ea"/>
+                <a:cs typeface="+mn-cs"/>
+              </a:defRPr>
+            </a:lvl6pPr>
+            <a:lvl7pPr marL="2743200" indent="0" algn="ctr" defTabSz="914400" rtl="0" eaLnBrk="1" latinLnBrk="0" hangingPunct="1">
+              <a:lnSpc>
+                <a:spcPct val="90000"/>
+              </a:lnSpc>
+              <a:spcBef>
+                <a:spcPts val="500"/>
+              </a:spcBef>
+              <a:buFont typeface="Arial" panose="020B0604020202020204" pitchFamily="34" charset="0"/>
+              <a:buNone/>
+              <a:defRPr sz="1600" kern="1200">
+                <a:solidFill>
+                  <a:schemeClr val="tx1"/>
+                </a:solidFill>
+                <a:latin typeface="+mn-lt"/>
+                <a:ea typeface="+mn-ea"/>
+                <a:cs typeface="+mn-cs"/>
+              </a:defRPr>
+            </a:lvl7pPr>
+            <a:lvl8pPr marL="3200400" indent="0" algn="ctr" defTabSz="914400" rtl="0" eaLnBrk="1" latinLnBrk="0" hangingPunct="1">
+              <a:lnSpc>
+                <a:spcPct val="90000"/>
+              </a:lnSpc>
+              <a:spcBef>
+                <a:spcPts val="500"/>
+              </a:spcBef>
+              <a:buFont typeface="Arial" panose="020B0604020202020204" pitchFamily="34" charset="0"/>
+              <a:buNone/>
+              <a:defRPr sz="1600" kern="1200">
+                <a:solidFill>
+                  <a:schemeClr val="tx1"/>
+                </a:solidFill>
+                <a:latin typeface="+mn-lt"/>
+                <a:ea typeface="+mn-ea"/>
+                <a:cs typeface="+mn-cs"/>
+              </a:defRPr>
+            </a:lvl8pPr>
+            <a:lvl9pPr marL="3657600" indent="0" algn="ctr" defTabSz="914400" rtl="0" eaLnBrk="1" latinLnBrk="0" hangingPunct="1">
+              <a:lnSpc>
+                <a:spcPct val="90000"/>
+              </a:lnSpc>
+              <a:spcBef>
+                <a:spcPts val="500"/>
+              </a:spcBef>
+              <a:buFont typeface="Arial" panose="020B0604020202020204" pitchFamily="34" charset="0"/>
+              <a:buNone/>
+              <a:defRPr sz="1600" kern="1200">
+                <a:solidFill>
+                  <a:schemeClr val="tx1"/>
+                </a:solidFill>
+                <a:latin typeface="+mn-lt"/>
+                <a:ea typeface="+mn-ea"/>
+                <a:cs typeface="+mn-cs"/>
+              </a:defRPr>
+            </a:lvl9pPr>
+          </a:lstStyle>
+          <a:p>
+            <a:pPr algn="l"/>
+            <a:r>
+              <a:rPr lang="de-DE" sz="3100" dirty="0">
+                <a:solidFill>
+                  <a:srgbClr val="65BCAA"/>
+                </a:solidFill>
+              </a:rPr>
+              <a:t>DB </a:t>
+            </a:r>
+            <a:r>
+              <a:rPr lang="de-DE" sz="3100" dirty="0"/>
+              <a:t>API</a:t>
+            </a:r>
+          </a:p>
+          <a:p>
+            <a:pPr algn="l"/>
+            <a:r>
+              <a:rPr lang="de-DE" sz="1800" dirty="0"/>
+              <a:t>[</a:t>
+            </a:r>
+            <a:r>
+              <a:rPr lang="de-DE" sz="1800" b="1" dirty="0">
+                <a:solidFill>
+                  <a:schemeClr val="tx2">
+                    <a:lumMod val="50000"/>
+                  </a:schemeClr>
+                </a:solidFill>
+              </a:rPr>
+              <a:t>DEPARTURE TABLE</a:t>
+            </a:r>
+            <a:r>
+              <a:rPr lang="de-DE" sz="1800" dirty="0"/>
+              <a:t>]</a:t>
+            </a:r>
+          </a:p>
+          <a:p>
+            <a:pPr algn="l"/>
+            <a:endParaRPr lang="de-DE" sz="3100" dirty="0"/>
+          </a:p>
+          <a:p>
+            <a:pPr algn="r"/>
+            <a:endParaRPr lang="de-DE" dirty="0"/>
+          </a:p>
+        </p:txBody>
+      </p:sp>
+      <p:pic>
+        <p:nvPicPr>
+          <p:cNvPr id="4" name="Grafik 3" descr="Ein Bild, das Text enthält.&#10;&#10;Automatisch generierte Beschreibung">
+            <a:extLst>
+              <a:ext uri="{FF2B5EF4-FFF2-40B4-BE49-F238E27FC236}">
+                <a16:creationId xmlns:a16="http://schemas.microsoft.com/office/drawing/2014/main" id="{BEDBA723-DB8D-F24B-9985-F53C76837AC9}"/>
+              </a:ext>
+            </a:extLst>
+          </p:cNvPr>
+          <p:cNvPicPr>
+            <a:picLocks noChangeAspect="1"/>
+          </p:cNvPicPr>
+          <p:nvPr/>
+        </p:nvPicPr>
+        <p:blipFill>
+          <a:blip r:embed="rId5"/>
+          <a:stretch>
+            <a:fillRect/>
+          </a:stretch>
+        </p:blipFill>
+        <p:spPr>
+          <a:xfrm>
+            <a:off x="1480039" y="3429000"/>
+            <a:ext cx="9231922" cy="1361012"/>
+          </a:xfrm>
+          <a:prstGeom prst="rect">
+            <a:avLst/>
+          </a:prstGeom>
+        </p:spPr>
+      </p:pic>
+    </p:spTree>
+    <p:extLst>
+      <p:ext uri="{BB962C8B-B14F-4D97-AF65-F5344CB8AC3E}">
+        <p14:creationId xmlns:p14="http://schemas.microsoft.com/office/powerpoint/2010/main" val="2152254300"/>
+      </p:ext>
+    </p:extLst>
+  </p:cSld>
+  <p:clrMapOvr>
+    <a:masterClrMapping/>
+  </p:clrMapOvr>
+</p:sld>
+</file>
+
+<file path=ppt/slides/slide18.xml><?xml version="1.0" encoding="utf-8"?>
+<p:sld xmlns:a="http://schemas.openxmlformats.org/drawingml/2006/main" xmlns:r="http://schemas.openxmlformats.org/officeDocument/2006/relationships" xmlns:p="http://schemas.openxmlformats.org/presentationml/2006/main">
+  <p:cSld>
+    <p:spTree>
+      <p:nvGrpSpPr>
+        <p:cNvPr id="1" name=""/>
+        <p:cNvGrpSpPr/>
+        <p:nvPr/>
+      </p:nvGrpSpPr>
+      <p:grpSpPr>
+        <a:xfrm>
+          <a:off x="0" y="0"/>
+          <a:ext cx="0" cy="0"/>
+          <a:chOff x="0" y="0"/>
+          <a:chExt cx="0" cy="0"/>
+        </a:xfrm>
+      </p:grpSpPr>
+      <p:sp>
+        <p:nvSpPr>
+          <p:cNvPr id="17" name="Titel 1">
+            <a:extLst>
+              <a:ext uri="{FF2B5EF4-FFF2-40B4-BE49-F238E27FC236}">
+                <a16:creationId xmlns:a16="http://schemas.microsoft.com/office/drawing/2014/main" id="{C097338E-B699-5A4C-B7CB-0BC815BB9BAE}"/>
+              </a:ext>
+            </a:extLst>
+          </p:cNvPr>
+          <p:cNvSpPr txBox="1">
+            <a:spLocks/>
+          </p:cNvSpPr>
+          <p:nvPr/>
+        </p:nvSpPr>
+        <p:spPr>
+          <a:xfrm>
+            <a:off x="701646" y="421745"/>
+            <a:ext cx="10404319" cy="755650"/>
+          </a:xfrm>
+          <a:prstGeom prst="rect">
+            <a:avLst/>
+          </a:prstGeom>
+        </p:spPr>
+        <p:txBody>
+          <a:bodyPr vert="horz" lIns="91440" tIns="45720" rIns="91440" bIns="45720" rtlCol="0" anchor="b">
+            <a:normAutofit/>
+          </a:bodyPr>
+          <a:lstStyle>
+            <a:lvl1pPr algn="ctr" defTabSz="914400" rtl="0" eaLnBrk="1" latinLnBrk="0" hangingPunct="1">
+              <a:lnSpc>
+                <a:spcPct val="90000"/>
+              </a:lnSpc>
+              <a:spcBef>
+                <a:spcPct val="0"/>
+              </a:spcBef>
+              <a:buNone/>
+              <a:defRPr sz="6000" b="1" kern="1200" cap="all" spc="1500" baseline="0">
+                <a:solidFill>
+                  <a:schemeClr val="tx1"/>
+                </a:solidFill>
+                <a:latin typeface="+mj-lt"/>
+                <a:ea typeface="Source Sans Pro SemiBold" panose="020B0603030403020204" pitchFamily="34" charset="0"/>
+                <a:cs typeface="+mj-cs"/>
+              </a:defRPr>
+            </a:lvl1pPr>
+          </a:lstStyle>
+          <a:p>
+            <a:pPr algn="l"/>
+            <a:r>
+              <a:rPr lang="de-DE" sz="4000" dirty="0"/>
+              <a:t>TRAIN DATA</a:t>
+            </a:r>
+          </a:p>
+        </p:txBody>
+      </p:sp>
+      <p:pic>
+        <p:nvPicPr>
+          <p:cNvPr id="19" name="Grafik 18">
+            <a:extLst>
+              <a:ext uri="{FF2B5EF4-FFF2-40B4-BE49-F238E27FC236}">
+                <a16:creationId xmlns:a16="http://schemas.microsoft.com/office/drawing/2014/main" id="{E4134132-07F4-CE4E-8CFB-481DD6B7858E}"/>
+              </a:ext>
+            </a:extLst>
+          </p:cNvPr>
+          <p:cNvPicPr>
+            <a:picLocks noChangeAspect="1"/>
+          </p:cNvPicPr>
+          <p:nvPr/>
+        </p:nvPicPr>
+        <p:blipFill>
+          <a:blip r:embed="rId3">
+            <a:extLst>
+              <a:ext uri="{96DAC541-7B7A-43D3-8B79-37D633B846F1}">
+                <asvg:svgBlip xmlns:asvg="http://schemas.microsoft.com/office/drawing/2016/SVG/main" r:embed="rId4"/>
+              </a:ext>
+            </a:extLst>
+          </a:blip>
+          <a:stretch>
+            <a:fillRect/>
+          </a:stretch>
+        </p:blipFill>
+        <p:spPr>
+          <a:xfrm>
+            <a:off x="701647" y="1177395"/>
+            <a:ext cx="1318439" cy="1318439"/>
+          </a:xfrm>
+          <a:prstGeom prst="rect">
+            <a:avLst/>
+          </a:prstGeom>
+        </p:spPr>
+      </p:pic>
+      <p:sp>
+        <p:nvSpPr>
+          <p:cNvPr id="20" name="Untertitel 2">
+            <a:extLst>
+              <a:ext uri="{FF2B5EF4-FFF2-40B4-BE49-F238E27FC236}">
+                <a16:creationId xmlns:a16="http://schemas.microsoft.com/office/drawing/2014/main" id="{4932DBFA-E34D-C143-A7FC-61D0021E9B92}"/>
+              </a:ext>
+            </a:extLst>
+          </p:cNvPr>
+          <p:cNvSpPr txBox="1">
+            <a:spLocks/>
+          </p:cNvSpPr>
+          <p:nvPr/>
+        </p:nvSpPr>
+        <p:spPr>
+          <a:xfrm>
+            <a:off x="2020085" y="1550725"/>
+            <a:ext cx="10078619" cy="638900"/>
+          </a:xfrm>
+          <a:prstGeom prst="rect">
+            <a:avLst/>
+          </a:prstGeom>
+        </p:spPr>
+        <p:txBody>
+          <a:bodyPr vert="horz" lIns="91440" tIns="45720" rIns="91440" bIns="45720" rtlCol="0">
+            <a:normAutofit fontScale="77500" lnSpcReduction="20000"/>
+          </a:bodyPr>
+          <a:lstStyle>
+            <a:lvl1pPr marL="0" indent="0" algn="ctr" defTabSz="914400" rtl="0" eaLnBrk="1" latinLnBrk="0" hangingPunct="1">
+              <a:lnSpc>
+                <a:spcPct val="90000"/>
+              </a:lnSpc>
+              <a:spcBef>
+                <a:spcPts val="1000"/>
+              </a:spcBef>
+              <a:buFont typeface="Arial" panose="020B0604020202020204" pitchFamily="34" charset="0"/>
+              <a:buNone/>
+              <a:defRPr sz="2400" kern="1200" cap="all" spc="400" baseline="0">
+                <a:solidFill>
+                  <a:schemeClr val="tx1"/>
+                </a:solidFill>
+                <a:latin typeface="+mn-lt"/>
+                <a:ea typeface="+mn-ea"/>
+                <a:cs typeface="+mn-cs"/>
+              </a:defRPr>
+            </a:lvl1pPr>
+            <a:lvl2pPr marL="457200" indent="0" algn="ctr" defTabSz="914400" rtl="0" eaLnBrk="1" latinLnBrk="0" hangingPunct="1">
+              <a:lnSpc>
+                <a:spcPct val="90000"/>
+              </a:lnSpc>
+              <a:spcBef>
+                <a:spcPts val="500"/>
+              </a:spcBef>
+              <a:buFont typeface="Arial" panose="020B0604020202020204" pitchFamily="34" charset="0"/>
+              <a:buNone/>
+              <a:defRPr sz="2000" kern="1200">
+                <a:solidFill>
+                  <a:schemeClr val="tx1"/>
+                </a:solidFill>
+                <a:latin typeface="+mn-lt"/>
+                <a:ea typeface="+mn-ea"/>
+                <a:cs typeface="+mn-cs"/>
+              </a:defRPr>
+            </a:lvl2pPr>
+            <a:lvl3pPr marL="914400" indent="0" algn="ctr" defTabSz="914400" rtl="0" eaLnBrk="1" latinLnBrk="0" hangingPunct="1">
+              <a:lnSpc>
+                <a:spcPct val="90000"/>
+              </a:lnSpc>
+              <a:spcBef>
+                <a:spcPts val="500"/>
+              </a:spcBef>
+              <a:buFont typeface="Arial" panose="020B0604020202020204" pitchFamily="34" charset="0"/>
+              <a:buNone/>
+              <a:defRPr sz="1800" kern="1200">
+                <a:solidFill>
+                  <a:schemeClr val="tx1"/>
+                </a:solidFill>
+                <a:latin typeface="+mn-lt"/>
+                <a:ea typeface="+mn-ea"/>
+                <a:cs typeface="+mn-cs"/>
+              </a:defRPr>
+            </a:lvl3pPr>
+            <a:lvl4pPr marL="1371600" indent="0" algn="ctr" defTabSz="914400" rtl="0" eaLnBrk="1" latinLnBrk="0" hangingPunct="1">
+              <a:lnSpc>
+                <a:spcPct val="90000"/>
+              </a:lnSpc>
+              <a:spcBef>
+                <a:spcPts val="500"/>
+              </a:spcBef>
+              <a:buFont typeface="Arial" panose="020B0604020202020204" pitchFamily="34" charset="0"/>
+              <a:buNone/>
+              <a:defRPr sz="1600" kern="1200">
+                <a:solidFill>
+                  <a:schemeClr val="tx1"/>
+                </a:solidFill>
+                <a:latin typeface="+mn-lt"/>
+                <a:ea typeface="+mn-ea"/>
+                <a:cs typeface="+mn-cs"/>
+              </a:defRPr>
+            </a:lvl4pPr>
+            <a:lvl5pPr marL="1828800" indent="0" algn="ctr" defTabSz="914400" rtl="0" eaLnBrk="1" latinLnBrk="0" hangingPunct="1">
+              <a:lnSpc>
+                <a:spcPct val="90000"/>
+              </a:lnSpc>
+              <a:spcBef>
+                <a:spcPts val="500"/>
+              </a:spcBef>
+              <a:buFont typeface="Arial" panose="020B0604020202020204" pitchFamily="34" charset="0"/>
+              <a:buNone/>
+              <a:defRPr sz="1600" kern="1200">
+                <a:solidFill>
+                  <a:schemeClr val="tx1"/>
+                </a:solidFill>
+                <a:latin typeface="+mn-lt"/>
+                <a:ea typeface="+mn-ea"/>
+                <a:cs typeface="+mn-cs"/>
+              </a:defRPr>
+            </a:lvl5pPr>
+            <a:lvl6pPr marL="2286000" indent="0" algn="ctr" defTabSz="914400" rtl="0" eaLnBrk="1" latinLnBrk="0" hangingPunct="1">
+              <a:lnSpc>
+                <a:spcPct val="90000"/>
+              </a:lnSpc>
+              <a:spcBef>
+                <a:spcPts val="500"/>
+              </a:spcBef>
+              <a:buFont typeface="Arial" panose="020B0604020202020204" pitchFamily="34" charset="0"/>
+              <a:buNone/>
+              <a:defRPr sz="1600" kern="1200">
+                <a:solidFill>
+                  <a:schemeClr val="tx1"/>
+                </a:solidFill>
+                <a:latin typeface="+mn-lt"/>
+                <a:ea typeface="+mn-ea"/>
+                <a:cs typeface="+mn-cs"/>
+              </a:defRPr>
+            </a:lvl6pPr>
+            <a:lvl7pPr marL="2743200" indent="0" algn="ctr" defTabSz="914400" rtl="0" eaLnBrk="1" latinLnBrk="0" hangingPunct="1">
+              <a:lnSpc>
+                <a:spcPct val="90000"/>
+              </a:lnSpc>
+              <a:spcBef>
+                <a:spcPts val="500"/>
+              </a:spcBef>
+              <a:buFont typeface="Arial" panose="020B0604020202020204" pitchFamily="34" charset="0"/>
+              <a:buNone/>
+              <a:defRPr sz="1600" kern="1200">
+                <a:solidFill>
+                  <a:schemeClr val="tx1"/>
+                </a:solidFill>
+                <a:latin typeface="+mn-lt"/>
+                <a:ea typeface="+mn-ea"/>
+                <a:cs typeface="+mn-cs"/>
+              </a:defRPr>
+            </a:lvl7pPr>
+            <a:lvl8pPr marL="3200400" indent="0" algn="ctr" defTabSz="914400" rtl="0" eaLnBrk="1" latinLnBrk="0" hangingPunct="1">
+              <a:lnSpc>
+                <a:spcPct val="90000"/>
+              </a:lnSpc>
+              <a:spcBef>
+                <a:spcPts val="500"/>
+              </a:spcBef>
+              <a:buFont typeface="Arial" panose="020B0604020202020204" pitchFamily="34" charset="0"/>
+              <a:buNone/>
+              <a:defRPr sz="1600" kern="1200">
+                <a:solidFill>
+                  <a:schemeClr val="tx1"/>
+                </a:solidFill>
+                <a:latin typeface="+mn-lt"/>
+                <a:ea typeface="+mn-ea"/>
+                <a:cs typeface="+mn-cs"/>
+              </a:defRPr>
+            </a:lvl8pPr>
+            <a:lvl9pPr marL="3657600" indent="0" algn="ctr" defTabSz="914400" rtl="0" eaLnBrk="1" latinLnBrk="0" hangingPunct="1">
+              <a:lnSpc>
+                <a:spcPct val="90000"/>
+              </a:lnSpc>
+              <a:spcBef>
+                <a:spcPts val="500"/>
+              </a:spcBef>
+              <a:buFont typeface="Arial" panose="020B0604020202020204" pitchFamily="34" charset="0"/>
+              <a:buNone/>
+              <a:defRPr sz="1600" kern="1200">
+                <a:solidFill>
+                  <a:schemeClr val="tx1"/>
+                </a:solidFill>
+                <a:latin typeface="+mn-lt"/>
+                <a:ea typeface="+mn-ea"/>
+                <a:cs typeface="+mn-cs"/>
+              </a:defRPr>
+            </a:lvl9pPr>
+          </a:lstStyle>
+          <a:p>
+            <a:pPr algn="l"/>
+            <a:r>
+              <a:rPr lang="de-DE" sz="3100" dirty="0">
+                <a:solidFill>
+                  <a:srgbClr val="65BCAA"/>
+                </a:solidFill>
+              </a:rPr>
+              <a:t>DB </a:t>
+            </a:r>
+            <a:r>
+              <a:rPr lang="de-DE" sz="3100" dirty="0"/>
+              <a:t>API</a:t>
+            </a:r>
+          </a:p>
+          <a:p>
+            <a:pPr algn="l"/>
+            <a:r>
+              <a:rPr lang="de-DE" sz="1800" dirty="0"/>
+              <a:t>[</a:t>
+            </a:r>
+            <a:r>
+              <a:rPr lang="de-DE" sz="1800" b="1" dirty="0">
+                <a:solidFill>
+                  <a:schemeClr val="tx2">
+                    <a:lumMod val="50000"/>
+                  </a:schemeClr>
+                </a:solidFill>
+              </a:rPr>
+              <a:t>DEPARTURE TABLE</a:t>
+            </a:r>
+            <a:r>
+              <a:rPr lang="de-DE" sz="1800" dirty="0"/>
+              <a:t>]</a:t>
+            </a:r>
+          </a:p>
+          <a:p>
+            <a:pPr algn="l"/>
+            <a:endParaRPr lang="de-DE" sz="3100" dirty="0"/>
+          </a:p>
+          <a:p>
+            <a:pPr algn="r"/>
+            <a:endParaRPr lang="de-DE" dirty="0"/>
+          </a:p>
+        </p:txBody>
+      </p:sp>
+      <p:pic>
+        <p:nvPicPr>
+          <p:cNvPr id="6" name="Grafik 5" descr="Ein Bild, das Tisch enthält.&#10;&#10;Automatisch generierte Beschreibung">
+            <a:extLst>
+              <a:ext uri="{FF2B5EF4-FFF2-40B4-BE49-F238E27FC236}">
+                <a16:creationId xmlns:a16="http://schemas.microsoft.com/office/drawing/2014/main" id="{D603E9E3-9C61-8247-89B9-CFC54F27487A}"/>
+              </a:ext>
+            </a:extLst>
+          </p:cNvPr>
+          <p:cNvPicPr>
+            <a:picLocks noChangeAspect="1"/>
+          </p:cNvPicPr>
+          <p:nvPr/>
+        </p:nvPicPr>
+        <p:blipFill>
+          <a:blip r:embed="rId5"/>
+          <a:stretch>
+            <a:fillRect/>
+          </a:stretch>
+        </p:blipFill>
+        <p:spPr>
+          <a:xfrm>
+            <a:off x="2309705" y="2562955"/>
+            <a:ext cx="7188200" cy="3162300"/>
+          </a:xfrm>
+          <a:prstGeom prst="rect">
+            <a:avLst/>
+          </a:prstGeom>
+        </p:spPr>
+      </p:pic>
+    </p:spTree>
+    <p:extLst>
+      <p:ext uri="{BB962C8B-B14F-4D97-AF65-F5344CB8AC3E}">
+        <p14:creationId xmlns:p14="http://schemas.microsoft.com/office/powerpoint/2010/main" val="4066189521"/>
+      </p:ext>
+    </p:extLst>
+  </p:cSld>
+  <p:clrMapOvr>
+    <a:masterClrMapping/>
+  </p:clrMapOvr>
+</p:sld>
+</file>
+
+<file path=ppt/slides/slide19.xml><?xml version="1.0" encoding="utf-8"?>
+<p:sld xmlns:a="http://schemas.openxmlformats.org/drawingml/2006/main" xmlns:r="http://schemas.openxmlformats.org/officeDocument/2006/relationships" xmlns:p="http://schemas.openxmlformats.org/presentationml/2006/main">
+  <p:cSld>
+    <p:spTree>
+      <p:nvGrpSpPr>
+        <p:cNvPr id="1" name=""/>
+        <p:cNvGrpSpPr/>
+        <p:nvPr/>
+      </p:nvGrpSpPr>
+      <p:grpSpPr>
+        <a:xfrm>
+          <a:off x="0" y="0"/>
+          <a:ext cx="0" cy="0"/>
+          <a:chOff x="0" y="0"/>
+          <a:chExt cx="0" cy="0"/>
+        </a:xfrm>
+      </p:grpSpPr>
+      <p:sp>
+        <p:nvSpPr>
+          <p:cNvPr id="17" name="Titel 1">
+            <a:extLst>
+              <a:ext uri="{FF2B5EF4-FFF2-40B4-BE49-F238E27FC236}">
+                <a16:creationId xmlns:a16="http://schemas.microsoft.com/office/drawing/2014/main" id="{C097338E-B699-5A4C-B7CB-0BC815BB9BAE}"/>
+              </a:ext>
+            </a:extLst>
+          </p:cNvPr>
+          <p:cNvSpPr txBox="1">
+            <a:spLocks/>
+          </p:cNvSpPr>
+          <p:nvPr/>
+        </p:nvSpPr>
+        <p:spPr>
+          <a:xfrm>
+            <a:off x="701646" y="421745"/>
+            <a:ext cx="10404319" cy="755650"/>
+          </a:xfrm>
+          <a:prstGeom prst="rect">
+            <a:avLst/>
+          </a:prstGeom>
+        </p:spPr>
+        <p:txBody>
+          <a:bodyPr vert="horz" lIns="91440" tIns="45720" rIns="91440" bIns="45720" rtlCol="0" anchor="b">
+            <a:normAutofit/>
+          </a:bodyPr>
+          <a:lstStyle>
+            <a:lvl1pPr algn="ctr" defTabSz="914400" rtl="0" eaLnBrk="1" latinLnBrk="0" hangingPunct="1">
+              <a:lnSpc>
+                <a:spcPct val="90000"/>
+              </a:lnSpc>
+              <a:spcBef>
+                <a:spcPct val="0"/>
+              </a:spcBef>
+              <a:buNone/>
+              <a:defRPr sz="6000" b="1" kern="1200" cap="all" spc="1500" baseline="0">
+                <a:solidFill>
+                  <a:schemeClr val="tx1"/>
+                </a:solidFill>
+                <a:latin typeface="+mj-lt"/>
+                <a:ea typeface="Source Sans Pro SemiBold" panose="020B0603030403020204" pitchFamily="34" charset="0"/>
+                <a:cs typeface="+mj-cs"/>
+              </a:defRPr>
+            </a:lvl1pPr>
+          </a:lstStyle>
+          <a:p>
+            <a:pPr algn="l"/>
+            <a:r>
+              <a:rPr lang="de-DE" sz="4000" dirty="0"/>
+              <a:t>VISUALISATION</a:t>
+            </a:r>
+          </a:p>
+        </p:txBody>
+      </p:sp>
+      <p:pic>
+        <p:nvPicPr>
+          <p:cNvPr id="3" name="Grafik 2" descr="Ein Bild, das Karte enthält.&#10;&#10;Automatisch generierte Beschreibung">
+            <a:extLst>
+              <a:ext uri="{FF2B5EF4-FFF2-40B4-BE49-F238E27FC236}">
+                <a16:creationId xmlns:a16="http://schemas.microsoft.com/office/drawing/2014/main" id="{396CE946-1C9E-7D46-AAEB-A7424D0C14B0}"/>
+              </a:ext>
+            </a:extLst>
+          </p:cNvPr>
+          <p:cNvPicPr>
+            <a:picLocks noChangeAspect="1"/>
+          </p:cNvPicPr>
+          <p:nvPr/>
+        </p:nvPicPr>
+        <p:blipFill>
+          <a:blip r:embed="rId3"/>
+          <a:stretch>
+            <a:fillRect/>
+          </a:stretch>
+        </p:blipFill>
+        <p:spPr>
+          <a:xfrm>
+            <a:off x="701646" y="1177395"/>
+            <a:ext cx="7026196" cy="5339479"/>
+          </a:xfrm>
+          <a:prstGeom prst="rect">
+            <a:avLst/>
+          </a:prstGeom>
+        </p:spPr>
+      </p:pic>
+      <p:sp>
+        <p:nvSpPr>
+          <p:cNvPr id="8" name="Untertitel 2">
+            <a:extLst>
+              <a:ext uri="{FF2B5EF4-FFF2-40B4-BE49-F238E27FC236}">
+                <a16:creationId xmlns:a16="http://schemas.microsoft.com/office/drawing/2014/main" id="{1C2599DF-612E-5648-BFAA-3CAE3F0E4E79}"/>
+              </a:ext>
+            </a:extLst>
+          </p:cNvPr>
+          <p:cNvSpPr txBox="1">
+            <a:spLocks/>
+          </p:cNvSpPr>
+          <p:nvPr/>
+        </p:nvSpPr>
+        <p:spPr>
+          <a:xfrm>
+            <a:off x="8026780" y="1347543"/>
+            <a:ext cx="3940445" cy="4481756"/>
           </a:xfrm>
           <a:prstGeom prst="rect">
             <a:avLst/>
@@ -15818,22 +17454,80 @@
             </a:lvl9pPr>
           </a:lstStyle>
           <a:p>
-            <a:pPr algn="r"/>
-            <a:r>
-              <a:rPr lang="de-DE" sz="1400" dirty="0"/>
-              <a:t>RISK_FACTOR = 10%</a:t>
-            </a:r>
-          </a:p>
-          <a:p>
-            <a:pPr algn="r"/>
-            <a:endParaRPr lang="de-DE" dirty="0"/>
+            <a:pPr marL="457200" indent="-457200" algn="l">
+              <a:buFont typeface="Arial" panose="020B0604020202020204" pitchFamily="34" charset="0"/>
+              <a:buChar char="•"/>
+            </a:pPr>
+            <a:r>
+              <a:rPr lang="de-DE" sz="3100" dirty="0"/>
+              <a:t>TS + </a:t>
+            </a:r>
+            <a:r>
+              <a:rPr lang="de-DE" sz="3100" dirty="0" err="1"/>
+              <a:t>NodeJS</a:t>
+            </a:r>
+            <a:r>
+              <a:rPr lang="de-DE" sz="3100" dirty="0"/>
+              <a:t> BACKEND</a:t>
+            </a:r>
+          </a:p>
+          <a:p>
+            <a:pPr marL="457200" indent="-457200" algn="l">
+              <a:buFont typeface="Arial" panose="020B0604020202020204" pitchFamily="34" charset="0"/>
+              <a:buChar char="•"/>
+            </a:pPr>
+            <a:r>
+              <a:rPr lang="de-DE" sz="3100" dirty="0"/>
+              <a:t>D3 </a:t>
+            </a:r>
+            <a:r>
+              <a:rPr lang="de-DE" sz="3100" dirty="0" err="1"/>
+              <a:t>Map</a:t>
+            </a:r>
+            <a:r>
+              <a:rPr lang="de-DE" sz="3100" dirty="0"/>
+              <a:t> </a:t>
+            </a:r>
+            <a:r>
+              <a:rPr lang="de-DE" sz="3100" dirty="0" err="1"/>
+              <a:t>rendering</a:t>
+            </a:r>
+            <a:endParaRPr lang="de-DE" sz="3100" dirty="0"/>
+          </a:p>
+          <a:p>
+            <a:pPr marL="457200" indent="-457200" algn="l">
+              <a:buFont typeface="Arial" panose="020B0604020202020204" pitchFamily="34" charset="0"/>
+              <a:buChar char="•"/>
+            </a:pPr>
+            <a:r>
+              <a:rPr lang="de-DE" sz="3100" dirty="0" err="1"/>
+              <a:t>WebsockeTS</a:t>
+            </a:r>
+            <a:r>
+              <a:rPr lang="de-DE" sz="3100" dirty="0"/>
+              <a:t> FOR REALTIME UPDATES</a:t>
+            </a:r>
+          </a:p>
+          <a:p>
+            <a:pPr marL="457200" indent="-457200" algn="l">
+              <a:buFont typeface="Arial" panose="020B0604020202020204" pitchFamily="34" charset="0"/>
+              <a:buChar char="•"/>
+            </a:pPr>
+            <a:endParaRPr lang="de-DE" sz="3100" dirty="0"/>
+          </a:p>
+          <a:p>
+            <a:pPr marL="457200" indent="-457200" algn="l">
+              <a:buFont typeface="Arial" panose="020B0604020202020204" pitchFamily="34" charset="0"/>
+              <a:buChar char="•"/>
+            </a:pPr>
+            <a:endParaRPr lang="de-DE" sz="3100" dirty="0"/>
           </a:p>
         </p:txBody>
       </p:sp>
     </p:spTree>
     <p:extLst>
       <p:ext uri="{BB962C8B-B14F-4D97-AF65-F5344CB8AC3E}">
-        <p14:creationId xmlns:p14="http://schemas.microsoft.com/office/powerpoint/2010/main" val="848745367"/>
+        <p14:creationId xmlns:p14="http://schemas.microsoft.com/office/powerpoint/2010/main" val="329039077"/>
       </p:ext>
     </p:extLst>
   </p:cSld>
@@ -15843,7 +17537,1943 @@
 </p:sld>
 </file>
 
-<file path=ppt/slides/slide13.xml><?xml version="1.0" encoding="utf-8"?>
+<file path=ppt/slides/slide2.xml><?xml version="1.0" encoding="utf-8"?>
+<p:sld xmlns:a="http://schemas.openxmlformats.org/drawingml/2006/main" xmlns:r="http://schemas.openxmlformats.org/officeDocument/2006/relationships" xmlns:p="http://schemas.openxmlformats.org/presentationml/2006/main">
+  <p:cSld>
+    <p:spTree>
+      <p:nvGrpSpPr>
+        <p:cNvPr id="1" name=""/>
+        <p:cNvGrpSpPr/>
+        <p:nvPr/>
+      </p:nvGrpSpPr>
+      <p:grpSpPr>
+        <a:xfrm>
+          <a:off x="0" y="0"/>
+          <a:ext cx="0" cy="0"/>
+          <a:chOff x="0" y="0"/>
+          <a:chExt cx="0" cy="0"/>
+        </a:xfrm>
+      </p:grpSpPr>
+      <p:sp>
+        <p:nvSpPr>
+          <p:cNvPr id="2" name="Titel 1">
+            <a:extLst>
+              <a:ext uri="{FF2B5EF4-FFF2-40B4-BE49-F238E27FC236}">
+                <a16:creationId xmlns:a16="http://schemas.microsoft.com/office/drawing/2014/main" id="{9B4A42E7-80B5-8244-B416-6C045A621A32}"/>
+              </a:ext>
+            </a:extLst>
+          </p:cNvPr>
+          <p:cNvSpPr>
+            <a:spLocks noGrp="1"/>
+          </p:cNvSpPr>
+          <p:nvPr>
+            <p:ph type="ctrTitle"/>
+          </p:nvPr>
+        </p:nvSpPr>
+        <p:spPr>
+          <a:xfrm>
+            <a:off x="-607796" y="-83373"/>
+            <a:ext cx="5472076" cy="1552968"/>
+          </a:xfrm>
+        </p:spPr>
+        <p:txBody>
+          <a:bodyPr>
+            <a:normAutofit/>
+          </a:bodyPr>
+          <a:lstStyle/>
+          <a:p>
+            <a:pPr algn="r"/>
+            <a:r>
+              <a:rPr lang="de-DE" sz="4000" dirty="0"/>
+              <a:t>RESEARCH QUESTION</a:t>
+            </a:r>
+          </a:p>
+        </p:txBody>
+      </p:sp>
+      <p:sp>
+        <p:nvSpPr>
+          <p:cNvPr id="3" name="Untertitel 2">
+            <a:extLst>
+              <a:ext uri="{FF2B5EF4-FFF2-40B4-BE49-F238E27FC236}">
+                <a16:creationId xmlns:a16="http://schemas.microsoft.com/office/drawing/2014/main" id="{5034AE0D-A02C-7640-AA72-57FAC212F70D}"/>
+              </a:ext>
+            </a:extLst>
+          </p:cNvPr>
+          <p:cNvSpPr>
+            <a:spLocks noGrp="1"/>
+          </p:cNvSpPr>
+          <p:nvPr>
+            <p:ph type="subTitle" idx="1"/>
+          </p:nvPr>
+        </p:nvSpPr>
+        <p:spPr>
+          <a:xfrm>
+            <a:off x="5201024" y="951724"/>
+            <a:ext cx="7112090" cy="3669908"/>
+          </a:xfrm>
+        </p:spPr>
+        <p:txBody>
+          <a:bodyPr>
+            <a:normAutofit/>
+          </a:bodyPr>
+          <a:lstStyle/>
+          <a:p>
+            <a:pPr algn="l"/>
+            <a:r>
+              <a:rPr lang="de-DE" sz="3200" dirty="0" err="1"/>
+              <a:t>Is</a:t>
+            </a:r>
+            <a:r>
+              <a:rPr lang="de-DE" sz="3200" dirty="0"/>
+              <a:t> </a:t>
+            </a:r>
+            <a:r>
+              <a:rPr lang="de-DE" sz="3200" dirty="0" err="1"/>
+              <a:t>it</a:t>
+            </a:r>
+            <a:r>
+              <a:rPr lang="de-DE" sz="3200" dirty="0"/>
+              <a:t> </a:t>
+            </a:r>
+            <a:r>
+              <a:rPr lang="de-DE" sz="3200" dirty="0" err="1"/>
+              <a:t>possible</a:t>
+            </a:r>
+            <a:r>
+              <a:rPr lang="de-DE" sz="3200" dirty="0"/>
+              <a:t> </a:t>
+            </a:r>
+            <a:r>
+              <a:rPr lang="de-DE" sz="3200" dirty="0" err="1"/>
+              <a:t>to</a:t>
+            </a:r>
+            <a:r>
+              <a:rPr lang="de-DE" sz="3200" dirty="0"/>
+              <a:t> </a:t>
+            </a:r>
+            <a:r>
+              <a:rPr lang="de-DE" sz="3200" dirty="0" err="1"/>
+              <a:t>identify</a:t>
+            </a:r>
+            <a:r>
+              <a:rPr lang="de-DE" sz="3200" dirty="0"/>
+              <a:t> </a:t>
+            </a:r>
+            <a:r>
+              <a:rPr lang="de-DE" sz="3200" dirty="0" err="1"/>
+              <a:t>Covid</a:t>
+            </a:r>
+            <a:r>
+              <a:rPr lang="de-DE" sz="3200" dirty="0"/>
+              <a:t> </a:t>
+            </a:r>
+            <a:r>
+              <a:rPr lang="de-DE" sz="3200" dirty="0" err="1"/>
+              <a:t>SpreadS</a:t>
+            </a:r>
+            <a:r>
+              <a:rPr lang="de-DE" sz="3200" dirty="0"/>
+              <a:t> Due </a:t>
+            </a:r>
+            <a:r>
+              <a:rPr lang="de-DE" sz="3200" dirty="0" err="1"/>
+              <a:t>to</a:t>
+            </a:r>
+            <a:endParaRPr lang="de-DE" sz="3200" dirty="0"/>
+          </a:p>
+          <a:p>
+            <a:pPr algn="l"/>
+            <a:r>
+              <a:rPr lang="de-DE" sz="3200" dirty="0" err="1">
+                <a:solidFill>
+                  <a:srgbClr val="65BCAA"/>
+                </a:solidFill>
+              </a:rPr>
+              <a:t>public</a:t>
+            </a:r>
+            <a:r>
+              <a:rPr lang="de-DE" sz="3200" dirty="0">
+                <a:solidFill>
+                  <a:srgbClr val="65BCAA"/>
+                </a:solidFill>
+              </a:rPr>
+              <a:t> </a:t>
+            </a:r>
+            <a:r>
+              <a:rPr lang="de-DE" sz="3200" dirty="0" err="1">
+                <a:solidFill>
+                  <a:srgbClr val="65BCAA"/>
+                </a:solidFill>
+              </a:rPr>
+              <a:t>transportation</a:t>
+            </a:r>
+            <a:r>
+              <a:rPr lang="de-DE" sz="3200" dirty="0">
+                <a:solidFill>
+                  <a:srgbClr val="65BCAA"/>
+                </a:solidFill>
+              </a:rPr>
+              <a:t> </a:t>
+            </a:r>
+            <a:r>
+              <a:rPr lang="de-DE" sz="3200" dirty="0"/>
+              <a:t>SERVICE?</a:t>
+            </a:r>
+            <a:r>
+              <a:rPr lang="de-DE" sz="3200" dirty="0">
+                <a:solidFill>
+                  <a:srgbClr val="65BCAA"/>
+                </a:solidFill>
+              </a:rPr>
+              <a:t>*</a:t>
+            </a:r>
+          </a:p>
+        </p:txBody>
+      </p:sp>
+      <p:pic>
+        <p:nvPicPr>
+          <p:cNvPr id="24" name="Grafik 23">
+            <a:extLst>
+              <a:ext uri="{FF2B5EF4-FFF2-40B4-BE49-F238E27FC236}">
+                <a16:creationId xmlns:a16="http://schemas.microsoft.com/office/drawing/2014/main" id="{9CC6FA83-9BCF-674F-B03D-2C8F41AF03E5}"/>
+              </a:ext>
+            </a:extLst>
+          </p:cNvPr>
+          <p:cNvPicPr>
+            <a:picLocks noChangeAspect="1"/>
+          </p:cNvPicPr>
+          <p:nvPr/>
+        </p:nvPicPr>
+        <p:blipFill>
+          <a:blip r:embed="rId3">
+            <a:extLst>
+              <a:ext uri="{96DAC541-7B7A-43D3-8B79-37D633B846F1}">
+                <asvg:svgBlip xmlns:asvg="http://schemas.microsoft.com/office/drawing/2016/SVG/main" r:embed="rId4"/>
+              </a:ext>
+            </a:extLst>
+          </a:blip>
+          <a:stretch>
+            <a:fillRect/>
+          </a:stretch>
+        </p:blipFill>
+        <p:spPr>
+          <a:xfrm>
+            <a:off x="-223287" y="693111"/>
+            <a:ext cx="8595846" cy="8595846"/>
+          </a:xfrm>
+          <a:prstGeom prst="rect">
+            <a:avLst/>
+          </a:prstGeom>
+        </p:spPr>
+      </p:pic>
+      <p:pic>
+        <p:nvPicPr>
+          <p:cNvPr id="25" name="Grafik 24">
+            <a:extLst>
+              <a:ext uri="{FF2B5EF4-FFF2-40B4-BE49-F238E27FC236}">
+                <a16:creationId xmlns:a16="http://schemas.microsoft.com/office/drawing/2014/main" id="{E0C6AFB4-1D37-C945-A25A-CDF5F9C9D4D1}"/>
+              </a:ext>
+            </a:extLst>
+          </p:cNvPr>
+          <p:cNvPicPr>
+            <a:picLocks noChangeAspect="1"/>
+          </p:cNvPicPr>
+          <p:nvPr/>
+        </p:nvPicPr>
+        <p:blipFill>
+          <a:blip r:embed="rId5">
+            <a:extLst>
+              <a:ext uri="{96DAC541-7B7A-43D3-8B79-37D633B846F1}">
+                <asvg:svgBlip xmlns:asvg="http://schemas.microsoft.com/office/drawing/2016/SVG/main" r:embed="rId6"/>
+              </a:ext>
+            </a:extLst>
+          </a:blip>
+          <a:stretch>
+            <a:fillRect/>
+          </a:stretch>
+        </p:blipFill>
+        <p:spPr>
+          <a:xfrm>
+            <a:off x="2827146" y="4454614"/>
+            <a:ext cx="334262" cy="334262"/>
+          </a:xfrm>
+          <a:prstGeom prst="rect">
+            <a:avLst/>
+          </a:prstGeom>
+        </p:spPr>
+      </p:pic>
+      <p:pic>
+        <p:nvPicPr>
+          <p:cNvPr id="26" name="Grafik 25">
+            <a:extLst>
+              <a:ext uri="{FF2B5EF4-FFF2-40B4-BE49-F238E27FC236}">
+                <a16:creationId xmlns:a16="http://schemas.microsoft.com/office/drawing/2014/main" id="{02EC1B2E-75DB-734F-B335-90AB2079B85F}"/>
+              </a:ext>
+            </a:extLst>
+          </p:cNvPr>
+          <p:cNvPicPr>
+            <a:picLocks noChangeAspect="1"/>
+          </p:cNvPicPr>
+          <p:nvPr/>
+        </p:nvPicPr>
+        <p:blipFill>
+          <a:blip r:embed="rId7">
+            <a:extLst>
+              <a:ext uri="{96DAC541-7B7A-43D3-8B79-37D633B846F1}">
+                <asvg:svgBlip xmlns:asvg="http://schemas.microsoft.com/office/drawing/2016/SVG/main" r:embed="rId8"/>
+              </a:ext>
+            </a:extLst>
+          </a:blip>
+          <a:stretch>
+            <a:fillRect/>
+          </a:stretch>
+        </p:blipFill>
+        <p:spPr>
+          <a:xfrm>
+            <a:off x="1093338" y="4451513"/>
+            <a:ext cx="334262" cy="334262"/>
+          </a:xfrm>
+          <a:prstGeom prst="rect">
+            <a:avLst/>
+          </a:prstGeom>
+        </p:spPr>
+      </p:pic>
+      <p:pic>
+        <p:nvPicPr>
+          <p:cNvPr id="27" name="Grafik 26">
+            <a:extLst>
+              <a:ext uri="{FF2B5EF4-FFF2-40B4-BE49-F238E27FC236}">
+                <a16:creationId xmlns:a16="http://schemas.microsoft.com/office/drawing/2014/main" id="{5A85486D-94CF-714E-AC77-F540DB2B849C}"/>
+              </a:ext>
+            </a:extLst>
+          </p:cNvPr>
+          <p:cNvPicPr>
+            <a:picLocks noChangeAspect="1"/>
+          </p:cNvPicPr>
+          <p:nvPr/>
+        </p:nvPicPr>
+        <p:blipFill>
+          <a:blip r:embed="rId9">
+            <a:extLst>
+              <a:ext uri="{96DAC541-7B7A-43D3-8B79-37D633B846F1}">
+                <asvg:svgBlip xmlns:asvg="http://schemas.microsoft.com/office/drawing/2016/SVG/main" r:embed="rId10"/>
+              </a:ext>
+            </a:extLst>
+          </a:blip>
+          <a:stretch>
+            <a:fillRect/>
+          </a:stretch>
+        </p:blipFill>
+        <p:spPr>
+          <a:xfrm>
+            <a:off x="1957782" y="4451513"/>
+            <a:ext cx="334262" cy="334262"/>
+          </a:xfrm>
+          <a:prstGeom prst="rect">
+            <a:avLst/>
+          </a:prstGeom>
+        </p:spPr>
+      </p:pic>
+      <p:pic>
+        <p:nvPicPr>
+          <p:cNvPr id="28" name="Grafik 27">
+            <a:extLst>
+              <a:ext uri="{FF2B5EF4-FFF2-40B4-BE49-F238E27FC236}">
+                <a16:creationId xmlns:a16="http://schemas.microsoft.com/office/drawing/2014/main" id="{423089A9-59F0-6149-B459-22E603FAA0FD}"/>
+              </a:ext>
+            </a:extLst>
+          </p:cNvPr>
+          <p:cNvPicPr>
+            <a:picLocks noChangeAspect="1"/>
+          </p:cNvPicPr>
+          <p:nvPr/>
+        </p:nvPicPr>
+        <p:blipFill>
+          <a:blip r:embed="rId5">
+            <a:extLst>
+              <a:ext uri="{96DAC541-7B7A-43D3-8B79-37D633B846F1}">
+                <asvg:svgBlip xmlns:asvg="http://schemas.microsoft.com/office/drawing/2016/SVG/main" r:embed="rId6"/>
+              </a:ext>
+            </a:extLst>
+          </a:blip>
+          <a:stretch>
+            <a:fillRect/>
+          </a:stretch>
+        </p:blipFill>
+        <p:spPr>
+          <a:xfrm>
+            <a:off x="238201" y="4451513"/>
+            <a:ext cx="334262" cy="334262"/>
+          </a:xfrm>
+          <a:prstGeom prst="rect">
+            <a:avLst/>
+          </a:prstGeom>
+        </p:spPr>
+      </p:pic>
+      <p:sp>
+        <p:nvSpPr>
+          <p:cNvPr id="9" name="Untertitel 2">
+            <a:extLst>
+              <a:ext uri="{FF2B5EF4-FFF2-40B4-BE49-F238E27FC236}">
+                <a16:creationId xmlns:a16="http://schemas.microsoft.com/office/drawing/2014/main" id="{4813740C-963A-F14E-B07A-F991B32FEA32}"/>
+              </a:ext>
+            </a:extLst>
+          </p:cNvPr>
+          <p:cNvSpPr txBox="1">
+            <a:spLocks/>
+          </p:cNvSpPr>
+          <p:nvPr/>
+        </p:nvSpPr>
+        <p:spPr>
+          <a:xfrm>
+            <a:off x="8234336" y="6459915"/>
+            <a:ext cx="2987748" cy="330253"/>
+          </a:xfrm>
+          <a:prstGeom prst="rect">
+            <a:avLst/>
+          </a:prstGeom>
+        </p:spPr>
+        <p:txBody>
+          <a:bodyPr vert="horz" lIns="91440" tIns="45720" rIns="91440" bIns="45720" rtlCol="0">
+            <a:normAutofit fontScale="40000" lnSpcReduction="20000"/>
+          </a:bodyPr>
+          <a:lstStyle>
+            <a:lvl1pPr marL="0" indent="0" algn="ctr" defTabSz="914400" rtl="0" eaLnBrk="1" latinLnBrk="0" hangingPunct="1">
+              <a:lnSpc>
+                <a:spcPct val="90000"/>
+              </a:lnSpc>
+              <a:spcBef>
+                <a:spcPts val="1000"/>
+              </a:spcBef>
+              <a:buFont typeface="Arial" panose="020B0604020202020204" pitchFamily="34" charset="0"/>
+              <a:buNone/>
+              <a:defRPr sz="2400" kern="1200" cap="all" spc="400" baseline="0">
+                <a:solidFill>
+                  <a:schemeClr val="tx1"/>
+                </a:solidFill>
+                <a:latin typeface="+mn-lt"/>
+                <a:ea typeface="+mn-ea"/>
+                <a:cs typeface="+mn-cs"/>
+              </a:defRPr>
+            </a:lvl1pPr>
+            <a:lvl2pPr marL="457200" indent="0" algn="ctr" defTabSz="914400" rtl="0" eaLnBrk="1" latinLnBrk="0" hangingPunct="1">
+              <a:lnSpc>
+                <a:spcPct val="90000"/>
+              </a:lnSpc>
+              <a:spcBef>
+                <a:spcPts val="500"/>
+              </a:spcBef>
+              <a:buFont typeface="Arial" panose="020B0604020202020204" pitchFamily="34" charset="0"/>
+              <a:buNone/>
+              <a:defRPr sz="2000" kern="1200">
+                <a:solidFill>
+                  <a:schemeClr val="tx1"/>
+                </a:solidFill>
+                <a:latin typeface="+mn-lt"/>
+                <a:ea typeface="+mn-ea"/>
+                <a:cs typeface="+mn-cs"/>
+              </a:defRPr>
+            </a:lvl2pPr>
+            <a:lvl3pPr marL="914400" indent="0" algn="ctr" defTabSz="914400" rtl="0" eaLnBrk="1" latinLnBrk="0" hangingPunct="1">
+              <a:lnSpc>
+                <a:spcPct val="90000"/>
+              </a:lnSpc>
+              <a:spcBef>
+                <a:spcPts val="500"/>
+              </a:spcBef>
+              <a:buFont typeface="Arial" panose="020B0604020202020204" pitchFamily="34" charset="0"/>
+              <a:buNone/>
+              <a:defRPr sz="1800" kern="1200">
+                <a:solidFill>
+                  <a:schemeClr val="tx1"/>
+                </a:solidFill>
+                <a:latin typeface="+mn-lt"/>
+                <a:ea typeface="+mn-ea"/>
+                <a:cs typeface="+mn-cs"/>
+              </a:defRPr>
+            </a:lvl3pPr>
+            <a:lvl4pPr marL="1371600" indent="0" algn="ctr" defTabSz="914400" rtl="0" eaLnBrk="1" latinLnBrk="0" hangingPunct="1">
+              <a:lnSpc>
+                <a:spcPct val="90000"/>
+              </a:lnSpc>
+              <a:spcBef>
+                <a:spcPts val="500"/>
+              </a:spcBef>
+              <a:buFont typeface="Arial" panose="020B0604020202020204" pitchFamily="34" charset="0"/>
+              <a:buNone/>
+              <a:defRPr sz="1600" kern="1200">
+                <a:solidFill>
+                  <a:schemeClr val="tx1"/>
+                </a:solidFill>
+                <a:latin typeface="+mn-lt"/>
+                <a:ea typeface="+mn-ea"/>
+                <a:cs typeface="+mn-cs"/>
+              </a:defRPr>
+            </a:lvl4pPr>
+            <a:lvl5pPr marL="1828800" indent="0" algn="ctr" defTabSz="914400" rtl="0" eaLnBrk="1" latinLnBrk="0" hangingPunct="1">
+              <a:lnSpc>
+                <a:spcPct val="90000"/>
+              </a:lnSpc>
+              <a:spcBef>
+                <a:spcPts val="500"/>
+              </a:spcBef>
+              <a:buFont typeface="Arial" panose="020B0604020202020204" pitchFamily="34" charset="0"/>
+              <a:buNone/>
+              <a:defRPr sz="1600" kern="1200">
+                <a:solidFill>
+                  <a:schemeClr val="tx1"/>
+                </a:solidFill>
+                <a:latin typeface="+mn-lt"/>
+                <a:ea typeface="+mn-ea"/>
+                <a:cs typeface="+mn-cs"/>
+              </a:defRPr>
+            </a:lvl5pPr>
+            <a:lvl6pPr marL="2286000" indent="0" algn="ctr" defTabSz="914400" rtl="0" eaLnBrk="1" latinLnBrk="0" hangingPunct="1">
+              <a:lnSpc>
+                <a:spcPct val="90000"/>
+              </a:lnSpc>
+              <a:spcBef>
+                <a:spcPts val="500"/>
+              </a:spcBef>
+              <a:buFont typeface="Arial" panose="020B0604020202020204" pitchFamily="34" charset="0"/>
+              <a:buNone/>
+              <a:defRPr sz="1600" kern="1200">
+                <a:solidFill>
+                  <a:schemeClr val="tx1"/>
+                </a:solidFill>
+                <a:latin typeface="+mn-lt"/>
+                <a:ea typeface="+mn-ea"/>
+                <a:cs typeface="+mn-cs"/>
+              </a:defRPr>
+            </a:lvl6pPr>
+            <a:lvl7pPr marL="2743200" indent="0" algn="ctr" defTabSz="914400" rtl="0" eaLnBrk="1" latinLnBrk="0" hangingPunct="1">
+              <a:lnSpc>
+                <a:spcPct val="90000"/>
+              </a:lnSpc>
+              <a:spcBef>
+                <a:spcPts val="500"/>
+              </a:spcBef>
+              <a:buFont typeface="Arial" panose="020B0604020202020204" pitchFamily="34" charset="0"/>
+              <a:buNone/>
+              <a:defRPr sz="1600" kern="1200">
+                <a:solidFill>
+                  <a:schemeClr val="tx1"/>
+                </a:solidFill>
+                <a:latin typeface="+mn-lt"/>
+                <a:ea typeface="+mn-ea"/>
+                <a:cs typeface="+mn-cs"/>
+              </a:defRPr>
+            </a:lvl7pPr>
+            <a:lvl8pPr marL="3200400" indent="0" algn="ctr" defTabSz="914400" rtl="0" eaLnBrk="1" latinLnBrk="0" hangingPunct="1">
+              <a:lnSpc>
+                <a:spcPct val="90000"/>
+              </a:lnSpc>
+              <a:spcBef>
+                <a:spcPts val="500"/>
+              </a:spcBef>
+              <a:buFont typeface="Arial" panose="020B0604020202020204" pitchFamily="34" charset="0"/>
+              <a:buNone/>
+              <a:defRPr sz="1600" kern="1200">
+                <a:solidFill>
+                  <a:schemeClr val="tx1"/>
+                </a:solidFill>
+                <a:latin typeface="+mn-lt"/>
+                <a:ea typeface="+mn-ea"/>
+                <a:cs typeface="+mn-cs"/>
+              </a:defRPr>
+            </a:lvl8pPr>
+            <a:lvl9pPr marL="3657600" indent="0" algn="ctr" defTabSz="914400" rtl="0" eaLnBrk="1" latinLnBrk="0" hangingPunct="1">
+              <a:lnSpc>
+                <a:spcPct val="90000"/>
+              </a:lnSpc>
+              <a:spcBef>
+                <a:spcPts val="500"/>
+              </a:spcBef>
+              <a:buFont typeface="Arial" panose="020B0604020202020204" pitchFamily="34" charset="0"/>
+              <a:buNone/>
+              <a:defRPr sz="1600" kern="1200">
+                <a:solidFill>
+                  <a:schemeClr val="tx1"/>
+                </a:solidFill>
+                <a:latin typeface="+mn-lt"/>
+                <a:ea typeface="+mn-ea"/>
+                <a:cs typeface="+mn-cs"/>
+              </a:defRPr>
+            </a:lvl9pPr>
+          </a:lstStyle>
+          <a:p>
+            <a:pPr algn="r"/>
+            <a:r>
+              <a:rPr lang="de-DE" dirty="0">
+                <a:solidFill>
+                  <a:srgbClr val="65BCAA"/>
+                </a:solidFill>
+              </a:rPr>
+              <a:t>* ASSUMING 100% RAILWAY TRAFFIC [NO CARS,…]</a:t>
+            </a:r>
+            <a:endParaRPr lang="de-DE" dirty="0"/>
+          </a:p>
+        </p:txBody>
+      </p:sp>
+    </p:spTree>
+    <p:extLst>
+      <p:ext uri="{BB962C8B-B14F-4D97-AF65-F5344CB8AC3E}">
+        <p14:creationId xmlns:p14="http://schemas.microsoft.com/office/powerpoint/2010/main" val="3388164658"/>
+      </p:ext>
+    </p:extLst>
+  </p:cSld>
+  <p:clrMapOvr>
+    <a:masterClrMapping/>
+  </p:clrMapOvr>
+</p:sld>
+</file>
+
+<file path=ppt/slides/slide20.xml><?xml version="1.0" encoding="utf-8"?>
+<p:sld xmlns:a="http://schemas.openxmlformats.org/drawingml/2006/main" xmlns:r="http://schemas.openxmlformats.org/officeDocument/2006/relationships" xmlns:p="http://schemas.openxmlformats.org/presentationml/2006/main">
+  <p:cSld>
+    <p:spTree>
+      <p:nvGrpSpPr>
+        <p:cNvPr id="1" name=""/>
+        <p:cNvGrpSpPr/>
+        <p:nvPr/>
+      </p:nvGrpSpPr>
+      <p:grpSpPr>
+        <a:xfrm>
+          <a:off x="0" y="0"/>
+          <a:ext cx="0" cy="0"/>
+          <a:chOff x="0" y="0"/>
+          <a:chExt cx="0" cy="0"/>
+        </a:xfrm>
+      </p:grpSpPr>
+      <p:sp>
+        <p:nvSpPr>
+          <p:cNvPr id="17" name="Titel 1">
+            <a:extLst>
+              <a:ext uri="{FF2B5EF4-FFF2-40B4-BE49-F238E27FC236}">
+                <a16:creationId xmlns:a16="http://schemas.microsoft.com/office/drawing/2014/main" id="{C097338E-B699-5A4C-B7CB-0BC815BB9BAE}"/>
+              </a:ext>
+            </a:extLst>
+          </p:cNvPr>
+          <p:cNvSpPr txBox="1">
+            <a:spLocks/>
+          </p:cNvSpPr>
+          <p:nvPr/>
+        </p:nvSpPr>
+        <p:spPr>
+          <a:xfrm>
+            <a:off x="701647" y="-375573"/>
+            <a:ext cx="5039934" cy="1552968"/>
+          </a:xfrm>
+          <a:prstGeom prst="rect">
+            <a:avLst/>
+          </a:prstGeom>
+        </p:spPr>
+        <p:txBody>
+          <a:bodyPr vert="horz" lIns="91440" tIns="45720" rIns="91440" bIns="45720" rtlCol="0" anchor="b">
+            <a:normAutofit/>
+          </a:bodyPr>
+          <a:lstStyle>
+            <a:lvl1pPr algn="ctr" defTabSz="914400" rtl="0" eaLnBrk="1" latinLnBrk="0" hangingPunct="1">
+              <a:lnSpc>
+                <a:spcPct val="90000"/>
+              </a:lnSpc>
+              <a:spcBef>
+                <a:spcPct val="0"/>
+              </a:spcBef>
+              <a:buNone/>
+              <a:defRPr sz="6000" b="1" kern="1200" cap="all" spc="1500" baseline="0">
+                <a:solidFill>
+                  <a:schemeClr val="tx1"/>
+                </a:solidFill>
+                <a:latin typeface="+mj-lt"/>
+                <a:ea typeface="Source Sans Pro SemiBold" panose="020B0603030403020204" pitchFamily="34" charset="0"/>
+                <a:cs typeface="+mj-cs"/>
+              </a:defRPr>
+            </a:lvl1pPr>
+          </a:lstStyle>
+          <a:p>
+            <a:pPr algn="l"/>
+            <a:r>
+              <a:rPr lang="de-DE" sz="4000" dirty="0"/>
+              <a:t>TIMELINE</a:t>
+            </a:r>
+          </a:p>
+        </p:txBody>
+      </p:sp>
+      <p:pic>
+        <p:nvPicPr>
+          <p:cNvPr id="13" name="Grafik 12">
+            <a:extLst>
+              <a:ext uri="{FF2B5EF4-FFF2-40B4-BE49-F238E27FC236}">
+                <a16:creationId xmlns:a16="http://schemas.microsoft.com/office/drawing/2014/main" id="{8E156479-15F3-BA45-B481-AA7A62195D44}"/>
+              </a:ext>
+            </a:extLst>
+          </p:cNvPr>
+          <p:cNvPicPr>
+            <a:picLocks noChangeAspect="1"/>
+          </p:cNvPicPr>
+          <p:nvPr/>
+        </p:nvPicPr>
+        <p:blipFill rotWithShape="1">
+          <a:blip r:embed="rId3">
+            <a:extLst>
+              <a:ext uri="{96DAC541-7B7A-43D3-8B79-37D633B846F1}">
+                <asvg:svgBlip xmlns:asvg="http://schemas.microsoft.com/office/drawing/2016/SVG/main" r:embed="rId4"/>
+              </a:ext>
+            </a:extLst>
+          </a:blip>
+          <a:srcRect l="32179" b="31894"/>
+          <a:stretch/>
+        </p:blipFill>
+        <p:spPr>
+          <a:xfrm rot="2727718">
+            <a:off x="3468" y="4465630"/>
+            <a:ext cx="1357428" cy="1363143"/>
+          </a:xfrm>
+          <a:prstGeom prst="rect">
+            <a:avLst/>
+          </a:prstGeom>
+        </p:spPr>
+      </p:pic>
+      <p:pic>
+        <p:nvPicPr>
+          <p:cNvPr id="14" name="Grafik 13">
+            <a:extLst>
+              <a:ext uri="{FF2B5EF4-FFF2-40B4-BE49-F238E27FC236}">
+                <a16:creationId xmlns:a16="http://schemas.microsoft.com/office/drawing/2014/main" id="{49B47A12-4E15-A047-8FAC-96D6F922B08D}"/>
+              </a:ext>
+            </a:extLst>
+          </p:cNvPr>
+          <p:cNvPicPr>
+            <a:picLocks noChangeAspect="1"/>
+          </p:cNvPicPr>
+          <p:nvPr/>
+        </p:nvPicPr>
+        <p:blipFill rotWithShape="1">
+          <a:blip r:embed="rId3">
+            <a:extLst>
+              <a:ext uri="{96DAC541-7B7A-43D3-8B79-37D633B846F1}">
+                <asvg:svgBlip xmlns:asvg="http://schemas.microsoft.com/office/drawing/2016/SVG/main" r:embed="rId4"/>
+              </a:ext>
+            </a:extLst>
+          </a:blip>
+          <a:srcRect l="32179" b="31894"/>
+          <a:stretch/>
+        </p:blipFill>
+        <p:spPr>
+          <a:xfrm rot="13511814">
+            <a:off x="1127418" y="4481354"/>
+            <a:ext cx="1357428" cy="1363143"/>
+          </a:xfrm>
+          <a:prstGeom prst="rect">
+            <a:avLst/>
+          </a:prstGeom>
+        </p:spPr>
+      </p:pic>
+      <p:pic>
+        <p:nvPicPr>
+          <p:cNvPr id="15" name="Grafik 14">
+            <a:extLst>
+              <a:ext uri="{FF2B5EF4-FFF2-40B4-BE49-F238E27FC236}">
+                <a16:creationId xmlns:a16="http://schemas.microsoft.com/office/drawing/2014/main" id="{83BC0B69-ECCE-C549-A4A6-B36AD088A3C9}"/>
+              </a:ext>
+            </a:extLst>
+          </p:cNvPr>
+          <p:cNvPicPr>
+            <a:picLocks noChangeAspect="1"/>
+          </p:cNvPicPr>
+          <p:nvPr/>
+        </p:nvPicPr>
+        <p:blipFill rotWithShape="1">
+          <a:blip r:embed="rId3">
+            <a:extLst>
+              <a:ext uri="{96DAC541-7B7A-43D3-8B79-37D633B846F1}">
+                <asvg:svgBlip xmlns:asvg="http://schemas.microsoft.com/office/drawing/2016/SVG/main" r:embed="rId4"/>
+              </a:ext>
+            </a:extLst>
+          </a:blip>
+          <a:srcRect l="32179" b="31894"/>
+          <a:stretch/>
+        </p:blipFill>
+        <p:spPr>
+          <a:xfrm rot="2727718">
+            <a:off x="4175073" y="4481388"/>
+            <a:ext cx="1357428" cy="1363143"/>
+          </a:xfrm>
+          <a:prstGeom prst="rect">
+            <a:avLst/>
+          </a:prstGeom>
+        </p:spPr>
+      </p:pic>
+      <p:pic>
+        <p:nvPicPr>
+          <p:cNvPr id="16" name="Grafik 15">
+            <a:extLst>
+              <a:ext uri="{FF2B5EF4-FFF2-40B4-BE49-F238E27FC236}">
+                <a16:creationId xmlns:a16="http://schemas.microsoft.com/office/drawing/2014/main" id="{6EBA728D-1E9B-3949-BD84-721A21B0A0B5}"/>
+              </a:ext>
+            </a:extLst>
+          </p:cNvPr>
+          <p:cNvPicPr>
+            <a:picLocks noChangeAspect="1"/>
+          </p:cNvPicPr>
+          <p:nvPr/>
+        </p:nvPicPr>
+        <p:blipFill rotWithShape="1">
+          <a:blip r:embed="rId3">
+            <a:extLst>
+              <a:ext uri="{96DAC541-7B7A-43D3-8B79-37D633B846F1}">
+                <asvg:svgBlip xmlns:asvg="http://schemas.microsoft.com/office/drawing/2016/SVG/main" r:embed="rId4"/>
+              </a:ext>
+            </a:extLst>
+          </a:blip>
+          <a:srcRect l="32179" b="31894"/>
+          <a:stretch/>
+        </p:blipFill>
+        <p:spPr>
+          <a:xfrm rot="13511814">
+            <a:off x="-3860485" y="4481353"/>
+            <a:ext cx="1357428" cy="1363143"/>
+          </a:xfrm>
+          <a:prstGeom prst="rect">
+            <a:avLst/>
+          </a:prstGeom>
+        </p:spPr>
+      </p:pic>
+      <p:sp>
+        <p:nvSpPr>
+          <p:cNvPr id="21" name="Untertitel 2">
+            <a:extLst>
+              <a:ext uri="{FF2B5EF4-FFF2-40B4-BE49-F238E27FC236}">
+                <a16:creationId xmlns:a16="http://schemas.microsoft.com/office/drawing/2014/main" id="{98F31855-A399-614E-B056-B4DE294FA2AD}"/>
+              </a:ext>
+            </a:extLst>
+          </p:cNvPr>
+          <p:cNvSpPr>
+            <a:spLocks noGrp="1"/>
+          </p:cNvSpPr>
+          <p:nvPr>
+            <p:ph type="subTitle" idx="1"/>
+          </p:nvPr>
+        </p:nvSpPr>
+        <p:spPr>
+          <a:xfrm>
+            <a:off x="-5095434" y="5593471"/>
+            <a:ext cx="2054985" cy="347392"/>
+          </a:xfrm>
+        </p:spPr>
+        <p:txBody>
+          <a:bodyPr>
+            <a:normAutofit fontScale="92500" lnSpcReduction="20000"/>
+          </a:bodyPr>
+          <a:lstStyle/>
+          <a:p>
+            <a:pPr algn="r"/>
+            <a:r>
+              <a:rPr lang="de-DE" dirty="0">
+                <a:solidFill>
+                  <a:schemeClr val="tx2">
+                    <a:lumMod val="50000"/>
+                  </a:schemeClr>
+                </a:solidFill>
+              </a:rPr>
+              <a:t>INITIAL</a:t>
+            </a:r>
+          </a:p>
+          <a:p>
+            <a:pPr algn="r"/>
+            <a:endParaRPr lang="de-DE" dirty="0"/>
+          </a:p>
+        </p:txBody>
+      </p:sp>
+      <p:sp>
+        <p:nvSpPr>
+          <p:cNvPr id="24" name="Untertitel 2">
+            <a:extLst>
+              <a:ext uri="{FF2B5EF4-FFF2-40B4-BE49-F238E27FC236}">
+                <a16:creationId xmlns:a16="http://schemas.microsoft.com/office/drawing/2014/main" id="{8DFC6970-2C19-1B4A-AE98-37F36C655571}"/>
+              </a:ext>
+            </a:extLst>
+          </p:cNvPr>
+          <p:cNvSpPr txBox="1">
+            <a:spLocks/>
+          </p:cNvSpPr>
+          <p:nvPr/>
+        </p:nvSpPr>
+        <p:spPr>
+          <a:xfrm>
+            <a:off x="-158117" y="5581146"/>
+            <a:ext cx="2496006" cy="347392"/>
+          </a:xfrm>
+          <a:prstGeom prst="rect">
+            <a:avLst/>
+          </a:prstGeom>
+        </p:spPr>
+        <p:txBody>
+          <a:bodyPr vert="horz" lIns="91440" tIns="45720" rIns="91440" bIns="45720" rtlCol="0">
+            <a:normAutofit fontScale="85000" lnSpcReduction="10000"/>
+          </a:bodyPr>
+          <a:lstStyle>
+            <a:lvl1pPr marL="0" indent="0" algn="ctr" defTabSz="914400" rtl="0" eaLnBrk="1" latinLnBrk="0" hangingPunct="1">
+              <a:lnSpc>
+                <a:spcPct val="90000"/>
+              </a:lnSpc>
+              <a:spcBef>
+                <a:spcPts val="1000"/>
+              </a:spcBef>
+              <a:buFont typeface="Arial" panose="020B0604020202020204" pitchFamily="34" charset="0"/>
+              <a:buNone/>
+              <a:defRPr sz="2400" kern="1200" cap="all" spc="400" baseline="0">
+                <a:solidFill>
+                  <a:schemeClr val="tx1"/>
+                </a:solidFill>
+                <a:latin typeface="+mn-lt"/>
+                <a:ea typeface="+mn-ea"/>
+                <a:cs typeface="+mn-cs"/>
+              </a:defRPr>
+            </a:lvl1pPr>
+            <a:lvl2pPr marL="457200" indent="0" algn="ctr" defTabSz="914400" rtl="0" eaLnBrk="1" latinLnBrk="0" hangingPunct="1">
+              <a:lnSpc>
+                <a:spcPct val="90000"/>
+              </a:lnSpc>
+              <a:spcBef>
+                <a:spcPts val="500"/>
+              </a:spcBef>
+              <a:buFont typeface="Arial" panose="020B0604020202020204" pitchFamily="34" charset="0"/>
+              <a:buNone/>
+              <a:defRPr sz="2000" kern="1200">
+                <a:solidFill>
+                  <a:schemeClr val="tx1"/>
+                </a:solidFill>
+                <a:latin typeface="+mn-lt"/>
+                <a:ea typeface="+mn-ea"/>
+                <a:cs typeface="+mn-cs"/>
+              </a:defRPr>
+            </a:lvl2pPr>
+            <a:lvl3pPr marL="914400" indent="0" algn="ctr" defTabSz="914400" rtl="0" eaLnBrk="1" latinLnBrk="0" hangingPunct="1">
+              <a:lnSpc>
+                <a:spcPct val="90000"/>
+              </a:lnSpc>
+              <a:spcBef>
+                <a:spcPts val="500"/>
+              </a:spcBef>
+              <a:buFont typeface="Arial" panose="020B0604020202020204" pitchFamily="34" charset="0"/>
+              <a:buNone/>
+              <a:defRPr sz="1800" kern="1200">
+                <a:solidFill>
+                  <a:schemeClr val="tx1"/>
+                </a:solidFill>
+                <a:latin typeface="+mn-lt"/>
+                <a:ea typeface="+mn-ea"/>
+                <a:cs typeface="+mn-cs"/>
+              </a:defRPr>
+            </a:lvl3pPr>
+            <a:lvl4pPr marL="1371600" indent="0" algn="ctr" defTabSz="914400" rtl="0" eaLnBrk="1" latinLnBrk="0" hangingPunct="1">
+              <a:lnSpc>
+                <a:spcPct val="90000"/>
+              </a:lnSpc>
+              <a:spcBef>
+                <a:spcPts val="500"/>
+              </a:spcBef>
+              <a:buFont typeface="Arial" panose="020B0604020202020204" pitchFamily="34" charset="0"/>
+              <a:buNone/>
+              <a:defRPr sz="1600" kern="1200">
+                <a:solidFill>
+                  <a:schemeClr val="tx1"/>
+                </a:solidFill>
+                <a:latin typeface="+mn-lt"/>
+                <a:ea typeface="+mn-ea"/>
+                <a:cs typeface="+mn-cs"/>
+              </a:defRPr>
+            </a:lvl4pPr>
+            <a:lvl5pPr marL="1828800" indent="0" algn="ctr" defTabSz="914400" rtl="0" eaLnBrk="1" latinLnBrk="0" hangingPunct="1">
+              <a:lnSpc>
+                <a:spcPct val="90000"/>
+              </a:lnSpc>
+              <a:spcBef>
+                <a:spcPts val="500"/>
+              </a:spcBef>
+              <a:buFont typeface="Arial" panose="020B0604020202020204" pitchFamily="34" charset="0"/>
+              <a:buNone/>
+              <a:defRPr sz="1600" kern="1200">
+                <a:solidFill>
+                  <a:schemeClr val="tx1"/>
+                </a:solidFill>
+                <a:latin typeface="+mn-lt"/>
+                <a:ea typeface="+mn-ea"/>
+                <a:cs typeface="+mn-cs"/>
+              </a:defRPr>
+            </a:lvl5pPr>
+            <a:lvl6pPr marL="2286000" indent="0" algn="ctr" defTabSz="914400" rtl="0" eaLnBrk="1" latinLnBrk="0" hangingPunct="1">
+              <a:lnSpc>
+                <a:spcPct val="90000"/>
+              </a:lnSpc>
+              <a:spcBef>
+                <a:spcPts val="500"/>
+              </a:spcBef>
+              <a:buFont typeface="Arial" panose="020B0604020202020204" pitchFamily="34" charset="0"/>
+              <a:buNone/>
+              <a:defRPr sz="1600" kern="1200">
+                <a:solidFill>
+                  <a:schemeClr val="tx1"/>
+                </a:solidFill>
+                <a:latin typeface="+mn-lt"/>
+                <a:ea typeface="+mn-ea"/>
+                <a:cs typeface="+mn-cs"/>
+              </a:defRPr>
+            </a:lvl6pPr>
+            <a:lvl7pPr marL="2743200" indent="0" algn="ctr" defTabSz="914400" rtl="0" eaLnBrk="1" latinLnBrk="0" hangingPunct="1">
+              <a:lnSpc>
+                <a:spcPct val="90000"/>
+              </a:lnSpc>
+              <a:spcBef>
+                <a:spcPts val="500"/>
+              </a:spcBef>
+              <a:buFont typeface="Arial" panose="020B0604020202020204" pitchFamily="34" charset="0"/>
+              <a:buNone/>
+              <a:defRPr sz="1600" kern="1200">
+                <a:solidFill>
+                  <a:schemeClr val="tx1"/>
+                </a:solidFill>
+                <a:latin typeface="+mn-lt"/>
+                <a:ea typeface="+mn-ea"/>
+                <a:cs typeface="+mn-cs"/>
+              </a:defRPr>
+            </a:lvl7pPr>
+            <a:lvl8pPr marL="3200400" indent="0" algn="ctr" defTabSz="914400" rtl="0" eaLnBrk="1" latinLnBrk="0" hangingPunct="1">
+              <a:lnSpc>
+                <a:spcPct val="90000"/>
+              </a:lnSpc>
+              <a:spcBef>
+                <a:spcPts val="500"/>
+              </a:spcBef>
+              <a:buFont typeface="Arial" panose="020B0604020202020204" pitchFamily="34" charset="0"/>
+              <a:buNone/>
+              <a:defRPr sz="1600" kern="1200">
+                <a:solidFill>
+                  <a:schemeClr val="tx1"/>
+                </a:solidFill>
+                <a:latin typeface="+mn-lt"/>
+                <a:ea typeface="+mn-ea"/>
+                <a:cs typeface="+mn-cs"/>
+              </a:defRPr>
+            </a:lvl8pPr>
+            <a:lvl9pPr marL="3657600" indent="0" algn="ctr" defTabSz="914400" rtl="0" eaLnBrk="1" latinLnBrk="0" hangingPunct="1">
+              <a:lnSpc>
+                <a:spcPct val="90000"/>
+              </a:lnSpc>
+              <a:spcBef>
+                <a:spcPts val="500"/>
+              </a:spcBef>
+              <a:buFont typeface="Arial" panose="020B0604020202020204" pitchFamily="34" charset="0"/>
+              <a:buNone/>
+              <a:defRPr sz="1600" kern="1200">
+                <a:solidFill>
+                  <a:schemeClr val="tx1"/>
+                </a:solidFill>
+                <a:latin typeface="+mn-lt"/>
+                <a:ea typeface="+mn-ea"/>
+                <a:cs typeface="+mn-cs"/>
+              </a:defRPr>
+            </a:lvl9pPr>
+          </a:lstStyle>
+          <a:p>
+            <a:pPr algn="r"/>
+            <a:r>
+              <a:rPr lang="de-DE" dirty="0">
+                <a:solidFill>
+                  <a:srgbClr val="65BCAA"/>
+                </a:solidFill>
+              </a:rPr>
+              <a:t>INTERMEDIATE</a:t>
+            </a:r>
+          </a:p>
+          <a:p>
+            <a:pPr algn="r"/>
+            <a:endParaRPr lang="de-DE" dirty="0"/>
+          </a:p>
+        </p:txBody>
+      </p:sp>
+      <p:sp>
+        <p:nvSpPr>
+          <p:cNvPr id="25" name="Untertitel 2">
+            <a:extLst>
+              <a:ext uri="{FF2B5EF4-FFF2-40B4-BE49-F238E27FC236}">
+                <a16:creationId xmlns:a16="http://schemas.microsoft.com/office/drawing/2014/main" id="{258749EB-4547-C645-A630-32410A785D11}"/>
+              </a:ext>
+            </a:extLst>
+          </p:cNvPr>
+          <p:cNvSpPr txBox="1">
+            <a:spLocks/>
+          </p:cNvSpPr>
+          <p:nvPr/>
+        </p:nvSpPr>
+        <p:spPr>
+          <a:xfrm>
+            <a:off x="3365348" y="5717140"/>
+            <a:ext cx="2496006" cy="347392"/>
+          </a:xfrm>
+          <a:prstGeom prst="rect">
+            <a:avLst/>
+          </a:prstGeom>
+        </p:spPr>
+        <p:txBody>
+          <a:bodyPr vert="horz" lIns="91440" tIns="45720" rIns="91440" bIns="45720" rtlCol="0">
+            <a:normAutofit fontScale="92500" lnSpcReduction="20000"/>
+          </a:bodyPr>
+          <a:lstStyle>
+            <a:lvl1pPr marL="0" indent="0" algn="ctr" defTabSz="914400" rtl="0" eaLnBrk="1" latinLnBrk="0" hangingPunct="1">
+              <a:lnSpc>
+                <a:spcPct val="90000"/>
+              </a:lnSpc>
+              <a:spcBef>
+                <a:spcPts val="1000"/>
+              </a:spcBef>
+              <a:buFont typeface="Arial" panose="020B0604020202020204" pitchFamily="34" charset="0"/>
+              <a:buNone/>
+              <a:defRPr sz="2400" kern="1200" cap="all" spc="400" baseline="0">
+                <a:solidFill>
+                  <a:schemeClr val="tx1"/>
+                </a:solidFill>
+                <a:latin typeface="+mn-lt"/>
+                <a:ea typeface="+mn-ea"/>
+                <a:cs typeface="+mn-cs"/>
+              </a:defRPr>
+            </a:lvl1pPr>
+            <a:lvl2pPr marL="457200" indent="0" algn="ctr" defTabSz="914400" rtl="0" eaLnBrk="1" latinLnBrk="0" hangingPunct="1">
+              <a:lnSpc>
+                <a:spcPct val="90000"/>
+              </a:lnSpc>
+              <a:spcBef>
+                <a:spcPts val="500"/>
+              </a:spcBef>
+              <a:buFont typeface="Arial" panose="020B0604020202020204" pitchFamily="34" charset="0"/>
+              <a:buNone/>
+              <a:defRPr sz="2000" kern="1200">
+                <a:solidFill>
+                  <a:schemeClr val="tx1"/>
+                </a:solidFill>
+                <a:latin typeface="+mn-lt"/>
+                <a:ea typeface="+mn-ea"/>
+                <a:cs typeface="+mn-cs"/>
+              </a:defRPr>
+            </a:lvl2pPr>
+            <a:lvl3pPr marL="914400" indent="0" algn="ctr" defTabSz="914400" rtl="0" eaLnBrk="1" latinLnBrk="0" hangingPunct="1">
+              <a:lnSpc>
+                <a:spcPct val="90000"/>
+              </a:lnSpc>
+              <a:spcBef>
+                <a:spcPts val="500"/>
+              </a:spcBef>
+              <a:buFont typeface="Arial" panose="020B0604020202020204" pitchFamily="34" charset="0"/>
+              <a:buNone/>
+              <a:defRPr sz="1800" kern="1200">
+                <a:solidFill>
+                  <a:schemeClr val="tx1"/>
+                </a:solidFill>
+                <a:latin typeface="+mn-lt"/>
+                <a:ea typeface="+mn-ea"/>
+                <a:cs typeface="+mn-cs"/>
+              </a:defRPr>
+            </a:lvl3pPr>
+            <a:lvl4pPr marL="1371600" indent="0" algn="ctr" defTabSz="914400" rtl="0" eaLnBrk="1" latinLnBrk="0" hangingPunct="1">
+              <a:lnSpc>
+                <a:spcPct val="90000"/>
+              </a:lnSpc>
+              <a:spcBef>
+                <a:spcPts val="500"/>
+              </a:spcBef>
+              <a:buFont typeface="Arial" panose="020B0604020202020204" pitchFamily="34" charset="0"/>
+              <a:buNone/>
+              <a:defRPr sz="1600" kern="1200">
+                <a:solidFill>
+                  <a:schemeClr val="tx1"/>
+                </a:solidFill>
+                <a:latin typeface="+mn-lt"/>
+                <a:ea typeface="+mn-ea"/>
+                <a:cs typeface="+mn-cs"/>
+              </a:defRPr>
+            </a:lvl4pPr>
+            <a:lvl5pPr marL="1828800" indent="0" algn="ctr" defTabSz="914400" rtl="0" eaLnBrk="1" latinLnBrk="0" hangingPunct="1">
+              <a:lnSpc>
+                <a:spcPct val="90000"/>
+              </a:lnSpc>
+              <a:spcBef>
+                <a:spcPts val="500"/>
+              </a:spcBef>
+              <a:buFont typeface="Arial" panose="020B0604020202020204" pitchFamily="34" charset="0"/>
+              <a:buNone/>
+              <a:defRPr sz="1600" kern="1200">
+                <a:solidFill>
+                  <a:schemeClr val="tx1"/>
+                </a:solidFill>
+                <a:latin typeface="+mn-lt"/>
+                <a:ea typeface="+mn-ea"/>
+                <a:cs typeface="+mn-cs"/>
+              </a:defRPr>
+            </a:lvl5pPr>
+            <a:lvl6pPr marL="2286000" indent="0" algn="ctr" defTabSz="914400" rtl="0" eaLnBrk="1" latinLnBrk="0" hangingPunct="1">
+              <a:lnSpc>
+                <a:spcPct val="90000"/>
+              </a:lnSpc>
+              <a:spcBef>
+                <a:spcPts val="500"/>
+              </a:spcBef>
+              <a:buFont typeface="Arial" panose="020B0604020202020204" pitchFamily="34" charset="0"/>
+              <a:buNone/>
+              <a:defRPr sz="1600" kern="1200">
+                <a:solidFill>
+                  <a:schemeClr val="tx1"/>
+                </a:solidFill>
+                <a:latin typeface="+mn-lt"/>
+                <a:ea typeface="+mn-ea"/>
+                <a:cs typeface="+mn-cs"/>
+              </a:defRPr>
+            </a:lvl6pPr>
+            <a:lvl7pPr marL="2743200" indent="0" algn="ctr" defTabSz="914400" rtl="0" eaLnBrk="1" latinLnBrk="0" hangingPunct="1">
+              <a:lnSpc>
+                <a:spcPct val="90000"/>
+              </a:lnSpc>
+              <a:spcBef>
+                <a:spcPts val="500"/>
+              </a:spcBef>
+              <a:buFont typeface="Arial" panose="020B0604020202020204" pitchFamily="34" charset="0"/>
+              <a:buNone/>
+              <a:defRPr sz="1600" kern="1200">
+                <a:solidFill>
+                  <a:schemeClr val="tx1"/>
+                </a:solidFill>
+                <a:latin typeface="+mn-lt"/>
+                <a:ea typeface="+mn-ea"/>
+                <a:cs typeface="+mn-cs"/>
+              </a:defRPr>
+            </a:lvl7pPr>
+            <a:lvl8pPr marL="3200400" indent="0" algn="ctr" defTabSz="914400" rtl="0" eaLnBrk="1" latinLnBrk="0" hangingPunct="1">
+              <a:lnSpc>
+                <a:spcPct val="90000"/>
+              </a:lnSpc>
+              <a:spcBef>
+                <a:spcPts val="500"/>
+              </a:spcBef>
+              <a:buFont typeface="Arial" panose="020B0604020202020204" pitchFamily="34" charset="0"/>
+              <a:buNone/>
+              <a:defRPr sz="1600" kern="1200">
+                <a:solidFill>
+                  <a:schemeClr val="tx1"/>
+                </a:solidFill>
+                <a:latin typeface="+mn-lt"/>
+                <a:ea typeface="+mn-ea"/>
+                <a:cs typeface="+mn-cs"/>
+              </a:defRPr>
+            </a:lvl8pPr>
+            <a:lvl9pPr marL="3657600" indent="0" algn="ctr" defTabSz="914400" rtl="0" eaLnBrk="1" latinLnBrk="0" hangingPunct="1">
+              <a:lnSpc>
+                <a:spcPct val="90000"/>
+              </a:lnSpc>
+              <a:spcBef>
+                <a:spcPts val="500"/>
+              </a:spcBef>
+              <a:buFont typeface="Arial" panose="020B0604020202020204" pitchFamily="34" charset="0"/>
+              <a:buNone/>
+              <a:defRPr sz="1600" kern="1200">
+                <a:solidFill>
+                  <a:schemeClr val="tx1"/>
+                </a:solidFill>
+                <a:latin typeface="+mn-lt"/>
+                <a:ea typeface="+mn-ea"/>
+                <a:cs typeface="+mn-cs"/>
+              </a:defRPr>
+            </a:lvl9pPr>
+          </a:lstStyle>
+          <a:p>
+            <a:pPr algn="r"/>
+            <a:r>
+              <a:rPr lang="de-DE" dirty="0"/>
+              <a:t>FINAL</a:t>
+            </a:r>
+          </a:p>
+          <a:p>
+            <a:pPr algn="r"/>
+            <a:endParaRPr lang="de-DE" dirty="0"/>
+          </a:p>
+        </p:txBody>
+      </p:sp>
+      <p:pic>
+        <p:nvPicPr>
+          <p:cNvPr id="26" name="Grafik 25">
+            <a:extLst>
+              <a:ext uri="{FF2B5EF4-FFF2-40B4-BE49-F238E27FC236}">
+                <a16:creationId xmlns:a16="http://schemas.microsoft.com/office/drawing/2014/main" id="{63B9CBA5-1BA5-3C4D-A6FE-5067A12047D5}"/>
+              </a:ext>
+            </a:extLst>
+          </p:cNvPr>
+          <p:cNvPicPr>
+            <a:picLocks noChangeAspect="1"/>
+          </p:cNvPicPr>
+          <p:nvPr/>
+        </p:nvPicPr>
+        <p:blipFill rotWithShape="1">
+          <a:blip r:embed="rId3">
+            <a:extLst>
+              <a:ext uri="{96DAC541-7B7A-43D3-8B79-37D633B846F1}">
+                <asvg:svgBlip xmlns:asvg="http://schemas.microsoft.com/office/drawing/2016/SVG/main" r:embed="rId4"/>
+              </a:ext>
+            </a:extLst>
+          </a:blip>
+          <a:srcRect l="32179" t="25062" r="28628" b="31894"/>
+          <a:stretch/>
+        </p:blipFill>
+        <p:spPr>
+          <a:xfrm rot="13511814">
+            <a:off x="3069598" y="4754552"/>
+            <a:ext cx="784447" cy="861539"/>
+          </a:xfrm>
+          <a:prstGeom prst="rect">
+            <a:avLst/>
+          </a:prstGeom>
+        </p:spPr>
+      </p:pic>
+      <p:pic>
+        <p:nvPicPr>
+          <p:cNvPr id="27" name="Grafik 26">
+            <a:extLst>
+              <a:ext uri="{FF2B5EF4-FFF2-40B4-BE49-F238E27FC236}">
+                <a16:creationId xmlns:a16="http://schemas.microsoft.com/office/drawing/2014/main" id="{ABCF9D0A-F737-4F4C-BD0E-8C951FF9C9D2}"/>
+              </a:ext>
+            </a:extLst>
+          </p:cNvPr>
+          <p:cNvPicPr>
+            <a:picLocks noChangeAspect="1"/>
+          </p:cNvPicPr>
+          <p:nvPr/>
+        </p:nvPicPr>
+        <p:blipFill rotWithShape="1">
+          <a:blip r:embed="rId3">
+            <a:extLst>
+              <a:ext uri="{96DAC541-7B7A-43D3-8B79-37D633B846F1}">
+                <asvg:svgBlip xmlns:asvg="http://schemas.microsoft.com/office/drawing/2016/SVG/main" r:embed="rId4"/>
+              </a:ext>
+            </a:extLst>
+          </a:blip>
+          <a:srcRect l="32179" t="25062" r="28628" b="31894"/>
+          <a:stretch/>
+        </p:blipFill>
+        <p:spPr>
+          <a:xfrm rot="13511814">
+            <a:off x="2431193" y="4759532"/>
+            <a:ext cx="784447" cy="861539"/>
+          </a:xfrm>
+          <a:prstGeom prst="rect">
+            <a:avLst/>
+          </a:prstGeom>
+        </p:spPr>
+      </p:pic>
+      <p:pic>
+        <p:nvPicPr>
+          <p:cNvPr id="28" name="Grafik 27">
+            <a:extLst>
+              <a:ext uri="{FF2B5EF4-FFF2-40B4-BE49-F238E27FC236}">
+                <a16:creationId xmlns:a16="http://schemas.microsoft.com/office/drawing/2014/main" id="{CB3915B4-818F-DF46-97BE-6CAD2C7951E4}"/>
+              </a:ext>
+            </a:extLst>
+          </p:cNvPr>
+          <p:cNvPicPr>
+            <a:picLocks noChangeAspect="1"/>
+          </p:cNvPicPr>
+          <p:nvPr/>
+        </p:nvPicPr>
+        <p:blipFill rotWithShape="1">
+          <a:blip r:embed="rId3">
+            <a:extLst>
+              <a:ext uri="{96DAC541-7B7A-43D3-8B79-37D633B846F1}">
+                <asvg:svgBlip xmlns:asvg="http://schemas.microsoft.com/office/drawing/2016/SVG/main" r:embed="rId4"/>
+              </a:ext>
+            </a:extLst>
+          </a:blip>
+          <a:srcRect l="32179" t="25062" r="28628" b="31894"/>
+          <a:stretch/>
+        </p:blipFill>
+        <p:spPr>
+          <a:xfrm rot="13511814">
+            <a:off x="-1027711" y="4754551"/>
+            <a:ext cx="784447" cy="861539"/>
+          </a:xfrm>
+          <a:prstGeom prst="rect">
+            <a:avLst/>
+          </a:prstGeom>
+        </p:spPr>
+      </p:pic>
+      <p:pic>
+        <p:nvPicPr>
+          <p:cNvPr id="29" name="Grafik 28">
+            <a:extLst>
+              <a:ext uri="{FF2B5EF4-FFF2-40B4-BE49-F238E27FC236}">
+                <a16:creationId xmlns:a16="http://schemas.microsoft.com/office/drawing/2014/main" id="{4D4C538D-5E16-C048-9AE2-23AB46A1D085}"/>
+              </a:ext>
+            </a:extLst>
+          </p:cNvPr>
+          <p:cNvPicPr>
+            <a:picLocks noChangeAspect="1"/>
+          </p:cNvPicPr>
+          <p:nvPr/>
+        </p:nvPicPr>
+        <p:blipFill rotWithShape="1">
+          <a:blip r:embed="rId3">
+            <a:extLst>
+              <a:ext uri="{96DAC541-7B7A-43D3-8B79-37D633B846F1}">
+                <asvg:svgBlip xmlns:asvg="http://schemas.microsoft.com/office/drawing/2016/SVG/main" r:embed="rId4"/>
+              </a:ext>
+            </a:extLst>
+          </a:blip>
+          <a:srcRect l="32179" t="25062" r="28628" b="31894"/>
+          <a:stretch/>
+        </p:blipFill>
+        <p:spPr>
+          <a:xfrm rot="13511814">
+            <a:off x="3046042" y="4767650"/>
+            <a:ext cx="784447" cy="861539"/>
+          </a:xfrm>
+          <a:prstGeom prst="rect">
+            <a:avLst/>
+          </a:prstGeom>
+        </p:spPr>
+      </p:pic>
+      <p:pic>
+        <p:nvPicPr>
+          <p:cNvPr id="30" name="Grafik 29">
+            <a:extLst>
+              <a:ext uri="{FF2B5EF4-FFF2-40B4-BE49-F238E27FC236}">
+                <a16:creationId xmlns:a16="http://schemas.microsoft.com/office/drawing/2014/main" id="{1CD6B85A-E8B9-EE4B-93AB-CE6247DE52E7}"/>
+              </a:ext>
+            </a:extLst>
+          </p:cNvPr>
+          <p:cNvPicPr>
+            <a:picLocks noChangeAspect="1"/>
+          </p:cNvPicPr>
+          <p:nvPr/>
+        </p:nvPicPr>
+        <p:blipFill rotWithShape="1">
+          <a:blip r:embed="rId3">
+            <a:extLst>
+              <a:ext uri="{96DAC541-7B7A-43D3-8B79-37D633B846F1}">
+                <asvg:svgBlip xmlns:asvg="http://schemas.microsoft.com/office/drawing/2016/SVG/main" r:embed="rId4"/>
+              </a:ext>
+            </a:extLst>
+          </a:blip>
+          <a:srcRect l="32179" t="25062" r="28628" b="31894"/>
+          <a:stretch/>
+        </p:blipFill>
+        <p:spPr>
+          <a:xfrm rot="13511814">
+            <a:off x="-2566569" y="4757187"/>
+            <a:ext cx="784447" cy="861539"/>
+          </a:xfrm>
+          <a:prstGeom prst="rect">
+            <a:avLst/>
+          </a:prstGeom>
+        </p:spPr>
+      </p:pic>
+      <p:pic>
+        <p:nvPicPr>
+          <p:cNvPr id="31" name="Grafik 30">
+            <a:extLst>
+              <a:ext uri="{FF2B5EF4-FFF2-40B4-BE49-F238E27FC236}">
+                <a16:creationId xmlns:a16="http://schemas.microsoft.com/office/drawing/2014/main" id="{DB96BB6C-071C-6043-B6A9-149921ACBA63}"/>
+              </a:ext>
+            </a:extLst>
+          </p:cNvPr>
+          <p:cNvPicPr>
+            <a:picLocks noChangeAspect="1"/>
+          </p:cNvPicPr>
+          <p:nvPr/>
+        </p:nvPicPr>
+        <p:blipFill>
+          <a:blip r:embed="rId5">
+            <a:extLst>
+              <a:ext uri="{96DAC541-7B7A-43D3-8B79-37D633B846F1}">
+                <asvg:svgBlip xmlns:asvg="http://schemas.microsoft.com/office/drawing/2016/SVG/main" r:embed="rId6"/>
+              </a:ext>
+            </a:extLst>
+          </a:blip>
+          <a:stretch>
+            <a:fillRect/>
+          </a:stretch>
+        </p:blipFill>
+        <p:spPr>
+          <a:xfrm flipV="1">
+            <a:off x="462415" y="785975"/>
+            <a:ext cx="4052436" cy="782837"/>
+          </a:xfrm>
+          <a:prstGeom prst="rect">
+            <a:avLst/>
+          </a:prstGeom>
+        </p:spPr>
+      </p:pic>
+      <p:sp>
+        <p:nvSpPr>
+          <p:cNvPr id="33" name="Untertitel 2">
+            <a:extLst>
+              <a:ext uri="{FF2B5EF4-FFF2-40B4-BE49-F238E27FC236}">
+                <a16:creationId xmlns:a16="http://schemas.microsoft.com/office/drawing/2014/main" id="{D8905162-EAA9-F540-9864-6A39F7541692}"/>
+              </a:ext>
+            </a:extLst>
+          </p:cNvPr>
+          <p:cNvSpPr txBox="1">
+            <a:spLocks/>
+          </p:cNvSpPr>
+          <p:nvPr/>
+        </p:nvSpPr>
+        <p:spPr>
+          <a:xfrm>
+            <a:off x="6873501" y="3503059"/>
+            <a:ext cx="3293262" cy="2501490"/>
+          </a:xfrm>
+          <a:prstGeom prst="rect">
+            <a:avLst/>
+          </a:prstGeom>
+        </p:spPr>
+        <p:txBody>
+          <a:bodyPr vert="horz" lIns="91440" tIns="45720" rIns="91440" bIns="45720" rtlCol="0">
+            <a:normAutofit/>
+          </a:bodyPr>
+          <a:lstStyle>
+            <a:lvl1pPr marL="0" indent="0" algn="ctr" defTabSz="914400" rtl="0" eaLnBrk="1" latinLnBrk="0" hangingPunct="1">
+              <a:lnSpc>
+                <a:spcPct val="90000"/>
+              </a:lnSpc>
+              <a:spcBef>
+                <a:spcPts val="1000"/>
+              </a:spcBef>
+              <a:buFont typeface="Arial" panose="020B0604020202020204" pitchFamily="34" charset="0"/>
+              <a:buNone/>
+              <a:defRPr sz="2400" kern="1200" cap="all" spc="400" baseline="0">
+                <a:solidFill>
+                  <a:schemeClr val="tx1"/>
+                </a:solidFill>
+                <a:latin typeface="+mn-lt"/>
+                <a:ea typeface="+mn-ea"/>
+                <a:cs typeface="+mn-cs"/>
+              </a:defRPr>
+            </a:lvl1pPr>
+            <a:lvl2pPr marL="457200" indent="0" algn="ctr" defTabSz="914400" rtl="0" eaLnBrk="1" latinLnBrk="0" hangingPunct="1">
+              <a:lnSpc>
+                <a:spcPct val="90000"/>
+              </a:lnSpc>
+              <a:spcBef>
+                <a:spcPts val="500"/>
+              </a:spcBef>
+              <a:buFont typeface="Arial" panose="020B0604020202020204" pitchFamily="34" charset="0"/>
+              <a:buNone/>
+              <a:defRPr sz="2000" kern="1200">
+                <a:solidFill>
+                  <a:schemeClr val="tx1"/>
+                </a:solidFill>
+                <a:latin typeface="+mn-lt"/>
+                <a:ea typeface="+mn-ea"/>
+                <a:cs typeface="+mn-cs"/>
+              </a:defRPr>
+            </a:lvl2pPr>
+            <a:lvl3pPr marL="914400" indent="0" algn="ctr" defTabSz="914400" rtl="0" eaLnBrk="1" latinLnBrk="0" hangingPunct="1">
+              <a:lnSpc>
+                <a:spcPct val="90000"/>
+              </a:lnSpc>
+              <a:spcBef>
+                <a:spcPts val="500"/>
+              </a:spcBef>
+              <a:buFont typeface="Arial" panose="020B0604020202020204" pitchFamily="34" charset="0"/>
+              <a:buNone/>
+              <a:defRPr sz="1800" kern="1200">
+                <a:solidFill>
+                  <a:schemeClr val="tx1"/>
+                </a:solidFill>
+                <a:latin typeface="+mn-lt"/>
+                <a:ea typeface="+mn-ea"/>
+                <a:cs typeface="+mn-cs"/>
+              </a:defRPr>
+            </a:lvl3pPr>
+            <a:lvl4pPr marL="1371600" indent="0" algn="ctr" defTabSz="914400" rtl="0" eaLnBrk="1" latinLnBrk="0" hangingPunct="1">
+              <a:lnSpc>
+                <a:spcPct val="90000"/>
+              </a:lnSpc>
+              <a:spcBef>
+                <a:spcPts val="500"/>
+              </a:spcBef>
+              <a:buFont typeface="Arial" panose="020B0604020202020204" pitchFamily="34" charset="0"/>
+              <a:buNone/>
+              <a:defRPr sz="1600" kern="1200">
+                <a:solidFill>
+                  <a:schemeClr val="tx1"/>
+                </a:solidFill>
+                <a:latin typeface="+mn-lt"/>
+                <a:ea typeface="+mn-ea"/>
+                <a:cs typeface="+mn-cs"/>
+              </a:defRPr>
+            </a:lvl4pPr>
+            <a:lvl5pPr marL="1828800" indent="0" algn="ctr" defTabSz="914400" rtl="0" eaLnBrk="1" latinLnBrk="0" hangingPunct="1">
+              <a:lnSpc>
+                <a:spcPct val="90000"/>
+              </a:lnSpc>
+              <a:spcBef>
+                <a:spcPts val="500"/>
+              </a:spcBef>
+              <a:buFont typeface="Arial" panose="020B0604020202020204" pitchFamily="34" charset="0"/>
+              <a:buNone/>
+              <a:defRPr sz="1600" kern="1200">
+                <a:solidFill>
+                  <a:schemeClr val="tx1"/>
+                </a:solidFill>
+                <a:latin typeface="+mn-lt"/>
+                <a:ea typeface="+mn-ea"/>
+                <a:cs typeface="+mn-cs"/>
+              </a:defRPr>
+            </a:lvl5pPr>
+            <a:lvl6pPr marL="2286000" indent="0" algn="ctr" defTabSz="914400" rtl="0" eaLnBrk="1" latinLnBrk="0" hangingPunct="1">
+              <a:lnSpc>
+                <a:spcPct val="90000"/>
+              </a:lnSpc>
+              <a:spcBef>
+                <a:spcPts val="500"/>
+              </a:spcBef>
+              <a:buFont typeface="Arial" panose="020B0604020202020204" pitchFamily="34" charset="0"/>
+              <a:buNone/>
+              <a:defRPr sz="1600" kern="1200">
+                <a:solidFill>
+                  <a:schemeClr val="tx1"/>
+                </a:solidFill>
+                <a:latin typeface="+mn-lt"/>
+                <a:ea typeface="+mn-ea"/>
+                <a:cs typeface="+mn-cs"/>
+              </a:defRPr>
+            </a:lvl6pPr>
+            <a:lvl7pPr marL="2743200" indent="0" algn="ctr" defTabSz="914400" rtl="0" eaLnBrk="1" latinLnBrk="0" hangingPunct="1">
+              <a:lnSpc>
+                <a:spcPct val="90000"/>
+              </a:lnSpc>
+              <a:spcBef>
+                <a:spcPts val="500"/>
+              </a:spcBef>
+              <a:buFont typeface="Arial" panose="020B0604020202020204" pitchFamily="34" charset="0"/>
+              <a:buNone/>
+              <a:defRPr sz="1600" kern="1200">
+                <a:solidFill>
+                  <a:schemeClr val="tx1"/>
+                </a:solidFill>
+                <a:latin typeface="+mn-lt"/>
+                <a:ea typeface="+mn-ea"/>
+                <a:cs typeface="+mn-cs"/>
+              </a:defRPr>
+            </a:lvl7pPr>
+            <a:lvl8pPr marL="3200400" indent="0" algn="ctr" defTabSz="914400" rtl="0" eaLnBrk="1" latinLnBrk="0" hangingPunct="1">
+              <a:lnSpc>
+                <a:spcPct val="90000"/>
+              </a:lnSpc>
+              <a:spcBef>
+                <a:spcPts val="500"/>
+              </a:spcBef>
+              <a:buFont typeface="Arial" panose="020B0604020202020204" pitchFamily="34" charset="0"/>
+              <a:buNone/>
+              <a:defRPr sz="1600" kern="1200">
+                <a:solidFill>
+                  <a:schemeClr val="tx1"/>
+                </a:solidFill>
+                <a:latin typeface="+mn-lt"/>
+                <a:ea typeface="+mn-ea"/>
+                <a:cs typeface="+mn-cs"/>
+              </a:defRPr>
+            </a:lvl8pPr>
+            <a:lvl9pPr marL="3657600" indent="0" algn="ctr" defTabSz="914400" rtl="0" eaLnBrk="1" latinLnBrk="0" hangingPunct="1">
+              <a:lnSpc>
+                <a:spcPct val="90000"/>
+              </a:lnSpc>
+              <a:spcBef>
+                <a:spcPts val="500"/>
+              </a:spcBef>
+              <a:buFont typeface="Arial" panose="020B0604020202020204" pitchFamily="34" charset="0"/>
+              <a:buNone/>
+              <a:defRPr sz="1600" kern="1200">
+                <a:solidFill>
+                  <a:schemeClr val="tx1"/>
+                </a:solidFill>
+                <a:latin typeface="+mn-lt"/>
+                <a:ea typeface="+mn-ea"/>
+                <a:cs typeface="+mn-cs"/>
+              </a:defRPr>
+            </a:lvl9pPr>
+          </a:lstStyle>
+          <a:p>
+            <a:pPr algn="r"/>
+            <a:endParaRPr lang="de-DE" dirty="0"/>
+          </a:p>
+        </p:txBody>
+      </p:sp>
+      <p:sp>
+        <p:nvSpPr>
+          <p:cNvPr id="35" name="Untertitel 2">
+            <a:extLst>
+              <a:ext uri="{FF2B5EF4-FFF2-40B4-BE49-F238E27FC236}">
+                <a16:creationId xmlns:a16="http://schemas.microsoft.com/office/drawing/2014/main" id="{E58F61AB-B9B6-414B-90EA-5511643C40D5}"/>
+              </a:ext>
+            </a:extLst>
+          </p:cNvPr>
+          <p:cNvSpPr txBox="1">
+            <a:spLocks/>
+          </p:cNvSpPr>
+          <p:nvPr/>
+        </p:nvSpPr>
+        <p:spPr>
+          <a:xfrm>
+            <a:off x="5198327" y="1140889"/>
+            <a:ext cx="3202230" cy="3488174"/>
+          </a:xfrm>
+          <a:prstGeom prst="rect">
+            <a:avLst/>
+          </a:prstGeom>
+        </p:spPr>
+        <p:txBody>
+          <a:bodyPr vert="horz" lIns="91440" tIns="45720" rIns="91440" bIns="45720" rtlCol="0">
+            <a:normAutofit fontScale="25000" lnSpcReduction="20000"/>
+          </a:bodyPr>
+          <a:lstStyle>
+            <a:lvl1pPr marL="0" indent="0" algn="ctr" defTabSz="914400" rtl="0" eaLnBrk="1" latinLnBrk="0" hangingPunct="1">
+              <a:lnSpc>
+                <a:spcPct val="90000"/>
+              </a:lnSpc>
+              <a:spcBef>
+                <a:spcPts val="1000"/>
+              </a:spcBef>
+              <a:buFont typeface="Arial" panose="020B0604020202020204" pitchFamily="34" charset="0"/>
+              <a:buNone/>
+              <a:defRPr sz="2400" kern="1200" cap="all" spc="400" baseline="0">
+                <a:solidFill>
+                  <a:schemeClr val="tx1"/>
+                </a:solidFill>
+                <a:latin typeface="+mn-lt"/>
+                <a:ea typeface="+mn-ea"/>
+                <a:cs typeface="+mn-cs"/>
+              </a:defRPr>
+            </a:lvl1pPr>
+            <a:lvl2pPr marL="457200" indent="0" algn="ctr" defTabSz="914400" rtl="0" eaLnBrk="1" latinLnBrk="0" hangingPunct="1">
+              <a:lnSpc>
+                <a:spcPct val="90000"/>
+              </a:lnSpc>
+              <a:spcBef>
+                <a:spcPts val="500"/>
+              </a:spcBef>
+              <a:buFont typeface="Arial" panose="020B0604020202020204" pitchFamily="34" charset="0"/>
+              <a:buNone/>
+              <a:defRPr sz="2000" kern="1200">
+                <a:solidFill>
+                  <a:schemeClr val="tx1"/>
+                </a:solidFill>
+                <a:latin typeface="+mn-lt"/>
+                <a:ea typeface="+mn-ea"/>
+                <a:cs typeface="+mn-cs"/>
+              </a:defRPr>
+            </a:lvl2pPr>
+            <a:lvl3pPr marL="914400" indent="0" algn="ctr" defTabSz="914400" rtl="0" eaLnBrk="1" latinLnBrk="0" hangingPunct="1">
+              <a:lnSpc>
+                <a:spcPct val="90000"/>
+              </a:lnSpc>
+              <a:spcBef>
+                <a:spcPts val="500"/>
+              </a:spcBef>
+              <a:buFont typeface="Arial" panose="020B0604020202020204" pitchFamily="34" charset="0"/>
+              <a:buNone/>
+              <a:defRPr sz="1800" kern="1200">
+                <a:solidFill>
+                  <a:schemeClr val="tx1"/>
+                </a:solidFill>
+                <a:latin typeface="+mn-lt"/>
+                <a:ea typeface="+mn-ea"/>
+                <a:cs typeface="+mn-cs"/>
+              </a:defRPr>
+            </a:lvl3pPr>
+            <a:lvl4pPr marL="1371600" indent="0" algn="ctr" defTabSz="914400" rtl="0" eaLnBrk="1" latinLnBrk="0" hangingPunct="1">
+              <a:lnSpc>
+                <a:spcPct val="90000"/>
+              </a:lnSpc>
+              <a:spcBef>
+                <a:spcPts val="500"/>
+              </a:spcBef>
+              <a:buFont typeface="Arial" panose="020B0604020202020204" pitchFamily="34" charset="0"/>
+              <a:buNone/>
+              <a:defRPr sz="1600" kern="1200">
+                <a:solidFill>
+                  <a:schemeClr val="tx1"/>
+                </a:solidFill>
+                <a:latin typeface="+mn-lt"/>
+                <a:ea typeface="+mn-ea"/>
+                <a:cs typeface="+mn-cs"/>
+              </a:defRPr>
+            </a:lvl4pPr>
+            <a:lvl5pPr marL="1828800" indent="0" algn="ctr" defTabSz="914400" rtl="0" eaLnBrk="1" latinLnBrk="0" hangingPunct="1">
+              <a:lnSpc>
+                <a:spcPct val="90000"/>
+              </a:lnSpc>
+              <a:spcBef>
+                <a:spcPts val="500"/>
+              </a:spcBef>
+              <a:buFont typeface="Arial" panose="020B0604020202020204" pitchFamily="34" charset="0"/>
+              <a:buNone/>
+              <a:defRPr sz="1600" kern="1200">
+                <a:solidFill>
+                  <a:schemeClr val="tx1"/>
+                </a:solidFill>
+                <a:latin typeface="+mn-lt"/>
+                <a:ea typeface="+mn-ea"/>
+                <a:cs typeface="+mn-cs"/>
+              </a:defRPr>
+            </a:lvl5pPr>
+            <a:lvl6pPr marL="2286000" indent="0" algn="ctr" defTabSz="914400" rtl="0" eaLnBrk="1" latinLnBrk="0" hangingPunct="1">
+              <a:lnSpc>
+                <a:spcPct val="90000"/>
+              </a:lnSpc>
+              <a:spcBef>
+                <a:spcPts val="500"/>
+              </a:spcBef>
+              <a:buFont typeface="Arial" panose="020B0604020202020204" pitchFamily="34" charset="0"/>
+              <a:buNone/>
+              <a:defRPr sz="1600" kern="1200">
+                <a:solidFill>
+                  <a:schemeClr val="tx1"/>
+                </a:solidFill>
+                <a:latin typeface="+mn-lt"/>
+                <a:ea typeface="+mn-ea"/>
+                <a:cs typeface="+mn-cs"/>
+              </a:defRPr>
+            </a:lvl6pPr>
+            <a:lvl7pPr marL="2743200" indent="0" algn="ctr" defTabSz="914400" rtl="0" eaLnBrk="1" latinLnBrk="0" hangingPunct="1">
+              <a:lnSpc>
+                <a:spcPct val="90000"/>
+              </a:lnSpc>
+              <a:spcBef>
+                <a:spcPts val="500"/>
+              </a:spcBef>
+              <a:buFont typeface="Arial" panose="020B0604020202020204" pitchFamily="34" charset="0"/>
+              <a:buNone/>
+              <a:defRPr sz="1600" kern="1200">
+                <a:solidFill>
+                  <a:schemeClr val="tx1"/>
+                </a:solidFill>
+                <a:latin typeface="+mn-lt"/>
+                <a:ea typeface="+mn-ea"/>
+                <a:cs typeface="+mn-cs"/>
+              </a:defRPr>
+            </a:lvl7pPr>
+            <a:lvl8pPr marL="3200400" indent="0" algn="ctr" defTabSz="914400" rtl="0" eaLnBrk="1" latinLnBrk="0" hangingPunct="1">
+              <a:lnSpc>
+                <a:spcPct val="90000"/>
+              </a:lnSpc>
+              <a:spcBef>
+                <a:spcPts val="500"/>
+              </a:spcBef>
+              <a:buFont typeface="Arial" panose="020B0604020202020204" pitchFamily="34" charset="0"/>
+              <a:buNone/>
+              <a:defRPr sz="1600" kern="1200">
+                <a:solidFill>
+                  <a:schemeClr val="tx1"/>
+                </a:solidFill>
+                <a:latin typeface="+mn-lt"/>
+                <a:ea typeface="+mn-ea"/>
+                <a:cs typeface="+mn-cs"/>
+              </a:defRPr>
+            </a:lvl8pPr>
+            <a:lvl9pPr marL="3657600" indent="0" algn="ctr" defTabSz="914400" rtl="0" eaLnBrk="1" latinLnBrk="0" hangingPunct="1">
+              <a:lnSpc>
+                <a:spcPct val="90000"/>
+              </a:lnSpc>
+              <a:spcBef>
+                <a:spcPts val="500"/>
+              </a:spcBef>
+              <a:buFont typeface="Arial" panose="020B0604020202020204" pitchFamily="34" charset="0"/>
+              <a:buNone/>
+              <a:defRPr sz="1600" kern="1200">
+                <a:solidFill>
+                  <a:schemeClr val="tx1"/>
+                </a:solidFill>
+                <a:latin typeface="+mn-lt"/>
+                <a:ea typeface="+mn-ea"/>
+                <a:cs typeface="+mn-cs"/>
+              </a:defRPr>
+            </a:lvl9pPr>
+          </a:lstStyle>
+          <a:p>
+            <a:pPr algn="l"/>
+            <a:r>
+              <a:rPr lang="de-DE" sz="9600" dirty="0">
+                <a:solidFill>
+                  <a:srgbClr val="65BCAA"/>
+                </a:solidFill>
+              </a:rPr>
+              <a:t>GENERATE HEATMAPS FOR EACH DAY IN HISTORY</a:t>
+            </a:r>
+          </a:p>
+          <a:p>
+            <a:pPr algn="l"/>
+            <a:endParaRPr lang="de-DE" sz="9600" dirty="0">
+              <a:solidFill>
+                <a:srgbClr val="65BCAA"/>
+              </a:solidFill>
+            </a:endParaRPr>
+          </a:p>
+          <a:p>
+            <a:pPr algn="l"/>
+            <a:r>
+              <a:rPr lang="de-DE" sz="9600" dirty="0">
+                <a:solidFill>
+                  <a:srgbClr val="65BCAA"/>
+                </a:solidFill>
+              </a:rPr>
+              <a:t>BUILD AN INTERACTIVE MAP</a:t>
+            </a:r>
+          </a:p>
+          <a:p>
+            <a:pPr algn="l"/>
+            <a:endParaRPr lang="de-DE" sz="9600" dirty="0">
+              <a:solidFill>
+                <a:srgbClr val="65BCAA"/>
+              </a:solidFill>
+            </a:endParaRPr>
+          </a:p>
+          <a:p>
+            <a:pPr algn="l"/>
+            <a:r>
+              <a:rPr lang="de-DE" sz="9600" dirty="0">
+                <a:solidFill>
+                  <a:srgbClr val="65BCAA"/>
+                </a:solidFill>
+              </a:rPr>
+              <a:t>CREATE VIRUS SPREAD ANIMATION</a:t>
+            </a:r>
+          </a:p>
+          <a:p>
+            <a:pPr algn="l"/>
+            <a:endParaRPr lang="de-DE" sz="9600" dirty="0">
+              <a:solidFill>
+                <a:srgbClr val="65BCAA"/>
+              </a:solidFill>
+            </a:endParaRPr>
+          </a:p>
+          <a:p>
+            <a:pPr algn="l"/>
+            <a:endParaRPr lang="de-DE" dirty="0"/>
+          </a:p>
+        </p:txBody>
+      </p:sp>
+    </p:spTree>
+    <p:extLst>
+      <p:ext uri="{BB962C8B-B14F-4D97-AF65-F5344CB8AC3E}">
+        <p14:creationId xmlns:p14="http://schemas.microsoft.com/office/powerpoint/2010/main" val="921242427"/>
+      </p:ext>
+    </p:extLst>
+  </p:cSld>
+  <p:clrMapOvr>
+    <a:masterClrMapping/>
+  </p:clrMapOvr>
+</p:sld>
+</file>
+
+<file path=ppt/slides/slide21.xml><?xml version="1.0" encoding="utf-8"?>
 <p:sld xmlns:a="http://schemas.openxmlformats.org/drawingml/2006/main" xmlns:r="http://schemas.openxmlformats.org/officeDocument/2006/relationships" xmlns:p="http://schemas.openxmlformats.org/presentationml/2006/main">
   <p:cSld>
     <p:spTree>
@@ -15948,597 +19578,6 @@
 </p:sld>
 </file>
 
-<file path=ppt/slides/slide2.xml><?xml version="1.0" encoding="utf-8"?>
-<p:sld xmlns:a="http://schemas.openxmlformats.org/drawingml/2006/main" xmlns:r="http://schemas.openxmlformats.org/officeDocument/2006/relationships" xmlns:p="http://schemas.openxmlformats.org/presentationml/2006/main">
-  <p:cSld>
-    <p:spTree>
-      <p:nvGrpSpPr>
-        <p:cNvPr id="1" name=""/>
-        <p:cNvGrpSpPr/>
-        <p:nvPr/>
-      </p:nvGrpSpPr>
-      <p:grpSpPr>
-        <a:xfrm>
-          <a:off x="0" y="0"/>
-          <a:ext cx="0" cy="0"/>
-          <a:chOff x="0" y="0"/>
-          <a:chExt cx="0" cy="0"/>
-        </a:xfrm>
-      </p:grpSpPr>
-      <p:sp>
-        <p:nvSpPr>
-          <p:cNvPr id="2" name="Titel 1">
-            <a:extLst>
-              <a:ext uri="{FF2B5EF4-FFF2-40B4-BE49-F238E27FC236}">
-                <a16:creationId xmlns:a16="http://schemas.microsoft.com/office/drawing/2014/main" id="{9B4A42E7-80B5-8244-B416-6C045A621A32}"/>
-              </a:ext>
-            </a:extLst>
-          </p:cNvPr>
-          <p:cNvSpPr>
-            <a:spLocks noGrp="1"/>
-          </p:cNvSpPr>
-          <p:nvPr>
-            <p:ph type="ctrTitle"/>
-          </p:nvPr>
-        </p:nvSpPr>
-        <p:spPr>
-          <a:xfrm>
-            <a:off x="-607796" y="-83373"/>
-            <a:ext cx="5472076" cy="1552968"/>
-          </a:xfrm>
-        </p:spPr>
-        <p:txBody>
-          <a:bodyPr>
-            <a:normAutofit/>
-          </a:bodyPr>
-          <a:lstStyle/>
-          <a:p>
-            <a:pPr algn="r"/>
-            <a:r>
-              <a:rPr lang="de-DE" sz="4000" dirty="0"/>
-              <a:t>RESEARCH QUESTION</a:t>
-            </a:r>
-          </a:p>
-        </p:txBody>
-      </p:sp>
-      <p:sp>
-        <p:nvSpPr>
-          <p:cNvPr id="3" name="Untertitel 2">
-            <a:extLst>
-              <a:ext uri="{FF2B5EF4-FFF2-40B4-BE49-F238E27FC236}">
-                <a16:creationId xmlns:a16="http://schemas.microsoft.com/office/drawing/2014/main" id="{5034AE0D-A02C-7640-AA72-57FAC212F70D}"/>
-              </a:ext>
-            </a:extLst>
-          </p:cNvPr>
-          <p:cNvSpPr>
-            <a:spLocks noGrp="1"/>
-          </p:cNvSpPr>
-          <p:nvPr>
-            <p:ph type="subTitle" idx="1"/>
-          </p:nvPr>
-        </p:nvSpPr>
-        <p:spPr>
-          <a:xfrm>
-            <a:off x="5201024" y="951724"/>
-            <a:ext cx="7112090" cy="3669908"/>
-          </a:xfrm>
-        </p:spPr>
-        <p:txBody>
-          <a:bodyPr>
-            <a:normAutofit/>
-          </a:bodyPr>
-          <a:lstStyle/>
-          <a:p>
-            <a:pPr algn="l"/>
-            <a:r>
-              <a:rPr lang="de-DE" sz="3200" dirty="0" err="1"/>
-              <a:t>Is</a:t>
-            </a:r>
-            <a:r>
-              <a:rPr lang="de-DE" sz="3200" dirty="0"/>
-              <a:t> </a:t>
-            </a:r>
-            <a:r>
-              <a:rPr lang="de-DE" sz="3200" dirty="0" err="1"/>
-              <a:t>it</a:t>
-            </a:r>
-            <a:r>
-              <a:rPr lang="de-DE" sz="3200" dirty="0"/>
-              <a:t> </a:t>
-            </a:r>
-            <a:r>
-              <a:rPr lang="de-DE" sz="3200" dirty="0" err="1"/>
-              <a:t>possible</a:t>
-            </a:r>
-            <a:r>
-              <a:rPr lang="de-DE" sz="3200" dirty="0"/>
-              <a:t> </a:t>
-            </a:r>
-            <a:r>
-              <a:rPr lang="de-DE" sz="3200" dirty="0" err="1"/>
-              <a:t>to</a:t>
-            </a:r>
-            <a:r>
-              <a:rPr lang="de-DE" sz="3200" dirty="0"/>
-              <a:t> </a:t>
-            </a:r>
-            <a:r>
-              <a:rPr lang="de-DE" sz="3200" dirty="0" err="1"/>
-              <a:t>identify</a:t>
-            </a:r>
-            <a:r>
-              <a:rPr lang="de-DE" sz="3200" dirty="0"/>
-              <a:t> </a:t>
-            </a:r>
-            <a:r>
-              <a:rPr lang="de-DE" sz="3200" dirty="0" err="1"/>
-              <a:t>Covid</a:t>
-            </a:r>
-            <a:r>
-              <a:rPr lang="de-DE" sz="3200" dirty="0"/>
-              <a:t> </a:t>
-            </a:r>
-            <a:r>
-              <a:rPr lang="de-DE" sz="3200" dirty="0" err="1"/>
-              <a:t>SpreadS</a:t>
-            </a:r>
-            <a:r>
-              <a:rPr lang="de-DE" sz="3200" dirty="0"/>
-              <a:t> Due </a:t>
-            </a:r>
-            <a:r>
-              <a:rPr lang="de-DE" sz="3200" dirty="0" err="1"/>
-              <a:t>to</a:t>
-            </a:r>
-            <a:endParaRPr lang="de-DE" sz="3200" dirty="0"/>
-          </a:p>
-          <a:p>
-            <a:pPr algn="l"/>
-            <a:r>
-              <a:rPr lang="de-DE" sz="3200" dirty="0" err="1">
-                <a:solidFill>
-                  <a:srgbClr val="65BCAA"/>
-                </a:solidFill>
-              </a:rPr>
-              <a:t>public</a:t>
-            </a:r>
-            <a:r>
-              <a:rPr lang="de-DE" sz="3200" dirty="0">
-                <a:solidFill>
-                  <a:srgbClr val="65BCAA"/>
-                </a:solidFill>
-              </a:rPr>
-              <a:t> </a:t>
-            </a:r>
-            <a:r>
-              <a:rPr lang="de-DE" sz="3200" dirty="0" err="1">
-                <a:solidFill>
-                  <a:srgbClr val="65BCAA"/>
-                </a:solidFill>
-              </a:rPr>
-              <a:t>transportation</a:t>
-            </a:r>
-            <a:r>
-              <a:rPr lang="de-DE" sz="3200" dirty="0">
-                <a:solidFill>
-                  <a:srgbClr val="65BCAA"/>
-                </a:solidFill>
-              </a:rPr>
-              <a:t> </a:t>
-            </a:r>
-            <a:r>
-              <a:rPr lang="de-DE" sz="3200" dirty="0"/>
-              <a:t>SERVICE?</a:t>
-            </a:r>
-            <a:r>
-              <a:rPr lang="de-DE" sz="3200" dirty="0">
-                <a:solidFill>
-                  <a:srgbClr val="65BCAA"/>
-                </a:solidFill>
-              </a:rPr>
-              <a:t>*</a:t>
-            </a:r>
-          </a:p>
-        </p:txBody>
-      </p:sp>
-      <p:pic>
-        <p:nvPicPr>
-          <p:cNvPr id="24" name="Grafik 23">
-            <a:extLst>
-              <a:ext uri="{FF2B5EF4-FFF2-40B4-BE49-F238E27FC236}">
-                <a16:creationId xmlns:a16="http://schemas.microsoft.com/office/drawing/2014/main" id="{9CC6FA83-9BCF-674F-B03D-2C8F41AF03E5}"/>
-              </a:ext>
-            </a:extLst>
-          </p:cNvPr>
-          <p:cNvPicPr>
-            <a:picLocks noChangeAspect="1"/>
-          </p:cNvPicPr>
-          <p:nvPr/>
-        </p:nvPicPr>
-        <p:blipFill>
-          <a:blip r:embed="rId3">
-            <a:extLst>
-              <a:ext uri="{96DAC541-7B7A-43D3-8B79-37D633B846F1}">
-                <asvg:svgBlip xmlns:asvg="http://schemas.microsoft.com/office/drawing/2016/SVG/main" r:embed="rId4"/>
-              </a:ext>
-            </a:extLst>
-          </a:blip>
-          <a:stretch>
-            <a:fillRect/>
-          </a:stretch>
-        </p:blipFill>
-        <p:spPr>
-          <a:xfrm>
-            <a:off x="-223287" y="693111"/>
-            <a:ext cx="8595846" cy="8595846"/>
-          </a:xfrm>
-          <a:prstGeom prst="rect">
-            <a:avLst/>
-          </a:prstGeom>
-        </p:spPr>
-      </p:pic>
-      <p:pic>
-        <p:nvPicPr>
-          <p:cNvPr id="25" name="Grafik 24">
-            <a:extLst>
-              <a:ext uri="{FF2B5EF4-FFF2-40B4-BE49-F238E27FC236}">
-                <a16:creationId xmlns:a16="http://schemas.microsoft.com/office/drawing/2014/main" id="{E0C6AFB4-1D37-C945-A25A-CDF5F9C9D4D1}"/>
-              </a:ext>
-            </a:extLst>
-          </p:cNvPr>
-          <p:cNvPicPr>
-            <a:picLocks noChangeAspect="1"/>
-          </p:cNvPicPr>
-          <p:nvPr/>
-        </p:nvPicPr>
-        <p:blipFill>
-          <a:blip r:embed="rId5">
-            <a:extLst>
-              <a:ext uri="{96DAC541-7B7A-43D3-8B79-37D633B846F1}">
-                <asvg:svgBlip xmlns:asvg="http://schemas.microsoft.com/office/drawing/2016/SVG/main" r:embed="rId6"/>
-              </a:ext>
-            </a:extLst>
-          </a:blip>
-          <a:stretch>
-            <a:fillRect/>
-          </a:stretch>
-        </p:blipFill>
-        <p:spPr>
-          <a:xfrm>
-            <a:off x="2827146" y="4454614"/>
-            <a:ext cx="334262" cy="334262"/>
-          </a:xfrm>
-          <a:prstGeom prst="rect">
-            <a:avLst/>
-          </a:prstGeom>
-        </p:spPr>
-      </p:pic>
-      <p:pic>
-        <p:nvPicPr>
-          <p:cNvPr id="26" name="Grafik 25">
-            <a:extLst>
-              <a:ext uri="{FF2B5EF4-FFF2-40B4-BE49-F238E27FC236}">
-                <a16:creationId xmlns:a16="http://schemas.microsoft.com/office/drawing/2014/main" id="{02EC1B2E-75DB-734F-B335-90AB2079B85F}"/>
-              </a:ext>
-            </a:extLst>
-          </p:cNvPr>
-          <p:cNvPicPr>
-            <a:picLocks noChangeAspect="1"/>
-          </p:cNvPicPr>
-          <p:nvPr/>
-        </p:nvPicPr>
-        <p:blipFill>
-          <a:blip r:embed="rId7">
-            <a:extLst>
-              <a:ext uri="{96DAC541-7B7A-43D3-8B79-37D633B846F1}">
-                <asvg:svgBlip xmlns:asvg="http://schemas.microsoft.com/office/drawing/2016/SVG/main" r:embed="rId8"/>
-              </a:ext>
-            </a:extLst>
-          </a:blip>
-          <a:stretch>
-            <a:fillRect/>
-          </a:stretch>
-        </p:blipFill>
-        <p:spPr>
-          <a:xfrm>
-            <a:off x="1093338" y="4451513"/>
-            <a:ext cx="334262" cy="334262"/>
-          </a:xfrm>
-          <a:prstGeom prst="rect">
-            <a:avLst/>
-          </a:prstGeom>
-        </p:spPr>
-      </p:pic>
-      <p:pic>
-        <p:nvPicPr>
-          <p:cNvPr id="27" name="Grafik 26">
-            <a:extLst>
-              <a:ext uri="{FF2B5EF4-FFF2-40B4-BE49-F238E27FC236}">
-                <a16:creationId xmlns:a16="http://schemas.microsoft.com/office/drawing/2014/main" id="{5A85486D-94CF-714E-AC77-F540DB2B849C}"/>
-              </a:ext>
-            </a:extLst>
-          </p:cNvPr>
-          <p:cNvPicPr>
-            <a:picLocks noChangeAspect="1"/>
-          </p:cNvPicPr>
-          <p:nvPr/>
-        </p:nvPicPr>
-        <p:blipFill>
-          <a:blip r:embed="rId9">
-            <a:extLst>
-              <a:ext uri="{96DAC541-7B7A-43D3-8B79-37D633B846F1}">
-                <asvg:svgBlip xmlns:asvg="http://schemas.microsoft.com/office/drawing/2016/SVG/main" r:embed="rId10"/>
-              </a:ext>
-            </a:extLst>
-          </a:blip>
-          <a:stretch>
-            <a:fillRect/>
-          </a:stretch>
-        </p:blipFill>
-        <p:spPr>
-          <a:xfrm>
-            <a:off x="1957782" y="4451513"/>
-            <a:ext cx="334262" cy="334262"/>
-          </a:xfrm>
-          <a:prstGeom prst="rect">
-            <a:avLst/>
-          </a:prstGeom>
-        </p:spPr>
-      </p:pic>
-      <p:pic>
-        <p:nvPicPr>
-          <p:cNvPr id="28" name="Grafik 27">
-            <a:extLst>
-              <a:ext uri="{FF2B5EF4-FFF2-40B4-BE49-F238E27FC236}">
-                <a16:creationId xmlns:a16="http://schemas.microsoft.com/office/drawing/2014/main" id="{423089A9-59F0-6149-B459-22E603FAA0FD}"/>
-              </a:ext>
-            </a:extLst>
-          </p:cNvPr>
-          <p:cNvPicPr>
-            <a:picLocks noChangeAspect="1"/>
-          </p:cNvPicPr>
-          <p:nvPr/>
-        </p:nvPicPr>
-        <p:blipFill>
-          <a:blip r:embed="rId5">
-            <a:extLst>
-              <a:ext uri="{96DAC541-7B7A-43D3-8B79-37D633B846F1}">
-                <asvg:svgBlip xmlns:asvg="http://schemas.microsoft.com/office/drawing/2016/SVG/main" r:embed="rId6"/>
-              </a:ext>
-            </a:extLst>
-          </a:blip>
-          <a:stretch>
-            <a:fillRect/>
-          </a:stretch>
-        </p:blipFill>
-        <p:spPr>
-          <a:xfrm>
-            <a:off x="238201" y="4451513"/>
-            <a:ext cx="334262" cy="334262"/>
-          </a:xfrm>
-          <a:prstGeom prst="rect">
-            <a:avLst/>
-          </a:prstGeom>
-        </p:spPr>
-      </p:pic>
-      <p:sp>
-        <p:nvSpPr>
-          <p:cNvPr id="9" name="Untertitel 2">
-            <a:extLst>
-              <a:ext uri="{FF2B5EF4-FFF2-40B4-BE49-F238E27FC236}">
-                <a16:creationId xmlns:a16="http://schemas.microsoft.com/office/drawing/2014/main" id="{4813740C-963A-F14E-B07A-F991B32FEA32}"/>
-              </a:ext>
-            </a:extLst>
-          </p:cNvPr>
-          <p:cNvSpPr txBox="1">
-            <a:spLocks/>
-          </p:cNvSpPr>
-          <p:nvPr/>
-        </p:nvSpPr>
-        <p:spPr>
-          <a:xfrm>
-            <a:off x="8234336" y="6459915"/>
-            <a:ext cx="2987748" cy="330253"/>
-          </a:xfrm>
-          <a:prstGeom prst="rect">
-            <a:avLst/>
-          </a:prstGeom>
-        </p:spPr>
-        <p:txBody>
-          <a:bodyPr vert="horz" lIns="91440" tIns="45720" rIns="91440" bIns="45720" rtlCol="0">
-            <a:normAutofit fontScale="40000" lnSpcReduction="20000"/>
-          </a:bodyPr>
-          <a:lstStyle>
-            <a:lvl1pPr marL="0" indent="0" algn="ctr" defTabSz="914400" rtl="0" eaLnBrk="1" latinLnBrk="0" hangingPunct="1">
-              <a:lnSpc>
-                <a:spcPct val="90000"/>
-              </a:lnSpc>
-              <a:spcBef>
-                <a:spcPts val="1000"/>
-              </a:spcBef>
-              <a:buFont typeface="Arial" panose="020B0604020202020204" pitchFamily="34" charset="0"/>
-              <a:buNone/>
-              <a:defRPr sz="2400" kern="1200" cap="all" spc="400" baseline="0">
-                <a:solidFill>
-                  <a:schemeClr val="tx1"/>
-                </a:solidFill>
-                <a:latin typeface="+mn-lt"/>
-                <a:ea typeface="+mn-ea"/>
-                <a:cs typeface="+mn-cs"/>
-              </a:defRPr>
-            </a:lvl1pPr>
-            <a:lvl2pPr marL="457200" indent="0" algn="ctr" defTabSz="914400" rtl="0" eaLnBrk="1" latinLnBrk="0" hangingPunct="1">
-              <a:lnSpc>
-                <a:spcPct val="90000"/>
-              </a:lnSpc>
-              <a:spcBef>
-                <a:spcPts val="500"/>
-              </a:spcBef>
-              <a:buFont typeface="Arial" panose="020B0604020202020204" pitchFamily="34" charset="0"/>
-              <a:buNone/>
-              <a:defRPr sz="2000" kern="1200">
-                <a:solidFill>
-                  <a:schemeClr val="tx1"/>
-                </a:solidFill>
-                <a:latin typeface="+mn-lt"/>
-                <a:ea typeface="+mn-ea"/>
-                <a:cs typeface="+mn-cs"/>
-              </a:defRPr>
-            </a:lvl2pPr>
-            <a:lvl3pPr marL="914400" indent="0" algn="ctr" defTabSz="914400" rtl="0" eaLnBrk="1" latinLnBrk="0" hangingPunct="1">
-              <a:lnSpc>
-                <a:spcPct val="90000"/>
-              </a:lnSpc>
-              <a:spcBef>
-                <a:spcPts val="500"/>
-              </a:spcBef>
-              <a:buFont typeface="Arial" panose="020B0604020202020204" pitchFamily="34" charset="0"/>
-              <a:buNone/>
-              <a:defRPr sz="1800" kern="1200">
-                <a:solidFill>
-                  <a:schemeClr val="tx1"/>
-                </a:solidFill>
-                <a:latin typeface="+mn-lt"/>
-                <a:ea typeface="+mn-ea"/>
-                <a:cs typeface="+mn-cs"/>
-              </a:defRPr>
-            </a:lvl3pPr>
-            <a:lvl4pPr marL="1371600" indent="0" algn="ctr" defTabSz="914400" rtl="0" eaLnBrk="1" latinLnBrk="0" hangingPunct="1">
-              <a:lnSpc>
-                <a:spcPct val="90000"/>
-              </a:lnSpc>
-              <a:spcBef>
-                <a:spcPts val="500"/>
-              </a:spcBef>
-              <a:buFont typeface="Arial" panose="020B0604020202020204" pitchFamily="34" charset="0"/>
-              <a:buNone/>
-              <a:defRPr sz="1600" kern="1200">
-                <a:solidFill>
-                  <a:schemeClr val="tx1"/>
-                </a:solidFill>
-                <a:latin typeface="+mn-lt"/>
-                <a:ea typeface="+mn-ea"/>
-                <a:cs typeface="+mn-cs"/>
-              </a:defRPr>
-            </a:lvl4pPr>
-            <a:lvl5pPr marL="1828800" indent="0" algn="ctr" defTabSz="914400" rtl="0" eaLnBrk="1" latinLnBrk="0" hangingPunct="1">
-              <a:lnSpc>
-                <a:spcPct val="90000"/>
-              </a:lnSpc>
-              <a:spcBef>
-                <a:spcPts val="500"/>
-              </a:spcBef>
-              <a:buFont typeface="Arial" panose="020B0604020202020204" pitchFamily="34" charset="0"/>
-              <a:buNone/>
-              <a:defRPr sz="1600" kern="1200">
-                <a:solidFill>
-                  <a:schemeClr val="tx1"/>
-                </a:solidFill>
-                <a:latin typeface="+mn-lt"/>
-                <a:ea typeface="+mn-ea"/>
-                <a:cs typeface="+mn-cs"/>
-              </a:defRPr>
-            </a:lvl5pPr>
-            <a:lvl6pPr marL="2286000" indent="0" algn="ctr" defTabSz="914400" rtl="0" eaLnBrk="1" latinLnBrk="0" hangingPunct="1">
-              <a:lnSpc>
-                <a:spcPct val="90000"/>
-              </a:lnSpc>
-              <a:spcBef>
-                <a:spcPts val="500"/>
-              </a:spcBef>
-              <a:buFont typeface="Arial" panose="020B0604020202020204" pitchFamily="34" charset="0"/>
-              <a:buNone/>
-              <a:defRPr sz="1600" kern="1200">
-                <a:solidFill>
-                  <a:schemeClr val="tx1"/>
-                </a:solidFill>
-                <a:latin typeface="+mn-lt"/>
-                <a:ea typeface="+mn-ea"/>
-                <a:cs typeface="+mn-cs"/>
-              </a:defRPr>
-            </a:lvl6pPr>
-            <a:lvl7pPr marL="2743200" indent="0" algn="ctr" defTabSz="914400" rtl="0" eaLnBrk="1" latinLnBrk="0" hangingPunct="1">
-              <a:lnSpc>
-                <a:spcPct val="90000"/>
-              </a:lnSpc>
-              <a:spcBef>
-                <a:spcPts val="500"/>
-              </a:spcBef>
-              <a:buFont typeface="Arial" panose="020B0604020202020204" pitchFamily="34" charset="0"/>
-              <a:buNone/>
-              <a:defRPr sz="1600" kern="1200">
-                <a:solidFill>
-                  <a:schemeClr val="tx1"/>
-                </a:solidFill>
-                <a:latin typeface="+mn-lt"/>
-                <a:ea typeface="+mn-ea"/>
-                <a:cs typeface="+mn-cs"/>
-              </a:defRPr>
-            </a:lvl7pPr>
-            <a:lvl8pPr marL="3200400" indent="0" algn="ctr" defTabSz="914400" rtl="0" eaLnBrk="1" latinLnBrk="0" hangingPunct="1">
-              <a:lnSpc>
-                <a:spcPct val="90000"/>
-              </a:lnSpc>
-              <a:spcBef>
-                <a:spcPts val="500"/>
-              </a:spcBef>
-              <a:buFont typeface="Arial" panose="020B0604020202020204" pitchFamily="34" charset="0"/>
-              <a:buNone/>
-              <a:defRPr sz="1600" kern="1200">
-                <a:solidFill>
-                  <a:schemeClr val="tx1"/>
-                </a:solidFill>
-                <a:latin typeface="+mn-lt"/>
-                <a:ea typeface="+mn-ea"/>
-                <a:cs typeface="+mn-cs"/>
-              </a:defRPr>
-            </a:lvl8pPr>
-            <a:lvl9pPr marL="3657600" indent="0" algn="ctr" defTabSz="914400" rtl="0" eaLnBrk="1" latinLnBrk="0" hangingPunct="1">
-              <a:lnSpc>
-                <a:spcPct val="90000"/>
-              </a:lnSpc>
-              <a:spcBef>
-                <a:spcPts val="500"/>
-              </a:spcBef>
-              <a:buFont typeface="Arial" panose="020B0604020202020204" pitchFamily="34" charset="0"/>
-              <a:buNone/>
-              <a:defRPr sz="1600" kern="1200">
-                <a:solidFill>
-                  <a:schemeClr val="tx1"/>
-                </a:solidFill>
-                <a:latin typeface="+mn-lt"/>
-                <a:ea typeface="+mn-ea"/>
-                <a:cs typeface="+mn-cs"/>
-              </a:defRPr>
-            </a:lvl9pPr>
-          </a:lstStyle>
-          <a:p>
-            <a:pPr algn="r"/>
-            <a:r>
-              <a:rPr lang="de-DE" dirty="0">
-                <a:solidFill>
-                  <a:srgbClr val="65BCAA"/>
-                </a:solidFill>
-              </a:rPr>
-              <a:t>* ASSUMING 100% RAILWAY TRAFFIC [NO CARS,…]</a:t>
-            </a:r>
-            <a:endParaRPr lang="de-DE" dirty="0"/>
-          </a:p>
-        </p:txBody>
-      </p:sp>
-    </p:spTree>
-    <p:extLst>
-      <p:ext uri="{BB962C8B-B14F-4D97-AF65-F5344CB8AC3E}">
-        <p14:creationId xmlns:p14="http://schemas.microsoft.com/office/powerpoint/2010/main" val="3388164658"/>
-      </p:ext>
-    </p:extLst>
-  </p:cSld>
-  <p:clrMapOvr>
-    <a:masterClrMapping/>
-  </p:clrMapOvr>
-</p:sld>
-</file>
-
 <file path=ppt/slides/slide3.xml><?xml version="1.0" encoding="utf-8"?>
 <p:sld xmlns:a="http://schemas.openxmlformats.org/drawingml/2006/main" xmlns:r="http://schemas.openxmlformats.org/officeDocument/2006/relationships" xmlns:p="http://schemas.openxmlformats.org/presentationml/2006/main">
   <p:cSld>
@@ -16743,7 +19782,7 @@
         </p:blipFill>
         <p:spPr>
           <a:xfrm rot="13511814">
-            <a:off x="1036833" y="4494453"/>
+            <a:off x="1036833" y="4476869"/>
             <a:ext cx="1357428" cy="1363143"/>
           </a:xfrm>
           <a:prstGeom prst="rect">
@@ -16991,7 +20030,7 @@
           <a:p>
             <a:pPr algn="r"/>
             <a:r>
-              <a:rPr lang="de-DE" dirty="0">
+              <a:rPr lang="de-DE" b="1" dirty="0">
                 <a:solidFill>
                   <a:srgbClr val="65BCAA"/>
                 </a:solidFill>
@@ -17306,7 +20345,7 @@
         </p:blipFill>
         <p:spPr>
           <a:xfrm rot="13511814">
-            <a:off x="3869607" y="4767651"/>
+            <a:off x="3869607" y="4758859"/>
             <a:ext cx="784447" cy="861539"/>
           </a:xfrm>
           <a:prstGeom prst="rect">
@@ -17341,7 +20380,7 @@
         </p:blipFill>
         <p:spPr>
           <a:xfrm rot="13511814">
-            <a:off x="3046042" y="4767650"/>
+            <a:off x="3046042" y="4750066"/>
             <a:ext cx="784447" cy="861539"/>
           </a:xfrm>
           <a:prstGeom prst="rect">
@@ -17376,7 +20415,7 @@
         </p:blipFill>
         <p:spPr>
           <a:xfrm rot="13511814">
-            <a:off x="2330749" y="4770287"/>
+            <a:off x="2330749" y="4752703"/>
             <a:ext cx="784447" cy="861539"/>
           </a:xfrm>
           <a:prstGeom prst="rect">
@@ -17619,18 +20658,7 @@
                   <a:srgbClr val="65BCAA"/>
                 </a:solidFill>
               </a:rPr>
-              <a:t>BUILD AN INTERACTIVE MAP LIKE GMAPS </a:t>
-            </a:r>
-          </a:p>
-          <a:p>
-            <a:pPr algn="l"/>
-            <a:r>
-              <a:rPr lang="de-DE" dirty="0">
-                <a:solidFill>
-                  <a:srgbClr val="65BCAA"/>
-                </a:solidFill>
-              </a:rPr>
-              <a:t>FOR SELECTED CONNECTIONS</a:t>
+              <a:t>BUILD AN INTERACTIVE MAP</a:t>
             </a:r>
           </a:p>
           <a:p>
@@ -18124,7 +21152,7 @@
         </p:spPr>
         <p:txBody>
           <a:bodyPr vert="horz" lIns="91440" tIns="45720" rIns="91440" bIns="45720" rtlCol="0">
-            <a:normAutofit fontScale="25000" lnSpcReduction="20000"/>
+            <a:normAutofit fontScale="32500" lnSpcReduction="20000"/>
           </a:bodyPr>
           <a:lstStyle>
             <a:lvl1pPr marL="0" indent="0" algn="ctr" defTabSz="914400" rtl="0" eaLnBrk="1" latinLnBrk="0" hangingPunct="1">
@@ -18295,12 +21323,10 @@
             <a:r>
               <a:rPr lang="de-DE" sz="9600" dirty="0">
                 <a:solidFill>
-                  <a:schemeClr val="tx2">
-                    <a:lumMod val="50000"/>
-                  </a:schemeClr>
+                  <a:srgbClr val="FFFF00"/>
                 </a:solidFill>
               </a:rPr>
-              <a:t>FETCH CORONA DATASET FOR SPECIFIED INTERVALS</a:t>
+              <a:t>FETCH TRAIN DATA FOR SPECIFIED INTERVALS</a:t>
             </a:r>
           </a:p>
           <a:p>
@@ -18634,382 +21660,6 @@
             <a:r>
               <a:rPr lang="de-DE" sz="3100" dirty="0">
                 <a:solidFill>
-                  <a:srgbClr val="65BCAA"/>
-                </a:solidFill>
-              </a:rPr>
-              <a:t>HAVAS </a:t>
-            </a:r>
-            <a:r>
-              <a:rPr lang="de-DE" sz="3100" dirty="0"/>
-              <a:t>|</a:t>
-            </a:r>
-            <a:r>
-              <a:rPr lang="de-DE" sz="3100" dirty="0">
-                <a:solidFill>
-                  <a:srgbClr val="65BCAA"/>
-                </a:solidFill>
-              </a:rPr>
-              <a:t> IRIS </a:t>
-            </a:r>
-            <a:r>
-              <a:rPr lang="de-DE" sz="3100" dirty="0"/>
-              <a:t>|</a:t>
-            </a:r>
-            <a:r>
-              <a:rPr lang="de-DE" sz="3100" dirty="0">
-                <a:solidFill>
-                  <a:srgbClr val="65BCAA"/>
-                </a:solidFill>
-              </a:rPr>
-              <a:t> DB </a:t>
-            </a:r>
-            <a:r>
-              <a:rPr lang="de-DE" sz="3100" dirty="0"/>
-              <a:t>API</a:t>
-            </a:r>
-          </a:p>
-          <a:p>
-            <a:pPr algn="l"/>
-            <a:r>
-              <a:rPr lang="de-DE" sz="1800" dirty="0"/>
-              <a:t>[RAILWAY CONNECTIONS, CAPACITY, FILL RATE, DEPARTURE TABLE]</a:t>
-            </a:r>
-          </a:p>
-          <a:p>
-            <a:pPr algn="l"/>
-            <a:endParaRPr lang="de-DE" sz="3100" dirty="0"/>
-          </a:p>
-          <a:p>
-            <a:pPr algn="r"/>
-            <a:endParaRPr lang="de-DE" dirty="0"/>
-          </a:p>
-        </p:txBody>
-      </p:sp>
-    </p:spTree>
-    <p:extLst>
-      <p:ext uri="{BB962C8B-B14F-4D97-AF65-F5344CB8AC3E}">
-        <p14:creationId xmlns:p14="http://schemas.microsoft.com/office/powerpoint/2010/main" val="2997509926"/>
-      </p:ext>
-    </p:extLst>
-  </p:cSld>
-  <p:clrMapOvr>
-    <a:masterClrMapping/>
-  </p:clrMapOvr>
-</p:sld>
-</file>
-
-<file path=ppt/slides/slide5.xml><?xml version="1.0" encoding="utf-8"?>
-<p:sld xmlns:a="http://schemas.openxmlformats.org/drawingml/2006/main" xmlns:r="http://schemas.openxmlformats.org/officeDocument/2006/relationships" xmlns:p="http://schemas.openxmlformats.org/presentationml/2006/main">
-  <p:cSld>
-    <p:spTree>
-      <p:nvGrpSpPr>
-        <p:cNvPr id="1" name=""/>
-        <p:cNvGrpSpPr/>
-        <p:nvPr/>
-      </p:nvGrpSpPr>
-      <p:grpSpPr>
-        <a:xfrm>
-          <a:off x="0" y="0"/>
-          <a:ext cx="0" cy="0"/>
-          <a:chOff x="0" y="0"/>
-          <a:chExt cx="0" cy="0"/>
-        </a:xfrm>
-      </p:grpSpPr>
-      <p:sp>
-        <p:nvSpPr>
-          <p:cNvPr id="17" name="Titel 1">
-            <a:extLst>
-              <a:ext uri="{FF2B5EF4-FFF2-40B4-BE49-F238E27FC236}">
-                <a16:creationId xmlns:a16="http://schemas.microsoft.com/office/drawing/2014/main" id="{C097338E-B699-5A4C-B7CB-0BC815BB9BAE}"/>
-              </a:ext>
-            </a:extLst>
-          </p:cNvPr>
-          <p:cNvSpPr txBox="1">
-            <a:spLocks/>
-          </p:cNvSpPr>
-          <p:nvPr/>
-        </p:nvSpPr>
-        <p:spPr>
-          <a:xfrm>
-            <a:off x="701646" y="-375573"/>
-            <a:ext cx="10404319" cy="1760490"/>
-          </a:xfrm>
-          <a:prstGeom prst="rect">
-            <a:avLst/>
-          </a:prstGeom>
-        </p:spPr>
-        <p:txBody>
-          <a:bodyPr vert="horz" lIns="91440" tIns="45720" rIns="91440" bIns="45720" rtlCol="0" anchor="b">
-            <a:normAutofit/>
-          </a:bodyPr>
-          <a:lstStyle>
-            <a:lvl1pPr algn="ctr" defTabSz="914400" rtl="0" eaLnBrk="1" latinLnBrk="0" hangingPunct="1">
-              <a:lnSpc>
-                <a:spcPct val="90000"/>
-              </a:lnSpc>
-              <a:spcBef>
-                <a:spcPct val="0"/>
-              </a:spcBef>
-              <a:buNone/>
-              <a:defRPr sz="6000" b="1" kern="1200" cap="all" spc="1500" baseline="0">
-                <a:solidFill>
-                  <a:schemeClr val="tx1"/>
-                </a:solidFill>
-                <a:latin typeface="+mj-lt"/>
-                <a:ea typeface="Source Sans Pro SemiBold" panose="020B0603030403020204" pitchFamily="34" charset="0"/>
-                <a:cs typeface="+mj-cs"/>
-              </a:defRPr>
-            </a:lvl1pPr>
-          </a:lstStyle>
-          <a:p>
-            <a:pPr algn="l"/>
-            <a:r>
-              <a:rPr lang="de-DE" sz="4000" dirty="0"/>
-              <a:t>TRAIN DATA</a:t>
-            </a:r>
-          </a:p>
-          <a:p>
-            <a:pPr algn="l"/>
-            <a:r>
-              <a:rPr lang="de-DE" sz="4000" dirty="0" err="1"/>
-              <a:t>acquisition</a:t>
-            </a:r>
-            <a:endParaRPr lang="de-DE" sz="4000" dirty="0"/>
-          </a:p>
-        </p:txBody>
-      </p:sp>
-      <p:pic>
-        <p:nvPicPr>
-          <p:cNvPr id="19" name="Grafik 18">
-            <a:extLst>
-              <a:ext uri="{FF2B5EF4-FFF2-40B4-BE49-F238E27FC236}">
-                <a16:creationId xmlns:a16="http://schemas.microsoft.com/office/drawing/2014/main" id="{E4134132-07F4-CE4E-8CFB-481DD6B7858E}"/>
-              </a:ext>
-            </a:extLst>
-          </p:cNvPr>
-          <p:cNvPicPr>
-            <a:picLocks noChangeAspect="1"/>
-          </p:cNvPicPr>
-          <p:nvPr/>
-        </p:nvPicPr>
-        <p:blipFill>
-          <a:blip r:embed="rId3">
-            <a:extLst>
-              <a:ext uri="{96DAC541-7B7A-43D3-8B79-37D633B846F1}">
-                <asvg:svgBlip xmlns:asvg="http://schemas.microsoft.com/office/drawing/2016/SVG/main" r:embed="rId4"/>
-              </a:ext>
-            </a:extLst>
-          </a:blip>
-          <a:stretch>
-            <a:fillRect/>
-          </a:stretch>
-        </p:blipFill>
-        <p:spPr>
-          <a:xfrm>
-            <a:off x="701647" y="1177395"/>
-            <a:ext cx="1318439" cy="1318439"/>
-          </a:xfrm>
-          <a:prstGeom prst="rect">
-            <a:avLst/>
-          </a:prstGeom>
-        </p:spPr>
-      </p:pic>
-      <p:sp>
-        <p:nvSpPr>
-          <p:cNvPr id="20" name="Untertitel 2">
-            <a:extLst>
-              <a:ext uri="{FF2B5EF4-FFF2-40B4-BE49-F238E27FC236}">
-                <a16:creationId xmlns:a16="http://schemas.microsoft.com/office/drawing/2014/main" id="{4932DBFA-E34D-C143-A7FC-61D0021E9B92}"/>
-              </a:ext>
-            </a:extLst>
-          </p:cNvPr>
-          <p:cNvSpPr txBox="1">
-            <a:spLocks/>
-          </p:cNvSpPr>
-          <p:nvPr/>
-        </p:nvSpPr>
-        <p:spPr>
-          <a:xfrm>
-            <a:off x="2020085" y="1550725"/>
-            <a:ext cx="10078619" cy="638900"/>
-          </a:xfrm>
-          <a:prstGeom prst="rect">
-            <a:avLst/>
-          </a:prstGeom>
-        </p:spPr>
-        <p:txBody>
-          <a:bodyPr vert="horz" lIns="91440" tIns="45720" rIns="91440" bIns="45720" rtlCol="0">
-            <a:normAutofit fontScale="77500" lnSpcReduction="20000"/>
-          </a:bodyPr>
-          <a:lstStyle>
-            <a:lvl1pPr marL="0" indent="0" algn="ctr" defTabSz="914400" rtl="0" eaLnBrk="1" latinLnBrk="0" hangingPunct="1">
-              <a:lnSpc>
-                <a:spcPct val="90000"/>
-              </a:lnSpc>
-              <a:spcBef>
-                <a:spcPts val="1000"/>
-              </a:spcBef>
-              <a:buFont typeface="Arial" panose="020B0604020202020204" pitchFamily="34" charset="0"/>
-              <a:buNone/>
-              <a:defRPr sz="2400" kern="1200" cap="all" spc="400" baseline="0">
-                <a:solidFill>
-                  <a:schemeClr val="tx1"/>
-                </a:solidFill>
-                <a:latin typeface="+mn-lt"/>
-                <a:ea typeface="+mn-ea"/>
-                <a:cs typeface="+mn-cs"/>
-              </a:defRPr>
-            </a:lvl1pPr>
-            <a:lvl2pPr marL="457200" indent="0" algn="ctr" defTabSz="914400" rtl="0" eaLnBrk="1" latinLnBrk="0" hangingPunct="1">
-              <a:lnSpc>
-                <a:spcPct val="90000"/>
-              </a:lnSpc>
-              <a:spcBef>
-                <a:spcPts val="500"/>
-              </a:spcBef>
-              <a:buFont typeface="Arial" panose="020B0604020202020204" pitchFamily="34" charset="0"/>
-              <a:buNone/>
-              <a:defRPr sz="2000" kern="1200">
-                <a:solidFill>
-                  <a:schemeClr val="tx1"/>
-                </a:solidFill>
-                <a:latin typeface="+mn-lt"/>
-                <a:ea typeface="+mn-ea"/>
-                <a:cs typeface="+mn-cs"/>
-              </a:defRPr>
-            </a:lvl2pPr>
-            <a:lvl3pPr marL="914400" indent="0" algn="ctr" defTabSz="914400" rtl="0" eaLnBrk="1" latinLnBrk="0" hangingPunct="1">
-              <a:lnSpc>
-                <a:spcPct val="90000"/>
-              </a:lnSpc>
-              <a:spcBef>
-                <a:spcPts val="500"/>
-              </a:spcBef>
-              <a:buFont typeface="Arial" panose="020B0604020202020204" pitchFamily="34" charset="0"/>
-              <a:buNone/>
-              <a:defRPr sz="1800" kern="1200">
-                <a:solidFill>
-                  <a:schemeClr val="tx1"/>
-                </a:solidFill>
-                <a:latin typeface="+mn-lt"/>
-                <a:ea typeface="+mn-ea"/>
-                <a:cs typeface="+mn-cs"/>
-              </a:defRPr>
-            </a:lvl3pPr>
-            <a:lvl4pPr marL="1371600" indent="0" algn="ctr" defTabSz="914400" rtl="0" eaLnBrk="1" latinLnBrk="0" hangingPunct="1">
-              <a:lnSpc>
-                <a:spcPct val="90000"/>
-              </a:lnSpc>
-              <a:spcBef>
-                <a:spcPts val="500"/>
-              </a:spcBef>
-              <a:buFont typeface="Arial" panose="020B0604020202020204" pitchFamily="34" charset="0"/>
-              <a:buNone/>
-              <a:defRPr sz="1600" kern="1200">
-                <a:solidFill>
-                  <a:schemeClr val="tx1"/>
-                </a:solidFill>
-                <a:latin typeface="+mn-lt"/>
-                <a:ea typeface="+mn-ea"/>
-                <a:cs typeface="+mn-cs"/>
-              </a:defRPr>
-            </a:lvl4pPr>
-            <a:lvl5pPr marL="1828800" indent="0" algn="ctr" defTabSz="914400" rtl="0" eaLnBrk="1" latinLnBrk="0" hangingPunct="1">
-              <a:lnSpc>
-                <a:spcPct val="90000"/>
-              </a:lnSpc>
-              <a:spcBef>
-                <a:spcPts val="500"/>
-              </a:spcBef>
-              <a:buFont typeface="Arial" panose="020B0604020202020204" pitchFamily="34" charset="0"/>
-              <a:buNone/>
-              <a:defRPr sz="1600" kern="1200">
-                <a:solidFill>
-                  <a:schemeClr val="tx1"/>
-                </a:solidFill>
-                <a:latin typeface="+mn-lt"/>
-                <a:ea typeface="+mn-ea"/>
-                <a:cs typeface="+mn-cs"/>
-              </a:defRPr>
-            </a:lvl5pPr>
-            <a:lvl6pPr marL="2286000" indent="0" algn="ctr" defTabSz="914400" rtl="0" eaLnBrk="1" latinLnBrk="0" hangingPunct="1">
-              <a:lnSpc>
-                <a:spcPct val="90000"/>
-              </a:lnSpc>
-              <a:spcBef>
-                <a:spcPts val="500"/>
-              </a:spcBef>
-              <a:buFont typeface="Arial" panose="020B0604020202020204" pitchFamily="34" charset="0"/>
-              <a:buNone/>
-              <a:defRPr sz="1600" kern="1200">
-                <a:solidFill>
-                  <a:schemeClr val="tx1"/>
-                </a:solidFill>
-                <a:latin typeface="+mn-lt"/>
-                <a:ea typeface="+mn-ea"/>
-                <a:cs typeface="+mn-cs"/>
-              </a:defRPr>
-            </a:lvl6pPr>
-            <a:lvl7pPr marL="2743200" indent="0" algn="ctr" defTabSz="914400" rtl="0" eaLnBrk="1" latinLnBrk="0" hangingPunct="1">
-              <a:lnSpc>
-                <a:spcPct val="90000"/>
-              </a:lnSpc>
-              <a:spcBef>
-                <a:spcPts val="500"/>
-              </a:spcBef>
-              <a:buFont typeface="Arial" panose="020B0604020202020204" pitchFamily="34" charset="0"/>
-              <a:buNone/>
-              <a:defRPr sz="1600" kern="1200">
-                <a:solidFill>
-                  <a:schemeClr val="tx1"/>
-                </a:solidFill>
-                <a:latin typeface="+mn-lt"/>
-                <a:ea typeface="+mn-ea"/>
-                <a:cs typeface="+mn-cs"/>
-              </a:defRPr>
-            </a:lvl7pPr>
-            <a:lvl8pPr marL="3200400" indent="0" algn="ctr" defTabSz="914400" rtl="0" eaLnBrk="1" latinLnBrk="0" hangingPunct="1">
-              <a:lnSpc>
-                <a:spcPct val="90000"/>
-              </a:lnSpc>
-              <a:spcBef>
-                <a:spcPts val="500"/>
-              </a:spcBef>
-              <a:buFont typeface="Arial" panose="020B0604020202020204" pitchFamily="34" charset="0"/>
-              <a:buNone/>
-              <a:defRPr sz="1600" kern="1200">
-                <a:solidFill>
-                  <a:schemeClr val="tx1"/>
-                </a:solidFill>
-                <a:latin typeface="+mn-lt"/>
-                <a:ea typeface="+mn-ea"/>
-                <a:cs typeface="+mn-cs"/>
-              </a:defRPr>
-            </a:lvl8pPr>
-            <a:lvl9pPr marL="3657600" indent="0" algn="ctr" defTabSz="914400" rtl="0" eaLnBrk="1" latinLnBrk="0" hangingPunct="1">
-              <a:lnSpc>
-                <a:spcPct val="90000"/>
-              </a:lnSpc>
-              <a:spcBef>
-                <a:spcPts val="500"/>
-              </a:spcBef>
-              <a:buFont typeface="Arial" panose="020B0604020202020204" pitchFamily="34" charset="0"/>
-              <a:buNone/>
-              <a:defRPr sz="1600" kern="1200">
-                <a:solidFill>
-                  <a:schemeClr val="tx1"/>
-                </a:solidFill>
-                <a:latin typeface="+mn-lt"/>
-                <a:ea typeface="+mn-ea"/>
-                <a:cs typeface="+mn-cs"/>
-              </a:defRPr>
-            </a:lvl9pPr>
-          </a:lstStyle>
-          <a:p>
-            <a:pPr algn="l"/>
-            <a:r>
-              <a:rPr lang="de-DE" sz="3100" dirty="0">
-                <a:solidFill>
                   <a:srgbClr val="FFC000"/>
                 </a:solidFill>
               </a:rPr>
@@ -19032,7 +21682,7 @@
               <a:t> | </a:t>
             </a:r>
             <a:r>
-              <a:rPr lang="de-DE" sz="3100" dirty="0">
+              <a:rPr lang="de-DE" sz="3100" strike="sngStrike" dirty="0">
                 <a:solidFill>
                   <a:srgbClr val="FFC000"/>
                 </a:solidFill>
@@ -19273,34 +21923,7 @@
               <a:rPr lang="de-DE" sz="3100" dirty="0" err="1"/>
               <a:t>extraction</a:t>
             </a:r>
-            <a:r>
-              <a:rPr lang="de-DE" sz="3100" dirty="0"/>
-              <a:t> due not </a:t>
-            </a:r>
-            <a:r>
-              <a:rPr lang="de-DE" sz="3100" dirty="0" err="1"/>
-              <a:t>very</a:t>
-            </a:r>
-            <a:r>
-              <a:rPr lang="de-DE" sz="3100" dirty="0"/>
-              <a:t> </a:t>
-            </a:r>
-            <a:r>
-              <a:rPr lang="de-DE" sz="3100" dirty="0" err="1"/>
-              <a:t>user</a:t>
-            </a:r>
-            <a:r>
-              <a:rPr lang="de-DE" sz="3100" dirty="0"/>
-              <a:t> </a:t>
-            </a:r>
-            <a:r>
-              <a:rPr lang="de-DE" sz="3100" dirty="0" err="1"/>
-              <a:t>friendly</a:t>
-            </a:r>
-            <a:r>
-              <a:rPr lang="de-DE" sz="3100" dirty="0"/>
-              <a:t> DATA SOURCES</a:t>
-            </a:r>
+            <a:endParaRPr lang="de-DE" sz="3100" dirty="0"/>
           </a:p>
           <a:p>
             <a:pPr marL="457200" indent="-457200" algn="l">
@@ -19316,7 +21939,7 @@
             </a:pPr>
             <a:r>
               <a:rPr lang="de-DE" sz="3100" dirty="0"/>
-              <a:t>Manual PDF PARSING</a:t>
+              <a:t>Manual PDF PARSING OF TRAIN TYPES</a:t>
             </a:r>
           </a:p>
           <a:p>
@@ -19345,12 +21968,22 @@
               <a:buChar char="•"/>
             </a:pPr>
             <a:r>
+              <a:rPr lang="de-DE" sz="3100" dirty="0"/>
+              <a:t>NOT MATCHING GEO COORDINATE SYSTEMS</a:t>
+            </a:r>
+          </a:p>
+          <a:p>
+            <a:pPr marL="457200" indent="-457200" algn="l">
+              <a:buFont typeface="Arial" panose="020B0604020202020204" pitchFamily="34" charset="0"/>
+              <a:buChar char="•"/>
+            </a:pPr>
+            <a:r>
               <a:rPr lang="de-DE" sz="3100" b="1" dirty="0">
                 <a:solidFill>
-                  <a:srgbClr val="FFC000"/>
+                  <a:srgbClr val="FF0000"/>
                 </a:solidFill>
               </a:rPr>
-              <a:t>NO HISTORY DATA</a:t>
+              <a:t>NO DB HISTORY DATA</a:t>
             </a:r>
           </a:p>
         </p:txBody>
@@ -19368,7 +22001,7 @@
 </p:sld>
 </file>
 
-<file path=ppt/slides/slide6.xml><?xml version="1.0" encoding="utf-8"?>
+<file path=ppt/slides/slide5.xml><?xml version="1.0" encoding="utf-8"?>
 <p:sld xmlns:a="http://schemas.openxmlformats.org/drawingml/2006/main" xmlns:r="http://schemas.openxmlformats.org/officeDocument/2006/relationships" xmlns:p="http://schemas.openxmlformats.org/presentationml/2006/main">
   <p:cSld>
     <p:spTree>
@@ -19786,7 +22419,7 @@
 </p:sld>
 </file>
 
-<file path=ppt/slides/slide7.xml><?xml version="1.0" encoding="utf-8"?>
+<file path=ppt/slides/slide6.xml><?xml version="1.0" encoding="utf-8"?>
 <p:sld xmlns:a="http://schemas.openxmlformats.org/drawingml/2006/main" xmlns:r="http://schemas.openxmlformats.org/officeDocument/2006/relationships" xmlns:p="http://schemas.openxmlformats.org/presentationml/2006/main">
   <p:cSld>
     <p:spTree>
@@ -20118,7 +22751,7 @@
             </a:r>
             <a:r>
               <a:rPr lang="de-DE" sz="1800" dirty="0"/>
-              <a:t>, CAPACITY]</a:t>
+              <a:t>]</a:t>
             </a:r>
           </a:p>
           <a:p>
@@ -20153,8 +22786,396 @@
         </p:blipFill>
         <p:spPr>
           <a:xfrm>
-            <a:off x="328784" y="3788482"/>
-            <a:ext cx="4606530" cy="1764406"/>
+            <a:off x="293614" y="2750704"/>
+            <a:ext cx="8414450" cy="3222926"/>
+          </a:xfrm>
+          <a:prstGeom prst="rect">
+            <a:avLst/>
+          </a:prstGeom>
+        </p:spPr>
+      </p:pic>
+    </p:spTree>
+    <p:extLst>
+      <p:ext uri="{BB962C8B-B14F-4D97-AF65-F5344CB8AC3E}">
+        <p14:creationId xmlns:p14="http://schemas.microsoft.com/office/powerpoint/2010/main" val="3473417836"/>
+      </p:ext>
+    </p:extLst>
+  </p:cSld>
+  <p:clrMapOvr>
+    <a:masterClrMapping/>
+  </p:clrMapOvr>
+</p:sld>
+</file>
+
+<file path=ppt/slides/slide7.xml><?xml version="1.0" encoding="utf-8"?>
+<p:sld xmlns:a="http://schemas.openxmlformats.org/drawingml/2006/main" xmlns:r="http://schemas.openxmlformats.org/officeDocument/2006/relationships" xmlns:p="http://schemas.openxmlformats.org/presentationml/2006/main">
+  <p:cSld>
+    <p:spTree>
+      <p:nvGrpSpPr>
+        <p:cNvPr id="1" name=""/>
+        <p:cNvGrpSpPr/>
+        <p:nvPr/>
+      </p:nvGrpSpPr>
+      <p:grpSpPr>
+        <a:xfrm>
+          <a:off x="0" y="0"/>
+          <a:ext cx="0" cy="0"/>
+          <a:chOff x="0" y="0"/>
+          <a:chExt cx="0" cy="0"/>
+        </a:xfrm>
+      </p:grpSpPr>
+      <p:sp>
+        <p:nvSpPr>
+          <p:cNvPr id="17" name="Titel 1">
+            <a:extLst>
+              <a:ext uri="{FF2B5EF4-FFF2-40B4-BE49-F238E27FC236}">
+                <a16:creationId xmlns:a16="http://schemas.microsoft.com/office/drawing/2014/main" id="{C097338E-B699-5A4C-B7CB-0BC815BB9BAE}"/>
+              </a:ext>
+            </a:extLst>
+          </p:cNvPr>
+          <p:cNvSpPr txBox="1">
+            <a:spLocks/>
+          </p:cNvSpPr>
+          <p:nvPr/>
+        </p:nvSpPr>
+        <p:spPr>
+          <a:xfrm>
+            <a:off x="701646" y="421745"/>
+            <a:ext cx="10404319" cy="755650"/>
+          </a:xfrm>
+          <a:prstGeom prst="rect">
+            <a:avLst/>
+          </a:prstGeom>
+        </p:spPr>
+        <p:txBody>
+          <a:bodyPr vert="horz" lIns="91440" tIns="45720" rIns="91440" bIns="45720" rtlCol="0" anchor="b">
+            <a:normAutofit/>
+          </a:bodyPr>
+          <a:lstStyle>
+            <a:lvl1pPr algn="ctr" defTabSz="914400" rtl="0" eaLnBrk="1" latinLnBrk="0" hangingPunct="1">
+              <a:lnSpc>
+                <a:spcPct val="90000"/>
+              </a:lnSpc>
+              <a:spcBef>
+                <a:spcPct val="0"/>
+              </a:spcBef>
+              <a:buNone/>
+              <a:defRPr sz="6000" b="1" kern="1200" cap="all" spc="1500" baseline="0">
+                <a:solidFill>
+                  <a:schemeClr val="tx1"/>
+                </a:solidFill>
+                <a:latin typeface="+mj-lt"/>
+                <a:ea typeface="Source Sans Pro SemiBold" panose="020B0603030403020204" pitchFamily="34" charset="0"/>
+                <a:cs typeface="+mj-cs"/>
+              </a:defRPr>
+            </a:lvl1pPr>
+          </a:lstStyle>
+          <a:p>
+            <a:pPr algn="l"/>
+            <a:r>
+              <a:rPr lang="de-DE" sz="4000" dirty="0"/>
+              <a:t>STATION DATA</a:t>
+            </a:r>
+          </a:p>
+        </p:txBody>
+      </p:sp>
+      <p:pic>
+        <p:nvPicPr>
+          <p:cNvPr id="19" name="Grafik 18">
+            <a:extLst>
+              <a:ext uri="{FF2B5EF4-FFF2-40B4-BE49-F238E27FC236}">
+                <a16:creationId xmlns:a16="http://schemas.microsoft.com/office/drawing/2014/main" id="{E4134132-07F4-CE4E-8CFB-481DD6B7858E}"/>
+              </a:ext>
+            </a:extLst>
+          </p:cNvPr>
+          <p:cNvPicPr>
+            <a:picLocks noChangeAspect="1"/>
+          </p:cNvPicPr>
+          <p:nvPr/>
+        </p:nvPicPr>
+        <p:blipFill>
+          <a:blip r:embed="rId3">
+            <a:extLst>
+              <a:ext uri="{96DAC541-7B7A-43D3-8B79-37D633B846F1}">
+                <asvg:svgBlip xmlns:asvg="http://schemas.microsoft.com/office/drawing/2016/SVG/main" r:embed="rId4"/>
+              </a:ext>
+            </a:extLst>
+          </a:blip>
+          <a:stretch>
+            <a:fillRect/>
+          </a:stretch>
+        </p:blipFill>
+        <p:spPr>
+          <a:xfrm>
+            <a:off x="701647" y="1177395"/>
+            <a:ext cx="1318439" cy="1318439"/>
+          </a:xfrm>
+          <a:prstGeom prst="rect">
+            <a:avLst/>
+          </a:prstGeom>
+        </p:spPr>
+      </p:pic>
+      <p:sp>
+        <p:nvSpPr>
+          <p:cNvPr id="20" name="Untertitel 2">
+            <a:extLst>
+              <a:ext uri="{FF2B5EF4-FFF2-40B4-BE49-F238E27FC236}">
+                <a16:creationId xmlns:a16="http://schemas.microsoft.com/office/drawing/2014/main" id="{4932DBFA-E34D-C143-A7FC-61D0021E9B92}"/>
+              </a:ext>
+            </a:extLst>
+          </p:cNvPr>
+          <p:cNvSpPr txBox="1">
+            <a:spLocks/>
+          </p:cNvSpPr>
+          <p:nvPr/>
+        </p:nvSpPr>
+        <p:spPr>
+          <a:xfrm>
+            <a:off x="2020085" y="1550725"/>
+            <a:ext cx="10078619" cy="638900"/>
+          </a:xfrm>
+          <a:prstGeom prst="rect">
+            <a:avLst/>
+          </a:prstGeom>
+        </p:spPr>
+        <p:txBody>
+          <a:bodyPr vert="horz" lIns="91440" tIns="45720" rIns="91440" bIns="45720" rtlCol="0">
+            <a:normAutofit fontScale="77500" lnSpcReduction="20000"/>
+          </a:bodyPr>
+          <a:lstStyle>
+            <a:lvl1pPr marL="0" indent="0" algn="ctr" defTabSz="914400" rtl="0" eaLnBrk="1" latinLnBrk="0" hangingPunct="1">
+              <a:lnSpc>
+                <a:spcPct val="90000"/>
+              </a:lnSpc>
+              <a:spcBef>
+                <a:spcPts val="1000"/>
+              </a:spcBef>
+              <a:buFont typeface="Arial" panose="020B0604020202020204" pitchFamily="34" charset="0"/>
+              <a:buNone/>
+              <a:defRPr sz="2400" kern="1200" cap="all" spc="400" baseline="0">
+                <a:solidFill>
+                  <a:schemeClr val="tx1"/>
+                </a:solidFill>
+                <a:latin typeface="+mn-lt"/>
+                <a:ea typeface="+mn-ea"/>
+                <a:cs typeface="+mn-cs"/>
+              </a:defRPr>
+            </a:lvl1pPr>
+            <a:lvl2pPr marL="457200" indent="0" algn="ctr" defTabSz="914400" rtl="0" eaLnBrk="1" latinLnBrk="0" hangingPunct="1">
+              <a:lnSpc>
+                <a:spcPct val="90000"/>
+              </a:lnSpc>
+              <a:spcBef>
+                <a:spcPts val="500"/>
+              </a:spcBef>
+              <a:buFont typeface="Arial" panose="020B0604020202020204" pitchFamily="34" charset="0"/>
+              <a:buNone/>
+              <a:defRPr sz="2000" kern="1200">
+                <a:solidFill>
+                  <a:schemeClr val="tx1"/>
+                </a:solidFill>
+                <a:latin typeface="+mn-lt"/>
+                <a:ea typeface="+mn-ea"/>
+                <a:cs typeface="+mn-cs"/>
+              </a:defRPr>
+            </a:lvl2pPr>
+            <a:lvl3pPr marL="914400" indent="0" algn="ctr" defTabSz="914400" rtl="0" eaLnBrk="1" latinLnBrk="0" hangingPunct="1">
+              <a:lnSpc>
+                <a:spcPct val="90000"/>
+              </a:lnSpc>
+              <a:spcBef>
+                <a:spcPts val="500"/>
+              </a:spcBef>
+              <a:buFont typeface="Arial" panose="020B0604020202020204" pitchFamily="34" charset="0"/>
+              <a:buNone/>
+              <a:defRPr sz="1800" kern="1200">
+                <a:solidFill>
+                  <a:schemeClr val="tx1"/>
+                </a:solidFill>
+                <a:latin typeface="+mn-lt"/>
+                <a:ea typeface="+mn-ea"/>
+                <a:cs typeface="+mn-cs"/>
+              </a:defRPr>
+            </a:lvl3pPr>
+            <a:lvl4pPr marL="1371600" indent="0" algn="ctr" defTabSz="914400" rtl="0" eaLnBrk="1" latinLnBrk="0" hangingPunct="1">
+              <a:lnSpc>
+                <a:spcPct val="90000"/>
+              </a:lnSpc>
+              <a:spcBef>
+                <a:spcPts val="500"/>
+              </a:spcBef>
+              <a:buFont typeface="Arial" panose="020B0604020202020204" pitchFamily="34" charset="0"/>
+              <a:buNone/>
+              <a:defRPr sz="1600" kern="1200">
+                <a:solidFill>
+                  <a:schemeClr val="tx1"/>
+                </a:solidFill>
+                <a:latin typeface="+mn-lt"/>
+                <a:ea typeface="+mn-ea"/>
+                <a:cs typeface="+mn-cs"/>
+              </a:defRPr>
+            </a:lvl4pPr>
+            <a:lvl5pPr marL="1828800" indent="0" algn="ctr" defTabSz="914400" rtl="0" eaLnBrk="1" latinLnBrk="0" hangingPunct="1">
+              <a:lnSpc>
+                <a:spcPct val="90000"/>
+              </a:lnSpc>
+              <a:spcBef>
+                <a:spcPts val="500"/>
+              </a:spcBef>
+              <a:buFont typeface="Arial" panose="020B0604020202020204" pitchFamily="34" charset="0"/>
+              <a:buNone/>
+              <a:defRPr sz="1600" kern="1200">
+                <a:solidFill>
+                  <a:schemeClr val="tx1"/>
+                </a:solidFill>
+                <a:latin typeface="+mn-lt"/>
+                <a:ea typeface="+mn-ea"/>
+                <a:cs typeface="+mn-cs"/>
+              </a:defRPr>
+            </a:lvl5pPr>
+            <a:lvl6pPr marL="2286000" indent="0" algn="ctr" defTabSz="914400" rtl="0" eaLnBrk="1" latinLnBrk="0" hangingPunct="1">
+              <a:lnSpc>
+                <a:spcPct val="90000"/>
+              </a:lnSpc>
+              <a:spcBef>
+                <a:spcPts val="500"/>
+              </a:spcBef>
+              <a:buFont typeface="Arial" panose="020B0604020202020204" pitchFamily="34" charset="0"/>
+              <a:buNone/>
+              <a:defRPr sz="1600" kern="1200">
+                <a:solidFill>
+                  <a:schemeClr val="tx1"/>
+                </a:solidFill>
+                <a:latin typeface="+mn-lt"/>
+                <a:ea typeface="+mn-ea"/>
+                <a:cs typeface="+mn-cs"/>
+              </a:defRPr>
+            </a:lvl6pPr>
+            <a:lvl7pPr marL="2743200" indent="0" algn="ctr" defTabSz="914400" rtl="0" eaLnBrk="1" latinLnBrk="0" hangingPunct="1">
+              <a:lnSpc>
+                <a:spcPct val="90000"/>
+              </a:lnSpc>
+              <a:spcBef>
+                <a:spcPts val="500"/>
+              </a:spcBef>
+              <a:buFont typeface="Arial" panose="020B0604020202020204" pitchFamily="34" charset="0"/>
+              <a:buNone/>
+              <a:defRPr sz="1600" kern="1200">
+                <a:solidFill>
+                  <a:schemeClr val="tx1"/>
+                </a:solidFill>
+                <a:latin typeface="+mn-lt"/>
+                <a:ea typeface="+mn-ea"/>
+                <a:cs typeface="+mn-cs"/>
+              </a:defRPr>
+            </a:lvl7pPr>
+            <a:lvl8pPr marL="3200400" indent="0" algn="ctr" defTabSz="914400" rtl="0" eaLnBrk="1" latinLnBrk="0" hangingPunct="1">
+              <a:lnSpc>
+                <a:spcPct val="90000"/>
+              </a:lnSpc>
+              <a:spcBef>
+                <a:spcPts val="500"/>
+              </a:spcBef>
+              <a:buFont typeface="Arial" panose="020B0604020202020204" pitchFamily="34" charset="0"/>
+              <a:buNone/>
+              <a:defRPr sz="1600" kern="1200">
+                <a:solidFill>
+                  <a:schemeClr val="tx1"/>
+                </a:solidFill>
+                <a:latin typeface="+mn-lt"/>
+                <a:ea typeface="+mn-ea"/>
+                <a:cs typeface="+mn-cs"/>
+              </a:defRPr>
+            </a:lvl8pPr>
+            <a:lvl9pPr marL="3657600" indent="0" algn="ctr" defTabSz="914400" rtl="0" eaLnBrk="1" latinLnBrk="0" hangingPunct="1">
+              <a:lnSpc>
+                <a:spcPct val="90000"/>
+              </a:lnSpc>
+              <a:spcBef>
+                <a:spcPts val="500"/>
+              </a:spcBef>
+              <a:buFont typeface="Arial" panose="020B0604020202020204" pitchFamily="34" charset="0"/>
+              <a:buNone/>
+              <a:defRPr sz="1600" kern="1200">
+                <a:solidFill>
+                  <a:schemeClr val="tx1"/>
+                </a:solidFill>
+                <a:latin typeface="+mn-lt"/>
+                <a:ea typeface="+mn-ea"/>
+                <a:cs typeface="+mn-cs"/>
+              </a:defRPr>
+            </a:lvl9pPr>
+          </a:lstStyle>
+          <a:p>
+            <a:pPr algn="l"/>
+            <a:r>
+              <a:rPr lang="de-DE" sz="3100" dirty="0">
+                <a:solidFill>
+                  <a:srgbClr val="65BCAA"/>
+                </a:solidFill>
+              </a:rPr>
+              <a:t>DB </a:t>
+            </a:r>
+            <a:r>
+              <a:rPr lang="de-DE" sz="3100" dirty="0"/>
+              <a:t>API</a:t>
+            </a:r>
+          </a:p>
+          <a:p>
+            <a:pPr algn="l"/>
+            <a:r>
+              <a:rPr lang="de-DE" sz="1800" dirty="0"/>
+              <a:t>[</a:t>
+            </a:r>
+            <a:r>
+              <a:rPr lang="de-DE" sz="1800" b="1" dirty="0">
+                <a:solidFill>
+                  <a:schemeClr val="tx2">
+                    <a:lumMod val="50000"/>
+                  </a:schemeClr>
+                </a:solidFill>
+              </a:rPr>
+              <a:t>RAILWAY STATIONS</a:t>
+            </a:r>
+            <a:r>
+              <a:rPr lang="de-DE" sz="1800" dirty="0"/>
+              <a:t>]</a:t>
+            </a:r>
+          </a:p>
+          <a:p>
+            <a:pPr algn="l"/>
+            <a:endParaRPr lang="de-DE" sz="3100" dirty="0"/>
+          </a:p>
+          <a:p>
+            <a:pPr algn="r"/>
+            <a:endParaRPr lang="de-DE" dirty="0"/>
+          </a:p>
+        </p:txBody>
+      </p:sp>
+      <p:pic>
+        <p:nvPicPr>
+          <p:cNvPr id="3" name="Grafik 2" descr="Ein Bild, das Tisch enthält.&#10;&#10;Automatisch generierte Beschreibung">
+            <a:extLst>
+              <a:ext uri="{FF2B5EF4-FFF2-40B4-BE49-F238E27FC236}">
+                <a16:creationId xmlns:a16="http://schemas.microsoft.com/office/drawing/2014/main" id="{B226596C-1C17-AF43-AE51-922D7BF8A0D2}"/>
+              </a:ext>
+            </a:extLst>
+          </p:cNvPr>
+          <p:cNvPicPr>
+            <a:picLocks noChangeAspect="1"/>
+          </p:cNvPicPr>
+          <p:nvPr/>
+        </p:nvPicPr>
+        <p:blipFill>
+          <a:blip r:embed="rId5"/>
+          <a:stretch>
+            <a:fillRect/>
+          </a:stretch>
+        </p:blipFill>
+        <p:spPr>
+          <a:xfrm>
+            <a:off x="293614" y="2750704"/>
+            <a:ext cx="3847563" cy="1473704"/>
           </a:xfrm>
           <a:prstGeom prst="rect">
             <a:avLst/>
@@ -20163,10 +23184,10 @@
       </p:pic>
       <p:pic>
         <p:nvPicPr>
-          <p:cNvPr id="5" name="Grafik 4" descr="Ein Bild, das Tisch enthält.&#10;&#10;Automatisch generierte Beschreibung">
+          <p:cNvPr id="4" name="Grafik 3" descr="Ein Bild, das Text enthält.&#10;&#10;Automatisch generierte Beschreibung">
             <a:extLst>
               <a:ext uri="{FF2B5EF4-FFF2-40B4-BE49-F238E27FC236}">
-                <a16:creationId xmlns:a16="http://schemas.microsoft.com/office/drawing/2014/main" id="{ACC19B0B-A89A-FE42-BC70-145C45D67A18}"/>
+                <a16:creationId xmlns:a16="http://schemas.microsoft.com/office/drawing/2014/main" id="{E80D845B-A345-0F4C-B1B3-590E8EF09227}"/>
               </a:ext>
             </a:extLst>
           </p:cNvPr>
@@ -20183,18 +23204,250 @@
         </p:blipFill>
         <p:spPr>
           <a:xfrm>
-            <a:off x="7004481" y="3788482"/>
-            <a:ext cx="4382979" cy="1571954"/>
+            <a:off x="4346331" y="2750704"/>
+            <a:ext cx="6400800" cy="3314700"/>
           </a:xfrm>
           <a:prstGeom prst="rect">
             <a:avLst/>
           </a:prstGeom>
         </p:spPr>
       </p:pic>
+      <p:sp>
+        <p:nvSpPr>
+          <p:cNvPr id="8" name="Untertitel 2">
+            <a:extLst>
+              <a:ext uri="{FF2B5EF4-FFF2-40B4-BE49-F238E27FC236}">
+                <a16:creationId xmlns:a16="http://schemas.microsoft.com/office/drawing/2014/main" id="{B05DD37E-FA67-D24C-9446-43793CCFF2E2}"/>
+              </a:ext>
+            </a:extLst>
+          </p:cNvPr>
+          <p:cNvSpPr txBox="1">
+            <a:spLocks/>
+          </p:cNvSpPr>
+          <p:nvPr/>
+        </p:nvSpPr>
+        <p:spPr>
+          <a:xfrm>
+            <a:off x="293614" y="4479278"/>
+            <a:ext cx="10078619" cy="1473704"/>
+          </a:xfrm>
+          <a:prstGeom prst="rect">
+            <a:avLst/>
+          </a:prstGeom>
+        </p:spPr>
+        <p:txBody>
+          <a:bodyPr vert="horz" lIns="91440" tIns="45720" rIns="91440" bIns="45720" rtlCol="0">
+            <a:normAutofit fontScale="92500" lnSpcReduction="10000"/>
+          </a:bodyPr>
+          <a:lstStyle>
+            <a:lvl1pPr marL="0" indent="0" algn="ctr" defTabSz="914400" rtl="0" eaLnBrk="1" latinLnBrk="0" hangingPunct="1">
+              <a:lnSpc>
+                <a:spcPct val="90000"/>
+              </a:lnSpc>
+              <a:spcBef>
+                <a:spcPts val="1000"/>
+              </a:spcBef>
+              <a:buFont typeface="Arial" panose="020B0604020202020204" pitchFamily="34" charset="0"/>
+              <a:buNone/>
+              <a:defRPr sz="2400" kern="1200" cap="all" spc="400" baseline="0">
+                <a:solidFill>
+                  <a:schemeClr val="tx1"/>
+                </a:solidFill>
+                <a:latin typeface="+mn-lt"/>
+                <a:ea typeface="+mn-ea"/>
+                <a:cs typeface="+mn-cs"/>
+              </a:defRPr>
+            </a:lvl1pPr>
+            <a:lvl2pPr marL="457200" indent="0" algn="ctr" defTabSz="914400" rtl="0" eaLnBrk="1" latinLnBrk="0" hangingPunct="1">
+              <a:lnSpc>
+                <a:spcPct val="90000"/>
+              </a:lnSpc>
+              <a:spcBef>
+                <a:spcPts val="500"/>
+              </a:spcBef>
+              <a:buFont typeface="Arial" panose="020B0604020202020204" pitchFamily="34" charset="0"/>
+              <a:buNone/>
+              <a:defRPr sz="2000" kern="1200">
+                <a:solidFill>
+                  <a:schemeClr val="tx1"/>
+                </a:solidFill>
+                <a:latin typeface="+mn-lt"/>
+                <a:ea typeface="+mn-ea"/>
+                <a:cs typeface="+mn-cs"/>
+              </a:defRPr>
+            </a:lvl2pPr>
+            <a:lvl3pPr marL="914400" indent="0" algn="ctr" defTabSz="914400" rtl="0" eaLnBrk="1" latinLnBrk="0" hangingPunct="1">
+              <a:lnSpc>
+                <a:spcPct val="90000"/>
+              </a:lnSpc>
+              <a:spcBef>
+                <a:spcPts val="500"/>
+              </a:spcBef>
+              <a:buFont typeface="Arial" panose="020B0604020202020204" pitchFamily="34" charset="0"/>
+              <a:buNone/>
+              <a:defRPr sz="1800" kern="1200">
+                <a:solidFill>
+                  <a:schemeClr val="tx1"/>
+                </a:solidFill>
+                <a:latin typeface="+mn-lt"/>
+                <a:ea typeface="+mn-ea"/>
+                <a:cs typeface="+mn-cs"/>
+              </a:defRPr>
+            </a:lvl3pPr>
+            <a:lvl4pPr marL="1371600" indent="0" algn="ctr" defTabSz="914400" rtl="0" eaLnBrk="1" latinLnBrk="0" hangingPunct="1">
+              <a:lnSpc>
+                <a:spcPct val="90000"/>
+              </a:lnSpc>
+              <a:spcBef>
+                <a:spcPts val="500"/>
+              </a:spcBef>
+              <a:buFont typeface="Arial" panose="020B0604020202020204" pitchFamily="34" charset="0"/>
+              <a:buNone/>
+              <a:defRPr sz="1600" kern="1200">
+                <a:solidFill>
+                  <a:schemeClr val="tx1"/>
+                </a:solidFill>
+                <a:latin typeface="+mn-lt"/>
+                <a:ea typeface="+mn-ea"/>
+                <a:cs typeface="+mn-cs"/>
+              </a:defRPr>
+            </a:lvl4pPr>
+            <a:lvl5pPr marL="1828800" indent="0" algn="ctr" defTabSz="914400" rtl="0" eaLnBrk="1" latinLnBrk="0" hangingPunct="1">
+              <a:lnSpc>
+                <a:spcPct val="90000"/>
+              </a:lnSpc>
+              <a:spcBef>
+                <a:spcPts val="500"/>
+              </a:spcBef>
+              <a:buFont typeface="Arial" panose="020B0604020202020204" pitchFamily="34" charset="0"/>
+              <a:buNone/>
+              <a:defRPr sz="1600" kern="1200">
+                <a:solidFill>
+                  <a:schemeClr val="tx1"/>
+                </a:solidFill>
+                <a:latin typeface="+mn-lt"/>
+                <a:ea typeface="+mn-ea"/>
+                <a:cs typeface="+mn-cs"/>
+              </a:defRPr>
+            </a:lvl5pPr>
+            <a:lvl6pPr marL="2286000" indent="0" algn="ctr" defTabSz="914400" rtl="0" eaLnBrk="1" latinLnBrk="0" hangingPunct="1">
+              <a:lnSpc>
+                <a:spcPct val="90000"/>
+              </a:lnSpc>
+              <a:spcBef>
+                <a:spcPts val="500"/>
+              </a:spcBef>
+              <a:buFont typeface="Arial" panose="020B0604020202020204" pitchFamily="34" charset="0"/>
+              <a:buNone/>
+              <a:defRPr sz="1600" kern="1200">
+                <a:solidFill>
+                  <a:schemeClr val="tx1"/>
+                </a:solidFill>
+                <a:latin typeface="+mn-lt"/>
+                <a:ea typeface="+mn-ea"/>
+                <a:cs typeface="+mn-cs"/>
+              </a:defRPr>
+            </a:lvl6pPr>
+            <a:lvl7pPr marL="2743200" indent="0" algn="ctr" defTabSz="914400" rtl="0" eaLnBrk="1" latinLnBrk="0" hangingPunct="1">
+              <a:lnSpc>
+                <a:spcPct val="90000"/>
+              </a:lnSpc>
+              <a:spcBef>
+                <a:spcPts val="500"/>
+              </a:spcBef>
+              <a:buFont typeface="Arial" panose="020B0604020202020204" pitchFamily="34" charset="0"/>
+              <a:buNone/>
+              <a:defRPr sz="1600" kern="1200">
+                <a:solidFill>
+                  <a:schemeClr val="tx1"/>
+                </a:solidFill>
+                <a:latin typeface="+mn-lt"/>
+                <a:ea typeface="+mn-ea"/>
+                <a:cs typeface="+mn-cs"/>
+              </a:defRPr>
+            </a:lvl7pPr>
+            <a:lvl8pPr marL="3200400" indent="0" algn="ctr" defTabSz="914400" rtl="0" eaLnBrk="1" latinLnBrk="0" hangingPunct="1">
+              <a:lnSpc>
+                <a:spcPct val="90000"/>
+              </a:lnSpc>
+              <a:spcBef>
+                <a:spcPts val="500"/>
+              </a:spcBef>
+              <a:buFont typeface="Arial" panose="020B0604020202020204" pitchFamily="34" charset="0"/>
+              <a:buNone/>
+              <a:defRPr sz="1600" kern="1200">
+                <a:solidFill>
+                  <a:schemeClr val="tx1"/>
+                </a:solidFill>
+                <a:latin typeface="+mn-lt"/>
+                <a:ea typeface="+mn-ea"/>
+                <a:cs typeface="+mn-cs"/>
+              </a:defRPr>
+            </a:lvl8pPr>
+            <a:lvl9pPr marL="3657600" indent="0" algn="ctr" defTabSz="914400" rtl="0" eaLnBrk="1" latinLnBrk="0" hangingPunct="1">
+              <a:lnSpc>
+                <a:spcPct val="90000"/>
+              </a:lnSpc>
+              <a:spcBef>
+                <a:spcPts val="500"/>
+              </a:spcBef>
+              <a:buFont typeface="Arial" panose="020B0604020202020204" pitchFamily="34" charset="0"/>
+              <a:buNone/>
+              <a:defRPr sz="1600" kern="1200">
+                <a:solidFill>
+                  <a:schemeClr val="tx1"/>
+                </a:solidFill>
+                <a:latin typeface="+mn-lt"/>
+                <a:ea typeface="+mn-ea"/>
+                <a:cs typeface="+mn-cs"/>
+              </a:defRPr>
+            </a:lvl9pPr>
+          </a:lstStyle>
+          <a:p>
+            <a:pPr marL="285750" indent="-285750" algn="l">
+              <a:buFont typeface="Arial" panose="020B0604020202020204" pitchFamily="34" charset="0"/>
+              <a:buChar char="•"/>
+            </a:pPr>
+            <a:r>
+              <a:rPr lang="de-DE" sz="3100" dirty="0"/>
+              <a:t>PANDAS</a:t>
+            </a:r>
+          </a:p>
+          <a:p>
+            <a:pPr marL="285750" indent="-285750" algn="l">
+              <a:buFont typeface="Arial" panose="020B0604020202020204" pitchFamily="34" charset="0"/>
+              <a:buChar char="•"/>
+            </a:pPr>
+            <a:r>
+              <a:rPr lang="de-DE" sz="3100" dirty="0"/>
+              <a:t>GEOPANDAS</a:t>
+            </a:r>
+          </a:p>
+          <a:p>
+            <a:pPr marL="285750" indent="-285750" algn="l">
+              <a:buFont typeface="Arial" panose="020B0604020202020204" pitchFamily="34" charset="0"/>
+              <a:buChar char="•"/>
+            </a:pPr>
+            <a:r>
+              <a:rPr lang="de-DE" sz="3100" dirty="0"/>
+              <a:t>GEOPLOT</a:t>
+            </a:r>
+            <a:endParaRPr lang="de-DE" sz="1800" dirty="0"/>
+          </a:p>
+          <a:p>
+            <a:pPr algn="l"/>
+            <a:endParaRPr lang="de-DE" sz="3100" dirty="0"/>
+          </a:p>
+          <a:p>
+            <a:pPr algn="r"/>
+            <a:endParaRPr lang="de-DE" dirty="0"/>
+          </a:p>
+        </p:txBody>
+      </p:sp>
     </p:spTree>
     <p:extLst>
       <p:ext uri="{BB962C8B-B14F-4D97-AF65-F5344CB8AC3E}">
-        <p14:creationId xmlns:p14="http://schemas.microsoft.com/office/powerpoint/2010/main" val="3473417836"/>
+        <p14:creationId xmlns:p14="http://schemas.microsoft.com/office/powerpoint/2010/main" val="1147279070"/>
       </p:ext>
     </p:extLst>
   </p:cSld>
@@ -20271,7 +23524,7 @@
             <a:pPr algn="l"/>
             <a:r>
               <a:rPr lang="de-DE" sz="4000" dirty="0"/>
-              <a:t>TRAIN CAPACITY DATA</a:t>
+              <a:t>STATION DATA</a:t>
             </a:r>
           </a:p>
         </p:txBody>
@@ -20525,7 +23778,7 @@
               <a:t>[</a:t>
             </a:r>
             <a:r>
-              <a:rPr lang="de-DE" sz="1800" dirty="0">
+              <a:rPr lang="de-DE" sz="1800" b="1" dirty="0">
                 <a:solidFill>
                   <a:schemeClr val="tx2">
                     <a:lumMod val="50000"/>
@@ -20533,20 +23786,6 @@
                 </a:solidFill>
               </a:rPr>
               <a:t>RAILWAY STATIONS</a:t>
-            </a:r>
-            <a:r>
-              <a:rPr lang="de-DE" sz="1800" dirty="0"/>
-              <a:t>, </a:t>
-            </a:r>
-            <a:r>
-              <a:rPr lang="de-DE" sz="1800" b="1" dirty="0">
-                <a:solidFill>
-                  <a:schemeClr val="tx2">
-                    <a:lumMod val="50000"/>
-                  </a:schemeClr>
-                </a:solidFill>
-              </a:rPr>
-              <a:t>CAPACITY</a:t>
             </a:r>
             <a:r>
               <a:rPr lang="de-DE" sz="1800" dirty="0"/>
@@ -20565,10 +23804,10 @@
       </p:sp>
       <p:pic>
         <p:nvPicPr>
-          <p:cNvPr id="3" name="Grafik 2" descr="Ein Bild, das Text enthält.&#10;&#10;Automatisch generierte Beschreibung">
+          <p:cNvPr id="5" name="Grafik 4" descr="Ein Bild, das Text enthält.&#10;&#10;Automatisch generierte Beschreibung">
             <a:extLst>
               <a:ext uri="{FF2B5EF4-FFF2-40B4-BE49-F238E27FC236}">
-                <a16:creationId xmlns:a16="http://schemas.microsoft.com/office/drawing/2014/main" id="{1C002AE3-1A7A-9449-8EA9-CD99A2099BF0}"/>
+                <a16:creationId xmlns:a16="http://schemas.microsoft.com/office/drawing/2014/main" id="{5A77BC2B-3792-BD42-ABBE-070252C69618}"/>
               </a:ext>
             </a:extLst>
           </p:cNvPr>
@@ -20585,38 +23824,8 @@
         </p:blipFill>
         <p:spPr>
           <a:xfrm>
-            <a:off x="612869" y="2370444"/>
-            <a:ext cx="4449377" cy="1210082"/>
-          </a:xfrm>
-          <a:prstGeom prst="rect">
-            <a:avLst/>
-          </a:prstGeom>
-        </p:spPr>
-      </p:pic>
-      <p:pic>
-        <p:nvPicPr>
-          <p:cNvPr id="5" name="Grafik 4" descr="Ein Bild, das Tisch enthält.&#10;&#10;Automatisch generierte Beschreibung">
-            <a:extLst>
-              <a:ext uri="{FF2B5EF4-FFF2-40B4-BE49-F238E27FC236}">
-                <a16:creationId xmlns:a16="http://schemas.microsoft.com/office/drawing/2014/main" id="{8B35E996-DCCF-B847-8A56-20DDACA3C5C5}"/>
-              </a:ext>
-            </a:extLst>
-          </p:cNvPr>
-          <p:cNvPicPr>
-            <a:picLocks noChangeAspect="1"/>
-          </p:cNvPicPr>
-          <p:nvPr/>
-        </p:nvPicPr>
-        <p:blipFill>
-          <a:blip r:embed="rId6"/>
-          <a:stretch>
-            <a:fillRect/>
-          </a:stretch>
-        </p:blipFill>
-        <p:spPr>
-          <a:xfrm>
-            <a:off x="5450889" y="2370444"/>
-            <a:ext cx="4832100" cy="4311502"/>
+            <a:off x="4945806" y="1177395"/>
+            <a:ext cx="5226109" cy="5358137"/>
           </a:xfrm>
           <a:prstGeom prst="rect">
             <a:avLst/>
@@ -20626,7 +23835,7 @@
     </p:spTree>
     <p:extLst>
       <p:ext uri="{BB962C8B-B14F-4D97-AF65-F5344CB8AC3E}">
-        <p14:creationId xmlns:p14="http://schemas.microsoft.com/office/powerpoint/2010/main" val="1001802093"/>
+        <p14:creationId xmlns:p14="http://schemas.microsoft.com/office/powerpoint/2010/main" val="3107332588"/>
       </p:ext>
     </p:extLst>
   </p:cSld>
@@ -20703,7 +23912,7 @@
             <a:pPr algn="l"/>
             <a:r>
               <a:rPr lang="de-DE" sz="4000" dirty="0"/>
-              <a:t>TRAIN CAPACITY DATA</a:t>
+              <a:t>STATION DATA</a:t>
             </a:r>
           </a:p>
         </p:txBody>
@@ -20957,7 +24166,7 @@
               <a:t>[</a:t>
             </a:r>
             <a:r>
-              <a:rPr lang="de-DE" sz="1800" dirty="0">
+              <a:rPr lang="de-DE" sz="1800" b="1" dirty="0">
                 <a:solidFill>
                   <a:schemeClr val="tx2">
                     <a:lumMod val="50000"/>
@@ -20968,22 +24177,240 @@
             </a:r>
             <a:r>
               <a:rPr lang="de-DE" sz="1800" dirty="0"/>
-              <a:t>, </a:t>
-            </a:r>
-            <a:r>
-              <a:rPr lang="de-DE" sz="1800" b="1" dirty="0">
-                <a:solidFill>
-                  <a:schemeClr val="tx2">
-                    <a:lumMod val="50000"/>
-                  </a:schemeClr>
-                </a:solidFill>
-              </a:rPr>
-              <a:t>CAPACITY</a:t>
-            </a:r>
-            <a:r>
-              <a:rPr lang="de-DE" sz="1800" dirty="0"/>
               <a:t>]</a:t>
             </a:r>
+          </a:p>
+          <a:p>
+            <a:pPr algn="l"/>
+            <a:endParaRPr lang="de-DE" sz="3100" dirty="0"/>
+          </a:p>
+          <a:p>
+            <a:pPr algn="r"/>
+            <a:endParaRPr lang="de-DE" dirty="0"/>
+          </a:p>
+        </p:txBody>
+      </p:sp>
+      <p:sp>
+        <p:nvSpPr>
+          <p:cNvPr id="8" name="Untertitel 2">
+            <a:extLst>
+              <a:ext uri="{FF2B5EF4-FFF2-40B4-BE49-F238E27FC236}">
+                <a16:creationId xmlns:a16="http://schemas.microsoft.com/office/drawing/2014/main" id="{B05DD37E-FA67-D24C-9446-43793CCFF2E2}"/>
+              </a:ext>
+            </a:extLst>
+          </p:cNvPr>
+          <p:cNvSpPr txBox="1">
+            <a:spLocks/>
+          </p:cNvSpPr>
+          <p:nvPr/>
+        </p:nvSpPr>
+        <p:spPr>
+          <a:xfrm>
+            <a:off x="293614" y="4479278"/>
+            <a:ext cx="10078619" cy="1473704"/>
+          </a:xfrm>
+          <a:prstGeom prst="rect">
+            <a:avLst/>
+          </a:prstGeom>
+        </p:spPr>
+        <p:txBody>
+          <a:bodyPr vert="horz" lIns="91440" tIns="45720" rIns="91440" bIns="45720" rtlCol="0">
+            <a:normAutofit fontScale="92500" lnSpcReduction="10000"/>
+          </a:bodyPr>
+          <a:lstStyle>
+            <a:lvl1pPr marL="0" indent="0" algn="ctr" defTabSz="914400" rtl="0" eaLnBrk="1" latinLnBrk="0" hangingPunct="1">
+              <a:lnSpc>
+                <a:spcPct val="90000"/>
+              </a:lnSpc>
+              <a:spcBef>
+                <a:spcPts val="1000"/>
+              </a:spcBef>
+              <a:buFont typeface="Arial" panose="020B0604020202020204" pitchFamily="34" charset="0"/>
+              <a:buNone/>
+              <a:defRPr sz="2400" kern="1200" cap="all" spc="400" baseline="0">
+                <a:solidFill>
+                  <a:schemeClr val="tx1"/>
+                </a:solidFill>
+                <a:latin typeface="+mn-lt"/>
+                <a:ea typeface="+mn-ea"/>
+                <a:cs typeface="+mn-cs"/>
+              </a:defRPr>
+            </a:lvl1pPr>
+            <a:lvl2pPr marL="457200" indent="0" algn="ctr" defTabSz="914400" rtl="0" eaLnBrk="1" latinLnBrk="0" hangingPunct="1">
+              <a:lnSpc>
+                <a:spcPct val="90000"/>
+              </a:lnSpc>
+              <a:spcBef>
+                <a:spcPts val="500"/>
+              </a:spcBef>
+              <a:buFont typeface="Arial" panose="020B0604020202020204" pitchFamily="34" charset="0"/>
+              <a:buNone/>
+              <a:defRPr sz="2000" kern="1200">
+                <a:solidFill>
+                  <a:schemeClr val="tx1"/>
+                </a:solidFill>
+                <a:latin typeface="+mn-lt"/>
+                <a:ea typeface="+mn-ea"/>
+                <a:cs typeface="+mn-cs"/>
+              </a:defRPr>
+            </a:lvl2pPr>
+            <a:lvl3pPr marL="914400" indent="0" algn="ctr" defTabSz="914400" rtl="0" eaLnBrk="1" latinLnBrk="0" hangingPunct="1">
+              <a:lnSpc>
+                <a:spcPct val="90000"/>
+              </a:lnSpc>
+              <a:spcBef>
+                <a:spcPts val="500"/>
+              </a:spcBef>
+              <a:buFont typeface="Arial" panose="020B0604020202020204" pitchFamily="34" charset="0"/>
+              <a:buNone/>
+              <a:defRPr sz="1800" kern="1200">
+                <a:solidFill>
+                  <a:schemeClr val="tx1"/>
+                </a:solidFill>
+                <a:latin typeface="+mn-lt"/>
+                <a:ea typeface="+mn-ea"/>
+                <a:cs typeface="+mn-cs"/>
+              </a:defRPr>
+            </a:lvl3pPr>
+            <a:lvl4pPr marL="1371600" indent="0" algn="ctr" defTabSz="914400" rtl="0" eaLnBrk="1" latinLnBrk="0" hangingPunct="1">
+              <a:lnSpc>
+                <a:spcPct val="90000"/>
+              </a:lnSpc>
+              <a:spcBef>
+                <a:spcPts val="500"/>
+              </a:spcBef>
+              <a:buFont typeface="Arial" panose="020B0604020202020204" pitchFamily="34" charset="0"/>
+              <a:buNone/>
+              <a:defRPr sz="1600" kern="1200">
+                <a:solidFill>
+                  <a:schemeClr val="tx1"/>
+                </a:solidFill>
+                <a:latin typeface="+mn-lt"/>
+                <a:ea typeface="+mn-ea"/>
+                <a:cs typeface="+mn-cs"/>
+              </a:defRPr>
+            </a:lvl4pPr>
+            <a:lvl5pPr marL="1828800" indent="0" algn="ctr" defTabSz="914400" rtl="0" eaLnBrk="1" latinLnBrk="0" hangingPunct="1">
+              <a:lnSpc>
+                <a:spcPct val="90000"/>
+              </a:lnSpc>
+              <a:spcBef>
+                <a:spcPts val="500"/>
+              </a:spcBef>
+              <a:buFont typeface="Arial" panose="020B0604020202020204" pitchFamily="34" charset="0"/>
+              <a:buNone/>
+              <a:defRPr sz="1600" kern="1200">
+                <a:solidFill>
+                  <a:schemeClr val="tx1"/>
+                </a:solidFill>
+                <a:latin typeface="+mn-lt"/>
+                <a:ea typeface="+mn-ea"/>
+                <a:cs typeface="+mn-cs"/>
+              </a:defRPr>
+            </a:lvl5pPr>
+            <a:lvl6pPr marL="2286000" indent="0" algn="ctr" defTabSz="914400" rtl="0" eaLnBrk="1" latinLnBrk="0" hangingPunct="1">
+              <a:lnSpc>
+                <a:spcPct val="90000"/>
+              </a:lnSpc>
+              <a:spcBef>
+                <a:spcPts val="500"/>
+              </a:spcBef>
+              <a:buFont typeface="Arial" panose="020B0604020202020204" pitchFamily="34" charset="0"/>
+              <a:buNone/>
+              <a:defRPr sz="1600" kern="1200">
+                <a:solidFill>
+                  <a:schemeClr val="tx1"/>
+                </a:solidFill>
+                <a:latin typeface="+mn-lt"/>
+                <a:ea typeface="+mn-ea"/>
+                <a:cs typeface="+mn-cs"/>
+              </a:defRPr>
+            </a:lvl6pPr>
+            <a:lvl7pPr marL="2743200" indent="0" algn="ctr" defTabSz="914400" rtl="0" eaLnBrk="1" latinLnBrk="0" hangingPunct="1">
+              <a:lnSpc>
+                <a:spcPct val="90000"/>
+              </a:lnSpc>
+              <a:spcBef>
+                <a:spcPts val="500"/>
+              </a:spcBef>
+              <a:buFont typeface="Arial" panose="020B0604020202020204" pitchFamily="34" charset="0"/>
+              <a:buNone/>
+              <a:defRPr sz="1600" kern="1200">
+                <a:solidFill>
+                  <a:schemeClr val="tx1"/>
+                </a:solidFill>
+                <a:latin typeface="+mn-lt"/>
+                <a:ea typeface="+mn-ea"/>
+                <a:cs typeface="+mn-cs"/>
+              </a:defRPr>
+            </a:lvl7pPr>
+            <a:lvl8pPr marL="3200400" indent="0" algn="ctr" defTabSz="914400" rtl="0" eaLnBrk="1" latinLnBrk="0" hangingPunct="1">
+              <a:lnSpc>
+                <a:spcPct val="90000"/>
+              </a:lnSpc>
+              <a:spcBef>
+                <a:spcPts val="500"/>
+              </a:spcBef>
+              <a:buFont typeface="Arial" panose="020B0604020202020204" pitchFamily="34" charset="0"/>
+              <a:buNone/>
+              <a:defRPr sz="1600" kern="1200">
+                <a:solidFill>
+                  <a:schemeClr val="tx1"/>
+                </a:solidFill>
+                <a:latin typeface="+mn-lt"/>
+                <a:ea typeface="+mn-ea"/>
+                <a:cs typeface="+mn-cs"/>
+              </a:defRPr>
+            </a:lvl8pPr>
+            <a:lvl9pPr marL="3657600" indent="0" algn="ctr" defTabSz="914400" rtl="0" eaLnBrk="1" latinLnBrk="0" hangingPunct="1">
+              <a:lnSpc>
+                <a:spcPct val="90000"/>
+              </a:lnSpc>
+              <a:spcBef>
+                <a:spcPts val="500"/>
+              </a:spcBef>
+              <a:buFont typeface="Arial" panose="020B0604020202020204" pitchFamily="34" charset="0"/>
+              <a:buNone/>
+              <a:defRPr sz="1600" kern="1200">
+                <a:solidFill>
+                  <a:schemeClr val="tx1"/>
+                </a:solidFill>
+                <a:latin typeface="+mn-lt"/>
+                <a:ea typeface="+mn-ea"/>
+                <a:cs typeface="+mn-cs"/>
+              </a:defRPr>
+            </a:lvl9pPr>
+          </a:lstStyle>
+          <a:p>
+            <a:pPr marL="285750" indent="-285750" algn="l">
+              <a:buFont typeface="Arial" panose="020B0604020202020204" pitchFamily="34" charset="0"/>
+              <a:buChar char="•"/>
+            </a:pPr>
+            <a:r>
+              <a:rPr lang="de-DE" sz="3100" dirty="0"/>
+              <a:t>ONLY DB STATIONS</a:t>
+            </a:r>
+          </a:p>
+          <a:p>
+            <a:pPr marL="285750" indent="-285750" algn="l">
+              <a:buFont typeface="Arial" panose="020B0604020202020204" pitchFamily="34" charset="0"/>
+              <a:buChar char="•"/>
+            </a:pPr>
+            <a:r>
+              <a:rPr lang="de-DE" sz="3100" dirty="0"/>
+              <a:t>NO S-BAHN</a:t>
+            </a:r>
+          </a:p>
+          <a:p>
+            <a:pPr marL="285750" indent="-285750" algn="l">
+              <a:buFont typeface="Arial" panose="020B0604020202020204" pitchFamily="34" charset="0"/>
+              <a:buChar char="•"/>
+            </a:pPr>
+            <a:r>
+              <a:rPr lang="de-DE" sz="3100" dirty="0"/>
+              <a:t>NO 3rd PARTY COMPANIES</a:t>
+            </a:r>
+            <a:endParaRPr lang="de-DE" sz="1800" dirty="0"/>
           </a:p>
           <a:p>
             <a:pPr algn="l"/>
@@ -20997,10 +24424,10 @@
       </p:sp>
       <p:pic>
         <p:nvPicPr>
-          <p:cNvPr id="4" name="Grafik 3" descr="Ein Bild, das Tisch enthält.&#10;&#10;Automatisch generierte Beschreibung">
+          <p:cNvPr id="5" name="Grafik 4">
             <a:extLst>
               <a:ext uri="{FF2B5EF4-FFF2-40B4-BE49-F238E27FC236}">
-                <a16:creationId xmlns:a16="http://schemas.microsoft.com/office/drawing/2014/main" id="{D337A2DD-5F1F-8C45-B576-92E0D70DBEBC}"/>
+                <a16:creationId xmlns:a16="http://schemas.microsoft.com/office/drawing/2014/main" id="{FFB55222-DC1E-224C-BFB7-6775DF9EAE18}"/>
               </a:ext>
             </a:extLst>
           </p:cNvPr>
@@ -21017,8 +24444,68 @@
         </p:blipFill>
         <p:spPr>
           <a:xfrm>
-            <a:off x="488272" y="2435034"/>
-            <a:ext cx="6676748" cy="4012318"/>
+            <a:off x="7345744" y="1224357"/>
+            <a:ext cx="3556718" cy="4742291"/>
+          </a:xfrm>
+          <a:prstGeom prst="rect">
+            <a:avLst/>
+          </a:prstGeom>
+        </p:spPr>
+      </p:pic>
+      <p:pic>
+        <p:nvPicPr>
+          <p:cNvPr id="7" name="Grafik 6">
+            <a:extLst>
+              <a:ext uri="{FF2B5EF4-FFF2-40B4-BE49-F238E27FC236}">
+                <a16:creationId xmlns:a16="http://schemas.microsoft.com/office/drawing/2014/main" id="{7E7ADD4E-F7BC-164F-8449-9D10139EC284}"/>
+              </a:ext>
+            </a:extLst>
+          </p:cNvPr>
+          <p:cNvPicPr>
+            <a:picLocks noChangeAspect="1"/>
+          </p:cNvPicPr>
+          <p:nvPr/>
+        </p:nvPicPr>
+        <p:blipFill>
+          <a:blip r:embed="rId6"/>
+          <a:stretch>
+            <a:fillRect/>
+          </a:stretch>
+        </p:blipFill>
+        <p:spPr>
+          <a:xfrm>
+            <a:off x="293614" y="2495834"/>
+            <a:ext cx="5067300" cy="546100"/>
+          </a:xfrm>
+          <a:prstGeom prst="rect">
+            <a:avLst/>
+          </a:prstGeom>
+        </p:spPr>
+      </p:pic>
+      <p:pic>
+        <p:nvPicPr>
+          <p:cNvPr id="12" name="Grafik 11">
+            <a:extLst>
+              <a:ext uri="{FF2B5EF4-FFF2-40B4-BE49-F238E27FC236}">
+                <a16:creationId xmlns:a16="http://schemas.microsoft.com/office/drawing/2014/main" id="{541F6E25-61D4-8F43-A745-2BBFEF06AF1A}"/>
+              </a:ext>
+            </a:extLst>
+          </p:cNvPr>
+          <p:cNvPicPr>
+            <a:picLocks noChangeAspect="1"/>
+          </p:cNvPicPr>
+          <p:nvPr/>
+        </p:nvPicPr>
+        <p:blipFill>
+          <a:blip r:embed="rId7"/>
+          <a:stretch>
+            <a:fillRect/>
+          </a:stretch>
+        </p:blipFill>
+        <p:spPr>
+          <a:xfrm>
+            <a:off x="293614" y="3239906"/>
+            <a:ext cx="5067300" cy="1010994"/>
           </a:xfrm>
           <a:prstGeom prst="rect">
             <a:avLst/>
@@ -21028,7 +24515,7 @@
     </p:spTree>
     <p:extLst>
       <p:ext uri="{BB962C8B-B14F-4D97-AF65-F5344CB8AC3E}">
-        <p14:creationId xmlns:p14="http://schemas.microsoft.com/office/powerpoint/2010/main" val="2791273983"/>
+        <p14:creationId xmlns:p14="http://schemas.microsoft.com/office/powerpoint/2010/main" val="1597085688"/>
       </p:ext>
     </p:extLst>
   </p:cSld>

--- a/presentation/DSII_INITERMEDIATE.pptx
+++ b/presentation/DSII_INITERMEDIATE.pptx
@@ -15342,8 +15342,38 @@
         </p:blipFill>
         <p:spPr>
           <a:xfrm>
-            <a:off x="2747855" y="2562955"/>
+            <a:off x="286008" y="2495834"/>
             <a:ext cx="6311900" cy="3111500"/>
+          </a:xfrm>
+          <a:prstGeom prst="rect">
+            <a:avLst/>
+          </a:prstGeom>
+        </p:spPr>
+      </p:pic>
+      <p:pic>
+        <p:nvPicPr>
+          <p:cNvPr id="6" name="Grafik 5" descr="Ein Bild, das Text enthält.&#10;&#10;Automatisch generierte Beschreibung">
+            <a:extLst>
+              <a:ext uri="{FF2B5EF4-FFF2-40B4-BE49-F238E27FC236}">
+                <a16:creationId xmlns:a16="http://schemas.microsoft.com/office/drawing/2014/main" id="{38683CCC-E019-0B46-A3C3-2CACB80CF213}"/>
+              </a:ext>
+            </a:extLst>
+          </p:cNvPr>
+          <p:cNvPicPr>
+            <a:picLocks noChangeAspect="1"/>
+          </p:cNvPicPr>
+          <p:nvPr/>
+        </p:nvPicPr>
+        <p:blipFill>
+          <a:blip r:embed="rId6"/>
+          <a:stretch>
+            <a:fillRect/>
+          </a:stretch>
+        </p:blipFill>
+        <p:spPr>
+          <a:xfrm>
+            <a:off x="7059394" y="2396892"/>
+            <a:ext cx="4758592" cy="3309384"/>
           </a:xfrm>
           <a:prstGeom prst="rect">
             <a:avLst/>
